--- a/pics/2021-05-12-phase_plane/pics.pptx
+++ b/pics/2021-05-12-phase_plane/pics.pptx
@@ -6,6 +6,7 @@
   </p:sldMasterIdLst>
   <p:sldIdLst>
     <p:sldId id="256" r:id="rId2"/>
+    <p:sldId id="257" r:id="rId3"/>
   </p:sldIdLst>
   <p:sldSz cx="9144000" cy="6858000" type="screen4x3"/>
   <p:notesSz cx="6858000" cy="9144000"/>
@@ -288,7 +289,7 @@
           <a:p>
             <a:fld id="{FB30EDBD-1C2D-4C1E-B459-B60219FAB484}" type="datetimeFigureOut">
               <a:rPr lang="ko-KR" altLang="en-US" smtClean="0"/>
-              <a:t>2021-05-14</a:t>
+              <a:t>2021-05-17</a:t>
             </a:fld>
             <a:endParaRPr lang="ko-KR" altLang="en-US"/>
           </a:p>
@@ -453,7 +454,7 @@
           <a:p>
             <a:fld id="{FB30EDBD-1C2D-4C1E-B459-B60219FAB484}" type="datetimeFigureOut">
               <a:rPr lang="ko-KR" altLang="en-US" smtClean="0"/>
-              <a:t>2021-05-14</a:t>
+              <a:t>2021-05-17</a:t>
             </a:fld>
             <a:endParaRPr lang="ko-KR" altLang="en-US"/>
           </a:p>
@@ -628,7 +629,7 @@
           <a:p>
             <a:fld id="{FB30EDBD-1C2D-4C1E-B459-B60219FAB484}" type="datetimeFigureOut">
               <a:rPr lang="ko-KR" altLang="en-US" smtClean="0"/>
-              <a:t>2021-05-14</a:t>
+              <a:t>2021-05-17</a:t>
             </a:fld>
             <a:endParaRPr lang="ko-KR" altLang="en-US"/>
           </a:p>
@@ -793,7 +794,7 @@
           <a:p>
             <a:fld id="{FB30EDBD-1C2D-4C1E-B459-B60219FAB484}" type="datetimeFigureOut">
               <a:rPr lang="ko-KR" altLang="en-US" smtClean="0"/>
-              <a:t>2021-05-14</a:t>
+              <a:t>2021-05-17</a:t>
             </a:fld>
             <a:endParaRPr lang="ko-KR" altLang="en-US"/>
           </a:p>
@@ -1034,7 +1035,7 @@
           <a:p>
             <a:fld id="{FB30EDBD-1C2D-4C1E-B459-B60219FAB484}" type="datetimeFigureOut">
               <a:rPr lang="ko-KR" altLang="en-US" smtClean="0"/>
-              <a:t>2021-05-14</a:t>
+              <a:t>2021-05-17</a:t>
             </a:fld>
             <a:endParaRPr lang="ko-KR" altLang="en-US"/>
           </a:p>
@@ -1317,7 +1318,7 @@
           <a:p>
             <a:fld id="{FB30EDBD-1C2D-4C1E-B459-B60219FAB484}" type="datetimeFigureOut">
               <a:rPr lang="ko-KR" altLang="en-US" smtClean="0"/>
-              <a:t>2021-05-14</a:t>
+              <a:t>2021-05-17</a:t>
             </a:fld>
             <a:endParaRPr lang="ko-KR" altLang="en-US"/>
           </a:p>
@@ -1734,7 +1735,7 @@
           <a:p>
             <a:fld id="{FB30EDBD-1C2D-4C1E-B459-B60219FAB484}" type="datetimeFigureOut">
               <a:rPr lang="ko-KR" altLang="en-US" smtClean="0"/>
-              <a:t>2021-05-14</a:t>
+              <a:t>2021-05-17</a:t>
             </a:fld>
             <a:endParaRPr lang="ko-KR" altLang="en-US"/>
           </a:p>
@@ -1847,7 +1848,7 @@
           <a:p>
             <a:fld id="{FB30EDBD-1C2D-4C1E-B459-B60219FAB484}" type="datetimeFigureOut">
               <a:rPr lang="ko-KR" altLang="en-US" smtClean="0"/>
-              <a:t>2021-05-14</a:t>
+              <a:t>2021-05-17</a:t>
             </a:fld>
             <a:endParaRPr lang="ko-KR" altLang="en-US"/>
           </a:p>
@@ -1937,7 +1938,7 @@
           <a:p>
             <a:fld id="{FB30EDBD-1C2D-4C1E-B459-B60219FAB484}" type="datetimeFigureOut">
               <a:rPr lang="ko-KR" altLang="en-US" smtClean="0"/>
-              <a:t>2021-05-14</a:t>
+              <a:t>2021-05-17</a:t>
             </a:fld>
             <a:endParaRPr lang="ko-KR" altLang="en-US"/>
           </a:p>
@@ -2209,7 +2210,7 @@
           <a:p>
             <a:fld id="{FB30EDBD-1C2D-4C1E-B459-B60219FAB484}" type="datetimeFigureOut">
               <a:rPr lang="ko-KR" altLang="en-US" smtClean="0"/>
-              <a:t>2021-05-14</a:t>
+              <a:t>2021-05-17</a:t>
             </a:fld>
             <a:endParaRPr lang="ko-KR" altLang="en-US"/>
           </a:p>
@@ -2457,7 +2458,7 @@
           <a:p>
             <a:fld id="{FB30EDBD-1C2D-4C1E-B459-B60219FAB484}" type="datetimeFigureOut">
               <a:rPr lang="ko-KR" altLang="en-US" smtClean="0"/>
-              <a:t>2021-05-14</a:t>
+              <a:t>2021-05-17</a:t>
             </a:fld>
             <a:endParaRPr lang="ko-KR" altLang="en-US"/>
           </a:p>
@@ -2665,7 +2666,7 @@
           <a:p>
             <a:fld id="{FB30EDBD-1C2D-4C1E-B459-B60219FAB484}" type="datetimeFigureOut">
               <a:rPr lang="ko-KR" altLang="en-US" smtClean="0"/>
-              <a:t>2021-05-14</a:t>
+              <a:t>2021-05-17</a:t>
             </a:fld>
             <a:endParaRPr lang="ko-KR" altLang="en-US"/>
           </a:p>
@@ -3112,6 +3113,100 @@
 </p:sld>
 </file>
 
+<file path=ppt/slides/slide2.xml><?xml version="1.0" encoding="utf-8"?>
+<p:sld xmlns:a="http://schemas.openxmlformats.org/drawingml/2006/main" xmlns:r="http://schemas.openxmlformats.org/officeDocument/2006/relationships" xmlns:p="http://schemas.openxmlformats.org/presentationml/2006/main">
+  <p:cSld>
+    <p:spTree>
+      <p:nvGrpSpPr>
+        <p:cNvPr id="1" name=""/>
+        <p:cNvGrpSpPr/>
+        <p:nvPr/>
+      </p:nvGrpSpPr>
+      <p:grpSpPr>
+        <a:xfrm>
+          <a:off x="0" y="0"/>
+          <a:ext cx="0" cy="0"/>
+          <a:chOff x="0" y="0"/>
+          <a:chExt cx="0" cy="0"/>
+        </a:xfrm>
+      </p:grpSpPr>
+      <p:pic>
+        <p:nvPicPr>
+          <p:cNvPr id="1026" name="Picture 2"/>
+          <p:cNvPicPr>
+            <a:picLocks noChangeAspect="1" noChangeArrowheads="1"/>
+          </p:cNvPicPr>
+          <p:nvPr/>
+        </p:nvPicPr>
+        <p:blipFill>
+          <a:blip r:embed="rId2">
+            <a:extLst>
+              <a:ext uri="{28A0092B-C50C-407E-A947-70E740481C1C}">
+                <a14:useLocalDpi xmlns:a14="http://schemas.microsoft.com/office/drawing/2010/main" val="0"/>
+              </a:ext>
+            </a:extLst>
+          </a:blip>
+          <a:srcRect/>
+          <a:stretch>
+            <a:fillRect/>
+          </a:stretch>
+        </p:blipFill>
+        <p:spPr bwMode="auto">
+          <a:xfrm>
+            <a:off x="1909763" y="1433513"/>
+            <a:ext cx="5324475" cy="3990975"/>
+          </a:xfrm>
+          <a:prstGeom prst="rect">
+            <a:avLst/>
+          </a:prstGeom>
+          <a:noFill/>
+          <a:ln>
+            <a:noFill/>
+          </a:ln>
+          <a:effectLst/>
+          <a:extLst>
+            <a:ext uri="{909E8E84-426E-40DD-AFC4-6F175D3DCCD1}">
+              <a14:hiddenFill xmlns:a14="http://schemas.microsoft.com/office/drawing/2010/main">
+                <a:solidFill>
+                  <a:schemeClr val="accent1"/>
+                </a:solidFill>
+              </a14:hiddenFill>
+            </a:ext>
+            <a:ext uri="{91240B29-F687-4F45-9708-019B960494DF}">
+              <a14:hiddenLine xmlns:a14="http://schemas.microsoft.com/office/drawing/2010/main" w="9525">
+                <a:solidFill>
+                  <a:schemeClr val="tx1"/>
+                </a:solidFill>
+                <a:miter lim="800000"/>
+                <a:headEnd/>
+                <a:tailEnd/>
+              </a14:hiddenLine>
+            </a:ext>
+            <a:ext uri="{AF507438-7753-43E0-B8FC-AC1667EBCBE1}">
+              <a14:hiddenEffects xmlns:a14="http://schemas.microsoft.com/office/drawing/2010/main">
+                <a:effectLst>
+                  <a:outerShdw dist="35921" dir="2700000" algn="ctr" rotWithShape="0">
+                    <a:schemeClr val="bg2"/>
+                  </a:outerShdw>
+                </a:effectLst>
+              </a14:hiddenEffects>
+            </a:ext>
+          </a:extLst>
+        </p:spPr>
+      </p:pic>
+    </p:spTree>
+    <p:extLst>
+      <p:ext uri="{BB962C8B-B14F-4D97-AF65-F5344CB8AC3E}">
+        <p14:creationId xmlns:p14="http://schemas.microsoft.com/office/powerpoint/2010/main" val="2335613890"/>
+      </p:ext>
+    </p:extLst>
+  </p:cSld>
+  <p:clrMapOvr>
+    <a:masterClrMapping/>
+  </p:clrMapOvr>
+</p:sld>
+</file>
+
 <file path=ppt/theme/theme1.xml><?xml version="1.0" encoding="utf-8"?>
 <a:theme xmlns:a="http://schemas.openxmlformats.org/drawingml/2006/main" name="Office 테마">
   <a:themeElements>

--- a/pics/2021-05-12-phase_plane/pics.pptx
+++ b/pics/2021-05-12-phase_plane/pics.pptx
@@ -7,6 +7,7 @@
   <p:sldIdLst>
     <p:sldId id="256" r:id="rId2"/>
     <p:sldId id="257" r:id="rId3"/>
+    <p:sldId id="258" r:id="rId4"/>
   </p:sldIdLst>
   <p:sldSz cx="9144000" cy="6858000" type="screen4x3"/>
   <p:notesSz cx="6858000" cy="9144000"/>
@@ -3207,6 +3208,1847 @@
 </p:sld>
 </file>
 
+<file path=ppt/slides/slide3.xml><?xml version="1.0" encoding="utf-8"?>
+<p:sld xmlns:a="http://schemas.openxmlformats.org/drawingml/2006/main" xmlns:r="http://schemas.openxmlformats.org/officeDocument/2006/relationships" xmlns:p="http://schemas.openxmlformats.org/presentationml/2006/main">
+  <p:cSld>
+    <p:spTree>
+      <p:nvGrpSpPr>
+        <p:cNvPr id="1" name=""/>
+        <p:cNvGrpSpPr/>
+        <p:nvPr/>
+      </p:nvGrpSpPr>
+      <p:grpSpPr>
+        <a:xfrm>
+          <a:off x="0" y="0"/>
+          <a:ext cx="0" cy="0"/>
+          <a:chOff x="0" y="0"/>
+          <a:chExt cx="0" cy="0"/>
+        </a:xfrm>
+      </p:grpSpPr>
+      <p:cxnSp>
+        <p:nvCxnSpPr>
+          <p:cNvPr id="5" name="직선 화살표 연결선 4"/>
+          <p:cNvCxnSpPr/>
+          <p:nvPr/>
+        </p:nvCxnSpPr>
+        <p:spPr>
+          <a:xfrm>
+            <a:off x="1983995" y="2821578"/>
+            <a:ext cx="2304256" cy="0"/>
+          </a:xfrm>
+          <a:prstGeom prst="straightConnector1">
+            <a:avLst/>
+          </a:prstGeom>
+          <a:ln w="19050">
+            <a:solidFill>
+              <a:schemeClr val="tx1"/>
+            </a:solidFill>
+            <a:tailEnd type="arrow"/>
+          </a:ln>
+        </p:spPr>
+        <p:style>
+          <a:lnRef idx="1">
+            <a:schemeClr val="accent1"/>
+          </a:lnRef>
+          <a:fillRef idx="0">
+            <a:schemeClr val="accent1"/>
+          </a:fillRef>
+          <a:effectRef idx="0">
+            <a:schemeClr val="accent1"/>
+          </a:effectRef>
+          <a:fontRef idx="minor">
+            <a:schemeClr val="tx1"/>
+          </a:fontRef>
+        </p:style>
+      </p:cxnSp>
+      <p:cxnSp>
+        <p:nvCxnSpPr>
+          <p:cNvPr id="7" name="직선 화살표 연결선 6"/>
+          <p:cNvCxnSpPr/>
+          <p:nvPr/>
+        </p:nvCxnSpPr>
+        <p:spPr>
+          <a:xfrm flipV="1">
+            <a:off x="2128011" y="1921478"/>
+            <a:ext cx="0" cy="1548172"/>
+          </a:xfrm>
+          <a:prstGeom prst="straightConnector1">
+            <a:avLst/>
+          </a:prstGeom>
+          <a:ln w="19050">
+            <a:solidFill>
+              <a:schemeClr val="tx1"/>
+            </a:solidFill>
+            <a:tailEnd type="arrow"/>
+          </a:ln>
+        </p:spPr>
+        <p:style>
+          <a:lnRef idx="1">
+            <a:schemeClr val="accent1"/>
+          </a:lnRef>
+          <a:fillRef idx="0">
+            <a:schemeClr val="accent1"/>
+          </a:fillRef>
+          <a:effectRef idx="0">
+            <a:schemeClr val="accent1"/>
+          </a:effectRef>
+          <a:fontRef idx="minor">
+            <a:schemeClr val="tx1"/>
+          </a:fontRef>
+        </p:style>
+      </p:cxnSp>
+      <mc:AlternateContent xmlns:mc="http://schemas.openxmlformats.org/markup-compatibility/2006">
+        <mc:Choice xmlns:a14="http://schemas.microsoft.com/office/drawing/2010/main" Requires="a14">
+          <p:sp>
+            <p:nvSpPr>
+              <p:cNvPr id="10" name="TextBox 9"/>
+              <p:cNvSpPr txBox="1"/>
+              <p:nvPr/>
+            </p:nvSpPr>
+            <p:spPr>
+              <a:xfrm>
+                <a:off x="4089831" y="2824793"/>
+                <a:ext cx="396840" cy="369332"/>
+              </a:xfrm>
+              <a:prstGeom prst="rect">
+                <a:avLst/>
+              </a:prstGeom>
+              <a:noFill/>
+            </p:spPr>
+            <p:txBody>
+              <a:bodyPr wrap="none" rtlCol="0">
+                <a:spAutoFit/>
+              </a:bodyPr>
+              <a:lstStyle/>
+              <a:p>
+                <a14:m>
+                  <m:oMathPara xmlns:m="http://schemas.openxmlformats.org/officeDocument/2006/math">
+                    <m:oMathParaPr>
+                      <m:jc m:val="centerGroup"/>
+                    </m:oMathParaPr>
+                    <m:oMath xmlns:m="http://schemas.openxmlformats.org/officeDocument/2006/math">
+                      <m:r>
+                        <a:rPr lang="en-US" altLang="ko-KR" b="0" i="1" smtClean="0">
+                          <a:latin typeface="Cambria Math"/>
+                        </a:rPr>
+                        <m:t>𝑥</m:t>
+                      </m:r>
+                    </m:oMath>
+                  </m:oMathPara>
+                </a14:m>
+                <a:endParaRPr lang="ko-KR" altLang="en-US" dirty="0"/>
+              </a:p>
+            </p:txBody>
+          </p:sp>
+        </mc:Choice>
+        <mc:Fallback>
+          <p:sp>
+            <p:nvSpPr>
+              <p:cNvPr id="10" name="TextBox 9"/>
+              <p:cNvSpPr txBox="1">
+                <a:spLocks noRot="1" noChangeAspect="1" noMove="1" noResize="1" noEditPoints="1" noAdjustHandles="1" noChangeArrowheads="1" noChangeShapeType="1" noTextEdit="1"/>
+              </p:cNvSpPr>
+              <p:nvPr/>
+            </p:nvSpPr>
+            <p:spPr>
+              <a:xfrm>
+                <a:off x="4089831" y="2824793"/>
+                <a:ext cx="396840" cy="369332"/>
+              </a:xfrm>
+              <a:prstGeom prst="rect">
+                <a:avLst/>
+              </a:prstGeom>
+              <a:blipFill rotWithShape="1">
+                <a:blip r:embed="rId2"/>
+                <a:stretch>
+                  <a:fillRect/>
+                </a:stretch>
+              </a:blipFill>
+            </p:spPr>
+            <p:txBody>
+              <a:bodyPr/>
+              <a:lstStyle/>
+              <a:p>
+                <a:r>
+                  <a:rPr lang="ko-KR" altLang="en-US">
+                    <a:noFill/>
+                  </a:rPr>
+                  <a:t> </a:t>
+                </a:r>
+              </a:p>
+            </p:txBody>
+          </p:sp>
+        </mc:Fallback>
+      </mc:AlternateContent>
+      <mc:AlternateContent xmlns:mc="http://schemas.openxmlformats.org/markup-compatibility/2006">
+        <mc:Choice xmlns:a14="http://schemas.microsoft.com/office/drawing/2010/main" Requires="a14">
+          <p:sp>
+            <p:nvSpPr>
+              <p:cNvPr id="11" name="TextBox 10"/>
+              <p:cNvSpPr txBox="1"/>
+              <p:nvPr/>
+            </p:nvSpPr>
+            <p:spPr>
+              <a:xfrm>
+                <a:off x="1731171" y="1888667"/>
+                <a:ext cx="396840" cy="369332"/>
+              </a:xfrm>
+              <a:prstGeom prst="rect">
+                <a:avLst/>
+              </a:prstGeom>
+              <a:noFill/>
+            </p:spPr>
+            <p:txBody>
+              <a:bodyPr wrap="none" rtlCol="0">
+                <a:spAutoFit/>
+              </a:bodyPr>
+              <a:lstStyle/>
+              <a:p>
+                <a14:m>
+                  <m:oMathPara xmlns:m="http://schemas.openxmlformats.org/officeDocument/2006/math">
+                    <m:oMathParaPr>
+                      <m:jc m:val="centerGroup"/>
+                    </m:oMathParaPr>
+                    <m:oMath xmlns:m="http://schemas.openxmlformats.org/officeDocument/2006/math">
+                      <m:r>
+                        <a:rPr lang="en-US" altLang="ko-KR" b="0" i="1" smtClean="0">
+                          <a:latin typeface="Cambria Math"/>
+                        </a:rPr>
+                        <m:t>𝑦</m:t>
+                      </m:r>
+                    </m:oMath>
+                  </m:oMathPara>
+                </a14:m>
+                <a:endParaRPr lang="ko-KR" altLang="en-US" dirty="0"/>
+              </a:p>
+            </p:txBody>
+          </p:sp>
+        </mc:Choice>
+        <mc:Fallback>
+          <p:sp>
+            <p:nvSpPr>
+              <p:cNvPr id="11" name="TextBox 10"/>
+              <p:cNvSpPr txBox="1">
+                <a:spLocks noRot="1" noChangeAspect="1" noMove="1" noResize="1" noEditPoints="1" noAdjustHandles="1" noChangeArrowheads="1" noChangeShapeType="1" noTextEdit="1"/>
+              </p:cNvSpPr>
+              <p:nvPr/>
+            </p:nvSpPr>
+            <p:spPr>
+              <a:xfrm>
+                <a:off x="1731171" y="1888667"/>
+                <a:ext cx="396840" cy="369332"/>
+              </a:xfrm>
+              <a:prstGeom prst="rect">
+                <a:avLst/>
+              </a:prstGeom>
+              <a:blipFill rotWithShape="1">
+                <a:blip r:embed="rId3"/>
+                <a:stretch>
+                  <a:fillRect b="-10000"/>
+                </a:stretch>
+              </a:blipFill>
+            </p:spPr>
+            <p:txBody>
+              <a:bodyPr/>
+              <a:lstStyle/>
+              <a:p>
+                <a:r>
+                  <a:rPr lang="ko-KR" altLang="en-US">
+                    <a:noFill/>
+                  </a:rPr>
+                  <a:t> </a:t>
+                </a:r>
+              </a:p>
+            </p:txBody>
+          </p:sp>
+        </mc:Fallback>
+      </mc:AlternateContent>
+      <p:cxnSp>
+        <p:nvCxnSpPr>
+          <p:cNvPr id="13" name="직선 연결선 12"/>
+          <p:cNvCxnSpPr/>
+          <p:nvPr/>
+        </p:nvCxnSpPr>
+        <p:spPr>
+          <a:xfrm>
+            <a:off x="2776083" y="2724289"/>
+            <a:ext cx="0" cy="194578"/>
+          </a:xfrm>
+          <a:prstGeom prst="line">
+            <a:avLst/>
+          </a:prstGeom>
+          <a:ln>
+            <a:solidFill>
+              <a:schemeClr val="tx1"/>
+            </a:solidFill>
+          </a:ln>
+        </p:spPr>
+        <p:style>
+          <a:lnRef idx="1">
+            <a:schemeClr val="accent1"/>
+          </a:lnRef>
+          <a:fillRef idx="0">
+            <a:schemeClr val="accent1"/>
+          </a:fillRef>
+          <a:effectRef idx="0">
+            <a:schemeClr val="accent1"/>
+          </a:effectRef>
+          <a:fontRef idx="minor">
+            <a:schemeClr val="tx1"/>
+          </a:fontRef>
+        </p:style>
+      </p:cxnSp>
+      <p:cxnSp>
+        <p:nvCxnSpPr>
+          <p:cNvPr id="14" name="직선 연결선 13"/>
+          <p:cNvCxnSpPr/>
+          <p:nvPr/>
+        </p:nvCxnSpPr>
+        <p:spPr>
+          <a:xfrm>
+            <a:off x="3424155" y="2724289"/>
+            <a:ext cx="0" cy="194578"/>
+          </a:xfrm>
+          <a:prstGeom prst="line">
+            <a:avLst/>
+          </a:prstGeom>
+          <a:ln>
+            <a:solidFill>
+              <a:schemeClr val="tx1"/>
+            </a:solidFill>
+          </a:ln>
+        </p:spPr>
+        <p:style>
+          <a:lnRef idx="1">
+            <a:schemeClr val="accent1"/>
+          </a:lnRef>
+          <a:fillRef idx="0">
+            <a:schemeClr val="accent1"/>
+          </a:fillRef>
+          <a:effectRef idx="0">
+            <a:schemeClr val="accent1"/>
+          </a:effectRef>
+          <a:fontRef idx="minor">
+            <a:schemeClr val="tx1"/>
+          </a:fontRef>
+        </p:style>
+      </p:cxnSp>
+      <p:cxnSp>
+        <p:nvCxnSpPr>
+          <p:cNvPr id="16" name="직선 연결선 15"/>
+          <p:cNvCxnSpPr/>
+          <p:nvPr/>
+        </p:nvCxnSpPr>
+        <p:spPr>
+          <a:xfrm rot="16200000">
+            <a:off x="2128011" y="3228345"/>
+            <a:ext cx="0" cy="194578"/>
+          </a:xfrm>
+          <a:prstGeom prst="line">
+            <a:avLst/>
+          </a:prstGeom>
+          <a:ln>
+            <a:solidFill>
+              <a:schemeClr val="tx1"/>
+            </a:solidFill>
+          </a:ln>
+        </p:spPr>
+        <p:style>
+          <a:lnRef idx="1">
+            <a:schemeClr val="accent1"/>
+          </a:lnRef>
+          <a:fillRef idx="0">
+            <a:schemeClr val="accent1"/>
+          </a:fillRef>
+          <a:effectRef idx="0">
+            <a:schemeClr val="accent1"/>
+          </a:effectRef>
+          <a:fontRef idx="minor">
+            <a:schemeClr val="tx1"/>
+          </a:fontRef>
+        </p:style>
+      </p:cxnSp>
+      <p:cxnSp>
+        <p:nvCxnSpPr>
+          <p:cNvPr id="20" name="직선 연결선 19"/>
+          <p:cNvCxnSpPr/>
+          <p:nvPr/>
+        </p:nvCxnSpPr>
+        <p:spPr>
+          <a:xfrm>
+            <a:off x="2128011" y="3325634"/>
+            <a:ext cx="1296144" cy="0"/>
+          </a:xfrm>
+          <a:prstGeom prst="line">
+            <a:avLst/>
+          </a:prstGeom>
+          <a:ln>
+            <a:solidFill>
+              <a:schemeClr val="tx1"/>
+            </a:solidFill>
+            <a:prstDash val="dash"/>
+          </a:ln>
+        </p:spPr>
+        <p:style>
+          <a:lnRef idx="1">
+            <a:schemeClr val="accent1"/>
+          </a:lnRef>
+          <a:fillRef idx="0">
+            <a:schemeClr val="accent1"/>
+          </a:fillRef>
+          <a:effectRef idx="0">
+            <a:schemeClr val="accent1"/>
+          </a:effectRef>
+          <a:fontRef idx="minor">
+            <a:schemeClr val="tx1"/>
+          </a:fontRef>
+        </p:style>
+      </p:cxnSp>
+      <p:cxnSp>
+        <p:nvCxnSpPr>
+          <p:cNvPr id="22" name="직선 연결선 21"/>
+          <p:cNvCxnSpPr/>
+          <p:nvPr/>
+        </p:nvCxnSpPr>
+        <p:spPr>
+          <a:xfrm flipV="1">
+            <a:off x="3424155" y="2824793"/>
+            <a:ext cx="0" cy="500841"/>
+          </a:xfrm>
+          <a:prstGeom prst="line">
+            <a:avLst/>
+          </a:prstGeom>
+          <a:ln>
+            <a:solidFill>
+              <a:schemeClr val="tx1"/>
+            </a:solidFill>
+            <a:prstDash val="dash"/>
+          </a:ln>
+        </p:spPr>
+        <p:style>
+          <a:lnRef idx="1">
+            <a:schemeClr val="accent1"/>
+          </a:lnRef>
+          <a:fillRef idx="0">
+            <a:schemeClr val="accent1"/>
+          </a:fillRef>
+          <a:effectRef idx="0">
+            <a:schemeClr val="accent1"/>
+          </a:effectRef>
+          <a:fontRef idx="minor">
+            <a:schemeClr val="tx1"/>
+          </a:fontRef>
+        </p:style>
+      </p:cxnSp>
+      <p:cxnSp>
+        <p:nvCxnSpPr>
+          <p:cNvPr id="18" name="직선 화살표 연결선 17"/>
+          <p:cNvCxnSpPr/>
+          <p:nvPr/>
+        </p:nvCxnSpPr>
+        <p:spPr>
+          <a:xfrm flipH="1" flipV="1">
+            <a:off x="3280139" y="3009459"/>
+            <a:ext cx="144016" cy="316175"/>
+          </a:xfrm>
+          <a:prstGeom prst="straightConnector1">
+            <a:avLst/>
+          </a:prstGeom>
+          <a:ln w="19050">
+            <a:solidFill>
+              <a:srgbClr val="FF0000"/>
+            </a:solidFill>
+            <a:headEnd type="oval"/>
+            <a:tailEnd type="arrow"/>
+          </a:ln>
+        </p:spPr>
+        <p:style>
+          <a:lnRef idx="1">
+            <a:schemeClr val="accent1"/>
+          </a:lnRef>
+          <a:fillRef idx="0">
+            <a:schemeClr val="accent1"/>
+          </a:fillRef>
+          <a:effectRef idx="0">
+            <a:schemeClr val="accent1"/>
+          </a:effectRef>
+          <a:fontRef idx="minor">
+            <a:schemeClr val="tx1"/>
+          </a:fontRef>
+        </p:style>
+      </p:cxnSp>
+      <p:sp>
+        <p:nvSpPr>
+          <p:cNvPr id="23" name="타원 22"/>
+          <p:cNvSpPr/>
+          <p:nvPr/>
+        </p:nvSpPr>
+        <p:spPr>
+          <a:xfrm>
+            <a:off x="3028111" y="2918867"/>
+            <a:ext cx="648072" cy="648072"/>
+          </a:xfrm>
+          <a:prstGeom prst="ellipse">
+            <a:avLst/>
+          </a:prstGeom>
+          <a:noFill/>
+          <a:ln>
+            <a:prstDash val="solid"/>
+          </a:ln>
+        </p:spPr>
+        <p:style>
+          <a:lnRef idx="2">
+            <a:schemeClr val="accent1">
+              <a:shade val="50000"/>
+            </a:schemeClr>
+          </a:lnRef>
+          <a:fillRef idx="1">
+            <a:schemeClr val="accent1"/>
+          </a:fillRef>
+          <a:effectRef idx="0">
+            <a:schemeClr val="accent1"/>
+          </a:effectRef>
+          <a:fontRef idx="minor">
+            <a:schemeClr val="lt1"/>
+          </a:fontRef>
+        </p:style>
+        <p:txBody>
+          <a:bodyPr rtlCol="0" anchor="ctr"/>
+          <a:lstStyle/>
+          <a:p>
+            <a:pPr algn="ctr"/>
+            <a:endParaRPr lang="ko-KR" altLang="en-US"/>
+          </a:p>
+        </p:txBody>
+      </p:sp>
+      <mc:AlternateContent xmlns:mc="http://schemas.openxmlformats.org/markup-compatibility/2006">
+        <mc:Choice xmlns:a14="http://schemas.microsoft.com/office/drawing/2010/main" Requires="a14">
+          <p:sp>
+            <p:nvSpPr>
+              <p:cNvPr id="24" name="TextBox 23"/>
+              <p:cNvSpPr txBox="1"/>
+              <p:nvPr/>
+            </p:nvSpPr>
+            <p:spPr>
+              <a:xfrm>
+                <a:off x="4576283" y="1997640"/>
+                <a:ext cx="2836546" cy="1183978"/>
+              </a:xfrm>
+              <a:prstGeom prst="rect">
+                <a:avLst/>
+              </a:prstGeom>
+              <a:noFill/>
+            </p:spPr>
+            <p:txBody>
+              <a:bodyPr wrap="none" rtlCol="0">
+                <a:spAutoFit/>
+              </a:bodyPr>
+              <a:lstStyle/>
+              <a:p>
+                <a14:m>
+                  <m:oMathPara xmlns:m="http://schemas.openxmlformats.org/officeDocument/2006/math">
+                    <m:oMathParaPr>
+                      <m:jc m:val="centerGroup"/>
+                    </m:oMathParaPr>
+                    <m:oMath xmlns:m="http://schemas.openxmlformats.org/officeDocument/2006/math">
+                      <m:d>
+                        <m:dPr>
+                          <m:begChr m:val="{"/>
+                          <m:endChr m:val=""/>
+                          <m:ctrlPr>
+                            <a:rPr lang="en-US" altLang="ko-KR" i="1" smtClean="0">
+                              <a:latin typeface="Cambria Math"/>
+                            </a:rPr>
+                          </m:ctrlPr>
+                        </m:dPr>
+                        <m:e>
+                          <m:eqArr>
+                            <m:eqArrPr>
+                              <m:ctrlPr>
+                                <a:rPr lang="en-US" altLang="ko-KR" i="1" smtClean="0">
+                                  <a:latin typeface="Cambria Math"/>
+                                </a:rPr>
+                              </m:ctrlPr>
+                            </m:eqArrPr>
+                            <m:e>
+                              <m:f>
+                                <m:fPr>
+                                  <m:ctrlPr>
+                                    <a:rPr lang="en-US" altLang="ko-KR" b="0" i="1" smtClean="0">
+                                      <a:latin typeface="Cambria Math"/>
+                                    </a:rPr>
+                                  </m:ctrlPr>
+                                </m:fPr>
+                                <m:num>
+                                  <m:r>
+                                    <a:rPr lang="en-US" altLang="ko-KR" b="0" i="1" smtClean="0">
+                                      <a:latin typeface="Cambria Math"/>
+                                    </a:rPr>
+                                    <m:t>𝑑𝑥</m:t>
+                                  </m:r>
+                                </m:num>
+                                <m:den>
+                                  <m:r>
+                                    <a:rPr lang="en-US" altLang="ko-KR" b="0" i="1" smtClean="0">
+                                      <a:latin typeface="Cambria Math"/>
+                                    </a:rPr>
+                                    <m:t>𝑑𝑡</m:t>
+                                  </m:r>
+                                </m:den>
+                              </m:f>
+                              <m:r>
+                                <a:rPr lang="en-US" altLang="ko-KR" b="0" i="1" smtClean="0">
+                                  <a:latin typeface="Cambria Math"/>
+                                </a:rPr>
+                                <m:t>=</m:t>
+                              </m:r>
+                              <m:r>
+                                <a:rPr lang="en-US" altLang="ko-KR" b="0" i="1" smtClean="0">
+                                  <a:latin typeface="Cambria Math"/>
+                                </a:rPr>
+                                <m:t>𝑦</m:t>
+                              </m:r>
+                              <m:r>
+                                <a:rPr lang="en-US" altLang="ko-KR" b="0" i="1" smtClean="0">
+                                  <a:latin typeface="Cambria Math"/>
+                                </a:rPr>
+                                <m:t>=−1</m:t>
+                              </m:r>
+                            </m:e>
+                            <m:e>
+                              <m:f>
+                                <m:fPr>
+                                  <m:ctrlPr>
+                                    <a:rPr lang="en-US" altLang="ko-KR" b="0" i="1" smtClean="0">
+                                      <a:latin typeface="Cambria Math"/>
+                                    </a:rPr>
+                                  </m:ctrlPr>
+                                </m:fPr>
+                                <m:num>
+                                  <m:r>
+                                    <a:rPr lang="en-US" altLang="ko-KR" b="0" i="1" smtClean="0">
+                                      <a:latin typeface="Cambria Math"/>
+                                    </a:rPr>
+                                    <m:t>𝑑𝑦</m:t>
+                                  </m:r>
+                                </m:num>
+                                <m:den>
+                                  <m:r>
+                                    <a:rPr lang="en-US" altLang="ko-KR" b="0" i="1" smtClean="0">
+                                      <a:latin typeface="Cambria Math"/>
+                                    </a:rPr>
+                                    <m:t>𝑑𝑡</m:t>
+                                  </m:r>
+                                </m:den>
+                              </m:f>
+                              <m:r>
+                                <a:rPr lang="en-US" altLang="ko-KR" b="0" i="1" smtClean="0">
+                                  <a:latin typeface="Cambria Math"/>
+                                </a:rPr>
+                                <m:t>=</m:t>
+                              </m:r>
+                              <m:r>
+                                <a:rPr lang="en-US" altLang="ko-KR" b="0" i="1" smtClean="0">
+                                  <a:latin typeface="Cambria Math"/>
+                                </a:rPr>
+                                <m:t>𝑥</m:t>
+                              </m:r>
+                              <m:r>
+                                <a:rPr lang="en-US" altLang="ko-KR" b="0" i="1" smtClean="0">
+                                  <a:latin typeface="Cambria Math"/>
+                                </a:rPr>
+                                <m:t> =  2</m:t>
+                              </m:r>
+                            </m:e>
+                          </m:eqArr>
+                        </m:e>
+                      </m:d>
+                      <m:r>
+                        <a:rPr lang="en-US" altLang="ko-KR" b="0" i="1" smtClean="0">
+                          <a:latin typeface="Cambria Math"/>
+                        </a:rPr>
+                        <m:t>   , </m:t>
+                      </m:r>
+                      <m:r>
+                        <m:rPr>
+                          <m:sty m:val="p"/>
+                        </m:rPr>
+                        <a:rPr lang="en-US" altLang="ko-KR" b="0" i="0" smtClean="0">
+                          <a:latin typeface="Cambria Math"/>
+                        </a:rPr>
+                        <m:t>Δ</m:t>
+                      </m:r>
+                      <m:r>
+                        <a:rPr lang="en-US" altLang="ko-KR" b="0" i="1" smtClean="0">
+                          <a:latin typeface="Cambria Math"/>
+                        </a:rPr>
+                        <m:t>𝑡</m:t>
+                      </m:r>
+                      <m:r>
+                        <a:rPr lang="en-US" altLang="ko-KR" b="0" i="1" smtClean="0">
+                          <a:latin typeface="Cambria Math"/>
+                        </a:rPr>
+                        <m:t>=0.1</m:t>
+                      </m:r>
+                    </m:oMath>
+                  </m:oMathPara>
+                </a14:m>
+                <a:endParaRPr lang="ko-KR" altLang="en-US" dirty="0"/>
+              </a:p>
+            </p:txBody>
+          </p:sp>
+        </mc:Choice>
+        <mc:Fallback>
+          <p:sp>
+            <p:nvSpPr>
+              <p:cNvPr id="24" name="TextBox 23"/>
+              <p:cNvSpPr txBox="1">
+                <a:spLocks noRot="1" noChangeAspect="1" noMove="1" noResize="1" noEditPoints="1" noAdjustHandles="1" noChangeArrowheads="1" noChangeShapeType="1" noTextEdit="1"/>
+              </p:cNvSpPr>
+              <p:nvPr/>
+            </p:nvSpPr>
+            <p:spPr>
+              <a:xfrm>
+                <a:off x="4576283" y="1997640"/>
+                <a:ext cx="2836546" cy="1183978"/>
+              </a:xfrm>
+              <a:prstGeom prst="rect">
+                <a:avLst/>
+              </a:prstGeom>
+              <a:blipFill rotWithShape="1">
+                <a:blip r:embed="rId4"/>
+                <a:stretch>
+                  <a:fillRect/>
+                </a:stretch>
+              </a:blipFill>
+            </p:spPr>
+            <p:txBody>
+              <a:bodyPr/>
+              <a:lstStyle/>
+              <a:p>
+                <a:r>
+                  <a:rPr lang="ko-KR" altLang="en-US">
+                    <a:noFill/>
+                  </a:rPr>
+                  <a:t> </a:t>
+                </a:r>
+              </a:p>
+            </p:txBody>
+          </p:sp>
+        </mc:Fallback>
+      </mc:AlternateContent>
+      <mc:AlternateContent xmlns:mc="http://schemas.openxmlformats.org/markup-compatibility/2006">
+        <mc:Choice xmlns:a14="http://schemas.microsoft.com/office/drawing/2010/main" Requires="a14">
+          <p:sp>
+            <p:nvSpPr>
+              <p:cNvPr id="25" name="TextBox 24"/>
+              <p:cNvSpPr txBox="1"/>
+              <p:nvPr/>
+            </p:nvSpPr>
+            <p:spPr>
+              <a:xfrm>
+                <a:off x="4432267" y="1660158"/>
+                <a:ext cx="2197846" cy="369332"/>
+              </a:xfrm>
+              <a:prstGeom prst="rect">
+                <a:avLst/>
+              </a:prstGeom>
+              <a:noFill/>
+            </p:spPr>
+            <p:txBody>
+              <a:bodyPr wrap="none" rtlCol="0">
+                <a:spAutoFit/>
+              </a:bodyPr>
+              <a:lstStyle/>
+              <a:p>
+                <a14:m>
+                  <m:oMath xmlns:m="http://schemas.openxmlformats.org/officeDocument/2006/math">
+                    <m:d>
+                      <m:dPr>
+                        <m:ctrlPr>
+                          <a:rPr lang="en-US" altLang="ko-KR" b="0" i="1" smtClean="0">
+                            <a:latin typeface="Cambria Math"/>
+                          </a:rPr>
+                        </m:ctrlPr>
+                      </m:dPr>
+                      <m:e>
+                        <m:r>
+                          <a:rPr lang="en-US" altLang="ko-KR" b="0" i="1" smtClean="0">
+                            <a:latin typeface="Cambria Math"/>
+                          </a:rPr>
+                          <m:t>𝑥</m:t>
+                        </m:r>
+                        <m:r>
+                          <a:rPr lang="en-US" altLang="ko-KR" b="0" i="1" smtClean="0">
+                            <a:latin typeface="Cambria Math"/>
+                          </a:rPr>
+                          <m:t>,</m:t>
+                        </m:r>
+                        <m:r>
+                          <a:rPr lang="en-US" altLang="ko-KR" b="0" i="1" smtClean="0">
+                            <a:latin typeface="Cambria Math"/>
+                          </a:rPr>
+                          <m:t>𝑦</m:t>
+                        </m:r>
+                      </m:e>
+                    </m:d>
+                    <m:r>
+                      <a:rPr lang="en-US" altLang="ko-KR" b="0" i="1" smtClean="0">
+                        <a:latin typeface="Cambria Math"/>
+                      </a:rPr>
+                      <m:t>=</m:t>
+                    </m:r>
+                    <m:d>
+                      <m:dPr>
+                        <m:ctrlPr>
+                          <a:rPr lang="en-US" altLang="ko-KR" b="0" i="1" smtClean="0">
+                            <a:latin typeface="Cambria Math"/>
+                          </a:rPr>
+                        </m:ctrlPr>
+                      </m:dPr>
+                      <m:e>
+                        <m:r>
+                          <a:rPr lang="en-US" altLang="ko-KR" b="0" i="1" smtClean="0">
+                            <a:latin typeface="Cambria Math"/>
+                          </a:rPr>
+                          <m:t>2, −1</m:t>
+                        </m:r>
+                      </m:e>
+                    </m:d>
+                  </m:oMath>
+                </a14:m>
+                <a:r>
+                  <a:rPr lang="ko-KR" altLang="en-US" dirty="0" smtClean="0"/>
+                  <a:t>에서</a:t>
+                </a:r>
+                <a:endParaRPr lang="ko-KR" altLang="en-US" dirty="0"/>
+              </a:p>
+            </p:txBody>
+          </p:sp>
+        </mc:Choice>
+        <mc:Fallback>
+          <p:sp>
+            <p:nvSpPr>
+              <p:cNvPr id="25" name="TextBox 24"/>
+              <p:cNvSpPr txBox="1">
+                <a:spLocks noRot="1" noChangeAspect="1" noMove="1" noResize="1" noEditPoints="1" noAdjustHandles="1" noChangeArrowheads="1" noChangeShapeType="1" noTextEdit="1"/>
+              </p:cNvSpPr>
+              <p:nvPr/>
+            </p:nvSpPr>
+            <p:spPr>
+              <a:xfrm>
+                <a:off x="4432267" y="1660158"/>
+                <a:ext cx="2197846" cy="369332"/>
+              </a:xfrm>
+              <a:prstGeom prst="rect">
+                <a:avLst/>
+              </a:prstGeom>
+              <a:blipFill rotWithShape="1">
+                <a:blip r:embed="rId5"/>
+                <a:stretch>
+                  <a:fillRect t="-8197" r="-1662" b="-24590"/>
+                </a:stretch>
+              </a:blipFill>
+            </p:spPr>
+            <p:txBody>
+              <a:bodyPr/>
+              <a:lstStyle/>
+              <a:p>
+                <a:r>
+                  <a:rPr lang="ko-KR" altLang="en-US">
+                    <a:noFill/>
+                  </a:rPr>
+                  <a:t> </a:t>
+                </a:r>
+              </a:p>
+            </p:txBody>
+          </p:sp>
+        </mc:Fallback>
+      </mc:AlternateContent>
+      <p:sp>
+        <p:nvSpPr>
+          <p:cNvPr id="26" name="타원 25"/>
+          <p:cNvSpPr/>
+          <p:nvPr/>
+        </p:nvSpPr>
+        <p:spPr>
+          <a:xfrm>
+            <a:off x="3820560" y="3325633"/>
+            <a:ext cx="2479631" cy="2479631"/>
+          </a:xfrm>
+          <a:prstGeom prst="ellipse">
+            <a:avLst/>
+          </a:prstGeom>
+          <a:noFill/>
+          <a:ln>
+            <a:prstDash val="solid"/>
+          </a:ln>
+        </p:spPr>
+        <p:style>
+          <a:lnRef idx="2">
+            <a:schemeClr val="accent1">
+              <a:shade val="50000"/>
+            </a:schemeClr>
+          </a:lnRef>
+          <a:fillRef idx="1">
+            <a:schemeClr val="accent1"/>
+          </a:fillRef>
+          <a:effectRef idx="0">
+            <a:schemeClr val="accent1"/>
+          </a:effectRef>
+          <a:fontRef idx="minor">
+            <a:schemeClr val="lt1"/>
+          </a:fontRef>
+        </p:style>
+        <p:txBody>
+          <a:bodyPr rtlCol="0" anchor="ctr"/>
+          <a:lstStyle/>
+          <a:p>
+            <a:pPr algn="ctr"/>
+            <a:endParaRPr lang="ko-KR" altLang="en-US"/>
+          </a:p>
+        </p:txBody>
+      </p:sp>
+      <mc:AlternateContent xmlns:mc="http://schemas.openxmlformats.org/markup-compatibility/2006">
+        <mc:Choice xmlns:a14="http://schemas.microsoft.com/office/drawing/2010/main" Requires="a14">
+          <p:sp>
+            <p:nvSpPr>
+              <p:cNvPr id="30" name="직사각형 29"/>
+              <p:cNvSpPr/>
+              <p:nvPr/>
+            </p:nvSpPr>
+            <p:spPr>
+              <a:xfrm>
+                <a:off x="4965976" y="4931876"/>
+                <a:ext cx="974176" cy="369332"/>
+              </a:xfrm>
+              <a:prstGeom prst="rect">
+                <a:avLst/>
+              </a:prstGeom>
+            </p:spPr>
+            <p:txBody>
+              <a:bodyPr wrap="none">
+                <a:spAutoFit/>
+              </a:bodyPr>
+              <a:lstStyle/>
+              <a:p>
+                <a14:m>
+                  <m:oMathPara xmlns:m="http://schemas.openxmlformats.org/officeDocument/2006/math">
+                    <m:oMathParaPr>
+                      <m:jc m:val="centerGroup"/>
+                    </m:oMathParaPr>
+                    <m:oMath xmlns:m="http://schemas.openxmlformats.org/officeDocument/2006/math">
+                      <m:d>
+                        <m:dPr>
+                          <m:ctrlPr>
+                            <a:rPr lang="en-US" altLang="ko-KR" i="1">
+                              <a:latin typeface="Cambria Math"/>
+                            </a:rPr>
+                          </m:ctrlPr>
+                        </m:dPr>
+                        <m:e>
+                          <m:r>
+                            <a:rPr lang="en-US" altLang="ko-KR" i="1">
+                              <a:latin typeface="Cambria Math"/>
+                            </a:rPr>
+                            <m:t>2, −1</m:t>
+                          </m:r>
+                        </m:e>
+                      </m:d>
+                    </m:oMath>
+                  </m:oMathPara>
+                </a14:m>
+                <a:endParaRPr lang="ko-KR" altLang="en-US" dirty="0"/>
+              </a:p>
+            </p:txBody>
+          </p:sp>
+        </mc:Choice>
+        <mc:Fallback>
+          <p:sp>
+            <p:nvSpPr>
+              <p:cNvPr id="30" name="직사각형 29"/>
+              <p:cNvSpPr>
+                <a:spLocks noRot="1" noChangeAspect="1" noMove="1" noResize="1" noEditPoints="1" noAdjustHandles="1" noChangeArrowheads="1" noChangeShapeType="1" noTextEdit="1"/>
+              </p:cNvSpPr>
+              <p:nvPr/>
+            </p:nvSpPr>
+            <p:spPr>
+              <a:xfrm>
+                <a:off x="4965976" y="4931876"/>
+                <a:ext cx="974176" cy="369332"/>
+              </a:xfrm>
+              <a:prstGeom prst="rect">
+                <a:avLst/>
+              </a:prstGeom>
+              <a:blipFill rotWithShape="1">
+                <a:blip r:embed="rId6"/>
+                <a:stretch>
+                  <a:fillRect/>
+                </a:stretch>
+              </a:blipFill>
+            </p:spPr>
+            <p:txBody>
+              <a:bodyPr/>
+              <a:lstStyle/>
+              <a:p>
+                <a:r>
+                  <a:rPr lang="ko-KR" altLang="en-US">
+                    <a:noFill/>
+                  </a:rPr>
+                  <a:t> </a:t>
+                </a:r>
+              </a:p>
+            </p:txBody>
+          </p:sp>
+        </mc:Fallback>
+      </mc:AlternateContent>
+      <mc:AlternateContent xmlns:mc="http://schemas.openxmlformats.org/markup-compatibility/2006">
+        <mc:Choice xmlns:a14="http://schemas.microsoft.com/office/drawing/2010/main" Requires="a14">
+          <p:sp>
+            <p:nvSpPr>
+              <p:cNvPr id="31" name="직사각형 30"/>
+              <p:cNvSpPr/>
+              <p:nvPr/>
+            </p:nvSpPr>
+            <p:spPr>
+              <a:xfrm>
+                <a:off x="4313775" y="3593440"/>
+                <a:ext cx="1326837" cy="369332"/>
+              </a:xfrm>
+              <a:prstGeom prst="rect">
+                <a:avLst/>
+              </a:prstGeom>
+            </p:spPr>
+            <p:txBody>
+              <a:bodyPr wrap="none">
+                <a:spAutoFit/>
+              </a:bodyPr>
+              <a:lstStyle/>
+              <a:p>
+                <a14:m>
+                  <m:oMathPara xmlns:m="http://schemas.openxmlformats.org/officeDocument/2006/math">
+                    <m:oMathParaPr>
+                      <m:jc m:val="centerGroup"/>
+                    </m:oMathParaPr>
+                    <m:oMath xmlns:m="http://schemas.openxmlformats.org/officeDocument/2006/math">
+                      <m:d>
+                        <m:dPr>
+                          <m:ctrlPr>
+                            <a:rPr lang="en-US" altLang="ko-KR" i="1" smtClean="0">
+                              <a:latin typeface="Cambria Math"/>
+                            </a:rPr>
+                          </m:ctrlPr>
+                        </m:dPr>
+                        <m:e>
+                          <m:r>
+                            <a:rPr lang="en-US" altLang="ko-KR" b="0" i="1" smtClean="0">
+                              <a:latin typeface="Cambria Math"/>
+                            </a:rPr>
+                            <m:t>1.9, −0.8</m:t>
+                          </m:r>
+                        </m:e>
+                      </m:d>
+                    </m:oMath>
+                  </m:oMathPara>
+                </a14:m>
+                <a:endParaRPr lang="ko-KR" altLang="en-US" dirty="0"/>
+              </a:p>
+            </p:txBody>
+          </p:sp>
+        </mc:Choice>
+        <mc:Fallback>
+          <p:sp>
+            <p:nvSpPr>
+              <p:cNvPr id="31" name="직사각형 30"/>
+              <p:cNvSpPr>
+                <a:spLocks noRot="1" noChangeAspect="1" noMove="1" noResize="1" noEditPoints="1" noAdjustHandles="1" noChangeArrowheads="1" noChangeShapeType="1" noTextEdit="1"/>
+              </p:cNvSpPr>
+              <p:nvPr/>
+            </p:nvSpPr>
+            <p:spPr>
+              <a:xfrm>
+                <a:off x="4313775" y="3593440"/>
+                <a:ext cx="1326837" cy="369332"/>
+              </a:xfrm>
+              <a:prstGeom prst="rect">
+                <a:avLst/>
+              </a:prstGeom>
+              <a:blipFill rotWithShape="1">
+                <a:blip r:embed="rId7"/>
+                <a:stretch>
+                  <a:fillRect/>
+                </a:stretch>
+              </a:blipFill>
+            </p:spPr>
+            <p:txBody>
+              <a:bodyPr/>
+              <a:lstStyle/>
+              <a:p>
+                <a:r>
+                  <a:rPr lang="ko-KR" altLang="en-US">
+                    <a:noFill/>
+                  </a:rPr>
+                  <a:t> </a:t>
+                </a:r>
+              </a:p>
+            </p:txBody>
+          </p:sp>
+        </mc:Fallback>
+      </mc:AlternateContent>
+      <p:cxnSp>
+        <p:nvCxnSpPr>
+          <p:cNvPr id="33" name="직선 연결선 32"/>
+          <p:cNvCxnSpPr/>
+          <p:nvPr/>
+        </p:nvCxnSpPr>
+        <p:spPr>
+          <a:xfrm flipH="1">
+            <a:off x="4493701" y="5177637"/>
+            <a:ext cx="553637" cy="0"/>
+          </a:xfrm>
+          <a:prstGeom prst="line">
+            <a:avLst/>
+          </a:prstGeom>
+          <a:ln>
+            <a:solidFill>
+              <a:schemeClr val="tx1"/>
+            </a:solidFill>
+            <a:prstDash val="dash"/>
+          </a:ln>
+        </p:spPr>
+        <p:style>
+          <a:lnRef idx="1">
+            <a:schemeClr val="accent1"/>
+          </a:lnRef>
+          <a:fillRef idx="0">
+            <a:schemeClr val="accent1"/>
+          </a:fillRef>
+          <a:effectRef idx="0">
+            <a:schemeClr val="accent1"/>
+          </a:effectRef>
+          <a:fontRef idx="minor">
+            <a:schemeClr val="tx1"/>
+          </a:fontRef>
+        </p:style>
+      </p:cxnSp>
+      <p:cxnSp>
+        <p:nvCxnSpPr>
+          <p:cNvPr id="35" name="직선 연결선 34"/>
+          <p:cNvCxnSpPr/>
+          <p:nvPr/>
+        </p:nvCxnSpPr>
+        <p:spPr>
+          <a:xfrm flipV="1">
+            <a:off x="4493701" y="3962772"/>
+            <a:ext cx="0" cy="1214865"/>
+          </a:xfrm>
+          <a:prstGeom prst="line">
+            <a:avLst/>
+          </a:prstGeom>
+          <a:ln>
+            <a:solidFill>
+              <a:schemeClr val="tx1"/>
+            </a:solidFill>
+            <a:prstDash val="dash"/>
+          </a:ln>
+        </p:spPr>
+        <p:style>
+          <a:lnRef idx="1">
+            <a:schemeClr val="accent1"/>
+          </a:lnRef>
+          <a:fillRef idx="0">
+            <a:schemeClr val="accent1"/>
+          </a:fillRef>
+          <a:effectRef idx="0">
+            <a:schemeClr val="accent1"/>
+          </a:effectRef>
+          <a:fontRef idx="minor">
+            <a:schemeClr val="tx1"/>
+          </a:fontRef>
+        </p:style>
+      </p:cxnSp>
+      <p:cxnSp>
+        <p:nvCxnSpPr>
+          <p:cNvPr id="27" name="직선 화살표 연결선 26"/>
+          <p:cNvCxnSpPr/>
+          <p:nvPr/>
+        </p:nvCxnSpPr>
+        <p:spPr>
+          <a:xfrm flipH="1" flipV="1">
+            <a:off x="4476933" y="3925357"/>
+            <a:ext cx="570405" cy="1252280"/>
+          </a:xfrm>
+          <a:prstGeom prst="straightConnector1">
+            <a:avLst/>
+          </a:prstGeom>
+          <a:ln w="19050">
+            <a:solidFill>
+              <a:srgbClr val="FF0000"/>
+            </a:solidFill>
+            <a:headEnd type="oval"/>
+            <a:tailEnd type="arrow"/>
+          </a:ln>
+        </p:spPr>
+        <p:style>
+          <a:lnRef idx="1">
+            <a:schemeClr val="accent1"/>
+          </a:lnRef>
+          <a:fillRef idx="0">
+            <a:schemeClr val="accent1"/>
+          </a:fillRef>
+          <a:effectRef idx="0">
+            <a:schemeClr val="accent1"/>
+          </a:effectRef>
+          <a:fontRef idx="minor">
+            <a:schemeClr val="tx1"/>
+          </a:fontRef>
+        </p:style>
+      </p:cxnSp>
+      <mc:AlternateContent xmlns:mc="http://schemas.openxmlformats.org/markup-compatibility/2006">
+        <mc:Choice xmlns:a14="http://schemas.microsoft.com/office/drawing/2010/main" Requires="a14">
+          <p:sp>
+            <p:nvSpPr>
+              <p:cNvPr id="36" name="직사각형 35"/>
+              <p:cNvSpPr/>
+              <p:nvPr/>
+            </p:nvSpPr>
+            <p:spPr>
+              <a:xfrm>
+                <a:off x="4469444" y="5170681"/>
+                <a:ext cx="597087" cy="442942"/>
+              </a:xfrm>
+              <a:prstGeom prst="rect">
+                <a:avLst/>
+              </a:prstGeom>
+            </p:spPr>
+            <p:txBody>
+              <a:bodyPr wrap="none">
+                <a:spAutoFit/>
+              </a:bodyPr>
+              <a:lstStyle/>
+              <a:p>
+                <a14:m>
+                  <m:oMathPara xmlns:m="http://schemas.openxmlformats.org/officeDocument/2006/math">
+                    <m:oMathParaPr>
+                      <m:jc m:val="centerGroup"/>
+                    </m:oMathParaPr>
+                    <m:oMath xmlns:m="http://schemas.openxmlformats.org/officeDocument/2006/math">
+                      <m:f>
+                        <m:fPr>
+                          <m:ctrlPr>
+                            <a:rPr lang="en-US" altLang="ko-KR" sz="1200" b="0" i="1" dirty="0" smtClean="0">
+                              <a:latin typeface="Cambria Math"/>
+                            </a:rPr>
+                          </m:ctrlPr>
+                        </m:fPr>
+                        <m:num>
+                          <m:r>
+                            <a:rPr lang="en-US" altLang="ko-KR" sz="1200" b="0" i="1" dirty="0" smtClean="0">
+                              <a:latin typeface="Cambria Math"/>
+                            </a:rPr>
+                            <m:t>𝑑𝑥</m:t>
+                          </m:r>
+                        </m:num>
+                        <m:den>
+                          <m:r>
+                            <a:rPr lang="en-US" altLang="ko-KR" sz="1200" b="0" i="1" dirty="0" smtClean="0">
+                              <a:latin typeface="Cambria Math"/>
+                            </a:rPr>
+                            <m:t>𝑑𝑡</m:t>
+                          </m:r>
+                        </m:den>
+                      </m:f>
+                      <m:r>
+                        <m:rPr>
+                          <m:sty m:val="p"/>
+                        </m:rPr>
+                        <a:rPr lang="en-US" altLang="ko-KR" sz="1200" b="0" i="0" dirty="0" smtClean="0">
+                          <a:latin typeface="Cambria Math"/>
+                        </a:rPr>
+                        <m:t>Δ</m:t>
+                      </m:r>
+                      <m:r>
+                        <a:rPr lang="en-US" altLang="ko-KR" sz="1200" b="0" i="1" dirty="0" smtClean="0">
+                          <a:latin typeface="Cambria Math"/>
+                        </a:rPr>
+                        <m:t>𝑡</m:t>
+                      </m:r>
+                    </m:oMath>
+                  </m:oMathPara>
+                </a14:m>
+                <a:endParaRPr lang="ko-KR" altLang="en-US" sz="1200" dirty="0"/>
+              </a:p>
+            </p:txBody>
+          </p:sp>
+        </mc:Choice>
+        <mc:Fallback>
+          <p:sp>
+            <p:nvSpPr>
+              <p:cNvPr id="36" name="직사각형 35"/>
+              <p:cNvSpPr>
+                <a:spLocks noRot="1" noChangeAspect="1" noMove="1" noResize="1" noEditPoints="1" noAdjustHandles="1" noChangeArrowheads="1" noChangeShapeType="1" noTextEdit="1"/>
+              </p:cNvSpPr>
+              <p:nvPr/>
+            </p:nvSpPr>
+            <p:spPr>
+              <a:xfrm>
+                <a:off x="4469444" y="5170681"/>
+                <a:ext cx="597087" cy="442942"/>
+              </a:xfrm>
+              <a:prstGeom prst="rect">
+                <a:avLst/>
+              </a:prstGeom>
+              <a:blipFill rotWithShape="1">
+                <a:blip r:embed="rId8"/>
+                <a:stretch>
+                  <a:fillRect b="-1370"/>
+                </a:stretch>
+              </a:blipFill>
+            </p:spPr>
+            <p:txBody>
+              <a:bodyPr/>
+              <a:lstStyle/>
+              <a:p>
+                <a:r>
+                  <a:rPr lang="ko-KR" altLang="en-US">
+                    <a:noFill/>
+                  </a:rPr>
+                  <a:t> </a:t>
+                </a:r>
+              </a:p>
+            </p:txBody>
+          </p:sp>
+        </mc:Fallback>
+      </mc:AlternateContent>
+      <mc:AlternateContent xmlns:mc="http://schemas.openxmlformats.org/markup-compatibility/2006">
+        <mc:Choice xmlns:a14="http://schemas.microsoft.com/office/drawing/2010/main" Requires="a14">
+          <p:sp>
+            <p:nvSpPr>
+              <p:cNvPr id="37" name="직사각형 36"/>
+              <p:cNvSpPr/>
+              <p:nvPr/>
+            </p:nvSpPr>
+            <p:spPr>
+              <a:xfrm>
+                <a:off x="3979196" y="4348733"/>
+                <a:ext cx="597087" cy="442942"/>
+              </a:xfrm>
+              <a:prstGeom prst="rect">
+                <a:avLst/>
+              </a:prstGeom>
+            </p:spPr>
+            <p:txBody>
+              <a:bodyPr wrap="none">
+                <a:spAutoFit/>
+              </a:bodyPr>
+              <a:lstStyle/>
+              <a:p>
+                <a14:m>
+                  <m:oMathPara xmlns:m="http://schemas.openxmlformats.org/officeDocument/2006/math">
+                    <m:oMathParaPr>
+                      <m:jc m:val="centerGroup"/>
+                    </m:oMathParaPr>
+                    <m:oMath xmlns:m="http://schemas.openxmlformats.org/officeDocument/2006/math">
+                      <m:f>
+                        <m:fPr>
+                          <m:ctrlPr>
+                            <a:rPr lang="en-US" altLang="ko-KR" sz="1200" b="0" i="1" dirty="0" smtClean="0">
+                              <a:latin typeface="Cambria Math"/>
+                            </a:rPr>
+                          </m:ctrlPr>
+                        </m:fPr>
+                        <m:num>
+                          <m:r>
+                            <a:rPr lang="en-US" altLang="ko-KR" sz="1200" b="0" i="1" dirty="0" smtClean="0">
+                              <a:latin typeface="Cambria Math"/>
+                            </a:rPr>
+                            <m:t>𝑑𝑦</m:t>
+                          </m:r>
+                        </m:num>
+                        <m:den>
+                          <m:r>
+                            <a:rPr lang="en-US" altLang="ko-KR" sz="1200" b="0" i="1" dirty="0" smtClean="0">
+                              <a:latin typeface="Cambria Math"/>
+                            </a:rPr>
+                            <m:t>𝑑𝑡</m:t>
+                          </m:r>
+                        </m:den>
+                      </m:f>
+                      <m:r>
+                        <m:rPr>
+                          <m:sty m:val="p"/>
+                        </m:rPr>
+                        <a:rPr lang="en-US" altLang="ko-KR" sz="1200" b="0" i="0" dirty="0" smtClean="0">
+                          <a:latin typeface="Cambria Math"/>
+                        </a:rPr>
+                        <m:t>Δ</m:t>
+                      </m:r>
+                      <m:r>
+                        <a:rPr lang="en-US" altLang="ko-KR" sz="1200" b="0" i="1" dirty="0" smtClean="0">
+                          <a:latin typeface="Cambria Math"/>
+                        </a:rPr>
+                        <m:t>𝑡</m:t>
+                      </m:r>
+                    </m:oMath>
+                  </m:oMathPara>
+                </a14:m>
+                <a:endParaRPr lang="ko-KR" altLang="en-US" sz="1200" dirty="0"/>
+              </a:p>
+            </p:txBody>
+          </p:sp>
+        </mc:Choice>
+        <mc:Fallback>
+          <p:sp>
+            <p:nvSpPr>
+              <p:cNvPr id="37" name="직사각형 36"/>
+              <p:cNvSpPr>
+                <a:spLocks noRot="1" noChangeAspect="1" noMove="1" noResize="1" noEditPoints="1" noAdjustHandles="1" noChangeArrowheads="1" noChangeShapeType="1" noTextEdit="1"/>
+              </p:cNvSpPr>
+              <p:nvPr/>
+            </p:nvSpPr>
+            <p:spPr>
+              <a:xfrm>
+                <a:off x="3979196" y="4348733"/>
+                <a:ext cx="597087" cy="442942"/>
+              </a:xfrm>
+              <a:prstGeom prst="rect">
+                <a:avLst/>
+              </a:prstGeom>
+              <a:blipFill rotWithShape="1">
+                <a:blip r:embed="rId9"/>
+                <a:stretch>
+                  <a:fillRect b="-1370"/>
+                </a:stretch>
+              </a:blipFill>
+            </p:spPr>
+            <p:txBody>
+              <a:bodyPr/>
+              <a:lstStyle/>
+              <a:p>
+                <a:r>
+                  <a:rPr lang="ko-KR" altLang="en-US">
+                    <a:noFill/>
+                  </a:rPr>
+                  <a:t> </a:t>
+                </a:r>
+              </a:p>
+            </p:txBody>
+          </p:sp>
+        </mc:Fallback>
+      </mc:AlternateContent>
+      <p:cxnSp>
+        <p:nvCxnSpPr>
+          <p:cNvPr id="39" name="직선 연결선 38"/>
+          <p:cNvCxnSpPr>
+            <a:stCxn id="23" idx="3"/>
+            <a:endCxn id="26" idx="2"/>
+          </p:cNvCxnSpPr>
+          <p:nvPr/>
+        </p:nvCxnSpPr>
+        <p:spPr>
+          <a:xfrm>
+            <a:off x="3123019" y="3472031"/>
+            <a:ext cx="697541" cy="1093418"/>
+          </a:xfrm>
+          <a:prstGeom prst="line">
+            <a:avLst/>
+          </a:prstGeom>
+          <a:ln w="28575">
+            <a:prstDash val="sysDot"/>
+          </a:ln>
+        </p:spPr>
+        <p:style>
+          <a:lnRef idx="1">
+            <a:schemeClr val="accent1"/>
+          </a:lnRef>
+          <a:fillRef idx="0">
+            <a:schemeClr val="accent1"/>
+          </a:fillRef>
+          <a:effectRef idx="0">
+            <a:schemeClr val="accent1"/>
+          </a:effectRef>
+          <a:fontRef idx="minor">
+            <a:schemeClr val="tx1"/>
+          </a:fontRef>
+        </p:style>
+      </p:cxnSp>
+      <p:cxnSp>
+        <p:nvCxnSpPr>
+          <p:cNvPr id="41" name="직선 연결선 40"/>
+          <p:cNvCxnSpPr>
+            <a:stCxn id="23" idx="7"/>
+            <a:endCxn id="26" idx="0"/>
+          </p:cNvCxnSpPr>
+          <p:nvPr/>
+        </p:nvCxnSpPr>
+        <p:spPr>
+          <a:xfrm>
+            <a:off x="3581275" y="3013775"/>
+            <a:ext cx="1479101" cy="311858"/>
+          </a:xfrm>
+          <a:prstGeom prst="line">
+            <a:avLst/>
+          </a:prstGeom>
+          <a:ln w="28575">
+            <a:prstDash val="sysDot"/>
+          </a:ln>
+        </p:spPr>
+        <p:style>
+          <a:lnRef idx="1">
+            <a:schemeClr val="accent1"/>
+          </a:lnRef>
+          <a:fillRef idx="0">
+            <a:schemeClr val="accent1"/>
+          </a:fillRef>
+          <a:effectRef idx="0">
+            <a:schemeClr val="accent1"/>
+          </a:effectRef>
+          <a:fontRef idx="minor">
+            <a:schemeClr val="tx1"/>
+          </a:fontRef>
+        </p:style>
+      </p:cxnSp>
+      <mc:AlternateContent xmlns:mc="http://schemas.openxmlformats.org/markup-compatibility/2006">
+        <mc:Choice xmlns:a14="http://schemas.microsoft.com/office/drawing/2010/main" Requires="a14">
+          <p:sp>
+            <p:nvSpPr>
+              <p:cNvPr id="42" name="직사각형 41"/>
+              <p:cNvSpPr/>
+              <p:nvPr/>
+            </p:nvSpPr>
+            <p:spPr>
+              <a:xfrm>
+                <a:off x="3226825" y="2458400"/>
+                <a:ext cx="394660" cy="369332"/>
+              </a:xfrm>
+              <a:prstGeom prst="rect">
+                <a:avLst/>
+              </a:prstGeom>
+            </p:spPr>
+            <p:txBody>
+              <a:bodyPr wrap="none">
+                <a:spAutoFit/>
+              </a:bodyPr>
+              <a:lstStyle/>
+              <a:p>
+                <a14:m>
+                  <m:oMathPara xmlns:m="http://schemas.openxmlformats.org/officeDocument/2006/math">
+                    <m:oMathParaPr>
+                      <m:jc m:val="centerGroup"/>
+                    </m:oMathParaPr>
+                    <m:oMath xmlns:m="http://schemas.openxmlformats.org/officeDocument/2006/math">
+                      <m:r>
+                        <a:rPr lang="en-US" altLang="ko-KR" i="1">
+                          <a:latin typeface="Cambria Math"/>
+                        </a:rPr>
+                        <m:t>2</m:t>
+                      </m:r>
+                    </m:oMath>
+                  </m:oMathPara>
+                </a14:m>
+                <a:endParaRPr lang="ko-KR" altLang="en-US" dirty="0"/>
+              </a:p>
+            </p:txBody>
+          </p:sp>
+        </mc:Choice>
+        <mc:Fallback>
+          <p:sp>
+            <p:nvSpPr>
+              <p:cNvPr id="42" name="직사각형 41"/>
+              <p:cNvSpPr>
+                <a:spLocks noRot="1" noChangeAspect="1" noMove="1" noResize="1" noEditPoints="1" noAdjustHandles="1" noChangeArrowheads="1" noChangeShapeType="1" noTextEdit="1"/>
+              </p:cNvSpPr>
+              <p:nvPr/>
+            </p:nvSpPr>
+            <p:spPr>
+              <a:xfrm>
+                <a:off x="3226825" y="2458400"/>
+                <a:ext cx="394660" cy="369332"/>
+              </a:xfrm>
+              <a:prstGeom prst="rect">
+                <a:avLst/>
+              </a:prstGeom>
+              <a:blipFill rotWithShape="1">
+                <a:blip r:embed="rId10"/>
+                <a:stretch>
+                  <a:fillRect/>
+                </a:stretch>
+              </a:blipFill>
+            </p:spPr>
+            <p:txBody>
+              <a:bodyPr/>
+              <a:lstStyle/>
+              <a:p>
+                <a:r>
+                  <a:rPr lang="ko-KR" altLang="en-US">
+                    <a:noFill/>
+                  </a:rPr>
+                  <a:t> </a:t>
+                </a:r>
+              </a:p>
+            </p:txBody>
+          </p:sp>
+        </mc:Fallback>
+      </mc:AlternateContent>
+      <mc:AlternateContent xmlns:mc="http://schemas.openxmlformats.org/markup-compatibility/2006">
+        <mc:Choice xmlns:a14="http://schemas.microsoft.com/office/drawing/2010/main" Requires="a14">
+          <p:sp>
+            <p:nvSpPr>
+              <p:cNvPr id="43" name="직사각형 42"/>
+              <p:cNvSpPr/>
+              <p:nvPr/>
+            </p:nvSpPr>
+            <p:spPr>
+              <a:xfrm>
+                <a:off x="2578753" y="2458400"/>
+                <a:ext cx="394660" cy="369332"/>
+              </a:xfrm>
+              <a:prstGeom prst="rect">
+                <a:avLst/>
+              </a:prstGeom>
+            </p:spPr>
+            <p:txBody>
+              <a:bodyPr wrap="none">
+                <a:spAutoFit/>
+              </a:bodyPr>
+              <a:lstStyle/>
+              <a:p>
+                <a14:m>
+                  <m:oMathPara xmlns:m="http://schemas.openxmlformats.org/officeDocument/2006/math">
+                    <m:oMathParaPr>
+                      <m:jc m:val="centerGroup"/>
+                    </m:oMathParaPr>
+                    <m:oMath xmlns:m="http://schemas.openxmlformats.org/officeDocument/2006/math">
+                      <m:r>
+                        <a:rPr lang="en-US" altLang="ko-KR" b="0" i="1" smtClean="0">
+                          <a:latin typeface="Cambria Math"/>
+                        </a:rPr>
+                        <m:t>1</m:t>
+                      </m:r>
+                    </m:oMath>
+                  </m:oMathPara>
+                </a14:m>
+                <a:endParaRPr lang="ko-KR" altLang="en-US" dirty="0"/>
+              </a:p>
+            </p:txBody>
+          </p:sp>
+        </mc:Choice>
+        <mc:Fallback>
+          <p:sp>
+            <p:nvSpPr>
+              <p:cNvPr id="43" name="직사각형 42"/>
+              <p:cNvSpPr>
+                <a:spLocks noRot="1" noChangeAspect="1" noMove="1" noResize="1" noEditPoints="1" noAdjustHandles="1" noChangeArrowheads="1" noChangeShapeType="1" noTextEdit="1"/>
+              </p:cNvSpPr>
+              <p:nvPr/>
+            </p:nvSpPr>
+            <p:spPr>
+              <a:xfrm>
+                <a:off x="2578753" y="2458400"/>
+                <a:ext cx="394660" cy="369332"/>
+              </a:xfrm>
+              <a:prstGeom prst="rect">
+                <a:avLst/>
+              </a:prstGeom>
+              <a:blipFill rotWithShape="1">
+                <a:blip r:embed="rId11"/>
+                <a:stretch>
+                  <a:fillRect/>
+                </a:stretch>
+              </a:blipFill>
+            </p:spPr>
+            <p:txBody>
+              <a:bodyPr/>
+              <a:lstStyle/>
+              <a:p>
+                <a:r>
+                  <a:rPr lang="ko-KR" altLang="en-US">
+                    <a:noFill/>
+                  </a:rPr>
+                  <a:t> </a:t>
+                </a:r>
+              </a:p>
+            </p:txBody>
+          </p:sp>
+        </mc:Fallback>
+      </mc:AlternateContent>
+      <mc:AlternateContent xmlns:mc="http://schemas.openxmlformats.org/markup-compatibility/2006">
+        <mc:Choice xmlns:a14="http://schemas.microsoft.com/office/drawing/2010/main" Requires="a14">
+          <p:sp>
+            <p:nvSpPr>
+              <p:cNvPr id="44" name="직사각형 43"/>
+              <p:cNvSpPr/>
+              <p:nvPr/>
+            </p:nvSpPr>
+            <p:spPr>
+              <a:xfrm>
+                <a:off x="1547664" y="3140967"/>
+                <a:ext cx="567784" cy="369332"/>
+              </a:xfrm>
+              <a:prstGeom prst="rect">
+                <a:avLst/>
+              </a:prstGeom>
+            </p:spPr>
+            <p:txBody>
+              <a:bodyPr wrap="none">
+                <a:spAutoFit/>
+              </a:bodyPr>
+              <a:lstStyle/>
+              <a:p>
+                <a14:m>
+                  <m:oMathPara xmlns:m="http://schemas.openxmlformats.org/officeDocument/2006/math">
+                    <m:oMathParaPr>
+                      <m:jc m:val="centerGroup"/>
+                    </m:oMathParaPr>
+                    <m:oMath xmlns:m="http://schemas.openxmlformats.org/officeDocument/2006/math">
+                      <m:r>
+                        <a:rPr lang="en-US" altLang="ko-KR" b="0" i="1" smtClean="0">
+                          <a:latin typeface="Cambria Math"/>
+                        </a:rPr>
+                        <m:t>−1</m:t>
+                      </m:r>
+                    </m:oMath>
+                  </m:oMathPara>
+                </a14:m>
+                <a:endParaRPr lang="ko-KR" altLang="en-US" dirty="0"/>
+              </a:p>
+            </p:txBody>
+          </p:sp>
+        </mc:Choice>
+        <mc:Fallback>
+          <p:sp>
+            <p:nvSpPr>
+              <p:cNvPr id="44" name="직사각형 43"/>
+              <p:cNvSpPr>
+                <a:spLocks noRot="1" noChangeAspect="1" noMove="1" noResize="1" noEditPoints="1" noAdjustHandles="1" noChangeArrowheads="1" noChangeShapeType="1" noTextEdit="1"/>
+              </p:cNvSpPr>
+              <p:nvPr/>
+            </p:nvSpPr>
+            <p:spPr>
+              <a:xfrm>
+                <a:off x="1547664" y="3140967"/>
+                <a:ext cx="567784" cy="369332"/>
+              </a:xfrm>
+              <a:prstGeom prst="rect">
+                <a:avLst/>
+              </a:prstGeom>
+              <a:blipFill rotWithShape="1">
+                <a:blip r:embed="rId12"/>
+                <a:stretch>
+                  <a:fillRect/>
+                </a:stretch>
+              </a:blipFill>
+            </p:spPr>
+            <p:txBody>
+              <a:bodyPr/>
+              <a:lstStyle/>
+              <a:p>
+                <a:r>
+                  <a:rPr lang="ko-KR" altLang="en-US">
+                    <a:noFill/>
+                  </a:rPr>
+                  <a:t> </a:t>
+                </a:r>
+              </a:p>
+            </p:txBody>
+          </p:sp>
+        </mc:Fallback>
+      </mc:AlternateContent>
+      <mc:AlternateContent xmlns:mc="http://schemas.openxmlformats.org/markup-compatibility/2006">
+        <mc:Choice xmlns:a14="http://schemas.microsoft.com/office/drawing/2010/main" Requires="a14">
+          <p:sp>
+            <p:nvSpPr>
+              <p:cNvPr id="45" name="직사각형 44"/>
+              <p:cNvSpPr/>
+              <p:nvPr/>
+            </p:nvSpPr>
+            <p:spPr>
+              <a:xfrm>
+                <a:off x="1801077" y="2458400"/>
+                <a:ext cx="394659" cy="369332"/>
+              </a:xfrm>
+              <a:prstGeom prst="rect">
+                <a:avLst/>
+              </a:prstGeom>
+            </p:spPr>
+            <p:txBody>
+              <a:bodyPr wrap="none">
+                <a:spAutoFit/>
+              </a:bodyPr>
+              <a:lstStyle/>
+              <a:p>
+                <a14:m>
+                  <m:oMathPara xmlns:m="http://schemas.openxmlformats.org/officeDocument/2006/math">
+                    <m:oMathParaPr>
+                      <m:jc m:val="centerGroup"/>
+                    </m:oMathParaPr>
+                    <m:oMath xmlns:m="http://schemas.openxmlformats.org/officeDocument/2006/math">
+                      <m:r>
+                        <a:rPr lang="en-US" altLang="ko-KR" b="0" i="1" smtClean="0">
+                          <a:latin typeface="Cambria Math"/>
+                        </a:rPr>
+                        <m:t>0</m:t>
+                      </m:r>
+                    </m:oMath>
+                  </m:oMathPara>
+                </a14:m>
+                <a:endParaRPr lang="ko-KR" altLang="en-US" dirty="0"/>
+              </a:p>
+            </p:txBody>
+          </p:sp>
+        </mc:Choice>
+        <mc:Fallback>
+          <p:sp>
+            <p:nvSpPr>
+              <p:cNvPr id="45" name="직사각형 44"/>
+              <p:cNvSpPr>
+                <a:spLocks noRot="1" noChangeAspect="1" noMove="1" noResize="1" noEditPoints="1" noAdjustHandles="1" noChangeArrowheads="1" noChangeShapeType="1" noTextEdit="1"/>
+              </p:cNvSpPr>
+              <p:nvPr/>
+            </p:nvSpPr>
+            <p:spPr>
+              <a:xfrm>
+                <a:off x="1801077" y="2458400"/>
+                <a:ext cx="394659" cy="369332"/>
+              </a:xfrm>
+              <a:prstGeom prst="rect">
+                <a:avLst/>
+              </a:prstGeom>
+              <a:blipFill rotWithShape="1">
+                <a:blip r:embed="rId13"/>
+                <a:stretch>
+                  <a:fillRect/>
+                </a:stretch>
+              </a:blipFill>
+            </p:spPr>
+            <p:txBody>
+              <a:bodyPr/>
+              <a:lstStyle/>
+              <a:p>
+                <a:r>
+                  <a:rPr lang="ko-KR" altLang="en-US">
+                    <a:noFill/>
+                  </a:rPr>
+                  <a:t> </a:t>
+                </a:r>
+              </a:p>
+            </p:txBody>
+          </p:sp>
+        </mc:Fallback>
+      </mc:AlternateContent>
+    </p:spTree>
+    <p:extLst>
+      <p:ext uri="{BB962C8B-B14F-4D97-AF65-F5344CB8AC3E}">
+        <p14:creationId xmlns:p14="http://schemas.microsoft.com/office/powerpoint/2010/main" val="2410248883"/>
+      </p:ext>
+    </p:extLst>
+  </p:cSld>
+  <p:clrMapOvr>
+    <a:masterClrMapping/>
+  </p:clrMapOvr>
+</p:sld>
+</file>
+
 <file path=ppt/theme/theme1.xml><?xml version="1.0" encoding="utf-8"?>
 <a:theme xmlns:a="http://schemas.openxmlformats.org/drawingml/2006/main" name="Office 테마">
   <a:themeElements>

--- a/pics/2021-05-12-phase_plane/pics.pptx
+++ b/pics/2021-05-12-phase_plane/pics.pptx
@@ -8,6 +8,7 @@
     <p:sldId id="256" r:id="rId2"/>
     <p:sldId id="257" r:id="rId3"/>
     <p:sldId id="258" r:id="rId4"/>
+    <p:sldId id="259" r:id="rId5"/>
   </p:sldIdLst>
   <p:sldSz cx="9144000" cy="6858000" type="screen4x3"/>
   <p:notesSz cx="6858000" cy="9144000"/>
@@ -290,7 +291,7 @@
           <a:p>
             <a:fld id="{FB30EDBD-1C2D-4C1E-B459-B60219FAB484}" type="datetimeFigureOut">
               <a:rPr lang="ko-KR" altLang="en-US" smtClean="0"/>
-              <a:t>2021-05-17</a:t>
+              <a:t>2021-05-18</a:t>
             </a:fld>
             <a:endParaRPr lang="ko-KR" altLang="en-US"/>
           </a:p>
@@ -455,7 +456,7 @@
           <a:p>
             <a:fld id="{FB30EDBD-1C2D-4C1E-B459-B60219FAB484}" type="datetimeFigureOut">
               <a:rPr lang="ko-KR" altLang="en-US" smtClean="0"/>
-              <a:t>2021-05-17</a:t>
+              <a:t>2021-05-18</a:t>
             </a:fld>
             <a:endParaRPr lang="ko-KR" altLang="en-US"/>
           </a:p>
@@ -630,7 +631,7 @@
           <a:p>
             <a:fld id="{FB30EDBD-1C2D-4C1E-B459-B60219FAB484}" type="datetimeFigureOut">
               <a:rPr lang="ko-KR" altLang="en-US" smtClean="0"/>
-              <a:t>2021-05-17</a:t>
+              <a:t>2021-05-18</a:t>
             </a:fld>
             <a:endParaRPr lang="ko-KR" altLang="en-US"/>
           </a:p>
@@ -795,7 +796,7 @@
           <a:p>
             <a:fld id="{FB30EDBD-1C2D-4C1E-B459-B60219FAB484}" type="datetimeFigureOut">
               <a:rPr lang="ko-KR" altLang="en-US" smtClean="0"/>
-              <a:t>2021-05-17</a:t>
+              <a:t>2021-05-18</a:t>
             </a:fld>
             <a:endParaRPr lang="ko-KR" altLang="en-US"/>
           </a:p>
@@ -1036,7 +1037,7 @@
           <a:p>
             <a:fld id="{FB30EDBD-1C2D-4C1E-B459-B60219FAB484}" type="datetimeFigureOut">
               <a:rPr lang="ko-KR" altLang="en-US" smtClean="0"/>
-              <a:t>2021-05-17</a:t>
+              <a:t>2021-05-18</a:t>
             </a:fld>
             <a:endParaRPr lang="ko-KR" altLang="en-US"/>
           </a:p>
@@ -1319,7 +1320,7 @@
           <a:p>
             <a:fld id="{FB30EDBD-1C2D-4C1E-B459-B60219FAB484}" type="datetimeFigureOut">
               <a:rPr lang="ko-KR" altLang="en-US" smtClean="0"/>
-              <a:t>2021-05-17</a:t>
+              <a:t>2021-05-18</a:t>
             </a:fld>
             <a:endParaRPr lang="ko-KR" altLang="en-US"/>
           </a:p>
@@ -1736,7 +1737,7 @@
           <a:p>
             <a:fld id="{FB30EDBD-1C2D-4C1E-B459-B60219FAB484}" type="datetimeFigureOut">
               <a:rPr lang="ko-KR" altLang="en-US" smtClean="0"/>
-              <a:t>2021-05-17</a:t>
+              <a:t>2021-05-18</a:t>
             </a:fld>
             <a:endParaRPr lang="ko-KR" altLang="en-US"/>
           </a:p>
@@ -1849,7 +1850,7 @@
           <a:p>
             <a:fld id="{FB30EDBD-1C2D-4C1E-B459-B60219FAB484}" type="datetimeFigureOut">
               <a:rPr lang="ko-KR" altLang="en-US" smtClean="0"/>
-              <a:t>2021-05-17</a:t>
+              <a:t>2021-05-18</a:t>
             </a:fld>
             <a:endParaRPr lang="ko-KR" altLang="en-US"/>
           </a:p>
@@ -1939,7 +1940,7 @@
           <a:p>
             <a:fld id="{FB30EDBD-1C2D-4C1E-B459-B60219FAB484}" type="datetimeFigureOut">
               <a:rPr lang="ko-KR" altLang="en-US" smtClean="0"/>
-              <a:t>2021-05-17</a:t>
+              <a:t>2021-05-18</a:t>
             </a:fld>
             <a:endParaRPr lang="ko-KR" altLang="en-US"/>
           </a:p>
@@ -2211,7 +2212,7 @@
           <a:p>
             <a:fld id="{FB30EDBD-1C2D-4C1E-B459-B60219FAB484}" type="datetimeFigureOut">
               <a:rPr lang="ko-KR" altLang="en-US" smtClean="0"/>
-              <a:t>2021-05-17</a:t>
+              <a:t>2021-05-18</a:t>
             </a:fld>
             <a:endParaRPr lang="ko-KR" altLang="en-US"/>
           </a:p>
@@ -2459,7 +2460,7 @@
           <a:p>
             <a:fld id="{FB30EDBD-1C2D-4C1E-B459-B60219FAB484}" type="datetimeFigureOut">
               <a:rPr lang="ko-KR" altLang="en-US" smtClean="0"/>
-              <a:t>2021-05-17</a:t>
+              <a:t>2021-05-18</a:t>
             </a:fld>
             <a:endParaRPr lang="ko-KR" altLang="en-US"/>
           </a:p>
@@ -2667,7 +2668,7 @@
           <a:p>
             <a:fld id="{FB30EDBD-1C2D-4C1E-B459-B60219FAB484}" type="datetimeFigureOut">
               <a:rPr lang="ko-KR" altLang="en-US" smtClean="0"/>
-              <a:t>2021-05-17</a:t>
+              <a:t>2021-05-18</a:t>
             </a:fld>
             <a:endParaRPr lang="ko-KR" altLang="en-US"/>
           </a:p>
@@ -3297,8 +3298,8 @@
           </a:fontRef>
         </p:style>
       </p:cxnSp>
-      <mc:AlternateContent xmlns:mc="http://schemas.openxmlformats.org/markup-compatibility/2006">
-        <mc:Choice xmlns:a14="http://schemas.microsoft.com/office/drawing/2010/main" Requires="a14">
+      <mc:AlternateContent xmlns:mc="http://schemas.openxmlformats.org/markup-compatibility/2006" xmlns:a14="http://schemas.microsoft.com/office/drawing/2010/main">
+        <mc:Choice Requires="a14">
           <p:sp>
             <p:nvSpPr>
               <p:cNvPr id="10" name="TextBox 9"/>
@@ -3321,6 +3322,7 @@
               </a:bodyPr>
               <a:lstStyle/>
               <a:p>
+                <a:pPr/>
                 <a14:m>
                   <m:oMathPara xmlns:m="http://schemas.openxmlformats.org/officeDocument/2006/math">
                     <m:oMathParaPr>
@@ -3341,7 +3343,7 @@
             </p:txBody>
           </p:sp>
         </mc:Choice>
-        <mc:Fallback>
+        <mc:Fallback xmlns="">
           <p:sp>
             <p:nvSpPr>
               <p:cNvPr id="10" name="TextBox 9"/>
@@ -3380,8 +3382,8 @@
           </p:sp>
         </mc:Fallback>
       </mc:AlternateContent>
-      <mc:AlternateContent xmlns:mc="http://schemas.openxmlformats.org/markup-compatibility/2006">
-        <mc:Choice xmlns:a14="http://schemas.microsoft.com/office/drawing/2010/main" Requires="a14">
+      <mc:AlternateContent xmlns:mc="http://schemas.openxmlformats.org/markup-compatibility/2006" xmlns:a14="http://schemas.microsoft.com/office/drawing/2010/main">
+        <mc:Choice Requires="a14">
           <p:sp>
             <p:nvSpPr>
               <p:cNvPr id="11" name="TextBox 10"/>
@@ -3404,6 +3406,7 @@
               </a:bodyPr>
               <a:lstStyle/>
               <a:p>
+                <a:pPr/>
                 <a14:m>
                   <m:oMathPara xmlns:m="http://schemas.openxmlformats.org/officeDocument/2006/math">
                     <m:oMathParaPr>
@@ -3424,7 +3427,7 @@
             </p:txBody>
           </p:sp>
         </mc:Choice>
-        <mc:Fallback>
+        <mc:Fallback xmlns="">
           <p:sp>
             <p:nvSpPr>
               <p:cNvPr id="11" name="TextBox 10"/>
@@ -3721,8 +3724,8 @@
           </a:p>
         </p:txBody>
       </p:sp>
-      <mc:AlternateContent xmlns:mc="http://schemas.openxmlformats.org/markup-compatibility/2006">
-        <mc:Choice xmlns:a14="http://schemas.microsoft.com/office/drawing/2010/main" Requires="a14">
+      <mc:AlternateContent xmlns:mc="http://schemas.openxmlformats.org/markup-compatibility/2006" xmlns:a14="http://schemas.microsoft.com/office/drawing/2010/main">
+        <mc:Choice Requires="a14">
           <p:sp>
             <p:nvSpPr>
               <p:cNvPr id="24" name="TextBox 23"/>
@@ -3745,6 +3748,7 @@
               </a:bodyPr>
               <a:lstStyle/>
               <a:p>
+                <a:pPr/>
                 <a14:m>
                   <m:oMathPara xmlns:m="http://schemas.openxmlformats.org/officeDocument/2006/math">
                     <m:oMathParaPr>
@@ -3898,7 +3902,7 @@
             </p:txBody>
           </p:sp>
         </mc:Choice>
-        <mc:Fallback>
+        <mc:Fallback xmlns="">
           <p:sp>
             <p:nvSpPr>
               <p:cNvPr id="24" name="TextBox 23"/>
@@ -3937,8 +3941,8 @@
           </p:sp>
         </mc:Fallback>
       </mc:AlternateContent>
-      <mc:AlternateContent xmlns:mc="http://schemas.openxmlformats.org/markup-compatibility/2006">
-        <mc:Choice xmlns:a14="http://schemas.microsoft.com/office/drawing/2010/main" Requires="a14">
+      <mc:AlternateContent xmlns:mc="http://schemas.openxmlformats.org/markup-compatibility/2006" xmlns:a14="http://schemas.microsoft.com/office/drawing/2010/main">
+        <mc:Choice Requires="a14">
           <p:sp>
             <p:nvSpPr>
               <p:cNvPr id="25" name="TextBox 24"/>
@@ -4026,7 +4030,7 @@
             </p:txBody>
           </p:sp>
         </mc:Choice>
-        <mc:Fallback>
+        <mc:Fallback xmlns="">
           <p:sp>
             <p:nvSpPr>
               <p:cNvPr id="25" name="TextBox 24"/>
@@ -4109,8 +4113,8 @@
           </a:p>
         </p:txBody>
       </p:sp>
-      <mc:AlternateContent xmlns:mc="http://schemas.openxmlformats.org/markup-compatibility/2006">
-        <mc:Choice xmlns:a14="http://schemas.microsoft.com/office/drawing/2010/main" Requires="a14">
+      <mc:AlternateContent xmlns:mc="http://schemas.openxmlformats.org/markup-compatibility/2006" xmlns:a14="http://schemas.microsoft.com/office/drawing/2010/main">
+        <mc:Choice Requires="a14">
           <p:sp>
             <p:nvSpPr>
               <p:cNvPr id="30" name="직사각형 29"/>
@@ -4132,6 +4136,7 @@
               </a:bodyPr>
               <a:lstStyle/>
               <a:p>
+                <a:pPr/>
                 <a14:m>
                   <m:oMathPara xmlns:m="http://schemas.openxmlformats.org/officeDocument/2006/math">
                     <m:oMathParaPr>
@@ -4163,7 +4168,7 @@
             </p:txBody>
           </p:sp>
         </mc:Choice>
-        <mc:Fallback>
+        <mc:Fallback xmlns="">
           <p:sp>
             <p:nvSpPr>
               <p:cNvPr id="30" name="직사각형 29"/>
@@ -4202,8 +4207,8 @@
           </p:sp>
         </mc:Fallback>
       </mc:AlternateContent>
-      <mc:AlternateContent xmlns:mc="http://schemas.openxmlformats.org/markup-compatibility/2006">
-        <mc:Choice xmlns:a14="http://schemas.microsoft.com/office/drawing/2010/main" Requires="a14">
+      <mc:AlternateContent xmlns:mc="http://schemas.openxmlformats.org/markup-compatibility/2006" xmlns:a14="http://schemas.microsoft.com/office/drawing/2010/main">
+        <mc:Choice Requires="a14">
           <p:sp>
             <p:nvSpPr>
               <p:cNvPr id="31" name="직사각형 30"/>
@@ -4225,6 +4230,7 @@
               </a:bodyPr>
               <a:lstStyle/>
               <a:p>
+                <a:pPr/>
                 <a14:m>
                   <m:oMathPara xmlns:m="http://schemas.openxmlformats.org/officeDocument/2006/math">
                     <m:oMathParaPr>
@@ -4256,7 +4262,7 @@
             </p:txBody>
           </p:sp>
         </mc:Choice>
-        <mc:Fallback>
+        <mc:Fallback xmlns="">
           <p:sp>
             <p:nvSpPr>
               <p:cNvPr id="31" name="직사각형 30"/>
@@ -4404,8 +4410,8 @@
           </a:fontRef>
         </p:style>
       </p:cxnSp>
-      <mc:AlternateContent xmlns:mc="http://schemas.openxmlformats.org/markup-compatibility/2006">
-        <mc:Choice xmlns:a14="http://schemas.microsoft.com/office/drawing/2010/main" Requires="a14">
+      <mc:AlternateContent xmlns:mc="http://schemas.openxmlformats.org/markup-compatibility/2006" xmlns:a14="http://schemas.microsoft.com/office/drawing/2010/main">
+        <mc:Choice Requires="a14">
           <p:sp>
             <p:nvSpPr>
               <p:cNvPr id="36" name="직사각형 35"/>
@@ -4427,6 +4433,7 @@
               </a:bodyPr>
               <a:lstStyle/>
               <a:p>
+                <a:pPr/>
                 <a14:m>
                   <m:oMathPara xmlns:m="http://schemas.openxmlformats.org/officeDocument/2006/math">
                     <m:oMathParaPr>
@@ -4481,7 +4488,7 @@
             </p:txBody>
           </p:sp>
         </mc:Choice>
-        <mc:Fallback>
+        <mc:Fallback xmlns="">
           <p:sp>
             <p:nvSpPr>
               <p:cNvPr id="36" name="직사각형 35"/>
@@ -4520,8 +4527,8 @@
           </p:sp>
         </mc:Fallback>
       </mc:AlternateContent>
-      <mc:AlternateContent xmlns:mc="http://schemas.openxmlformats.org/markup-compatibility/2006">
-        <mc:Choice xmlns:a14="http://schemas.microsoft.com/office/drawing/2010/main" Requires="a14">
+      <mc:AlternateContent xmlns:mc="http://schemas.openxmlformats.org/markup-compatibility/2006" xmlns:a14="http://schemas.microsoft.com/office/drawing/2010/main">
+        <mc:Choice Requires="a14">
           <p:sp>
             <p:nvSpPr>
               <p:cNvPr id="37" name="직사각형 36"/>
@@ -4543,6 +4550,7 @@
               </a:bodyPr>
               <a:lstStyle/>
               <a:p>
+                <a:pPr/>
                 <a14:m>
                   <m:oMathPara xmlns:m="http://schemas.openxmlformats.org/officeDocument/2006/math">
                     <m:oMathParaPr>
@@ -4597,7 +4605,7 @@
             </p:txBody>
           </p:sp>
         </mc:Choice>
-        <mc:Fallback>
+        <mc:Fallback xmlns="">
           <p:sp>
             <p:nvSpPr>
               <p:cNvPr id="37" name="직사각형 36"/>
@@ -4708,8 +4716,8 @@
           </a:fontRef>
         </p:style>
       </p:cxnSp>
-      <mc:AlternateContent xmlns:mc="http://schemas.openxmlformats.org/markup-compatibility/2006">
-        <mc:Choice xmlns:a14="http://schemas.microsoft.com/office/drawing/2010/main" Requires="a14">
+      <mc:AlternateContent xmlns:mc="http://schemas.openxmlformats.org/markup-compatibility/2006" xmlns:a14="http://schemas.microsoft.com/office/drawing/2010/main">
+        <mc:Choice Requires="a14">
           <p:sp>
             <p:nvSpPr>
               <p:cNvPr id="42" name="직사각형 41"/>
@@ -4731,6 +4739,7 @@
               </a:bodyPr>
               <a:lstStyle/>
               <a:p>
+                <a:pPr/>
                 <a14:m>
                   <m:oMathPara xmlns:m="http://schemas.openxmlformats.org/officeDocument/2006/math">
                     <m:oMathParaPr>
@@ -4751,7 +4760,7 @@
             </p:txBody>
           </p:sp>
         </mc:Choice>
-        <mc:Fallback>
+        <mc:Fallback xmlns="">
           <p:sp>
             <p:nvSpPr>
               <p:cNvPr id="42" name="직사각형 41"/>
@@ -4790,8 +4799,8 @@
           </p:sp>
         </mc:Fallback>
       </mc:AlternateContent>
-      <mc:AlternateContent xmlns:mc="http://schemas.openxmlformats.org/markup-compatibility/2006">
-        <mc:Choice xmlns:a14="http://schemas.microsoft.com/office/drawing/2010/main" Requires="a14">
+      <mc:AlternateContent xmlns:mc="http://schemas.openxmlformats.org/markup-compatibility/2006" xmlns:a14="http://schemas.microsoft.com/office/drawing/2010/main">
+        <mc:Choice Requires="a14">
           <p:sp>
             <p:nvSpPr>
               <p:cNvPr id="43" name="직사각형 42"/>
@@ -4813,6 +4822,7 @@
               </a:bodyPr>
               <a:lstStyle/>
               <a:p>
+                <a:pPr/>
                 <a14:m>
                   <m:oMathPara xmlns:m="http://schemas.openxmlformats.org/officeDocument/2006/math">
                     <m:oMathParaPr>
@@ -4833,7 +4843,7 @@
             </p:txBody>
           </p:sp>
         </mc:Choice>
-        <mc:Fallback>
+        <mc:Fallback xmlns="">
           <p:sp>
             <p:nvSpPr>
               <p:cNvPr id="43" name="직사각형 42"/>
@@ -4872,8 +4882,8 @@
           </p:sp>
         </mc:Fallback>
       </mc:AlternateContent>
-      <mc:AlternateContent xmlns:mc="http://schemas.openxmlformats.org/markup-compatibility/2006">
-        <mc:Choice xmlns:a14="http://schemas.microsoft.com/office/drawing/2010/main" Requires="a14">
+      <mc:AlternateContent xmlns:mc="http://schemas.openxmlformats.org/markup-compatibility/2006" xmlns:a14="http://schemas.microsoft.com/office/drawing/2010/main">
+        <mc:Choice Requires="a14">
           <p:sp>
             <p:nvSpPr>
               <p:cNvPr id="44" name="직사각형 43"/>
@@ -4895,6 +4905,7 @@
               </a:bodyPr>
               <a:lstStyle/>
               <a:p>
+                <a:pPr/>
                 <a14:m>
                   <m:oMathPara xmlns:m="http://schemas.openxmlformats.org/officeDocument/2006/math">
                     <m:oMathParaPr>
@@ -4915,7 +4926,7 @@
             </p:txBody>
           </p:sp>
         </mc:Choice>
-        <mc:Fallback>
+        <mc:Fallback xmlns="">
           <p:sp>
             <p:nvSpPr>
               <p:cNvPr id="44" name="직사각형 43"/>
@@ -4954,8 +4965,8 @@
           </p:sp>
         </mc:Fallback>
       </mc:AlternateContent>
-      <mc:AlternateContent xmlns:mc="http://schemas.openxmlformats.org/markup-compatibility/2006">
-        <mc:Choice xmlns:a14="http://schemas.microsoft.com/office/drawing/2010/main" Requires="a14">
+      <mc:AlternateContent xmlns:mc="http://schemas.openxmlformats.org/markup-compatibility/2006" xmlns:a14="http://schemas.microsoft.com/office/drawing/2010/main">
+        <mc:Choice Requires="a14">
           <p:sp>
             <p:nvSpPr>
               <p:cNvPr id="45" name="직사각형 44"/>
@@ -4977,6 +4988,7 @@
               </a:bodyPr>
               <a:lstStyle/>
               <a:p>
+                <a:pPr/>
                 <a14:m>
                   <m:oMathPara xmlns:m="http://schemas.openxmlformats.org/officeDocument/2006/math">
                     <m:oMathParaPr>
@@ -4997,7 +5009,7 @@
             </p:txBody>
           </p:sp>
         </mc:Choice>
-        <mc:Fallback>
+        <mc:Fallback xmlns="">
           <p:sp>
             <p:nvSpPr>
               <p:cNvPr id="45" name="직사각형 44"/>
@@ -5040,6 +5052,100 @@
     <p:extLst>
       <p:ext uri="{BB962C8B-B14F-4D97-AF65-F5344CB8AC3E}">
         <p14:creationId xmlns:p14="http://schemas.microsoft.com/office/powerpoint/2010/main" val="2410248883"/>
+      </p:ext>
+    </p:extLst>
+  </p:cSld>
+  <p:clrMapOvr>
+    <a:masterClrMapping/>
+  </p:clrMapOvr>
+</p:sld>
+</file>
+
+<file path=ppt/slides/slide4.xml><?xml version="1.0" encoding="utf-8"?>
+<p:sld xmlns:a="http://schemas.openxmlformats.org/drawingml/2006/main" xmlns:r="http://schemas.openxmlformats.org/officeDocument/2006/relationships" xmlns:p="http://schemas.openxmlformats.org/presentationml/2006/main">
+  <p:cSld>
+    <p:spTree>
+      <p:nvGrpSpPr>
+        <p:cNvPr id="1" name=""/>
+        <p:cNvGrpSpPr/>
+        <p:nvPr/>
+      </p:nvGrpSpPr>
+      <p:grpSpPr>
+        <a:xfrm>
+          <a:off x="0" y="0"/>
+          <a:ext cx="0" cy="0"/>
+          <a:chOff x="0" y="0"/>
+          <a:chExt cx="0" cy="0"/>
+        </a:xfrm>
+      </p:grpSpPr>
+      <p:pic>
+        <p:nvPicPr>
+          <p:cNvPr id="1026" name="Picture 2"/>
+          <p:cNvPicPr>
+            <a:picLocks noChangeAspect="1" noChangeArrowheads="1"/>
+          </p:cNvPicPr>
+          <p:nvPr/>
+        </p:nvPicPr>
+        <p:blipFill>
+          <a:blip r:embed="rId2">
+            <a:extLst>
+              <a:ext uri="{28A0092B-C50C-407E-A947-70E740481C1C}">
+                <a14:useLocalDpi xmlns:a14="http://schemas.microsoft.com/office/drawing/2010/main" val="0"/>
+              </a:ext>
+            </a:extLst>
+          </a:blip>
+          <a:srcRect/>
+          <a:stretch>
+            <a:fillRect/>
+          </a:stretch>
+        </p:blipFill>
+        <p:spPr bwMode="auto">
+          <a:xfrm>
+            <a:off x="1909763" y="1433513"/>
+            <a:ext cx="5324475" cy="3990975"/>
+          </a:xfrm>
+          <a:prstGeom prst="rect">
+            <a:avLst/>
+          </a:prstGeom>
+          <a:noFill/>
+          <a:ln>
+            <a:noFill/>
+          </a:ln>
+          <a:effectLst/>
+          <a:extLst>
+            <a:ext uri="{909E8E84-426E-40DD-AFC4-6F175D3DCCD1}">
+              <a14:hiddenFill xmlns:a14="http://schemas.microsoft.com/office/drawing/2010/main">
+                <a:solidFill>
+                  <a:schemeClr val="accent1"/>
+                </a:solidFill>
+              </a14:hiddenFill>
+            </a:ext>
+            <a:ext uri="{91240B29-F687-4F45-9708-019B960494DF}">
+              <a14:hiddenLine xmlns:a14="http://schemas.microsoft.com/office/drawing/2010/main" w="9525">
+                <a:solidFill>
+                  <a:schemeClr val="tx1"/>
+                </a:solidFill>
+                <a:miter lim="800000"/>
+                <a:headEnd/>
+                <a:tailEnd/>
+              </a14:hiddenLine>
+            </a:ext>
+            <a:ext uri="{AF507438-7753-43E0-B8FC-AC1667EBCBE1}">
+              <a14:hiddenEffects xmlns:a14="http://schemas.microsoft.com/office/drawing/2010/main">
+                <a:effectLst>
+                  <a:outerShdw dist="35921" dir="2700000" algn="ctr" rotWithShape="0">
+                    <a:schemeClr val="bg2"/>
+                  </a:outerShdw>
+                </a:effectLst>
+              </a14:hiddenEffects>
+            </a:ext>
+          </a:extLst>
+        </p:spPr>
+      </p:pic>
+    </p:spTree>
+    <p:extLst>
+      <p:ext uri="{BB962C8B-B14F-4D97-AF65-F5344CB8AC3E}">
+        <p14:creationId xmlns:p14="http://schemas.microsoft.com/office/powerpoint/2010/main" val="293364160"/>
       </p:ext>
     </p:extLst>
   </p:cSld>

--- a/pics/2021-05-12-phase_plane/pics.pptx
+++ b/pics/2021-05-12-phase_plane/pics.pptx
@@ -9,6 +9,7 @@
     <p:sldId id="257" r:id="rId3"/>
     <p:sldId id="258" r:id="rId4"/>
     <p:sldId id="259" r:id="rId5"/>
+    <p:sldId id="260" r:id="rId6"/>
   </p:sldIdLst>
   <p:sldSz cx="9144000" cy="6858000" type="screen4x3"/>
   <p:notesSz cx="6858000" cy="9144000"/>
@@ -5155,6 +5156,100 @@
 </p:sld>
 </file>
 
+<file path=ppt/slides/slide5.xml><?xml version="1.0" encoding="utf-8"?>
+<p:sld xmlns:a="http://schemas.openxmlformats.org/drawingml/2006/main" xmlns:r="http://schemas.openxmlformats.org/officeDocument/2006/relationships" xmlns:p="http://schemas.openxmlformats.org/presentationml/2006/main">
+  <p:cSld>
+    <p:spTree>
+      <p:nvGrpSpPr>
+        <p:cNvPr id="1" name=""/>
+        <p:cNvGrpSpPr/>
+        <p:nvPr/>
+      </p:nvGrpSpPr>
+      <p:grpSpPr>
+        <a:xfrm>
+          <a:off x="0" y="0"/>
+          <a:ext cx="0" cy="0"/>
+          <a:chOff x="0" y="0"/>
+          <a:chExt cx="0" cy="0"/>
+        </a:xfrm>
+      </p:grpSpPr>
+      <p:pic>
+        <p:nvPicPr>
+          <p:cNvPr id="1026" name="Picture 2"/>
+          <p:cNvPicPr>
+            <a:picLocks noChangeAspect="1" noChangeArrowheads="1"/>
+          </p:cNvPicPr>
+          <p:nvPr/>
+        </p:nvPicPr>
+        <p:blipFill>
+          <a:blip r:embed="rId2">
+            <a:extLst>
+              <a:ext uri="{28A0092B-C50C-407E-A947-70E740481C1C}">
+                <a14:useLocalDpi xmlns:a14="http://schemas.microsoft.com/office/drawing/2010/main" val="0"/>
+              </a:ext>
+            </a:extLst>
+          </a:blip>
+          <a:srcRect/>
+          <a:stretch>
+            <a:fillRect/>
+          </a:stretch>
+        </p:blipFill>
+        <p:spPr bwMode="auto">
+          <a:xfrm>
+            <a:off x="1909763" y="1433513"/>
+            <a:ext cx="5324475" cy="3990975"/>
+          </a:xfrm>
+          <a:prstGeom prst="rect">
+            <a:avLst/>
+          </a:prstGeom>
+          <a:noFill/>
+          <a:ln>
+            <a:noFill/>
+          </a:ln>
+          <a:effectLst/>
+          <a:extLst>
+            <a:ext uri="{909E8E84-426E-40DD-AFC4-6F175D3DCCD1}">
+              <a14:hiddenFill xmlns:a14="http://schemas.microsoft.com/office/drawing/2010/main">
+                <a:solidFill>
+                  <a:schemeClr val="accent1"/>
+                </a:solidFill>
+              </a14:hiddenFill>
+            </a:ext>
+            <a:ext uri="{91240B29-F687-4F45-9708-019B960494DF}">
+              <a14:hiddenLine xmlns:a14="http://schemas.microsoft.com/office/drawing/2010/main" w="9525">
+                <a:solidFill>
+                  <a:schemeClr val="tx1"/>
+                </a:solidFill>
+                <a:miter lim="800000"/>
+                <a:headEnd/>
+                <a:tailEnd/>
+              </a14:hiddenLine>
+            </a:ext>
+            <a:ext uri="{AF507438-7753-43E0-B8FC-AC1667EBCBE1}">
+              <a14:hiddenEffects xmlns:a14="http://schemas.microsoft.com/office/drawing/2010/main">
+                <a:effectLst>
+                  <a:outerShdw dist="35921" dir="2700000" algn="ctr" rotWithShape="0">
+                    <a:schemeClr val="bg2"/>
+                  </a:outerShdw>
+                </a:effectLst>
+              </a14:hiddenEffects>
+            </a:ext>
+          </a:extLst>
+        </p:spPr>
+      </p:pic>
+    </p:spTree>
+    <p:extLst>
+      <p:ext uri="{BB962C8B-B14F-4D97-AF65-F5344CB8AC3E}">
+        <p14:creationId xmlns:p14="http://schemas.microsoft.com/office/powerpoint/2010/main" val="2101529071"/>
+      </p:ext>
+    </p:extLst>
+  </p:cSld>
+  <p:clrMapOvr>
+    <a:masterClrMapping/>
+  </p:clrMapOvr>
+</p:sld>
+</file>
+
 <file path=ppt/theme/theme1.xml><?xml version="1.0" encoding="utf-8"?>
 <a:theme xmlns:a="http://schemas.openxmlformats.org/drawingml/2006/main" name="Office 테마">
   <a:themeElements>

--- a/pics/2021-05-12-phase_plane/pics.pptx
+++ b/pics/2021-05-12-phase_plane/pics.pptx
@@ -4,12 +4,16 @@
   <p:sldMasterIdLst>
     <p:sldMasterId id="2147483648" r:id="rId1"/>
   </p:sldMasterIdLst>
+  <p:notesMasterIdLst>
+    <p:notesMasterId r:id="rId8"/>
+  </p:notesMasterIdLst>
   <p:sldIdLst>
     <p:sldId id="256" r:id="rId2"/>
     <p:sldId id="257" r:id="rId3"/>
     <p:sldId id="258" r:id="rId4"/>
     <p:sldId id="259" r:id="rId5"/>
     <p:sldId id="260" r:id="rId6"/>
+    <p:sldId id="261" r:id="rId7"/>
   </p:sldIdLst>
   <p:sldSz cx="9144000" cy="6858000" type="screen4x3"/>
   <p:notesSz cx="6858000" cy="9144000"/>
@@ -109,6 +113,356 @@
     </a:lvl9pPr>
   </p:defaultTextStyle>
 </p:presentation>
+</file>
+
+<file path=ppt/notesMasters/notesMaster1.xml><?xml version="1.0" encoding="utf-8"?>
+<p:notesMaster xmlns:a="http://schemas.openxmlformats.org/drawingml/2006/main" xmlns:r="http://schemas.openxmlformats.org/officeDocument/2006/relationships" xmlns:p="http://schemas.openxmlformats.org/presentationml/2006/main">
+  <p:cSld>
+    <p:bg>
+      <p:bgRef idx="1001">
+        <a:schemeClr val="bg1"/>
+      </p:bgRef>
+    </p:bg>
+    <p:spTree>
+      <p:nvGrpSpPr>
+        <p:cNvPr id="1" name=""/>
+        <p:cNvGrpSpPr/>
+        <p:nvPr/>
+      </p:nvGrpSpPr>
+      <p:grpSpPr>
+        <a:xfrm>
+          <a:off x="0" y="0"/>
+          <a:ext cx="0" cy="0"/>
+          <a:chOff x="0" y="0"/>
+          <a:chExt cx="0" cy="0"/>
+        </a:xfrm>
+      </p:grpSpPr>
+      <p:sp>
+        <p:nvSpPr>
+          <p:cNvPr id="2" name="머리글 개체 틀 1"/>
+          <p:cNvSpPr>
+            <a:spLocks noGrp="1"/>
+          </p:cNvSpPr>
+          <p:nvPr>
+            <p:ph type="hdr" sz="quarter"/>
+          </p:nvPr>
+        </p:nvSpPr>
+        <p:spPr>
+          <a:xfrm>
+            <a:off x="0" y="0"/>
+            <a:ext cx="2971800" cy="457200"/>
+          </a:xfrm>
+          <a:prstGeom prst="rect">
+            <a:avLst/>
+          </a:prstGeom>
+        </p:spPr>
+        <p:txBody>
+          <a:bodyPr vert="horz" lIns="91440" tIns="45720" rIns="91440" bIns="45720" rtlCol="0"/>
+          <a:lstStyle>
+            <a:lvl1pPr algn="l">
+              <a:defRPr sz="1200"/>
+            </a:lvl1pPr>
+          </a:lstStyle>
+          <a:p>
+            <a:endParaRPr lang="ko-KR" altLang="en-US"/>
+          </a:p>
+        </p:txBody>
+      </p:sp>
+      <p:sp>
+        <p:nvSpPr>
+          <p:cNvPr id="3" name="날짜 개체 틀 2"/>
+          <p:cNvSpPr>
+            <a:spLocks noGrp="1"/>
+          </p:cNvSpPr>
+          <p:nvPr>
+            <p:ph type="dt" idx="1"/>
+          </p:nvPr>
+        </p:nvSpPr>
+        <p:spPr>
+          <a:xfrm>
+            <a:off x="3884613" y="0"/>
+            <a:ext cx="2971800" cy="457200"/>
+          </a:xfrm>
+          <a:prstGeom prst="rect">
+            <a:avLst/>
+          </a:prstGeom>
+        </p:spPr>
+        <p:txBody>
+          <a:bodyPr vert="horz" lIns="91440" tIns="45720" rIns="91440" bIns="45720" rtlCol="0"/>
+          <a:lstStyle>
+            <a:lvl1pPr algn="r">
+              <a:defRPr sz="1200"/>
+            </a:lvl1pPr>
+          </a:lstStyle>
+          <a:p>
+            <a:fld id="{57DB3EF5-7569-4EDB-9E86-E8DF12D1AC4B}" type="datetimeFigureOut">
+              <a:rPr lang="ko-KR" altLang="en-US" smtClean="0"/>
+              <a:t>2021-05-20</a:t>
+            </a:fld>
+            <a:endParaRPr lang="ko-KR" altLang="en-US"/>
+          </a:p>
+        </p:txBody>
+      </p:sp>
+      <p:sp>
+        <p:nvSpPr>
+          <p:cNvPr id="4" name="슬라이드 이미지 개체 틀 3"/>
+          <p:cNvSpPr>
+            <a:spLocks noGrp="1" noRot="1" noChangeAspect="1"/>
+          </p:cNvSpPr>
+          <p:nvPr>
+            <p:ph type="sldImg" idx="2"/>
+          </p:nvPr>
+        </p:nvSpPr>
+        <p:spPr>
+          <a:xfrm>
+            <a:off x="1143000" y="685800"/>
+            <a:ext cx="4572000" cy="3429000"/>
+          </a:xfrm>
+          <a:prstGeom prst="rect">
+            <a:avLst/>
+          </a:prstGeom>
+          <a:noFill/>
+          <a:ln w="12700">
+            <a:solidFill>
+              <a:prstClr val="black"/>
+            </a:solidFill>
+          </a:ln>
+        </p:spPr>
+        <p:txBody>
+          <a:bodyPr vert="horz" lIns="91440" tIns="45720" rIns="91440" bIns="45720" rtlCol="0" anchor="ctr"/>
+          <a:lstStyle/>
+          <a:p>
+            <a:endParaRPr lang="ko-KR" altLang="en-US"/>
+          </a:p>
+        </p:txBody>
+      </p:sp>
+      <p:sp>
+        <p:nvSpPr>
+          <p:cNvPr id="5" name="슬라이드 노트 개체 틀 4"/>
+          <p:cNvSpPr>
+            <a:spLocks noGrp="1"/>
+          </p:cNvSpPr>
+          <p:nvPr>
+            <p:ph type="body" sz="quarter" idx="3"/>
+          </p:nvPr>
+        </p:nvSpPr>
+        <p:spPr>
+          <a:xfrm>
+            <a:off x="685800" y="4343400"/>
+            <a:ext cx="5486400" cy="4114800"/>
+          </a:xfrm>
+          <a:prstGeom prst="rect">
+            <a:avLst/>
+          </a:prstGeom>
+        </p:spPr>
+        <p:txBody>
+          <a:bodyPr vert="horz" lIns="91440" tIns="45720" rIns="91440" bIns="45720" rtlCol="0"/>
+          <a:lstStyle/>
+          <a:p>
+            <a:pPr lvl="0"/>
+            <a:r>
+              <a:rPr lang="ko-KR" altLang="en-US" smtClean="0"/>
+              <a:t>마스터 텍스트 스타일을 편집합니다</a:t>
+            </a:r>
+          </a:p>
+          <a:p>
+            <a:pPr lvl="1"/>
+            <a:r>
+              <a:rPr lang="ko-KR" altLang="en-US" smtClean="0"/>
+              <a:t>둘째 수준</a:t>
+            </a:r>
+          </a:p>
+          <a:p>
+            <a:pPr lvl="2"/>
+            <a:r>
+              <a:rPr lang="ko-KR" altLang="en-US" smtClean="0"/>
+              <a:t>셋째 수준</a:t>
+            </a:r>
+          </a:p>
+          <a:p>
+            <a:pPr lvl="3"/>
+            <a:r>
+              <a:rPr lang="ko-KR" altLang="en-US" smtClean="0"/>
+              <a:t>넷째 수준</a:t>
+            </a:r>
+          </a:p>
+          <a:p>
+            <a:pPr lvl="4"/>
+            <a:r>
+              <a:rPr lang="ko-KR" altLang="en-US" smtClean="0"/>
+              <a:t>다섯째 수준</a:t>
+            </a:r>
+            <a:endParaRPr lang="ko-KR" altLang="en-US"/>
+          </a:p>
+        </p:txBody>
+      </p:sp>
+      <p:sp>
+        <p:nvSpPr>
+          <p:cNvPr id="6" name="바닥글 개체 틀 5"/>
+          <p:cNvSpPr>
+            <a:spLocks noGrp="1"/>
+          </p:cNvSpPr>
+          <p:nvPr>
+            <p:ph type="ftr" sz="quarter" idx="4"/>
+          </p:nvPr>
+        </p:nvSpPr>
+        <p:spPr>
+          <a:xfrm>
+            <a:off x="0" y="8685213"/>
+            <a:ext cx="2971800" cy="457200"/>
+          </a:xfrm>
+          <a:prstGeom prst="rect">
+            <a:avLst/>
+          </a:prstGeom>
+        </p:spPr>
+        <p:txBody>
+          <a:bodyPr vert="horz" lIns="91440" tIns="45720" rIns="91440" bIns="45720" rtlCol="0" anchor="b"/>
+          <a:lstStyle>
+            <a:lvl1pPr algn="l">
+              <a:defRPr sz="1200"/>
+            </a:lvl1pPr>
+          </a:lstStyle>
+          <a:p>
+            <a:endParaRPr lang="ko-KR" altLang="en-US"/>
+          </a:p>
+        </p:txBody>
+      </p:sp>
+      <p:sp>
+        <p:nvSpPr>
+          <p:cNvPr id="7" name="슬라이드 번호 개체 틀 6"/>
+          <p:cNvSpPr>
+            <a:spLocks noGrp="1"/>
+          </p:cNvSpPr>
+          <p:nvPr>
+            <p:ph type="sldNum" sz="quarter" idx="5"/>
+          </p:nvPr>
+        </p:nvSpPr>
+        <p:spPr>
+          <a:xfrm>
+            <a:off x="3884613" y="8685213"/>
+            <a:ext cx="2971800" cy="457200"/>
+          </a:xfrm>
+          <a:prstGeom prst="rect">
+            <a:avLst/>
+          </a:prstGeom>
+        </p:spPr>
+        <p:txBody>
+          <a:bodyPr vert="horz" lIns="91440" tIns="45720" rIns="91440" bIns="45720" rtlCol="0" anchor="b"/>
+          <a:lstStyle>
+            <a:lvl1pPr algn="r">
+              <a:defRPr sz="1200"/>
+            </a:lvl1pPr>
+          </a:lstStyle>
+          <a:p>
+            <a:fld id="{DEE4162E-821A-4EB8-939B-BA94D7A3C57B}" type="slidenum">
+              <a:rPr lang="ko-KR" altLang="en-US" smtClean="0"/>
+              <a:t>‹#›</a:t>
+            </a:fld>
+            <a:endParaRPr lang="ko-KR" altLang="en-US"/>
+          </a:p>
+        </p:txBody>
+      </p:sp>
+    </p:spTree>
+    <p:extLst>
+      <p:ext uri="{BB962C8B-B14F-4D97-AF65-F5344CB8AC3E}">
+        <p14:creationId xmlns:p14="http://schemas.microsoft.com/office/powerpoint/2010/main" val="3325213577"/>
+      </p:ext>
+    </p:extLst>
+  </p:cSld>
+  <p:clrMap bg1="lt1" tx1="dk1" bg2="lt2" tx2="dk2" accent1="accent1" accent2="accent2" accent3="accent3" accent4="accent4" accent5="accent5" accent6="accent6" hlink="hlink" folHlink="folHlink"/>
+  <p:notesStyle>
+    <a:lvl1pPr marL="0" algn="l" defTabSz="914400" rtl="0" eaLnBrk="1" latinLnBrk="1" hangingPunct="1">
+      <a:defRPr sz="1200" kern="1200">
+        <a:solidFill>
+          <a:schemeClr val="tx1"/>
+        </a:solidFill>
+        <a:latin typeface="+mn-lt"/>
+        <a:ea typeface="+mn-ea"/>
+        <a:cs typeface="+mn-cs"/>
+      </a:defRPr>
+    </a:lvl1pPr>
+    <a:lvl2pPr marL="457200" algn="l" defTabSz="914400" rtl="0" eaLnBrk="1" latinLnBrk="1" hangingPunct="1">
+      <a:defRPr sz="1200" kern="1200">
+        <a:solidFill>
+          <a:schemeClr val="tx1"/>
+        </a:solidFill>
+        <a:latin typeface="+mn-lt"/>
+        <a:ea typeface="+mn-ea"/>
+        <a:cs typeface="+mn-cs"/>
+      </a:defRPr>
+    </a:lvl2pPr>
+    <a:lvl3pPr marL="914400" algn="l" defTabSz="914400" rtl="0" eaLnBrk="1" latinLnBrk="1" hangingPunct="1">
+      <a:defRPr sz="1200" kern="1200">
+        <a:solidFill>
+          <a:schemeClr val="tx1"/>
+        </a:solidFill>
+        <a:latin typeface="+mn-lt"/>
+        <a:ea typeface="+mn-ea"/>
+        <a:cs typeface="+mn-cs"/>
+      </a:defRPr>
+    </a:lvl3pPr>
+    <a:lvl4pPr marL="1371600" algn="l" defTabSz="914400" rtl="0" eaLnBrk="1" latinLnBrk="1" hangingPunct="1">
+      <a:defRPr sz="1200" kern="1200">
+        <a:solidFill>
+          <a:schemeClr val="tx1"/>
+        </a:solidFill>
+        <a:latin typeface="+mn-lt"/>
+        <a:ea typeface="+mn-ea"/>
+        <a:cs typeface="+mn-cs"/>
+      </a:defRPr>
+    </a:lvl4pPr>
+    <a:lvl5pPr marL="1828800" algn="l" defTabSz="914400" rtl="0" eaLnBrk="1" latinLnBrk="1" hangingPunct="1">
+      <a:defRPr sz="1200" kern="1200">
+        <a:solidFill>
+          <a:schemeClr val="tx1"/>
+        </a:solidFill>
+        <a:latin typeface="+mn-lt"/>
+        <a:ea typeface="+mn-ea"/>
+        <a:cs typeface="+mn-cs"/>
+      </a:defRPr>
+    </a:lvl5pPr>
+    <a:lvl6pPr marL="2286000" algn="l" defTabSz="914400" rtl="0" eaLnBrk="1" latinLnBrk="1" hangingPunct="1">
+      <a:defRPr sz="1200" kern="1200">
+        <a:solidFill>
+          <a:schemeClr val="tx1"/>
+        </a:solidFill>
+        <a:latin typeface="+mn-lt"/>
+        <a:ea typeface="+mn-ea"/>
+        <a:cs typeface="+mn-cs"/>
+      </a:defRPr>
+    </a:lvl6pPr>
+    <a:lvl7pPr marL="2743200" algn="l" defTabSz="914400" rtl="0" eaLnBrk="1" latinLnBrk="1" hangingPunct="1">
+      <a:defRPr sz="1200" kern="1200">
+        <a:solidFill>
+          <a:schemeClr val="tx1"/>
+        </a:solidFill>
+        <a:latin typeface="+mn-lt"/>
+        <a:ea typeface="+mn-ea"/>
+        <a:cs typeface="+mn-cs"/>
+      </a:defRPr>
+    </a:lvl7pPr>
+    <a:lvl8pPr marL="3200400" algn="l" defTabSz="914400" rtl="0" eaLnBrk="1" latinLnBrk="1" hangingPunct="1">
+      <a:defRPr sz="1200" kern="1200">
+        <a:solidFill>
+          <a:schemeClr val="tx1"/>
+        </a:solidFill>
+        <a:latin typeface="+mn-lt"/>
+        <a:ea typeface="+mn-ea"/>
+        <a:cs typeface="+mn-cs"/>
+      </a:defRPr>
+    </a:lvl8pPr>
+    <a:lvl9pPr marL="3657600" algn="l" defTabSz="914400" rtl="0" eaLnBrk="1" latinLnBrk="1" hangingPunct="1">
+      <a:defRPr sz="1200" kern="1200">
+        <a:solidFill>
+          <a:schemeClr val="tx1"/>
+        </a:solidFill>
+        <a:latin typeface="+mn-lt"/>
+        <a:ea typeface="+mn-ea"/>
+        <a:cs typeface="+mn-cs"/>
+      </a:defRPr>
+    </a:lvl9pPr>
+  </p:notesStyle>
+</p:notesMaster>
 </file>
 
 <file path=ppt/slideLayouts/slideLayout1.xml><?xml version="1.0" encoding="utf-8"?>
@@ -292,7 +646,7 @@
           <a:p>
             <a:fld id="{FB30EDBD-1C2D-4C1E-B459-B60219FAB484}" type="datetimeFigureOut">
               <a:rPr lang="ko-KR" altLang="en-US" smtClean="0"/>
-              <a:t>2021-05-18</a:t>
+              <a:t>2021-05-20</a:t>
             </a:fld>
             <a:endParaRPr lang="ko-KR" altLang="en-US"/>
           </a:p>
@@ -457,7 +811,7 @@
           <a:p>
             <a:fld id="{FB30EDBD-1C2D-4C1E-B459-B60219FAB484}" type="datetimeFigureOut">
               <a:rPr lang="ko-KR" altLang="en-US" smtClean="0"/>
-              <a:t>2021-05-18</a:t>
+              <a:t>2021-05-20</a:t>
             </a:fld>
             <a:endParaRPr lang="ko-KR" altLang="en-US"/>
           </a:p>
@@ -632,7 +986,7 @@
           <a:p>
             <a:fld id="{FB30EDBD-1C2D-4C1E-B459-B60219FAB484}" type="datetimeFigureOut">
               <a:rPr lang="ko-KR" altLang="en-US" smtClean="0"/>
-              <a:t>2021-05-18</a:t>
+              <a:t>2021-05-20</a:t>
             </a:fld>
             <a:endParaRPr lang="ko-KR" altLang="en-US"/>
           </a:p>
@@ -797,7 +1151,7 @@
           <a:p>
             <a:fld id="{FB30EDBD-1C2D-4C1E-B459-B60219FAB484}" type="datetimeFigureOut">
               <a:rPr lang="ko-KR" altLang="en-US" smtClean="0"/>
-              <a:t>2021-05-18</a:t>
+              <a:t>2021-05-20</a:t>
             </a:fld>
             <a:endParaRPr lang="ko-KR" altLang="en-US"/>
           </a:p>
@@ -1038,7 +1392,7 @@
           <a:p>
             <a:fld id="{FB30EDBD-1C2D-4C1E-B459-B60219FAB484}" type="datetimeFigureOut">
               <a:rPr lang="ko-KR" altLang="en-US" smtClean="0"/>
-              <a:t>2021-05-18</a:t>
+              <a:t>2021-05-20</a:t>
             </a:fld>
             <a:endParaRPr lang="ko-KR" altLang="en-US"/>
           </a:p>
@@ -1321,7 +1675,7 @@
           <a:p>
             <a:fld id="{FB30EDBD-1C2D-4C1E-B459-B60219FAB484}" type="datetimeFigureOut">
               <a:rPr lang="ko-KR" altLang="en-US" smtClean="0"/>
-              <a:t>2021-05-18</a:t>
+              <a:t>2021-05-20</a:t>
             </a:fld>
             <a:endParaRPr lang="ko-KR" altLang="en-US"/>
           </a:p>
@@ -1738,7 +2092,7 @@
           <a:p>
             <a:fld id="{FB30EDBD-1C2D-4C1E-B459-B60219FAB484}" type="datetimeFigureOut">
               <a:rPr lang="ko-KR" altLang="en-US" smtClean="0"/>
-              <a:t>2021-05-18</a:t>
+              <a:t>2021-05-20</a:t>
             </a:fld>
             <a:endParaRPr lang="ko-KR" altLang="en-US"/>
           </a:p>
@@ -1851,7 +2205,7 @@
           <a:p>
             <a:fld id="{FB30EDBD-1C2D-4C1E-B459-B60219FAB484}" type="datetimeFigureOut">
               <a:rPr lang="ko-KR" altLang="en-US" smtClean="0"/>
-              <a:t>2021-05-18</a:t>
+              <a:t>2021-05-20</a:t>
             </a:fld>
             <a:endParaRPr lang="ko-KR" altLang="en-US"/>
           </a:p>
@@ -1941,7 +2295,7 @@
           <a:p>
             <a:fld id="{FB30EDBD-1C2D-4C1E-B459-B60219FAB484}" type="datetimeFigureOut">
               <a:rPr lang="ko-KR" altLang="en-US" smtClean="0"/>
-              <a:t>2021-05-18</a:t>
+              <a:t>2021-05-20</a:t>
             </a:fld>
             <a:endParaRPr lang="ko-KR" altLang="en-US"/>
           </a:p>
@@ -2213,7 +2567,7 @@
           <a:p>
             <a:fld id="{FB30EDBD-1C2D-4C1E-B459-B60219FAB484}" type="datetimeFigureOut">
               <a:rPr lang="ko-KR" altLang="en-US" smtClean="0"/>
-              <a:t>2021-05-18</a:t>
+              <a:t>2021-05-20</a:t>
             </a:fld>
             <a:endParaRPr lang="ko-KR" altLang="en-US"/>
           </a:p>
@@ -2461,7 +2815,7 @@
           <a:p>
             <a:fld id="{FB30EDBD-1C2D-4C1E-B459-B60219FAB484}" type="datetimeFigureOut">
               <a:rPr lang="ko-KR" altLang="en-US" smtClean="0"/>
-              <a:t>2021-05-18</a:t>
+              <a:t>2021-05-20</a:t>
             </a:fld>
             <a:endParaRPr lang="ko-KR" altLang="en-US"/>
           </a:p>
@@ -2669,7 +3023,7 @@
           <a:p>
             <a:fld id="{FB30EDBD-1C2D-4C1E-B459-B60219FAB484}" type="datetimeFigureOut">
               <a:rPr lang="ko-KR" altLang="en-US" smtClean="0"/>
-              <a:t>2021-05-18</a:t>
+              <a:t>2021-05-20</a:t>
             </a:fld>
             <a:endParaRPr lang="ko-KR" altLang="en-US"/>
           </a:p>
@@ -5250,6 +5604,1107 @@
 </p:sld>
 </file>
 
+<file path=ppt/slides/slide6.xml><?xml version="1.0" encoding="utf-8"?>
+<p:sld xmlns:a="http://schemas.openxmlformats.org/drawingml/2006/main" xmlns:r="http://schemas.openxmlformats.org/officeDocument/2006/relationships" xmlns:p="http://schemas.openxmlformats.org/presentationml/2006/main">
+  <p:cSld>
+    <p:spTree>
+      <p:nvGrpSpPr>
+        <p:cNvPr id="1" name=""/>
+        <p:cNvGrpSpPr/>
+        <p:nvPr/>
+      </p:nvGrpSpPr>
+      <p:grpSpPr>
+        <a:xfrm>
+          <a:off x="0" y="0"/>
+          <a:ext cx="0" cy="0"/>
+          <a:chOff x="0" y="0"/>
+          <a:chExt cx="0" cy="0"/>
+        </a:xfrm>
+      </p:grpSpPr>
+      <p:grpSp>
+        <p:nvGrpSpPr>
+          <p:cNvPr id="17" name="그룹 16"/>
+          <p:cNvGrpSpPr/>
+          <p:nvPr/>
+        </p:nvGrpSpPr>
+        <p:grpSpPr>
+          <a:xfrm>
+            <a:off x="1891211" y="1433513"/>
+            <a:ext cx="5361579" cy="3990975"/>
+            <a:chOff x="1559468" y="1423987"/>
+            <a:chExt cx="5361579" cy="3990975"/>
+          </a:xfrm>
+        </p:grpSpPr>
+        <p:pic>
+          <p:nvPicPr>
+            <p:cNvPr id="1026" name="Picture 2"/>
+            <p:cNvPicPr>
+              <a:picLocks noChangeAspect="1" noChangeArrowheads="1"/>
+            </p:cNvPicPr>
+            <p:nvPr/>
+          </p:nvPicPr>
+          <p:blipFill>
+            <a:blip r:embed="rId2">
+              <a:extLst>
+                <a:ext uri="{28A0092B-C50C-407E-A947-70E740481C1C}">
+                  <a14:useLocalDpi xmlns:a14="http://schemas.microsoft.com/office/drawing/2010/main" val="0"/>
+                </a:ext>
+              </a:extLst>
+            </a:blip>
+            <a:srcRect/>
+            <a:stretch>
+              <a:fillRect/>
+            </a:stretch>
+          </p:blipFill>
+          <p:spPr bwMode="auto">
+            <a:xfrm>
+              <a:off x="1559468" y="1423987"/>
+              <a:ext cx="5324475" cy="3990975"/>
+            </a:xfrm>
+            <a:prstGeom prst="rect">
+              <a:avLst/>
+            </a:prstGeom>
+            <a:noFill/>
+            <a:ln>
+              <a:noFill/>
+            </a:ln>
+            <a:effectLst/>
+            <a:extLst>
+              <a:ext uri="{909E8E84-426E-40DD-AFC4-6F175D3DCCD1}">
+                <a14:hiddenFill xmlns:a14="http://schemas.microsoft.com/office/drawing/2010/main">
+                  <a:solidFill>
+                    <a:schemeClr val="accent1"/>
+                  </a:solidFill>
+                </a14:hiddenFill>
+              </a:ext>
+              <a:ext uri="{91240B29-F687-4F45-9708-019B960494DF}">
+                <a14:hiddenLine xmlns:a14="http://schemas.microsoft.com/office/drawing/2010/main" w="9525">
+                  <a:solidFill>
+                    <a:schemeClr val="tx1"/>
+                  </a:solidFill>
+                  <a:miter lim="800000"/>
+                  <a:headEnd/>
+                  <a:tailEnd/>
+                </a14:hiddenLine>
+              </a:ext>
+              <a:ext uri="{AF507438-7753-43E0-B8FC-AC1667EBCBE1}">
+                <a14:hiddenEffects xmlns:a14="http://schemas.microsoft.com/office/drawing/2010/main">
+                  <a:effectLst>
+                    <a:outerShdw dist="35921" dir="2700000" algn="ctr" rotWithShape="0">
+                      <a:schemeClr val="bg2"/>
+                    </a:outerShdw>
+                  </a:effectLst>
+                </a14:hiddenEffects>
+              </a:ext>
+            </a:extLst>
+          </p:spPr>
+        </p:pic>
+        <mc:AlternateContent xmlns:mc="http://schemas.openxmlformats.org/markup-compatibility/2006">
+          <mc:Choice xmlns:a14="http://schemas.microsoft.com/office/drawing/2010/main" Requires="a14">
+            <p:sp>
+              <p:nvSpPr>
+                <p:cNvPr id="4" name="TextBox 3"/>
+                <p:cNvSpPr txBox="1"/>
+                <p:nvPr/>
+              </p:nvSpPr>
+              <p:spPr>
+                <a:xfrm>
+                  <a:off x="5519908" y="3778353"/>
+                  <a:ext cx="556626" cy="261610"/>
+                </a:xfrm>
+                <a:prstGeom prst="rect">
+                  <a:avLst/>
+                </a:prstGeom>
+                <a:solidFill>
+                  <a:schemeClr val="bg1"/>
+                </a:solidFill>
+                <a:ln>
+                  <a:solidFill>
+                    <a:schemeClr val="tx1"/>
+                  </a:solidFill>
+                </a:ln>
+              </p:spPr>
+              <p:txBody>
+                <a:bodyPr wrap="none" rtlCol="0">
+                  <a:spAutoFit/>
+                </a:bodyPr>
+                <a:lstStyle/>
+                <a:p>
+                  <a14:m>
+                    <m:oMathPara xmlns:m="http://schemas.openxmlformats.org/officeDocument/2006/math">
+                      <m:oMathParaPr>
+                        <m:jc m:val="centerGroup"/>
+                      </m:oMathParaPr>
+                      <m:oMath xmlns:m="http://schemas.openxmlformats.org/officeDocument/2006/math">
+                        <m:r>
+                          <a:rPr lang="en-US" altLang="ko-KR" sz="1100" b="0" i="1" smtClean="0">
+                            <a:latin typeface="Cambria Math"/>
+                          </a:rPr>
+                          <m:t>𝑡</m:t>
+                        </m:r>
+                        <m:r>
+                          <a:rPr lang="en-US" altLang="ko-KR" sz="1100" b="0" i="1" smtClean="0">
+                            <a:latin typeface="Cambria Math"/>
+                          </a:rPr>
+                          <m:t>=0</m:t>
+                        </m:r>
+                      </m:oMath>
+                    </m:oMathPara>
+                  </a14:m>
+                  <a:endParaRPr lang="ko-KR" altLang="en-US" sz="1100" dirty="0"/>
+                </a:p>
+              </p:txBody>
+            </p:sp>
+          </mc:Choice>
+          <mc:Fallback>
+            <p:sp>
+              <p:nvSpPr>
+                <p:cNvPr id="4" name="TextBox 3"/>
+                <p:cNvSpPr txBox="1">
+                  <a:spLocks noRot="1" noChangeAspect="1" noMove="1" noResize="1" noEditPoints="1" noAdjustHandles="1" noChangeArrowheads="1" noChangeShapeType="1" noTextEdit="1"/>
+                </p:cNvSpPr>
+                <p:nvPr/>
+              </p:nvSpPr>
+              <p:spPr>
+                <a:xfrm>
+                  <a:off x="5519908" y="3778353"/>
+                  <a:ext cx="556626" cy="261610"/>
+                </a:xfrm>
+                <a:prstGeom prst="rect">
+                  <a:avLst/>
+                </a:prstGeom>
+                <a:blipFill rotWithShape="1">
+                  <a:blip r:embed="rId3"/>
+                  <a:stretch>
+                    <a:fillRect/>
+                  </a:stretch>
+                </a:blipFill>
+                <a:ln>
+                  <a:solidFill>
+                    <a:schemeClr val="tx1"/>
+                  </a:solidFill>
+                </a:ln>
+              </p:spPr>
+              <p:txBody>
+                <a:bodyPr/>
+                <a:lstStyle/>
+                <a:p>
+                  <a:r>
+                    <a:rPr lang="ko-KR" altLang="en-US">
+                      <a:noFill/>
+                    </a:rPr>
+                    <a:t> </a:t>
+                  </a:r>
+                </a:p>
+              </p:txBody>
+            </p:sp>
+          </mc:Fallback>
+        </mc:AlternateContent>
+        <mc:AlternateContent xmlns:mc="http://schemas.openxmlformats.org/markup-compatibility/2006">
+          <mc:Choice xmlns:a14="http://schemas.microsoft.com/office/drawing/2010/main" Requires="a14">
+            <p:sp>
+              <p:nvSpPr>
+                <p:cNvPr id="6" name="TextBox 5"/>
+                <p:cNvSpPr txBox="1"/>
+                <p:nvPr/>
+              </p:nvSpPr>
+              <p:spPr>
+                <a:xfrm>
+                  <a:off x="5395330" y="3445896"/>
+                  <a:ext cx="664028" cy="261610"/>
+                </a:xfrm>
+                <a:prstGeom prst="rect">
+                  <a:avLst/>
+                </a:prstGeom>
+                <a:solidFill>
+                  <a:schemeClr val="bg1"/>
+                </a:solidFill>
+                <a:ln>
+                  <a:solidFill>
+                    <a:schemeClr val="tx1"/>
+                  </a:solidFill>
+                </a:ln>
+              </p:spPr>
+              <p:txBody>
+                <a:bodyPr wrap="none" rtlCol="0">
+                  <a:spAutoFit/>
+                </a:bodyPr>
+                <a:lstStyle/>
+                <a:p>
+                  <a14:m>
+                    <m:oMathPara xmlns:m="http://schemas.openxmlformats.org/officeDocument/2006/math">
+                      <m:oMathParaPr>
+                        <m:jc m:val="centerGroup"/>
+                      </m:oMathParaPr>
+                      <m:oMath xmlns:m="http://schemas.openxmlformats.org/officeDocument/2006/math">
+                        <m:r>
+                          <a:rPr lang="en-US" altLang="ko-KR" sz="1100" b="0" i="1" smtClean="0">
+                            <a:latin typeface="Cambria Math"/>
+                          </a:rPr>
+                          <m:t>𝑡</m:t>
+                        </m:r>
+                        <m:r>
+                          <a:rPr lang="en-US" altLang="ko-KR" sz="1100" b="0" i="1" smtClean="0">
+                            <a:latin typeface="Cambria Math"/>
+                          </a:rPr>
+                          <m:t>=0.3</m:t>
+                        </m:r>
+                      </m:oMath>
+                    </m:oMathPara>
+                  </a14:m>
+                  <a:endParaRPr lang="ko-KR" altLang="en-US" sz="1100" dirty="0"/>
+                </a:p>
+              </p:txBody>
+            </p:sp>
+          </mc:Choice>
+          <mc:Fallback>
+            <p:sp>
+              <p:nvSpPr>
+                <p:cNvPr id="6" name="TextBox 5"/>
+                <p:cNvSpPr txBox="1">
+                  <a:spLocks noRot="1" noChangeAspect="1" noMove="1" noResize="1" noEditPoints="1" noAdjustHandles="1" noChangeArrowheads="1" noChangeShapeType="1" noTextEdit="1"/>
+                </p:cNvSpPr>
+                <p:nvPr/>
+              </p:nvSpPr>
+              <p:spPr>
+                <a:xfrm>
+                  <a:off x="5395330" y="3445896"/>
+                  <a:ext cx="664028" cy="261610"/>
+                </a:xfrm>
+                <a:prstGeom prst="rect">
+                  <a:avLst/>
+                </a:prstGeom>
+                <a:blipFill rotWithShape="1">
+                  <a:blip r:embed="rId4"/>
+                  <a:stretch>
+                    <a:fillRect/>
+                  </a:stretch>
+                </a:blipFill>
+                <a:ln>
+                  <a:solidFill>
+                    <a:schemeClr val="tx1"/>
+                  </a:solidFill>
+                </a:ln>
+              </p:spPr>
+              <p:txBody>
+                <a:bodyPr/>
+                <a:lstStyle/>
+                <a:p>
+                  <a:r>
+                    <a:rPr lang="ko-KR" altLang="en-US">
+                      <a:noFill/>
+                    </a:rPr>
+                    <a:t> </a:t>
+                  </a:r>
+                </a:p>
+              </p:txBody>
+            </p:sp>
+          </mc:Fallback>
+        </mc:AlternateContent>
+        <mc:AlternateContent xmlns:mc="http://schemas.openxmlformats.org/markup-compatibility/2006">
+          <mc:Choice xmlns:a14="http://schemas.microsoft.com/office/drawing/2010/main" Requires="a14">
+            <p:sp>
+              <p:nvSpPr>
+                <p:cNvPr id="7" name="TextBox 6"/>
+                <p:cNvSpPr txBox="1"/>
+                <p:nvPr/>
+              </p:nvSpPr>
+              <p:spPr>
+                <a:xfrm>
+                  <a:off x="5350934" y="3148339"/>
+                  <a:ext cx="612732" cy="261610"/>
+                </a:xfrm>
+                <a:prstGeom prst="rect">
+                  <a:avLst/>
+                </a:prstGeom>
+                <a:solidFill>
+                  <a:schemeClr val="bg1"/>
+                </a:solidFill>
+                <a:ln>
+                  <a:solidFill>
+                    <a:schemeClr val="tx1"/>
+                  </a:solidFill>
+                </a:ln>
+              </p:spPr>
+              <p:txBody>
+                <a:bodyPr wrap="none" rtlCol="0">
+                  <a:spAutoFit/>
+                </a:bodyPr>
+                <a:lstStyle/>
+                <a:p>
+                  <a14:m>
+                    <m:oMath xmlns:m="http://schemas.openxmlformats.org/officeDocument/2006/math">
+                      <m:r>
+                        <a:rPr lang="en-US" altLang="ko-KR" sz="1100" b="0" i="1" smtClean="0">
+                          <a:latin typeface="Cambria Math"/>
+                        </a:rPr>
+                        <m:t>𝑡</m:t>
+                      </m:r>
+                      <m:r>
+                        <a:rPr lang="en-US" altLang="ko-KR" sz="1100" b="0" i="1" smtClean="0">
+                          <a:latin typeface="Cambria Math"/>
+                        </a:rPr>
+                        <m:t>=0.</m:t>
+                      </m:r>
+                    </m:oMath>
+                  </a14:m>
+                  <a:r>
+                    <a:rPr lang="en-US" altLang="ko-KR" sz="1100" dirty="0" smtClean="0"/>
+                    <a:t>6</a:t>
+                  </a:r>
+                  <a:endParaRPr lang="ko-KR" altLang="en-US" sz="1100" dirty="0"/>
+                </a:p>
+              </p:txBody>
+            </p:sp>
+          </mc:Choice>
+          <mc:Fallback>
+            <p:sp>
+              <p:nvSpPr>
+                <p:cNvPr id="7" name="TextBox 6"/>
+                <p:cNvSpPr txBox="1">
+                  <a:spLocks noRot="1" noChangeAspect="1" noMove="1" noResize="1" noEditPoints="1" noAdjustHandles="1" noChangeArrowheads="1" noChangeShapeType="1" noTextEdit="1"/>
+                </p:cNvSpPr>
+                <p:nvPr/>
+              </p:nvSpPr>
+              <p:spPr>
+                <a:xfrm>
+                  <a:off x="5350934" y="3148339"/>
+                  <a:ext cx="612732" cy="261610"/>
+                </a:xfrm>
+                <a:prstGeom prst="rect">
+                  <a:avLst/>
+                </a:prstGeom>
+                <a:blipFill rotWithShape="1">
+                  <a:blip r:embed="rId5"/>
+                  <a:stretch>
+                    <a:fillRect b="-11111"/>
+                  </a:stretch>
+                </a:blipFill>
+                <a:ln>
+                  <a:solidFill>
+                    <a:schemeClr val="tx1"/>
+                  </a:solidFill>
+                </a:ln>
+              </p:spPr>
+              <p:txBody>
+                <a:bodyPr/>
+                <a:lstStyle/>
+                <a:p>
+                  <a:r>
+                    <a:rPr lang="ko-KR" altLang="en-US">
+                      <a:noFill/>
+                    </a:rPr>
+                    <a:t> </a:t>
+                  </a:r>
+                </a:p>
+              </p:txBody>
+            </p:sp>
+          </mc:Fallback>
+        </mc:AlternateContent>
+        <mc:AlternateContent xmlns:mc="http://schemas.openxmlformats.org/markup-compatibility/2006">
+          <mc:Choice xmlns:a14="http://schemas.microsoft.com/office/drawing/2010/main" Requires="a14">
+            <p:sp>
+              <p:nvSpPr>
+                <p:cNvPr id="8" name="TextBox 7"/>
+                <p:cNvSpPr txBox="1"/>
+                <p:nvPr/>
+              </p:nvSpPr>
+              <p:spPr>
+                <a:xfrm>
+                  <a:off x="5555248" y="2564903"/>
+                  <a:ext cx="612732" cy="261610"/>
+                </a:xfrm>
+                <a:prstGeom prst="rect">
+                  <a:avLst/>
+                </a:prstGeom>
+                <a:solidFill>
+                  <a:schemeClr val="bg1"/>
+                </a:solidFill>
+                <a:ln>
+                  <a:solidFill>
+                    <a:schemeClr val="tx1"/>
+                  </a:solidFill>
+                </a:ln>
+              </p:spPr>
+              <p:txBody>
+                <a:bodyPr wrap="none" rtlCol="0">
+                  <a:spAutoFit/>
+                </a:bodyPr>
+                <a:lstStyle/>
+                <a:p>
+                  <a14:m>
+                    <m:oMath xmlns:m="http://schemas.openxmlformats.org/officeDocument/2006/math">
+                      <m:r>
+                        <a:rPr lang="en-US" altLang="ko-KR" sz="1100" b="0" i="1" smtClean="0">
+                          <a:latin typeface="Cambria Math"/>
+                        </a:rPr>
+                        <m:t>𝑡</m:t>
+                      </m:r>
+                      <m:r>
+                        <a:rPr lang="en-US" altLang="ko-KR" sz="1100" b="0" i="1" smtClean="0">
+                          <a:latin typeface="Cambria Math"/>
+                        </a:rPr>
+                        <m:t>=0.</m:t>
+                      </m:r>
+                    </m:oMath>
+                  </a14:m>
+                  <a:r>
+                    <a:rPr lang="en-US" altLang="ko-KR" sz="1100" dirty="0" smtClean="0"/>
+                    <a:t>9</a:t>
+                  </a:r>
+                  <a:endParaRPr lang="ko-KR" altLang="en-US" sz="1100" dirty="0"/>
+                </a:p>
+              </p:txBody>
+            </p:sp>
+          </mc:Choice>
+          <mc:Fallback>
+            <p:sp>
+              <p:nvSpPr>
+                <p:cNvPr id="8" name="TextBox 7"/>
+                <p:cNvSpPr txBox="1">
+                  <a:spLocks noRot="1" noChangeAspect="1" noMove="1" noResize="1" noEditPoints="1" noAdjustHandles="1" noChangeArrowheads="1" noChangeShapeType="1" noTextEdit="1"/>
+                </p:cNvSpPr>
+                <p:nvPr/>
+              </p:nvSpPr>
+              <p:spPr>
+                <a:xfrm>
+                  <a:off x="5555248" y="2564903"/>
+                  <a:ext cx="612732" cy="261610"/>
+                </a:xfrm>
+                <a:prstGeom prst="rect">
+                  <a:avLst/>
+                </a:prstGeom>
+                <a:blipFill rotWithShape="1">
+                  <a:blip r:embed="rId6"/>
+                  <a:stretch>
+                    <a:fillRect b="-11111"/>
+                  </a:stretch>
+                </a:blipFill>
+                <a:ln>
+                  <a:solidFill>
+                    <a:schemeClr val="tx1"/>
+                  </a:solidFill>
+                </a:ln>
+              </p:spPr>
+              <p:txBody>
+                <a:bodyPr/>
+                <a:lstStyle/>
+                <a:p>
+                  <a:r>
+                    <a:rPr lang="ko-KR" altLang="en-US">
+                      <a:noFill/>
+                    </a:rPr>
+                    <a:t> </a:t>
+                  </a:r>
+                </a:p>
+              </p:txBody>
+            </p:sp>
+          </mc:Fallback>
+        </mc:AlternateContent>
+        <mc:AlternateContent xmlns:mc="http://schemas.openxmlformats.org/markup-compatibility/2006">
+          <mc:Choice xmlns:a14="http://schemas.microsoft.com/office/drawing/2010/main" Requires="a14">
+            <p:sp>
+              <p:nvSpPr>
+                <p:cNvPr id="9" name="TextBox 8"/>
+                <p:cNvSpPr txBox="1"/>
+                <p:nvPr/>
+              </p:nvSpPr>
+              <p:spPr>
+                <a:xfrm>
+                  <a:off x="5814937" y="2195338"/>
+                  <a:ext cx="612732" cy="261610"/>
+                </a:xfrm>
+                <a:prstGeom prst="rect">
+                  <a:avLst/>
+                </a:prstGeom>
+                <a:solidFill>
+                  <a:schemeClr val="bg1"/>
+                </a:solidFill>
+                <a:ln>
+                  <a:solidFill>
+                    <a:schemeClr val="tx1"/>
+                  </a:solidFill>
+                </a:ln>
+              </p:spPr>
+              <p:txBody>
+                <a:bodyPr wrap="none" rtlCol="0">
+                  <a:spAutoFit/>
+                </a:bodyPr>
+                <a:lstStyle/>
+                <a:p>
+                  <a14:m>
+                    <m:oMath xmlns:m="http://schemas.openxmlformats.org/officeDocument/2006/math">
+                      <m:r>
+                        <a:rPr lang="en-US" altLang="ko-KR" sz="1100" b="0" i="1" smtClean="0">
+                          <a:latin typeface="Cambria Math"/>
+                        </a:rPr>
+                        <m:t>𝑡</m:t>
+                      </m:r>
+                      <m:r>
+                        <a:rPr lang="en-US" altLang="ko-KR" sz="1100" b="0" i="1" smtClean="0">
+                          <a:latin typeface="Cambria Math"/>
+                        </a:rPr>
+                        <m:t>=1.</m:t>
+                      </m:r>
+                    </m:oMath>
+                  </a14:m>
+                  <a:r>
+                    <a:rPr lang="en-US" altLang="ko-KR" sz="1100" dirty="0" smtClean="0"/>
+                    <a:t>2</a:t>
+                  </a:r>
+                  <a:endParaRPr lang="ko-KR" altLang="en-US" sz="1100" dirty="0"/>
+                </a:p>
+              </p:txBody>
+            </p:sp>
+          </mc:Choice>
+          <mc:Fallback>
+            <p:sp>
+              <p:nvSpPr>
+                <p:cNvPr id="9" name="TextBox 8"/>
+                <p:cNvSpPr txBox="1">
+                  <a:spLocks noRot="1" noChangeAspect="1" noMove="1" noResize="1" noEditPoints="1" noAdjustHandles="1" noChangeArrowheads="1" noChangeShapeType="1" noTextEdit="1"/>
+                </p:cNvSpPr>
+                <p:nvPr/>
+              </p:nvSpPr>
+              <p:spPr>
+                <a:xfrm>
+                  <a:off x="5814937" y="2195338"/>
+                  <a:ext cx="612732" cy="261610"/>
+                </a:xfrm>
+                <a:prstGeom prst="rect">
+                  <a:avLst/>
+                </a:prstGeom>
+                <a:blipFill rotWithShape="1">
+                  <a:blip r:embed="rId7"/>
+                  <a:stretch>
+                    <a:fillRect b="-11111"/>
+                  </a:stretch>
+                </a:blipFill>
+                <a:ln>
+                  <a:solidFill>
+                    <a:schemeClr val="tx1"/>
+                  </a:solidFill>
+                </a:ln>
+              </p:spPr>
+              <p:txBody>
+                <a:bodyPr/>
+                <a:lstStyle/>
+                <a:p>
+                  <a:r>
+                    <a:rPr lang="ko-KR" altLang="en-US">
+                      <a:noFill/>
+                    </a:rPr>
+                    <a:t> </a:t>
+                  </a:r>
+                </a:p>
+              </p:txBody>
+            </p:sp>
+          </mc:Fallback>
+        </mc:AlternateContent>
+        <p:grpSp>
+          <p:nvGrpSpPr>
+            <p:cNvPr id="15" name="그룹 14"/>
+            <p:cNvGrpSpPr/>
+            <p:nvPr/>
+          </p:nvGrpSpPr>
+          <p:grpSpPr>
+            <a:xfrm>
+              <a:off x="3066580" y="4094324"/>
+              <a:ext cx="3854467" cy="792088"/>
+              <a:chOff x="1835696" y="1196752"/>
+              <a:chExt cx="3854467" cy="792088"/>
+            </a:xfrm>
+          </p:grpSpPr>
+          <p:sp>
+            <p:nvSpPr>
+              <p:cNvPr id="14" name="직사각형 13"/>
+              <p:cNvSpPr/>
+              <p:nvPr/>
+            </p:nvSpPr>
+            <p:spPr>
+              <a:xfrm>
+                <a:off x="1835696" y="1196752"/>
+                <a:ext cx="3854467" cy="792088"/>
+              </a:xfrm>
+              <a:prstGeom prst="rect">
+                <a:avLst/>
+              </a:prstGeom>
+              <a:solidFill>
+                <a:schemeClr val="bg1"/>
+              </a:solidFill>
+              <a:ln>
+                <a:solidFill>
+                  <a:schemeClr val="tx1"/>
+                </a:solidFill>
+              </a:ln>
+            </p:spPr>
+            <p:style>
+              <a:lnRef idx="2">
+                <a:schemeClr val="accent1">
+                  <a:shade val="50000"/>
+                </a:schemeClr>
+              </a:lnRef>
+              <a:fillRef idx="1">
+                <a:schemeClr val="accent1"/>
+              </a:fillRef>
+              <a:effectRef idx="0">
+                <a:schemeClr val="accent1"/>
+              </a:effectRef>
+              <a:fontRef idx="minor">
+                <a:schemeClr val="lt1"/>
+              </a:fontRef>
+            </p:style>
+            <p:txBody>
+              <a:bodyPr rtlCol="0" anchor="ctr"/>
+              <a:lstStyle/>
+              <a:p>
+                <a:pPr algn="ctr"/>
+                <a:endParaRPr lang="ko-KR" altLang="en-US"/>
+              </a:p>
+            </p:txBody>
+          </p:sp>
+          <mc:AlternateContent xmlns:mc="http://schemas.openxmlformats.org/markup-compatibility/2006">
+            <mc:Choice xmlns:a14="http://schemas.microsoft.com/office/drawing/2010/main" Requires="a14">
+              <p:sp>
+                <p:nvSpPr>
+                  <p:cNvPr id="5" name="TextBox 4"/>
+                  <p:cNvSpPr txBox="1"/>
+                  <p:nvPr/>
+                </p:nvSpPr>
+                <p:spPr>
+                  <a:xfrm>
+                    <a:off x="2309943" y="1302647"/>
+                    <a:ext cx="3380220" cy="641266"/>
+                  </a:xfrm>
+                  <a:prstGeom prst="rect">
+                    <a:avLst/>
+                  </a:prstGeom>
+                  <a:noFill/>
+                </p:spPr>
+                <p:txBody>
+                  <a:bodyPr wrap="none" rtlCol="0">
+                    <a:spAutoFit/>
+                  </a:bodyPr>
+                  <a:lstStyle/>
+                  <a:p>
+                    <a:r>
+                      <a:rPr lang="en-US" altLang="ko-KR" dirty="0" smtClean="0"/>
+                      <a:t>: </a:t>
+                    </a:r>
+                    <a14:m>
+                      <m:oMath xmlns:m="http://schemas.openxmlformats.org/officeDocument/2006/math">
+                        <m:d>
+                          <m:dPr>
+                            <m:begChr m:val="["/>
+                            <m:endChr m:val="]"/>
+                            <m:ctrlPr>
+                              <a:rPr lang="en-US" altLang="ko-KR" i="1" smtClean="0">
+                                <a:latin typeface="Cambria Math"/>
+                              </a:rPr>
+                            </m:ctrlPr>
+                          </m:dPr>
+                          <m:e>
+                            <m:m>
+                              <m:mPr>
+                                <m:mcs>
+                                  <m:mc>
+                                    <m:mcPr>
+                                      <m:count m:val="1"/>
+                                      <m:mcJc m:val="center"/>
+                                    </m:mcPr>
+                                  </m:mc>
+                                </m:mcs>
+                                <m:ctrlPr>
+                                  <a:rPr lang="en-US" altLang="ko-KR" i="1">
+                                    <a:latin typeface="Cambria Math"/>
+                                  </a:rPr>
+                                </m:ctrlPr>
+                              </m:mPr>
+                              <m:mr>
+                                <m:e>
+                                  <m:r>
+                                    <m:rPr>
+                                      <m:brk m:alnAt="7"/>
+                                    </m:rPr>
+                                    <a:rPr lang="en-US" altLang="ko-KR" b="0" i="1" smtClean="0">
+                                      <a:latin typeface="Cambria Math"/>
+                                    </a:rPr>
+                                    <m:t>𝑥</m:t>
+                                  </m:r>
+                                  <m:r>
+                                    <a:rPr lang="en-US" altLang="ko-KR" b="0" i="1" smtClean="0">
+                                      <a:latin typeface="Cambria Math"/>
+                                    </a:rPr>
+                                    <m:t>(</m:t>
+                                  </m:r>
+                                  <m:r>
+                                    <a:rPr lang="en-US" altLang="ko-KR" b="0" i="1" smtClean="0">
+                                      <a:latin typeface="Cambria Math"/>
+                                    </a:rPr>
+                                    <m:t>𝑡</m:t>
+                                  </m:r>
+                                  <m:r>
+                                    <a:rPr lang="en-US" altLang="ko-KR" b="0" i="1" smtClean="0">
+                                      <a:latin typeface="Cambria Math"/>
+                                    </a:rPr>
+                                    <m:t>)</m:t>
+                                  </m:r>
+                                </m:e>
+                              </m:mr>
+                              <m:mr>
+                                <m:e>
+                                  <m:r>
+                                    <a:rPr lang="en-US" altLang="ko-KR" b="0" i="1" smtClean="0">
+                                      <a:latin typeface="Cambria Math"/>
+                                    </a:rPr>
+                                    <m:t>𝑦</m:t>
+                                  </m:r>
+                                  <m:r>
+                                    <a:rPr lang="en-US" altLang="ko-KR" b="0" i="1" smtClean="0">
+                                      <a:latin typeface="Cambria Math"/>
+                                    </a:rPr>
+                                    <m:t>(</m:t>
+                                  </m:r>
+                                  <m:r>
+                                    <a:rPr lang="en-US" altLang="ko-KR" b="0" i="1" smtClean="0">
+                                      <a:latin typeface="Cambria Math"/>
+                                    </a:rPr>
+                                    <m:t>𝑡</m:t>
+                                  </m:r>
+                                  <m:r>
+                                    <a:rPr lang="en-US" altLang="ko-KR" b="0" i="1" smtClean="0">
+                                      <a:latin typeface="Cambria Math"/>
+                                    </a:rPr>
+                                    <m:t>)</m:t>
+                                  </m:r>
+                                </m:e>
+                              </m:mr>
+                            </m:m>
+                          </m:e>
+                        </m:d>
+                        <m:r>
+                          <a:rPr lang="en-US" altLang="ko-KR" b="0" i="1" smtClean="0">
+                            <a:latin typeface="Cambria Math"/>
+                          </a:rPr>
+                          <m:t>=</m:t>
+                        </m:r>
+                        <m:r>
+                          <a:rPr lang="en-US" altLang="ko-KR" b="0" i="1" smtClean="0">
+                            <a:latin typeface="Cambria Math"/>
+                          </a:rPr>
+                          <m:t>−</m:t>
+                        </m:r>
+                        <m:f>
+                          <m:fPr>
+                            <m:ctrlPr>
+                              <a:rPr lang="en-US" altLang="ko-KR" b="0" i="1" smtClean="0">
+                                <a:latin typeface="Cambria Math"/>
+                              </a:rPr>
+                            </m:ctrlPr>
+                          </m:fPr>
+                          <m:num>
+                            <m:r>
+                              <a:rPr lang="en-US" altLang="ko-KR" b="0" i="1" smtClean="0">
+                                <a:latin typeface="Cambria Math"/>
+                              </a:rPr>
+                              <m:t>3</m:t>
+                            </m:r>
+                          </m:num>
+                          <m:den>
+                            <m:r>
+                              <a:rPr lang="en-US" altLang="ko-KR" b="0" i="1" smtClean="0">
+                                <a:latin typeface="Cambria Math"/>
+                              </a:rPr>
+                              <m:t>2</m:t>
+                            </m:r>
+                          </m:den>
+                        </m:f>
+                        <m:d>
+                          <m:dPr>
+                            <m:begChr m:val="["/>
+                            <m:endChr m:val="]"/>
+                            <m:ctrlPr>
+                              <a:rPr lang="en-US" altLang="ko-KR" b="0" i="1" smtClean="0">
+                                <a:latin typeface="Cambria Math"/>
+                              </a:rPr>
+                            </m:ctrlPr>
+                          </m:dPr>
+                          <m:e>
+                            <m:m>
+                              <m:mPr>
+                                <m:mcs>
+                                  <m:mc>
+                                    <m:mcPr>
+                                      <m:count m:val="1"/>
+                                      <m:mcJc m:val="center"/>
+                                    </m:mcPr>
+                                  </m:mc>
+                                </m:mcs>
+                                <m:ctrlPr>
+                                  <a:rPr lang="en-US" altLang="ko-KR" b="0" i="1" smtClean="0">
+                                    <a:latin typeface="Cambria Math"/>
+                                  </a:rPr>
+                                </m:ctrlPr>
+                              </m:mPr>
+                              <m:mr>
+                                <m:e>
+                                  <m:r>
+                                    <m:rPr>
+                                      <m:brk m:alnAt="7"/>
+                                    </m:rPr>
+                                    <a:rPr lang="en-US" altLang="ko-KR" b="0" i="1" smtClean="0">
+                                      <a:latin typeface="Cambria Math"/>
+                                    </a:rPr>
+                                    <m:t>−1</m:t>
+                                  </m:r>
+                                </m:e>
+                              </m:mr>
+                              <m:mr>
+                                <m:e>
+                                  <m:r>
+                                    <a:rPr lang="en-US" altLang="ko-KR" b="0" i="1" smtClean="0">
+                                      <a:latin typeface="Cambria Math"/>
+                                    </a:rPr>
+                                    <m:t>1</m:t>
+                                  </m:r>
+                                </m:e>
+                              </m:mr>
+                            </m:m>
+                          </m:e>
+                        </m:d>
+                        <m:sSup>
+                          <m:sSupPr>
+                            <m:ctrlPr>
+                              <a:rPr lang="en-US" altLang="ko-KR" b="0" i="1" smtClean="0">
+                                <a:latin typeface="Cambria Math"/>
+                              </a:rPr>
+                            </m:ctrlPr>
+                          </m:sSupPr>
+                          <m:e>
+                            <m:r>
+                              <a:rPr lang="en-US" altLang="ko-KR" b="0" i="1" smtClean="0">
+                                <a:latin typeface="Cambria Math"/>
+                              </a:rPr>
+                              <m:t>𝑒</m:t>
+                            </m:r>
+                          </m:e>
+                          <m:sup>
+                            <m:r>
+                              <a:rPr lang="en-US" altLang="ko-KR" b="0" i="1" smtClean="0">
+                                <a:latin typeface="Cambria Math"/>
+                              </a:rPr>
+                              <m:t>−</m:t>
+                            </m:r>
+                            <m:r>
+                              <a:rPr lang="en-US" altLang="ko-KR" b="0" i="1" smtClean="0">
+                                <a:latin typeface="Cambria Math"/>
+                              </a:rPr>
+                              <m:t>𝑡</m:t>
+                            </m:r>
+                          </m:sup>
+                        </m:sSup>
+                        <m:r>
+                          <a:rPr lang="en-US" altLang="ko-KR" b="0" i="1" smtClean="0">
+                            <a:latin typeface="Cambria Math"/>
+                          </a:rPr>
+                          <m:t>+</m:t>
+                        </m:r>
+                        <m:f>
+                          <m:fPr>
+                            <m:ctrlPr>
+                              <a:rPr lang="en-US" altLang="ko-KR" i="1">
+                                <a:latin typeface="Cambria Math"/>
+                              </a:rPr>
+                            </m:ctrlPr>
+                          </m:fPr>
+                          <m:num>
+                            <m:r>
+                              <a:rPr lang="en-US" altLang="ko-KR" b="0" i="1" smtClean="0">
+                                <a:latin typeface="Cambria Math"/>
+                              </a:rPr>
+                              <m:t>1</m:t>
+                            </m:r>
+                          </m:num>
+                          <m:den>
+                            <m:r>
+                              <a:rPr lang="en-US" altLang="ko-KR" i="1">
+                                <a:latin typeface="Cambria Math"/>
+                              </a:rPr>
+                              <m:t>2</m:t>
+                            </m:r>
+                          </m:den>
+                        </m:f>
+                        <m:d>
+                          <m:dPr>
+                            <m:begChr m:val="["/>
+                            <m:endChr m:val="]"/>
+                            <m:ctrlPr>
+                              <a:rPr lang="en-US" altLang="ko-KR" i="1">
+                                <a:latin typeface="Cambria Math"/>
+                              </a:rPr>
+                            </m:ctrlPr>
+                          </m:dPr>
+                          <m:e>
+                            <m:m>
+                              <m:mPr>
+                                <m:mcs>
+                                  <m:mc>
+                                    <m:mcPr>
+                                      <m:count m:val="1"/>
+                                      <m:mcJc m:val="center"/>
+                                    </m:mcPr>
+                                  </m:mc>
+                                </m:mcs>
+                                <m:ctrlPr>
+                                  <a:rPr lang="en-US" altLang="ko-KR" i="1">
+                                    <a:latin typeface="Cambria Math"/>
+                                  </a:rPr>
+                                </m:ctrlPr>
+                              </m:mPr>
+                              <m:mr>
+                                <m:e>
+                                  <m:r>
+                                    <a:rPr lang="en-US" altLang="ko-KR" i="1">
+                                      <a:latin typeface="Cambria Math"/>
+                                    </a:rPr>
+                                    <m:t>1</m:t>
+                                  </m:r>
+                                </m:e>
+                              </m:mr>
+                              <m:mr>
+                                <m:e>
+                                  <m:r>
+                                    <a:rPr lang="en-US" altLang="ko-KR" i="1">
+                                      <a:latin typeface="Cambria Math"/>
+                                    </a:rPr>
+                                    <m:t>1</m:t>
+                                  </m:r>
+                                </m:e>
+                              </m:mr>
+                            </m:m>
+                          </m:e>
+                        </m:d>
+                        <m:sSup>
+                          <m:sSupPr>
+                            <m:ctrlPr>
+                              <a:rPr lang="en-US" altLang="ko-KR" i="1">
+                                <a:latin typeface="Cambria Math"/>
+                              </a:rPr>
+                            </m:ctrlPr>
+                          </m:sSupPr>
+                          <m:e>
+                            <m:r>
+                              <a:rPr lang="en-US" altLang="ko-KR" i="1">
+                                <a:latin typeface="Cambria Math"/>
+                              </a:rPr>
+                              <m:t>𝑒</m:t>
+                            </m:r>
+                          </m:e>
+                          <m:sup>
+                            <m:r>
+                              <a:rPr lang="en-US" altLang="ko-KR" i="1">
+                                <a:latin typeface="Cambria Math"/>
+                              </a:rPr>
+                              <m:t>𝑡</m:t>
+                            </m:r>
+                          </m:sup>
+                        </m:sSup>
+                      </m:oMath>
+                    </a14:m>
+                    <a:endParaRPr lang="ko-KR" altLang="en-US" dirty="0"/>
+                  </a:p>
+                </p:txBody>
+              </p:sp>
+            </mc:Choice>
+            <mc:Fallback>
+              <p:sp>
+                <p:nvSpPr>
+                  <p:cNvPr id="5" name="TextBox 4"/>
+                  <p:cNvSpPr txBox="1">
+                    <a:spLocks noRot="1" noChangeAspect="1" noMove="1" noResize="1" noEditPoints="1" noAdjustHandles="1" noChangeArrowheads="1" noChangeShapeType="1" noTextEdit="1"/>
+                  </p:cNvSpPr>
+                  <p:nvPr/>
+                </p:nvSpPr>
+                <p:spPr>
+                  <a:xfrm>
+                    <a:off x="2309943" y="1302647"/>
+                    <a:ext cx="3380220" cy="641266"/>
+                  </a:xfrm>
+                  <a:prstGeom prst="rect">
+                    <a:avLst/>
+                  </a:prstGeom>
+                  <a:blipFill rotWithShape="1">
+                    <a:blip r:embed="rId8"/>
+                    <a:stretch>
+                      <a:fillRect l="-1441"/>
+                    </a:stretch>
+                  </a:blipFill>
+                </p:spPr>
+                <p:txBody>
+                  <a:bodyPr/>
+                  <a:lstStyle/>
+                  <a:p>
+                    <a:r>
+                      <a:rPr lang="ko-KR" altLang="en-US">
+                        <a:noFill/>
+                      </a:rPr>
+                      <a:t> </a:t>
+                    </a:r>
+                  </a:p>
+                </p:txBody>
+              </p:sp>
+            </mc:Fallback>
+          </mc:AlternateContent>
+          <p:cxnSp>
+            <p:nvCxnSpPr>
+              <p:cNvPr id="11" name="직선 연결선 10"/>
+              <p:cNvCxnSpPr/>
+              <p:nvPr/>
+            </p:nvCxnSpPr>
+            <p:spPr>
+              <a:xfrm>
+                <a:off x="1949903" y="1661033"/>
+                <a:ext cx="360040" cy="0"/>
+              </a:xfrm>
+              <a:prstGeom prst="line">
+                <a:avLst/>
+              </a:prstGeom>
+              <a:ln w="38100">
+                <a:solidFill>
+                  <a:srgbClr val="FF0000"/>
+                </a:solidFill>
+              </a:ln>
+            </p:spPr>
+            <p:style>
+              <a:lnRef idx="1">
+                <a:schemeClr val="accent1"/>
+              </a:lnRef>
+              <a:fillRef idx="0">
+                <a:schemeClr val="accent1"/>
+              </a:fillRef>
+              <a:effectRef idx="0">
+                <a:schemeClr val="accent1"/>
+              </a:effectRef>
+              <a:fontRef idx="minor">
+                <a:schemeClr val="tx1"/>
+              </a:fontRef>
+            </p:style>
+          </p:cxnSp>
+        </p:grpSp>
+      </p:grpSp>
+    </p:spTree>
+    <p:extLst>
+      <p:ext uri="{BB962C8B-B14F-4D97-AF65-F5344CB8AC3E}">
+        <p14:creationId xmlns:p14="http://schemas.microsoft.com/office/powerpoint/2010/main" val="1164937085"/>
+      </p:ext>
+    </p:extLst>
+  </p:cSld>
+  <p:clrMapOvr>
+    <a:masterClrMapping/>
+  </p:clrMapOvr>
+</p:sld>
+</file>
+
 <file path=ppt/theme/theme1.xml><?xml version="1.0" encoding="utf-8"?>
 <a:theme xmlns:a="http://schemas.openxmlformats.org/drawingml/2006/main" name="Office 테마">
   <a:themeElements>
@@ -5531,4 +6986,289 @@
   <a:objectDefaults/>
   <a:extraClrSchemeLst/>
 </a:theme>
+</file>
+
+<file path=ppt/theme/theme2.xml><?xml version="1.0" encoding="utf-8"?>
+<a:theme xmlns:a="http://schemas.openxmlformats.org/drawingml/2006/main" name="Office 테마">
+  <a:themeElements>
+    <a:clrScheme name="Office">
+      <a:dk1>
+        <a:sysClr val="windowText" lastClr="000000"/>
+      </a:dk1>
+      <a:lt1>
+        <a:sysClr val="window" lastClr="FFFFFF"/>
+      </a:lt1>
+      <a:dk2>
+        <a:srgbClr val="1F497D"/>
+      </a:dk2>
+      <a:lt2>
+        <a:srgbClr val="EEECE1"/>
+      </a:lt2>
+      <a:accent1>
+        <a:srgbClr val="4F81BD"/>
+      </a:accent1>
+      <a:accent2>
+        <a:srgbClr val="C0504D"/>
+      </a:accent2>
+      <a:accent3>
+        <a:srgbClr val="9BBB59"/>
+      </a:accent3>
+      <a:accent4>
+        <a:srgbClr val="8064A2"/>
+      </a:accent4>
+      <a:accent5>
+        <a:srgbClr val="4BACC6"/>
+      </a:accent5>
+      <a:accent6>
+        <a:srgbClr val="F79646"/>
+      </a:accent6>
+      <a:hlink>
+        <a:srgbClr val="0000FF"/>
+      </a:hlink>
+      <a:folHlink>
+        <a:srgbClr val="800080"/>
+      </a:folHlink>
+    </a:clrScheme>
+    <a:fontScheme name="Office">
+      <a:majorFont>
+        <a:latin typeface="맑은 고딕"/>
+        <a:ea typeface=""/>
+        <a:cs typeface=""/>
+        <a:font script="Jpan" typeface="ＭＳ Ｐゴシック"/>
+        <a:font script="Hang" typeface="맑은 고딕"/>
+        <a:font script="Hans" typeface="宋体"/>
+        <a:font script="Hant" typeface="新細明體"/>
+        <a:font script="Arab" typeface="Times New Roman"/>
+        <a:font script="Hebr" typeface="Times New Roman"/>
+        <a:font script="Thai" typeface="Angsana New"/>
+        <a:font script="Ethi" typeface="Nyala"/>
+        <a:font script="Beng" typeface="Vrinda"/>
+        <a:font script="Gujr" typeface="Shruti"/>
+        <a:font script="Khmr" typeface="MoolBoran"/>
+        <a:font script="Knda" typeface="Tunga"/>
+        <a:font script="Guru" typeface="Raavi"/>
+        <a:font script="Cans" typeface="Euphemia"/>
+        <a:font script="Cher" typeface="Plantagenet Cherokee"/>
+        <a:font script="Yiii" typeface="Microsoft Yi Baiti"/>
+        <a:font script="Tibt" typeface="Microsoft Himalaya"/>
+        <a:font script="Thaa" typeface="MV Boli"/>
+        <a:font script="Deva" typeface="Mangal"/>
+        <a:font script="Telu" typeface="Gautami"/>
+        <a:font script="Taml" typeface="Latha"/>
+        <a:font script="Syrc" typeface="Estrangelo Edessa"/>
+        <a:font script="Orya" typeface="Kalinga"/>
+        <a:font script="Mlym" typeface="Kartika"/>
+        <a:font script="Laoo" typeface="DokChampa"/>
+        <a:font script="Sinh" typeface="Iskoola Pota"/>
+        <a:font script="Mong" typeface="Mongolian Baiti"/>
+        <a:font script="Viet" typeface="Times New Roman"/>
+        <a:font script="Uigh" typeface="Microsoft Uighur"/>
+        <a:font script="Geor" typeface="Sylfaen"/>
+      </a:majorFont>
+      <a:minorFont>
+        <a:latin typeface="맑은 고딕"/>
+        <a:ea typeface=""/>
+        <a:cs typeface=""/>
+        <a:font script="Jpan" typeface="ＭＳ Ｐゴシック"/>
+        <a:font script="Hang" typeface="맑은 고딕"/>
+        <a:font script="Hans" typeface="宋体"/>
+        <a:font script="Hant" typeface="新細明體"/>
+        <a:font script="Arab" typeface="Arial"/>
+        <a:font script="Hebr" typeface="Arial"/>
+        <a:font script="Thai" typeface="Cordia New"/>
+        <a:font script="Ethi" typeface="Nyala"/>
+        <a:font script="Beng" typeface="Vrinda"/>
+        <a:font script="Gujr" typeface="Shruti"/>
+        <a:font script="Khmr" typeface="DaunPenh"/>
+        <a:font script="Knda" typeface="Tunga"/>
+        <a:font script="Guru" typeface="Raavi"/>
+        <a:font script="Cans" typeface="Euphemia"/>
+        <a:font script="Cher" typeface="Plantagenet Cherokee"/>
+        <a:font script="Yiii" typeface="Microsoft Yi Baiti"/>
+        <a:font script="Tibt" typeface="Microsoft Himalaya"/>
+        <a:font script="Thaa" typeface="MV Boli"/>
+        <a:font script="Deva" typeface="Mangal"/>
+        <a:font script="Telu" typeface="Gautami"/>
+        <a:font script="Taml" typeface="Latha"/>
+        <a:font script="Syrc" typeface="Estrangelo Edessa"/>
+        <a:font script="Orya" typeface="Kalinga"/>
+        <a:font script="Mlym" typeface="Kartika"/>
+        <a:font script="Laoo" typeface="DokChampa"/>
+        <a:font script="Sinh" typeface="Iskoola Pota"/>
+        <a:font script="Mong" typeface="Mongolian Baiti"/>
+        <a:font script="Viet" typeface="Arial"/>
+        <a:font script="Uigh" typeface="Microsoft Uighur"/>
+        <a:font script="Geor" typeface="Sylfaen"/>
+      </a:minorFont>
+    </a:fontScheme>
+    <a:fmtScheme name="Office">
+      <a:fillStyleLst>
+        <a:solidFill>
+          <a:schemeClr val="phClr"/>
+        </a:solidFill>
+        <a:gradFill rotWithShape="1">
+          <a:gsLst>
+            <a:gs pos="0">
+              <a:schemeClr val="phClr">
+                <a:tint val="50000"/>
+                <a:satMod val="300000"/>
+              </a:schemeClr>
+            </a:gs>
+            <a:gs pos="35000">
+              <a:schemeClr val="phClr">
+                <a:tint val="37000"/>
+                <a:satMod val="300000"/>
+              </a:schemeClr>
+            </a:gs>
+            <a:gs pos="100000">
+              <a:schemeClr val="phClr">
+                <a:tint val="15000"/>
+                <a:satMod val="350000"/>
+              </a:schemeClr>
+            </a:gs>
+          </a:gsLst>
+          <a:lin ang="16200000" scaled="1"/>
+        </a:gradFill>
+        <a:gradFill rotWithShape="1">
+          <a:gsLst>
+            <a:gs pos="0">
+              <a:schemeClr val="phClr">
+                <a:shade val="51000"/>
+                <a:satMod val="130000"/>
+              </a:schemeClr>
+            </a:gs>
+            <a:gs pos="80000">
+              <a:schemeClr val="phClr">
+                <a:shade val="93000"/>
+                <a:satMod val="130000"/>
+              </a:schemeClr>
+            </a:gs>
+            <a:gs pos="100000">
+              <a:schemeClr val="phClr">
+                <a:shade val="94000"/>
+                <a:satMod val="135000"/>
+              </a:schemeClr>
+            </a:gs>
+          </a:gsLst>
+          <a:lin ang="16200000" scaled="0"/>
+        </a:gradFill>
+      </a:fillStyleLst>
+      <a:lnStyleLst>
+        <a:ln w="9525" cap="flat" cmpd="sng" algn="ctr">
+          <a:solidFill>
+            <a:schemeClr val="phClr">
+              <a:shade val="95000"/>
+              <a:satMod val="105000"/>
+            </a:schemeClr>
+          </a:solidFill>
+          <a:prstDash val="solid"/>
+        </a:ln>
+        <a:ln w="25400" cap="flat" cmpd="sng" algn="ctr">
+          <a:solidFill>
+            <a:schemeClr val="phClr"/>
+          </a:solidFill>
+          <a:prstDash val="solid"/>
+        </a:ln>
+        <a:ln w="38100" cap="flat" cmpd="sng" algn="ctr">
+          <a:solidFill>
+            <a:schemeClr val="phClr"/>
+          </a:solidFill>
+          <a:prstDash val="solid"/>
+        </a:ln>
+      </a:lnStyleLst>
+      <a:effectStyleLst>
+        <a:effectStyle>
+          <a:effectLst>
+            <a:outerShdw blurRad="40000" dist="20000" dir="5400000" rotWithShape="0">
+              <a:srgbClr val="000000">
+                <a:alpha val="38000"/>
+              </a:srgbClr>
+            </a:outerShdw>
+          </a:effectLst>
+        </a:effectStyle>
+        <a:effectStyle>
+          <a:effectLst>
+            <a:outerShdw blurRad="40000" dist="23000" dir="5400000" rotWithShape="0">
+              <a:srgbClr val="000000">
+                <a:alpha val="35000"/>
+              </a:srgbClr>
+            </a:outerShdw>
+          </a:effectLst>
+        </a:effectStyle>
+        <a:effectStyle>
+          <a:effectLst>
+            <a:outerShdw blurRad="40000" dist="23000" dir="5400000" rotWithShape="0">
+              <a:srgbClr val="000000">
+                <a:alpha val="35000"/>
+              </a:srgbClr>
+            </a:outerShdw>
+          </a:effectLst>
+          <a:scene3d>
+            <a:camera prst="orthographicFront">
+              <a:rot lat="0" lon="0" rev="0"/>
+            </a:camera>
+            <a:lightRig rig="threePt" dir="t">
+              <a:rot lat="0" lon="0" rev="1200000"/>
+            </a:lightRig>
+          </a:scene3d>
+          <a:sp3d>
+            <a:bevelT w="63500" h="25400"/>
+          </a:sp3d>
+        </a:effectStyle>
+      </a:effectStyleLst>
+      <a:bgFillStyleLst>
+        <a:solidFill>
+          <a:schemeClr val="phClr"/>
+        </a:solidFill>
+        <a:gradFill rotWithShape="1">
+          <a:gsLst>
+            <a:gs pos="0">
+              <a:schemeClr val="phClr">
+                <a:tint val="40000"/>
+                <a:satMod val="350000"/>
+              </a:schemeClr>
+            </a:gs>
+            <a:gs pos="40000">
+              <a:schemeClr val="phClr">
+                <a:tint val="45000"/>
+                <a:shade val="99000"/>
+                <a:satMod val="350000"/>
+              </a:schemeClr>
+            </a:gs>
+            <a:gs pos="100000">
+              <a:schemeClr val="phClr">
+                <a:shade val="20000"/>
+                <a:satMod val="255000"/>
+              </a:schemeClr>
+            </a:gs>
+          </a:gsLst>
+          <a:path path="circle">
+            <a:fillToRect l="50000" t="-80000" r="50000" b="180000"/>
+          </a:path>
+        </a:gradFill>
+        <a:gradFill rotWithShape="1">
+          <a:gsLst>
+            <a:gs pos="0">
+              <a:schemeClr val="phClr">
+                <a:tint val="80000"/>
+                <a:satMod val="300000"/>
+              </a:schemeClr>
+            </a:gs>
+            <a:gs pos="100000">
+              <a:schemeClr val="phClr">
+                <a:shade val="30000"/>
+                <a:satMod val="200000"/>
+              </a:schemeClr>
+            </a:gs>
+          </a:gsLst>
+          <a:path path="circle">
+            <a:fillToRect l="50000" t="50000" r="50000" b="50000"/>
+          </a:path>
+        </a:gradFill>
+      </a:bgFillStyleLst>
+    </a:fmtScheme>
+  </a:themeElements>
+  <a:objectDefaults/>
+  <a:extraClrSchemeLst/>
+</a:theme>
 </file>
--- a/pics/2021-05-12-phase_plane/pics.pptx
+++ b/pics/2021-05-12-phase_plane/pics.pptx
@@ -3395,7 +3395,7 @@
       </p:grpSpPr>
       <p:pic>
         <p:nvPicPr>
-          <p:cNvPr id="1026" name="Picture 2"/>
+          <p:cNvPr id="2" name="Picture 2"/>
           <p:cNvPicPr>
             <a:picLocks noChangeAspect="1" noChangeArrowheads="1"/>
           </p:cNvPicPr>
@@ -3489,7 +3489,7 @@
       </p:grpSpPr>
       <p:pic>
         <p:nvPicPr>
-          <p:cNvPr id="1026" name="Picture 2"/>
+          <p:cNvPr id="2050" name="Picture 2"/>
           <p:cNvPicPr>
             <a:picLocks noChangeAspect="1" noChangeArrowheads="1"/>
           </p:cNvPicPr>
@@ -5435,7 +5435,7 @@
       </p:grpSpPr>
       <p:pic>
         <p:nvPicPr>
-          <p:cNvPr id="1026" name="Picture 2"/>
+          <p:cNvPr id="3074" name="Picture 2"/>
           <p:cNvPicPr>
             <a:picLocks noChangeAspect="1" noChangeArrowheads="1"/>
           </p:cNvPicPr>
@@ -5529,7 +5529,7 @@
       </p:grpSpPr>
       <p:pic>
         <p:nvPicPr>
-          <p:cNvPr id="1026" name="Picture 2"/>
+          <p:cNvPr id="4098" name="Picture 2"/>
           <p:cNvPicPr>
             <a:picLocks noChangeAspect="1" noChangeArrowheads="1"/>
           </p:cNvPicPr>
@@ -5699,8 +5699,8 @@
             </a:extLst>
           </p:spPr>
         </p:pic>
-        <mc:AlternateContent xmlns:mc="http://schemas.openxmlformats.org/markup-compatibility/2006">
-          <mc:Choice xmlns:a14="http://schemas.microsoft.com/office/drawing/2010/main" Requires="a14">
+        <mc:AlternateContent xmlns:mc="http://schemas.openxmlformats.org/markup-compatibility/2006" xmlns:a14="http://schemas.microsoft.com/office/drawing/2010/main">
+          <mc:Choice Requires="a14">
             <p:sp>
               <p:nvSpPr>
                 <p:cNvPr id="4" name="TextBox 3"/>
@@ -5730,6 +5730,7 @@
                 </a:bodyPr>
                 <a:lstStyle/>
                 <a:p>
+                  <a:pPr/>
                   <a14:m>
                     <m:oMathPara xmlns:m="http://schemas.openxmlformats.org/officeDocument/2006/math">
                       <m:oMathParaPr>
@@ -5756,7 +5757,7 @@
               </p:txBody>
             </p:sp>
           </mc:Choice>
-          <mc:Fallback>
+          <mc:Fallback xmlns="">
             <p:sp>
               <p:nvSpPr>
                 <p:cNvPr id="4" name="TextBox 3"/>
@@ -5800,8 +5801,8 @@
             </p:sp>
           </mc:Fallback>
         </mc:AlternateContent>
-        <mc:AlternateContent xmlns:mc="http://schemas.openxmlformats.org/markup-compatibility/2006">
-          <mc:Choice xmlns:a14="http://schemas.microsoft.com/office/drawing/2010/main" Requires="a14">
+        <mc:AlternateContent xmlns:mc="http://schemas.openxmlformats.org/markup-compatibility/2006" xmlns:a14="http://schemas.microsoft.com/office/drawing/2010/main">
+          <mc:Choice Requires="a14">
             <p:sp>
               <p:nvSpPr>
                 <p:cNvPr id="6" name="TextBox 5"/>
@@ -5831,6 +5832,7 @@
                 </a:bodyPr>
                 <a:lstStyle/>
                 <a:p>
+                  <a:pPr/>
                   <a14:m>
                     <m:oMathPara xmlns:m="http://schemas.openxmlformats.org/officeDocument/2006/math">
                       <m:oMathParaPr>
@@ -5857,7 +5859,7 @@
               </p:txBody>
             </p:sp>
           </mc:Choice>
-          <mc:Fallback>
+          <mc:Fallback xmlns="">
             <p:sp>
               <p:nvSpPr>
                 <p:cNvPr id="6" name="TextBox 5"/>
@@ -5901,8 +5903,8 @@
             </p:sp>
           </mc:Fallback>
         </mc:AlternateContent>
-        <mc:AlternateContent xmlns:mc="http://schemas.openxmlformats.org/markup-compatibility/2006">
-          <mc:Choice xmlns:a14="http://schemas.microsoft.com/office/drawing/2010/main" Requires="a14">
+        <mc:AlternateContent xmlns:mc="http://schemas.openxmlformats.org/markup-compatibility/2006" xmlns:a14="http://schemas.microsoft.com/office/drawing/2010/main">
+          <mc:Choice Requires="a14">
             <p:sp>
               <p:nvSpPr>
                 <p:cNvPr id="7" name="TextBox 6"/>
@@ -5957,7 +5959,7 @@
               </p:txBody>
             </p:sp>
           </mc:Choice>
-          <mc:Fallback>
+          <mc:Fallback xmlns="">
             <p:sp>
               <p:nvSpPr>
                 <p:cNvPr id="7" name="TextBox 6"/>
@@ -6001,8 +6003,8 @@
             </p:sp>
           </mc:Fallback>
         </mc:AlternateContent>
-        <mc:AlternateContent xmlns:mc="http://schemas.openxmlformats.org/markup-compatibility/2006">
-          <mc:Choice xmlns:a14="http://schemas.microsoft.com/office/drawing/2010/main" Requires="a14">
+        <mc:AlternateContent xmlns:mc="http://schemas.openxmlformats.org/markup-compatibility/2006" xmlns:a14="http://schemas.microsoft.com/office/drawing/2010/main">
+          <mc:Choice Requires="a14">
             <p:sp>
               <p:nvSpPr>
                 <p:cNvPr id="8" name="TextBox 7"/>
@@ -6057,7 +6059,7 @@
               </p:txBody>
             </p:sp>
           </mc:Choice>
-          <mc:Fallback>
+          <mc:Fallback xmlns="">
             <p:sp>
               <p:nvSpPr>
                 <p:cNvPr id="8" name="TextBox 7"/>
@@ -6101,8 +6103,8 @@
             </p:sp>
           </mc:Fallback>
         </mc:AlternateContent>
-        <mc:AlternateContent xmlns:mc="http://schemas.openxmlformats.org/markup-compatibility/2006">
-          <mc:Choice xmlns:a14="http://schemas.microsoft.com/office/drawing/2010/main" Requires="a14">
+        <mc:AlternateContent xmlns:mc="http://schemas.openxmlformats.org/markup-compatibility/2006" xmlns:a14="http://schemas.microsoft.com/office/drawing/2010/main">
+          <mc:Choice Requires="a14">
             <p:sp>
               <p:nvSpPr>
                 <p:cNvPr id="9" name="TextBox 8"/>
@@ -6157,7 +6159,7 @@
               </p:txBody>
             </p:sp>
           </mc:Choice>
-          <mc:Fallback>
+          <mc:Fallback xmlns="">
             <p:sp>
               <p:nvSpPr>
                 <p:cNvPr id="9" name="TextBox 8"/>
@@ -6263,8 +6265,8 @@
               </a:p>
             </p:txBody>
           </p:sp>
-          <mc:AlternateContent xmlns:mc="http://schemas.openxmlformats.org/markup-compatibility/2006">
-            <mc:Choice xmlns:a14="http://schemas.microsoft.com/office/drawing/2010/main" Requires="a14">
+          <mc:AlternateContent xmlns:mc="http://schemas.openxmlformats.org/markup-compatibility/2006" xmlns:a14="http://schemas.microsoft.com/office/drawing/2010/main">
+            <mc:Choice Requires="a14">
               <p:sp>
                 <p:nvSpPr>
                   <p:cNvPr id="5" name="TextBox 4"/>
@@ -6386,13 +6388,7 @@
                           <a:rPr lang="en-US" altLang="ko-KR" b="0" i="1" smtClean="0">
                             <a:latin typeface="Cambria Math"/>
                           </a:rPr>
-                          <m:t>=</m:t>
-                        </m:r>
-                        <m:r>
-                          <a:rPr lang="en-US" altLang="ko-KR" b="0" i="1" smtClean="0">
-                            <a:latin typeface="Cambria Math"/>
-                          </a:rPr>
-                          <m:t>−</m:t>
+                          <m:t>=−</m:t>
                         </m:r>
                         <m:f>
                           <m:fPr>
@@ -6455,7 +6451,13 @@
                                     <a:rPr lang="en-US" altLang="ko-KR" b="0" i="1" smtClean="0">
                                       <a:latin typeface="Cambria Math"/>
                                     </a:rPr>
-                                    <m:t>−1</m:t>
+                                    <m:t>−</m:t>
+                                  </m:r>
+                                  <m:r>
+                                    <a:rPr lang="en-US" altLang="ko-KR" b="0" i="1" smtClean="0">
+                                      <a:latin typeface="Cambria Math"/>
+                                    </a:rPr>
+                                    <m:t>1</m:t>
                                   </m:r>
                                 </m:e>
                               </m:mr>
@@ -6616,7 +6618,7 @@
                 </p:txBody>
               </p:sp>
             </mc:Choice>
-            <mc:Fallback>
+            <mc:Fallback xmlns="">
               <p:sp>
                 <p:nvSpPr>
                   <p:cNvPr id="5" name="TextBox 4"/>

--- a/pics/2021-05-12-phase_plane/pics.pptx
+++ b/pics/2021-05-12-phase_plane/pics.pptx
@@ -5621,612 +5621,82 @@
           <a:chExt cx="0" cy="0"/>
         </a:xfrm>
       </p:grpSpPr>
-      <p:grpSp>
-        <p:nvGrpSpPr>
-          <p:cNvPr id="17" name="그룹 16"/>
-          <p:cNvGrpSpPr/>
+      <p:pic>
+        <p:nvPicPr>
+          <p:cNvPr id="1026" name="Picture 2"/>
+          <p:cNvPicPr>
+            <a:picLocks noChangeAspect="1" noChangeArrowheads="1"/>
+          </p:cNvPicPr>
           <p:nvPr/>
-        </p:nvGrpSpPr>
-        <p:grpSpPr>
+        </p:nvPicPr>
+        <p:blipFill>
+          <a:blip r:embed="rId2">
+            <a:extLst>
+              <a:ext uri="{28A0092B-C50C-407E-A947-70E740481C1C}">
+                <a14:useLocalDpi xmlns:a14="http://schemas.microsoft.com/office/drawing/2010/main" val="0"/>
+              </a:ext>
+            </a:extLst>
+          </a:blip>
+          <a:srcRect/>
+          <a:stretch>
+            <a:fillRect/>
+          </a:stretch>
+        </p:blipFill>
+        <p:spPr bwMode="auto">
           <a:xfrm>
             <a:off x="1891211" y="1433513"/>
-            <a:ext cx="5361579" cy="3990975"/>
-            <a:chOff x="1559468" y="1423987"/>
-            <a:chExt cx="5361579" cy="3990975"/>
+            <a:ext cx="5324475" cy="3990975"/>
           </a:xfrm>
-        </p:grpSpPr>
-        <p:pic>
-          <p:nvPicPr>
-            <p:cNvPr id="1026" name="Picture 2"/>
-            <p:cNvPicPr>
-              <a:picLocks noChangeAspect="1" noChangeArrowheads="1"/>
-            </p:cNvPicPr>
-            <p:nvPr/>
-          </p:nvPicPr>
-          <p:blipFill>
-            <a:blip r:embed="rId2">
-              <a:extLst>
-                <a:ext uri="{28A0092B-C50C-407E-A947-70E740481C1C}">
-                  <a14:useLocalDpi xmlns:a14="http://schemas.microsoft.com/office/drawing/2010/main" val="0"/>
-                </a:ext>
-              </a:extLst>
-            </a:blip>
-            <a:srcRect/>
-            <a:stretch>
-              <a:fillRect/>
-            </a:stretch>
-          </p:blipFill>
-          <p:spPr bwMode="auto">
-            <a:xfrm>
-              <a:off x="1559468" y="1423987"/>
-              <a:ext cx="5324475" cy="3990975"/>
-            </a:xfrm>
-            <a:prstGeom prst="rect">
-              <a:avLst/>
-            </a:prstGeom>
+          <a:prstGeom prst="rect">
+            <a:avLst/>
+          </a:prstGeom>
+          <a:noFill/>
+          <a:ln>
             <a:noFill/>
-            <a:ln>
-              <a:noFill/>
-            </a:ln>
-            <a:effectLst/>
-            <a:extLst>
-              <a:ext uri="{909E8E84-426E-40DD-AFC4-6F175D3DCCD1}">
-                <a14:hiddenFill xmlns:a14="http://schemas.microsoft.com/office/drawing/2010/main">
-                  <a:solidFill>
-                    <a:schemeClr val="accent1"/>
-                  </a:solidFill>
-                </a14:hiddenFill>
-              </a:ext>
-              <a:ext uri="{91240B29-F687-4F45-9708-019B960494DF}">
-                <a14:hiddenLine xmlns:a14="http://schemas.microsoft.com/office/drawing/2010/main" w="9525">
-                  <a:solidFill>
-                    <a:schemeClr val="tx1"/>
-                  </a:solidFill>
-                  <a:miter lim="800000"/>
-                  <a:headEnd/>
-                  <a:tailEnd/>
-                </a14:hiddenLine>
-              </a:ext>
-              <a:ext uri="{AF507438-7753-43E0-B8FC-AC1667EBCBE1}">
-                <a14:hiddenEffects xmlns:a14="http://schemas.microsoft.com/office/drawing/2010/main">
-                  <a:effectLst>
-                    <a:outerShdw dist="35921" dir="2700000" algn="ctr" rotWithShape="0">
-                      <a:schemeClr val="bg2"/>
-                    </a:outerShdw>
-                  </a:effectLst>
-                </a14:hiddenEffects>
-              </a:ext>
-            </a:extLst>
-          </p:spPr>
-        </p:pic>
-        <mc:AlternateContent xmlns:mc="http://schemas.openxmlformats.org/markup-compatibility/2006" xmlns:a14="http://schemas.microsoft.com/office/drawing/2010/main">
-          <mc:Choice Requires="a14">
-            <p:sp>
-              <p:nvSpPr>
-                <p:cNvPr id="4" name="TextBox 3"/>
-                <p:cNvSpPr txBox="1"/>
-                <p:nvPr/>
-              </p:nvSpPr>
-              <p:spPr>
-                <a:xfrm>
-                  <a:off x="5519908" y="3778353"/>
-                  <a:ext cx="556626" cy="261610"/>
-                </a:xfrm>
-                <a:prstGeom prst="rect">
-                  <a:avLst/>
-                </a:prstGeom>
+          </a:ln>
+          <a:effectLst/>
+          <a:extLst>
+            <a:ext uri="{909E8E84-426E-40DD-AFC4-6F175D3DCCD1}">
+              <a14:hiddenFill xmlns:a14="http://schemas.microsoft.com/office/drawing/2010/main">
                 <a:solidFill>
-                  <a:schemeClr val="bg1"/>
+                  <a:schemeClr val="accent1"/>
                 </a:solidFill>
-                <a:ln>
-                  <a:solidFill>
-                    <a:schemeClr val="tx1"/>
-                  </a:solidFill>
-                </a:ln>
-              </p:spPr>
-              <p:txBody>
-                <a:bodyPr wrap="none" rtlCol="0">
-                  <a:spAutoFit/>
-                </a:bodyPr>
-                <a:lstStyle/>
-                <a:p>
-                  <a:pPr/>
-                  <a14:m>
-                    <m:oMathPara xmlns:m="http://schemas.openxmlformats.org/officeDocument/2006/math">
-                      <m:oMathParaPr>
-                        <m:jc m:val="centerGroup"/>
-                      </m:oMathParaPr>
-                      <m:oMath xmlns:m="http://schemas.openxmlformats.org/officeDocument/2006/math">
-                        <m:r>
-                          <a:rPr lang="en-US" altLang="ko-KR" sz="1100" b="0" i="1" smtClean="0">
-                            <a:latin typeface="Cambria Math"/>
-                          </a:rPr>
-                          <m:t>𝑡</m:t>
-                        </m:r>
-                        <m:r>
-                          <a:rPr lang="en-US" altLang="ko-KR" sz="1100" b="0" i="1" smtClean="0">
-                            <a:latin typeface="Cambria Math"/>
-                          </a:rPr>
-                          <m:t>=0</m:t>
-                        </m:r>
-                      </m:oMath>
-                    </m:oMathPara>
-                  </a14:m>
-                  <a:endParaRPr lang="ko-KR" altLang="en-US" sz="1100" dirty="0"/>
-                </a:p>
-              </p:txBody>
-            </p:sp>
-          </mc:Choice>
-          <mc:Fallback xmlns="">
-            <p:sp>
-              <p:nvSpPr>
-                <p:cNvPr id="4" name="TextBox 3"/>
-                <p:cNvSpPr txBox="1">
-                  <a:spLocks noRot="1" noChangeAspect="1" noMove="1" noResize="1" noEditPoints="1" noAdjustHandles="1" noChangeArrowheads="1" noChangeShapeType="1" noTextEdit="1"/>
-                </p:cNvSpPr>
-                <p:nvPr/>
-              </p:nvSpPr>
-              <p:spPr>
-                <a:xfrm>
-                  <a:off x="5519908" y="3778353"/>
-                  <a:ext cx="556626" cy="261610"/>
-                </a:xfrm>
-                <a:prstGeom prst="rect">
-                  <a:avLst/>
-                </a:prstGeom>
-                <a:blipFill rotWithShape="1">
-                  <a:blip r:embed="rId3"/>
-                  <a:stretch>
-                    <a:fillRect/>
-                  </a:stretch>
-                </a:blipFill>
-                <a:ln>
-                  <a:solidFill>
-                    <a:schemeClr val="tx1"/>
-                  </a:solidFill>
-                </a:ln>
-              </p:spPr>
-              <p:txBody>
-                <a:bodyPr/>
-                <a:lstStyle/>
-                <a:p>
-                  <a:r>
-                    <a:rPr lang="ko-KR" altLang="en-US">
-                      <a:noFill/>
-                    </a:rPr>
-                    <a:t> </a:t>
-                  </a:r>
-                </a:p>
-              </p:txBody>
-            </p:sp>
-          </mc:Fallback>
-        </mc:AlternateContent>
-        <mc:AlternateContent xmlns:mc="http://schemas.openxmlformats.org/markup-compatibility/2006" xmlns:a14="http://schemas.microsoft.com/office/drawing/2010/main">
-          <mc:Choice Requires="a14">
-            <p:sp>
-              <p:nvSpPr>
-                <p:cNvPr id="6" name="TextBox 5"/>
-                <p:cNvSpPr txBox="1"/>
-                <p:nvPr/>
-              </p:nvSpPr>
-              <p:spPr>
-                <a:xfrm>
-                  <a:off x="5395330" y="3445896"/>
-                  <a:ext cx="664028" cy="261610"/>
-                </a:xfrm>
-                <a:prstGeom prst="rect">
-                  <a:avLst/>
-                </a:prstGeom>
+              </a14:hiddenFill>
+            </a:ext>
+            <a:ext uri="{91240B29-F687-4F45-9708-019B960494DF}">
+              <a14:hiddenLine xmlns:a14="http://schemas.microsoft.com/office/drawing/2010/main" w="9525">
                 <a:solidFill>
-                  <a:schemeClr val="bg1"/>
+                  <a:schemeClr val="tx1"/>
                 </a:solidFill>
-                <a:ln>
-                  <a:solidFill>
-                    <a:schemeClr val="tx1"/>
-                  </a:solidFill>
-                </a:ln>
-              </p:spPr>
-              <p:txBody>
-                <a:bodyPr wrap="none" rtlCol="0">
-                  <a:spAutoFit/>
-                </a:bodyPr>
-                <a:lstStyle/>
-                <a:p>
-                  <a:pPr/>
-                  <a14:m>
-                    <m:oMathPara xmlns:m="http://schemas.openxmlformats.org/officeDocument/2006/math">
-                      <m:oMathParaPr>
-                        <m:jc m:val="centerGroup"/>
-                      </m:oMathParaPr>
-                      <m:oMath xmlns:m="http://schemas.openxmlformats.org/officeDocument/2006/math">
-                        <m:r>
-                          <a:rPr lang="en-US" altLang="ko-KR" sz="1100" b="0" i="1" smtClean="0">
-                            <a:latin typeface="Cambria Math"/>
-                          </a:rPr>
-                          <m:t>𝑡</m:t>
-                        </m:r>
-                        <m:r>
-                          <a:rPr lang="en-US" altLang="ko-KR" sz="1100" b="0" i="1" smtClean="0">
-                            <a:latin typeface="Cambria Math"/>
-                          </a:rPr>
-                          <m:t>=0.3</m:t>
-                        </m:r>
-                      </m:oMath>
-                    </m:oMathPara>
-                  </a14:m>
-                  <a:endParaRPr lang="ko-KR" altLang="en-US" sz="1100" dirty="0"/>
-                </a:p>
-              </p:txBody>
-            </p:sp>
-          </mc:Choice>
-          <mc:Fallback xmlns="">
-            <p:sp>
-              <p:nvSpPr>
-                <p:cNvPr id="6" name="TextBox 5"/>
-                <p:cNvSpPr txBox="1">
-                  <a:spLocks noRot="1" noChangeAspect="1" noMove="1" noResize="1" noEditPoints="1" noAdjustHandles="1" noChangeArrowheads="1" noChangeShapeType="1" noTextEdit="1"/>
-                </p:cNvSpPr>
-                <p:nvPr/>
-              </p:nvSpPr>
-              <p:spPr>
-                <a:xfrm>
-                  <a:off x="5395330" y="3445896"/>
-                  <a:ext cx="664028" cy="261610"/>
-                </a:xfrm>
-                <a:prstGeom prst="rect">
-                  <a:avLst/>
-                </a:prstGeom>
-                <a:blipFill rotWithShape="1">
-                  <a:blip r:embed="rId4"/>
-                  <a:stretch>
-                    <a:fillRect/>
-                  </a:stretch>
-                </a:blipFill>
-                <a:ln>
-                  <a:solidFill>
-                    <a:schemeClr val="tx1"/>
-                  </a:solidFill>
-                </a:ln>
-              </p:spPr>
-              <p:txBody>
-                <a:bodyPr/>
-                <a:lstStyle/>
-                <a:p>
-                  <a:r>
-                    <a:rPr lang="ko-KR" altLang="en-US">
-                      <a:noFill/>
-                    </a:rPr>
-                    <a:t> </a:t>
-                  </a:r>
-                </a:p>
-              </p:txBody>
-            </p:sp>
-          </mc:Fallback>
-        </mc:AlternateContent>
-        <mc:AlternateContent xmlns:mc="http://schemas.openxmlformats.org/markup-compatibility/2006" xmlns:a14="http://schemas.microsoft.com/office/drawing/2010/main">
-          <mc:Choice Requires="a14">
-            <p:sp>
-              <p:nvSpPr>
-                <p:cNvPr id="7" name="TextBox 6"/>
-                <p:cNvSpPr txBox="1"/>
-                <p:nvPr/>
-              </p:nvSpPr>
-              <p:spPr>
-                <a:xfrm>
-                  <a:off x="5350934" y="3148339"/>
-                  <a:ext cx="612732" cy="261610"/>
-                </a:xfrm>
-                <a:prstGeom prst="rect">
-                  <a:avLst/>
-                </a:prstGeom>
-                <a:solidFill>
-                  <a:schemeClr val="bg1"/>
-                </a:solidFill>
-                <a:ln>
-                  <a:solidFill>
-                    <a:schemeClr val="tx1"/>
-                  </a:solidFill>
-                </a:ln>
-              </p:spPr>
-              <p:txBody>
-                <a:bodyPr wrap="none" rtlCol="0">
-                  <a:spAutoFit/>
-                </a:bodyPr>
-                <a:lstStyle/>
-                <a:p>
-                  <a14:m>
-                    <m:oMath xmlns:m="http://schemas.openxmlformats.org/officeDocument/2006/math">
-                      <m:r>
-                        <a:rPr lang="en-US" altLang="ko-KR" sz="1100" b="0" i="1" smtClean="0">
-                          <a:latin typeface="Cambria Math"/>
-                        </a:rPr>
-                        <m:t>𝑡</m:t>
-                      </m:r>
-                      <m:r>
-                        <a:rPr lang="en-US" altLang="ko-KR" sz="1100" b="0" i="1" smtClean="0">
-                          <a:latin typeface="Cambria Math"/>
-                        </a:rPr>
-                        <m:t>=0.</m:t>
-                      </m:r>
-                    </m:oMath>
-                  </a14:m>
-                  <a:r>
-                    <a:rPr lang="en-US" altLang="ko-KR" sz="1100" dirty="0" smtClean="0"/>
-                    <a:t>6</a:t>
-                  </a:r>
-                  <a:endParaRPr lang="ko-KR" altLang="en-US" sz="1100" dirty="0"/>
-                </a:p>
-              </p:txBody>
-            </p:sp>
-          </mc:Choice>
-          <mc:Fallback xmlns="">
-            <p:sp>
-              <p:nvSpPr>
-                <p:cNvPr id="7" name="TextBox 6"/>
-                <p:cNvSpPr txBox="1">
-                  <a:spLocks noRot="1" noChangeAspect="1" noMove="1" noResize="1" noEditPoints="1" noAdjustHandles="1" noChangeArrowheads="1" noChangeShapeType="1" noTextEdit="1"/>
-                </p:cNvSpPr>
-                <p:nvPr/>
-              </p:nvSpPr>
-              <p:spPr>
-                <a:xfrm>
-                  <a:off x="5350934" y="3148339"/>
-                  <a:ext cx="612732" cy="261610"/>
-                </a:xfrm>
-                <a:prstGeom prst="rect">
-                  <a:avLst/>
-                </a:prstGeom>
-                <a:blipFill rotWithShape="1">
-                  <a:blip r:embed="rId5"/>
-                  <a:stretch>
-                    <a:fillRect b="-11111"/>
-                  </a:stretch>
-                </a:blipFill>
-                <a:ln>
-                  <a:solidFill>
-                    <a:schemeClr val="tx1"/>
-                  </a:solidFill>
-                </a:ln>
-              </p:spPr>
-              <p:txBody>
-                <a:bodyPr/>
-                <a:lstStyle/>
-                <a:p>
-                  <a:r>
-                    <a:rPr lang="ko-KR" altLang="en-US">
-                      <a:noFill/>
-                    </a:rPr>
-                    <a:t> </a:t>
-                  </a:r>
-                </a:p>
-              </p:txBody>
-            </p:sp>
-          </mc:Fallback>
-        </mc:AlternateContent>
-        <mc:AlternateContent xmlns:mc="http://schemas.openxmlformats.org/markup-compatibility/2006" xmlns:a14="http://schemas.microsoft.com/office/drawing/2010/main">
-          <mc:Choice Requires="a14">
-            <p:sp>
-              <p:nvSpPr>
-                <p:cNvPr id="8" name="TextBox 7"/>
-                <p:cNvSpPr txBox="1"/>
-                <p:nvPr/>
-              </p:nvSpPr>
-              <p:spPr>
-                <a:xfrm>
-                  <a:off x="5555248" y="2564903"/>
-                  <a:ext cx="612732" cy="261610"/>
-                </a:xfrm>
-                <a:prstGeom prst="rect">
-                  <a:avLst/>
-                </a:prstGeom>
-                <a:solidFill>
-                  <a:schemeClr val="bg1"/>
-                </a:solidFill>
-                <a:ln>
-                  <a:solidFill>
-                    <a:schemeClr val="tx1"/>
-                  </a:solidFill>
-                </a:ln>
-              </p:spPr>
-              <p:txBody>
-                <a:bodyPr wrap="none" rtlCol="0">
-                  <a:spAutoFit/>
-                </a:bodyPr>
-                <a:lstStyle/>
-                <a:p>
-                  <a14:m>
-                    <m:oMath xmlns:m="http://schemas.openxmlformats.org/officeDocument/2006/math">
-                      <m:r>
-                        <a:rPr lang="en-US" altLang="ko-KR" sz="1100" b="0" i="1" smtClean="0">
-                          <a:latin typeface="Cambria Math"/>
-                        </a:rPr>
-                        <m:t>𝑡</m:t>
-                      </m:r>
-                      <m:r>
-                        <a:rPr lang="en-US" altLang="ko-KR" sz="1100" b="0" i="1" smtClean="0">
-                          <a:latin typeface="Cambria Math"/>
-                        </a:rPr>
-                        <m:t>=0.</m:t>
-                      </m:r>
-                    </m:oMath>
-                  </a14:m>
-                  <a:r>
-                    <a:rPr lang="en-US" altLang="ko-KR" sz="1100" dirty="0" smtClean="0"/>
-                    <a:t>9</a:t>
-                  </a:r>
-                  <a:endParaRPr lang="ko-KR" altLang="en-US" sz="1100" dirty="0"/>
-                </a:p>
-              </p:txBody>
-            </p:sp>
-          </mc:Choice>
-          <mc:Fallback xmlns="">
-            <p:sp>
-              <p:nvSpPr>
-                <p:cNvPr id="8" name="TextBox 7"/>
-                <p:cNvSpPr txBox="1">
-                  <a:spLocks noRot="1" noChangeAspect="1" noMove="1" noResize="1" noEditPoints="1" noAdjustHandles="1" noChangeArrowheads="1" noChangeShapeType="1" noTextEdit="1"/>
-                </p:cNvSpPr>
-                <p:nvPr/>
-              </p:nvSpPr>
-              <p:spPr>
-                <a:xfrm>
-                  <a:off x="5555248" y="2564903"/>
-                  <a:ext cx="612732" cy="261610"/>
-                </a:xfrm>
-                <a:prstGeom prst="rect">
-                  <a:avLst/>
-                </a:prstGeom>
-                <a:blipFill rotWithShape="1">
-                  <a:blip r:embed="rId6"/>
-                  <a:stretch>
-                    <a:fillRect b="-11111"/>
-                  </a:stretch>
-                </a:blipFill>
-                <a:ln>
-                  <a:solidFill>
-                    <a:schemeClr val="tx1"/>
-                  </a:solidFill>
-                </a:ln>
-              </p:spPr>
-              <p:txBody>
-                <a:bodyPr/>
-                <a:lstStyle/>
-                <a:p>
-                  <a:r>
-                    <a:rPr lang="ko-KR" altLang="en-US">
-                      <a:noFill/>
-                    </a:rPr>
-                    <a:t> </a:t>
-                  </a:r>
-                </a:p>
-              </p:txBody>
-            </p:sp>
-          </mc:Fallback>
-        </mc:AlternateContent>
-        <mc:AlternateContent xmlns:mc="http://schemas.openxmlformats.org/markup-compatibility/2006" xmlns:a14="http://schemas.microsoft.com/office/drawing/2010/main">
-          <mc:Choice Requires="a14">
-            <p:sp>
-              <p:nvSpPr>
-                <p:cNvPr id="9" name="TextBox 8"/>
-                <p:cNvSpPr txBox="1"/>
-                <p:nvPr/>
-              </p:nvSpPr>
-              <p:spPr>
-                <a:xfrm>
-                  <a:off x="5814937" y="2195338"/>
-                  <a:ext cx="612732" cy="261610"/>
-                </a:xfrm>
-                <a:prstGeom prst="rect">
-                  <a:avLst/>
-                </a:prstGeom>
-                <a:solidFill>
-                  <a:schemeClr val="bg1"/>
-                </a:solidFill>
-                <a:ln>
-                  <a:solidFill>
-                    <a:schemeClr val="tx1"/>
-                  </a:solidFill>
-                </a:ln>
-              </p:spPr>
-              <p:txBody>
-                <a:bodyPr wrap="none" rtlCol="0">
-                  <a:spAutoFit/>
-                </a:bodyPr>
-                <a:lstStyle/>
-                <a:p>
-                  <a14:m>
-                    <m:oMath xmlns:m="http://schemas.openxmlformats.org/officeDocument/2006/math">
-                      <m:r>
-                        <a:rPr lang="en-US" altLang="ko-KR" sz="1100" b="0" i="1" smtClean="0">
-                          <a:latin typeface="Cambria Math"/>
-                        </a:rPr>
-                        <m:t>𝑡</m:t>
-                      </m:r>
-                      <m:r>
-                        <a:rPr lang="en-US" altLang="ko-KR" sz="1100" b="0" i="1" smtClean="0">
-                          <a:latin typeface="Cambria Math"/>
-                        </a:rPr>
-                        <m:t>=1.</m:t>
-                      </m:r>
-                    </m:oMath>
-                  </a14:m>
-                  <a:r>
-                    <a:rPr lang="en-US" altLang="ko-KR" sz="1100" dirty="0" smtClean="0"/>
-                    <a:t>2</a:t>
-                  </a:r>
-                  <a:endParaRPr lang="ko-KR" altLang="en-US" sz="1100" dirty="0"/>
-                </a:p>
-              </p:txBody>
-            </p:sp>
-          </mc:Choice>
-          <mc:Fallback xmlns="">
-            <p:sp>
-              <p:nvSpPr>
-                <p:cNvPr id="9" name="TextBox 8"/>
-                <p:cNvSpPr txBox="1">
-                  <a:spLocks noRot="1" noChangeAspect="1" noMove="1" noResize="1" noEditPoints="1" noAdjustHandles="1" noChangeArrowheads="1" noChangeShapeType="1" noTextEdit="1"/>
-                </p:cNvSpPr>
-                <p:nvPr/>
-              </p:nvSpPr>
-              <p:spPr>
-                <a:xfrm>
-                  <a:off x="5814937" y="2195338"/>
-                  <a:ext cx="612732" cy="261610"/>
-                </a:xfrm>
-                <a:prstGeom prst="rect">
-                  <a:avLst/>
-                </a:prstGeom>
-                <a:blipFill rotWithShape="1">
-                  <a:blip r:embed="rId7"/>
-                  <a:stretch>
-                    <a:fillRect b="-11111"/>
-                  </a:stretch>
-                </a:blipFill>
-                <a:ln>
-                  <a:solidFill>
-                    <a:schemeClr val="tx1"/>
-                  </a:solidFill>
-                </a:ln>
-              </p:spPr>
-              <p:txBody>
-                <a:bodyPr/>
-                <a:lstStyle/>
-                <a:p>
-                  <a:r>
-                    <a:rPr lang="ko-KR" altLang="en-US">
-                      <a:noFill/>
-                    </a:rPr>
-                    <a:t> </a:t>
-                  </a:r>
-                </a:p>
-              </p:txBody>
-            </p:sp>
-          </mc:Fallback>
-        </mc:AlternateContent>
-        <p:grpSp>
-          <p:nvGrpSpPr>
-            <p:cNvPr id="15" name="그룹 14"/>
-            <p:cNvGrpSpPr/>
-            <p:nvPr/>
-          </p:nvGrpSpPr>
-          <p:grpSpPr>
-            <a:xfrm>
-              <a:off x="3066580" y="4094324"/>
-              <a:ext cx="3854467" cy="792088"/>
-              <a:chOff x="1835696" y="1196752"/>
-              <a:chExt cx="3854467" cy="792088"/>
-            </a:xfrm>
-          </p:grpSpPr>
+                <a:miter lim="800000"/>
+                <a:headEnd/>
+                <a:tailEnd/>
+              </a14:hiddenLine>
+            </a:ext>
+            <a:ext uri="{AF507438-7753-43E0-B8FC-AC1667EBCBE1}">
+              <a14:hiddenEffects xmlns:a14="http://schemas.microsoft.com/office/drawing/2010/main">
+                <a:effectLst>
+                  <a:outerShdw dist="35921" dir="2700000" algn="ctr" rotWithShape="0">
+                    <a:schemeClr val="bg2"/>
+                  </a:outerShdw>
+                </a:effectLst>
+              </a14:hiddenEffects>
+            </a:ext>
+          </a:extLst>
+        </p:spPr>
+      </p:pic>
+      <mc:AlternateContent xmlns:mc="http://schemas.openxmlformats.org/markup-compatibility/2006">
+        <mc:Choice xmlns:a14="http://schemas.microsoft.com/office/drawing/2010/main" Requires="a14">
           <p:sp>
             <p:nvSpPr>
-              <p:cNvPr id="14" name="직사각형 13"/>
-              <p:cNvSpPr/>
+              <p:cNvPr id="4" name="TextBox 3"/>
+              <p:cNvSpPr txBox="1"/>
               <p:nvPr/>
             </p:nvSpPr>
             <p:spPr>
               <a:xfrm>
-                <a:off x="1835696" y="1196752"/>
-                <a:ext cx="3854467" cy="792088"/>
+                <a:off x="5851651" y="3787879"/>
+                <a:ext cx="556626" cy="261610"/>
               </a:xfrm>
               <a:prstGeom prst="rect">
                 <a:avLst/>
@@ -6240,460 +5710,960 @@
                 </a:solidFill>
               </a:ln>
             </p:spPr>
-            <p:style>
-              <a:lnRef idx="2">
-                <a:schemeClr val="accent1">
-                  <a:shade val="50000"/>
-                </a:schemeClr>
-              </a:lnRef>
-              <a:fillRef idx="1">
-                <a:schemeClr val="accent1"/>
-              </a:fillRef>
-              <a:effectRef idx="0">
-                <a:schemeClr val="accent1"/>
-              </a:effectRef>
-              <a:fontRef idx="minor">
-                <a:schemeClr val="lt1"/>
-              </a:fontRef>
-            </p:style>
             <p:txBody>
-              <a:bodyPr rtlCol="0" anchor="ctr"/>
+              <a:bodyPr wrap="none" rtlCol="0">
+                <a:spAutoFit/>
+              </a:bodyPr>
               <a:lstStyle/>
               <a:p>
-                <a:pPr algn="ctr"/>
-                <a:endParaRPr lang="ko-KR" altLang="en-US"/>
+                <a:pPr/>
+                <a14:m>
+                  <m:oMathPara xmlns:m="http://schemas.openxmlformats.org/officeDocument/2006/math">
+                    <m:oMathParaPr>
+                      <m:jc m:val="centerGroup"/>
+                    </m:oMathParaPr>
+                    <m:oMath xmlns:m="http://schemas.openxmlformats.org/officeDocument/2006/math">
+                      <m:r>
+                        <a:rPr lang="en-US" altLang="ko-KR" sz="1100" b="0" i="1" smtClean="0">
+                          <a:latin typeface="Cambria Math"/>
+                        </a:rPr>
+                        <m:t>𝑡</m:t>
+                      </m:r>
+                      <m:r>
+                        <a:rPr lang="en-US" altLang="ko-KR" sz="1100" b="0" i="1" smtClean="0">
+                          <a:latin typeface="Cambria Math"/>
+                        </a:rPr>
+                        <m:t>=0</m:t>
+                      </m:r>
+                    </m:oMath>
+                  </m:oMathPara>
+                </a14:m>
+                <a:endParaRPr lang="ko-KR" altLang="en-US" sz="1100" dirty="0"/>
               </a:p>
             </p:txBody>
           </p:sp>
-          <mc:AlternateContent xmlns:mc="http://schemas.openxmlformats.org/markup-compatibility/2006" xmlns:a14="http://schemas.microsoft.com/office/drawing/2010/main">
-            <mc:Choice Requires="a14">
-              <p:sp>
-                <p:nvSpPr>
-                  <p:cNvPr id="5" name="TextBox 4"/>
-                  <p:cNvSpPr txBox="1"/>
-                  <p:nvPr/>
-                </p:nvSpPr>
-                <p:spPr>
-                  <a:xfrm>
-                    <a:off x="2309943" y="1302647"/>
-                    <a:ext cx="3380220" cy="641266"/>
-                  </a:xfrm>
-                  <a:prstGeom prst="rect">
-                    <a:avLst/>
-                  </a:prstGeom>
-                  <a:noFill/>
-                </p:spPr>
-                <p:txBody>
-                  <a:bodyPr wrap="none" rtlCol="0">
-                    <a:spAutoFit/>
-                  </a:bodyPr>
-                  <a:lstStyle/>
-                  <a:p>
-                    <a:r>
-                      <a:rPr lang="en-US" altLang="ko-KR" dirty="0" smtClean="0"/>
-                      <a:t>: </a:t>
-                    </a:r>
-                    <a14:m>
-                      <m:oMath xmlns:m="http://schemas.openxmlformats.org/officeDocument/2006/math">
-                        <m:d>
-                          <m:dPr>
-                            <m:begChr m:val="["/>
-                            <m:endChr m:val="]"/>
+        </mc:Choice>
+        <mc:Fallback>
+          <p:sp>
+            <p:nvSpPr>
+              <p:cNvPr id="4" name="TextBox 3"/>
+              <p:cNvSpPr txBox="1">
+                <a:spLocks noRot="1" noChangeAspect="1" noMove="1" noResize="1" noEditPoints="1" noAdjustHandles="1" noChangeArrowheads="1" noChangeShapeType="1" noTextEdit="1"/>
+              </p:cNvSpPr>
+              <p:nvPr/>
+            </p:nvSpPr>
+            <p:spPr>
+              <a:xfrm>
+                <a:off x="5851651" y="3787879"/>
+                <a:ext cx="556626" cy="261610"/>
+              </a:xfrm>
+              <a:prstGeom prst="rect">
+                <a:avLst/>
+              </a:prstGeom>
+              <a:blipFill rotWithShape="1">
+                <a:blip r:embed="rId3"/>
+                <a:stretch>
+                  <a:fillRect/>
+                </a:stretch>
+              </a:blipFill>
+              <a:ln>
+                <a:solidFill>
+                  <a:schemeClr val="tx1"/>
+                </a:solidFill>
+              </a:ln>
+            </p:spPr>
+            <p:txBody>
+              <a:bodyPr/>
+              <a:lstStyle/>
+              <a:p>
+                <a:r>
+                  <a:rPr lang="ko-KR" altLang="en-US">
+                    <a:noFill/>
+                  </a:rPr>
+                  <a:t> </a:t>
+                </a:r>
+              </a:p>
+            </p:txBody>
+          </p:sp>
+        </mc:Fallback>
+      </mc:AlternateContent>
+      <mc:AlternateContent xmlns:mc="http://schemas.openxmlformats.org/markup-compatibility/2006">
+        <mc:Choice xmlns:a14="http://schemas.microsoft.com/office/drawing/2010/main" Requires="a14">
+          <p:sp>
+            <p:nvSpPr>
+              <p:cNvPr id="6" name="TextBox 5"/>
+              <p:cNvSpPr txBox="1"/>
+              <p:nvPr/>
+            </p:nvSpPr>
+            <p:spPr>
+              <a:xfrm>
+                <a:off x="5727073" y="3455422"/>
+                <a:ext cx="664028" cy="261610"/>
+              </a:xfrm>
+              <a:prstGeom prst="rect">
+                <a:avLst/>
+              </a:prstGeom>
+              <a:solidFill>
+                <a:schemeClr val="bg1"/>
+              </a:solidFill>
+              <a:ln>
+                <a:solidFill>
+                  <a:schemeClr val="tx1"/>
+                </a:solidFill>
+              </a:ln>
+            </p:spPr>
+            <p:txBody>
+              <a:bodyPr wrap="none" rtlCol="0">
+                <a:spAutoFit/>
+              </a:bodyPr>
+              <a:lstStyle/>
+              <a:p>
+                <a:pPr/>
+                <a14:m>
+                  <m:oMathPara xmlns:m="http://schemas.openxmlformats.org/officeDocument/2006/math">
+                    <m:oMathParaPr>
+                      <m:jc m:val="centerGroup"/>
+                    </m:oMathParaPr>
+                    <m:oMath xmlns:m="http://schemas.openxmlformats.org/officeDocument/2006/math">
+                      <m:r>
+                        <a:rPr lang="en-US" altLang="ko-KR" sz="1100" b="0" i="1" smtClean="0">
+                          <a:latin typeface="Cambria Math"/>
+                        </a:rPr>
+                        <m:t>𝑡</m:t>
+                      </m:r>
+                      <m:r>
+                        <a:rPr lang="en-US" altLang="ko-KR" sz="1100" b="0" i="1" smtClean="0">
+                          <a:latin typeface="Cambria Math"/>
+                        </a:rPr>
+                        <m:t>=0.3</m:t>
+                      </m:r>
+                    </m:oMath>
+                  </m:oMathPara>
+                </a14:m>
+                <a:endParaRPr lang="ko-KR" altLang="en-US" sz="1100" dirty="0"/>
+              </a:p>
+            </p:txBody>
+          </p:sp>
+        </mc:Choice>
+        <mc:Fallback>
+          <p:sp>
+            <p:nvSpPr>
+              <p:cNvPr id="6" name="TextBox 5"/>
+              <p:cNvSpPr txBox="1">
+                <a:spLocks noRot="1" noChangeAspect="1" noMove="1" noResize="1" noEditPoints="1" noAdjustHandles="1" noChangeArrowheads="1" noChangeShapeType="1" noTextEdit="1"/>
+              </p:cNvSpPr>
+              <p:nvPr/>
+            </p:nvSpPr>
+            <p:spPr>
+              <a:xfrm>
+                <a:off x="5727073" y="3455422"/>
+                <a:ext cx="664028" cy="261610"/>
+              </a:xfrm>
+              <a:prstGeom prst="rect">
+                <a:avLst/>
+              </a:prstGeom>
+              <a:blipFill rotWithShape="1">
+                <a:blip r:embed="rId4"/>
+                <a:stretch>
+                  <a:fillRect/>
+                </a:stretch>
+              </a:blipFill>
+              <a:ln>
+                <a:solidFill>
+                  <a:schemeClr val="tx1"/>
+                </a:solidFill>
+              </a:ln>
+            </p:spPr>
+            <p:txBody>
+              <a:bodyPr/>
+              <a:lstStyle/>
+              <a:p>
+                <a:r>
+                  <a:rPr lang="ko-KR" altLang="en-US">
+                    <a:noFill/>
+                  </a:rPr>
+                  <a:t> </a:t>
+                </a:r>
+              </a:p>
+            </p:txBody>
+          </p:sp>
+        </mc:Fallback>
+      </mc:AlternateContent>
+      <mc:AlternateContent xmlns:mc="http://schemas.openxmlformats.org/markup-compatibility/2006">
+        <mc:Choice xmlns:a14="http://schemas.microsoft.com/office/drawing/2010/main" Requires="a14">
+          <p:sp>
+            <p:nvSpPr>
+              <p:cNvPr id="7" name="TextBox 6"/>
+              <p:cNvSpPr txBox="1"/>
+              <p:nvPr/>
+            </p:nvSpPr>
+            <p:spPr>
+              <a:xfrm>
+                <a:off x="5682677" y="3157865"/>
+                <a:ext cx="612732" cy="261610"/>
+              </a:xfrm>
+              <a:prstGeom prst="rect">
+                <a:avLst/>
+              </a:prstGeom>
+              <a:solidFill>
+                <a:schemeClr val="bg1"/>
+              </a:solidFill>
+              <a:ln>
+                <a:solidFill>
+                  <a:schemeClr val="tx1"/>
+                </a:solidFill>
+              </a:ln>
+            </p:spPr>
+            <p:txBody>
+              <a:bodyPr wrap="none" rtlCol="0">
+                <a:spAutoFit/>
+              </a:bodyPr>
+              <a:lstStyle/>
+              <a:p>
+                <a14:m>
+                  <m:oMath xmlns:m="http://schemas.openxmlformats.org/officeDocument/2006/math">
+                    <m:r>
+                      <a:rPr lang="en-US" altLang="ko-KR" sz="1100" b="0" i="1" smtClean="0">
+                        <a:latin typeface="Cambria Math"/>
+                      </a:rPr>
+                      <m:t>𝑡</m:t>
+                    </m:r>
+                    <m:r>
+                      <a:rPr lang="en-US" altLang="ko-KR" sz="1100" b="0" i="1" smtClean="0">
+                        <a:latin typeface="Cambria Math"/>
+                      </a:rPr>
+                      <m:t>=0.</m:t>
+                    </m:r>
+                  </m:oMath>
+                </a14:m>
+                <a:r>
+                  <a:rPr lang="en-US" altLang="ko-KR" sz="1100" dirty="0" smtClean="0"/>
+                  <a:t>6</a:t>
+                </a:r>
+                <a:endParaRPr lang="ko-KR" altLang="en-US" sz="1100" dirty="0"/>
+              </a:p>
+            </p:txBody>
+          </p:sp>
+        </mc:Choice>
+        <mc:Fallback>
+          <p:sp>
+            <p:nvSpPr>
+              <p:cNvPr id="7" name="TextBox 6"/>
+              <p:cNvSpPr txBox="1">
+                <a:spLocks noRot="1" noChangeAspect="1" noMove="1" noResize="1" noEditPoints="1" noAdjustHandles="1" noChangeArrowheads="1" noChangeShapeType="1" noTextEdit="1"/>
+              </p:cNvSpPr>
+              <p:nvPr/>
+            </p:nvSpPr>
+            <p:spPr>
+              <a:xfrm>
+                <a:off x="5682677" y="3157865"/>
+                <a:ext cx="612732" cy="261610"/>
+              </a:xfrm>
+              <a:prstGeom prst="rect">
+                <a:avLst/>
+              </a:prstGeom>
+              <a:blipFill rotWithShape="1">
+                <a:blip r:embed="rId5"/>
+                <a:stretch>
+                  <a:fillRect b="-11111"/>
+                </a:stretch>
+              </a:blipFill>
+              <a:ln>
+                <a:solidFill>
+                  <a:schemeClr val="tx1"/>
+                </a:solidFill>
+              </a:ln>
+            </p:spPr>
+            <p:txBody>
+              <a:bodyPr/>
+              <a:lstStyle/>
+              <a:p>
+                <a:r>
+                  <a:rPr lang="ko-KR" altLang="en-US">
+                    <a:noFill/>
+                  </a:rPr>
+                  <a:t> </a:t>
+                </a:r>
+              </a:p>
+            </p:txBody>
+          </p:sp>
+        </mc:Fallback>
+      </mc:AlternateContent>
+      <mc:AlternateContent xmlns:mc="http://schemas.openxmlformats.org/markup-compatibility/2006">
+        <mc:Choice xmlns:a14="http://schemas.microsoft.com/office/drawing/2010/main" Requires="a14">
+          <p:sp>
+            <p:nvSpPr>
+              <p:cNvPr id="8" name="TextBox 7"/>
+              <p:cNvSpPr txBox="1"/>
+              <p:nvPr/>
+            </p:nvSpPr>
+            <p:spPr>
+              <a:xfrm>
+                <a:off x="5886991" y="2574429"/>
+                <a:ext cx="612732" cy="261610"/>
+              </a:xfrm>
+              <a:prstGeom prst="rect">
+                <a:avLst/>
+              </a:prstGeom>
+              <a:solidFill>
+                <a:schemeClr val="bg1"/>
+              </a:solidFill>
+              <a:ln>
+                <a:solidFill>
+                  <a:schemeClr val="tx1"/>
+                </a:solidFill>
+              </a:ln>
+            </p:spPr>
+            <p:txBody>
+              <a:bodyPr wrap="none" rtlCol="0">
+                <a:spAutoFit/>
+              </a:bodyPr>
+              <a:lstStyle/>
+              <a:p>
+                <a14:m>
+                  <m:oMath xmlns:m="http://schemas.openxmlformats.org/officeDocument/2006/math">
+                    <m:r>
+                      <a:rPr lang="en-US" altLang="ko-KR" sz="1100" b="0" i="1" smtClean="0">
+                        <a:latin typeface="Cambria Math"/>
+                      </a:rPr>
+                      <m:t>𝑡</m:t>
+                    </m:r>
+                    <m:r>
+                      <a:rPr lang="en-US" altLang="ko-KR" sz="1100" b="0" i="1" smtClean="0">
+                        <a:latin typeface="Cambria Math"/>
+                      </a:rPr>
+                      <m:t>=0.</m:t>
+                    </m:r>
+                  </m:oMath>
+                </a14:m>
+                <a:r>
+                  <a:rPr lang="en-US" altLang="ko-KR" sz="1100" dirty="0" smtClean="0"/>
+                  <a:t>9</a:t>
+                </a:r>
+                <a:endParaRPr lang="ko-KR" altLang="en-US" sz="1100" dirty="0"/>
+              </a:p>
+            </p:txBody>
+          </p:sp>
+        </mc:Choice>
+        <mc:Fallback>
+          <p:sp>
+            <p:nvSpPr>
+              <p:cNvPr id="8" name="TextBox 7"/>
+              <p:cNvSpPr txBox="1">
+                <a:spLocks noRot="1" noChangeAspect="1" noMove="1" noResize="1" noEditPoints="1" noAdjustHandles="1" noChangeArrowheads="1" noChangeShapeType="1" noTextEdit="1"/>
+              </p:cNvSpPr>
+              <p:nvPr/>
+            </p:nvSpPr>
+            <p:spPr>
+              <a:xfrm>
+                <a:off x="5886991" y="2574429"/>
+                <a:ext cx="612732" cy="261610"/>
+              </a:xfrm>
+              <a:prstGeom prst="rect">
+                <a:avLst/>
+              </a:prstGeom>
+              <a:blipFill rotWithShape="1">
+                <a:blip r:embed="rId6"/>
+                <a:stretch>
+                  <a:fillRect b="-11111"/>
+                </a:stretch>
+              </a:blipFill>
+              <a:ln>
+                <a:solidFill>
+                  <a:schemeClr val="tx1"/>
+                </a:solidFill>
+              </a:ln>
+            </p:spPr>
+            <p:txBody>
+              <a:bodyPr/>
+              <a:lstStyle/>
+              <a:p>
+                <a:r>
+                  <a:rPr lang="ko-KR" altLang="en-US">
+                    <a:noFill/>
+                  </a:rPr>
+                  <a:t> </a:t>
+                </a:r>
+              </a:p>
+            </p:txBody>
+          </p:sp>
+        </mc:Fallback>
+      </mc:AlternateContent>
+      <mc:AlternateContent xmlns:mc="http://schemas.openxmlformats.org/markup-compatibility/2006">
+        <mc:Choice xmlns:a14="http://schemas.microsoft.com/office/drawing/2010/main" Requires="a14">
+          <p:sp>
+            <p:nvSpPr>
+              <p:cNvPr id="9" name="TextBox 8"/>
+              <p:cNvSpPr txBox="1"/>
+              <p:nvPr/>
+            </p:nvSpPr>
+            <p:spPr>
+              <a:xfrm>
+                <a:off x="6146680" y="2204864"/>
+                <a:ext cx="612732" cy="261610"/>
+              </a:xfrm>
+              <a:prstGeom prst="rect">
+                <a:avLst/>
+              </a:prstGeom>
+              <a:solidFill>
+                <a:schemeClr val="bg1"/>
+              </a:solidFill>
+              <a:ln>
+                <a:solidFill>
+                  <a:schemeClr val="tx1"/>
+                </a:solidFill>
+              </a:ln>
+            </p:spPr>
+            <p:txBody>
+              <a:bodyPr wrap="none" rtlCol="0">
+                <a:spAutoFit/>
+              </a:bodyPr>
+              <a:lstStyle/>
+              <a:p>
+                <a14:m>
+                  <m:oMath xmlns:m="http://schemas.openxmlformats.org/officeDocument/2006/math">
+                    <m:r>
+                      <a:rPr lang="en-US" altLang="ko-KR" sz="1100" b="0" i="1" smtClean="0">
+                        <a:latin typeface="Cambria Math"/>
+                      </a:rPr>
+                      <m:t>𝑡</m:t>
+                    </m:r>
+                    <m:r>
+                      <a:rPr lang="en-US" altLang="ko-KR" sz="1100" b="0" i="1" smtClean="0">
+                        <a:latin typeface="Cambria Math"/>
+                      </a:rPr>
+                      <m:t>=1.</m:t>
+                    </m:r>
+                  </m:oMath>
+                </a14:m>
+                <a:r>
+                  <a:rPr lang="en-US" altLang="ko-KR" sz="1100" dirty="0" smtClean="0"/>
+                  <a:t>2</a:t>
+                </a:r>
+                <a:endParaRPr lang="ko-KR" altLang="en-US" sz="1100" dirty="0"/>
+              </a:p>
+            </p:txBody>
+          </p:sp>
+        </mc:Choice>
+        <mc:Fallback>
+          <p:sp>
+            <p:nvSpPr>
+              <p:cNvPr id="9" name="TextBox 8"/>
+              <p:cNvSpPr txBox="1">
+                <a:spLocks noRot="1" noChangeAspect="1" noMove="1" noResize="1" noEditPoints="1" noAdjustHandles="1" noChangeArrowheads="1" noChangeShapeType="1" noTextEdit="1"/>
+              </p:cNvSpPr>
+              <p:nvPr/>
+            </p:nvSpPr>
+            <p:spPr>
+              <a:xfrm>
+                <a:off x="6146680" y="2204864"/>
+                <a:ext cx="612732" cy="261610"/>
+              </a:xfrm>
+              <a:prstGeom prst="rect">
+                <a:avLst/>
+              </a:prstGeom>
+              <a:blipFill rotWithShape="1">
+                <a:blip r:embed="rId7"/>
+                <a:stretch>
+                  <a:fillRect b="-11111"/>
+                </a:stretch>
+              </a:blipFill>
+              <a:ln>
+                <a:solidFill>
+                  <a:schemeClr val="tx1"/>
+                </a:solidFill>
+              </a:ln>
+            </p:spPr>
+            <p:txBody>
+              <a:bodyPr/>
+              <a:lstStyle/>
+              <a:p>
+                <a:r>
+                  <a:rPr lang="ko-KR" altLang="en-US">
+                    <a:noFill/>
+                  </a:rPr>
+                  <a:t> </a:t>
+                </a:r>
+              </a:p>
+            </p:txBody>
+          </p:sp>
+        </mc:Fallback>
+      </mc:AlternateContent>
+      <p:sp>
+        <p:nvSpPr>
+          <p:cNvPr id="14" name="직사각형 13"/>
+          <p:cNvSpPr/>
+          <p:nvPr/>
+        </p:nvSpPr>
+        <p:spPr>
+          <a:xfrm>
+            <a:off x="3398323" y="4103850"/>
+            <a:ext cx="3854467" cy="792088"/>
+          </a:xfrm>
+          <a:prstGeom prst="rect">
+            <a:avLst/>
+          </a:prstGeom>
+          <a:solidFill>
+            <a:schemeClr val="bg1"/>
+          </a:solidFill>
+          <a:ln>
+            <a:solidFill>
+              <a:schemeClr val="tx1"/>
+            </a:solidFill>
+          </a:ln>
+        </p:spPr>
+        <p:style>
+          <a:lnRef idx="2">
+            <a:schemeClr val="accent1">
+              <a:shade val="50000"/>
+            </a:schemeClr>
+          </a:lnRef>
+          <a:fillRef idx="1">
+            <a:schemeClr val="accent1"/>
+          </a:fillRef>
+          <a:effectRef idx="0">
+            <a:schemeClr val="accent1"/>
+          </a:effectRef>
+          <a:fontRef idx="minor">
+            <a:schemeClr val="lt1"/>
+          </a:fontRef>
+        </p:style>
+        <p:txBody>
+          <a:bodyPr rtlCol="0" anchor="ctr"/>
+          <a:lstStyle/>
+          <a:p>
+            <a:pPr algn="ctr"/>
+            <a:endParaRPr lang="ko-KR" altLang="en-US"/>
+          </a:p>
+        </p:txBody>
+      </p:sp>
+      <mc:AlternateContent xmlns:mc="http://schemas.openxmlformats.org/markup-compatibility/2006">
+        <mc:Choice xmlns:a14="http://schemas.microsoft.com/office/drawing/2010/main" Requires="a14">
+          <p:sp>
+            <p:nvSpPr>
+              <p:cNvPr id="5" name="TextBox 4"/>
+              <p:cNvSpPr txBox="1"/>
+              <p:nvPr/>
+            </p:nvSpPr>
+            <p:spPr>
+              <a:xfrm>
+                <a:off x="3872570" y="4209745"/>
+                <a:ext cx="3380220" cy="641266"/>
+              </a:xfrm>
+              <a:prstGeom prst="rect">
+                <a:avLst/>
+              </a:prstGeom>
+              <a:noFill/>
+            </p:spPr>
+            <p:txBody>
+              <a:bodyPr wrap="none" rtlCol="0">
+                <a:spAutoFit/>
+              </a:bodyPr>
+              <a:lstStyle/>
+              <a:p>
+                <a:r>
+                  <a:rPr lang="en-US" altLang="ko-KR" dirty="0" smtClean="0"/>
+                  <a:t>: </a:t>
+                </a:r>
+                <a14:m>
+                  <m:oMath xmlns:m="http://schemas.openxmlformats.org/officeDocument/2006/math">
+                    <m:d>
+                      <m:dPr>
+                        <m:begChr m:val="["/>
+                        <m:endChr m:val="]"/>
+                        <m:ctrlPr>
+                          <a:rPr lang="en-US" altLang="ko-KR" i="1" smtClean="0">
+                            <a:latin typeface="Cambria Math"/>
+                          </a:rPr>
+                        </m:ctrlPr>
+                      </m:dPr>
+                      <m:e>
+                        <m:m>
+                          <m:mPr>
+                            <m:mcs>
+                              <m:mc>
+                                <m:mcPr>
+                                  <m:count m:val="1"/>
+                                  <m:mcJc m:val="center"/>
+                                </m:mcPr>
+                              </m:mc>
+                            </m:mcs>
                             <m:ctrlPr>
-                              <a:rPr lang="en-US" altLang="ko-KR" i="1" smtClean="0">
+                              <a:rPr lang="en-US" altLang="ko-KR" i="1">
                                 <a:latin typeface="Cambria Math"/>
                               </a:rPr>
                             </m:ctrlPr>
-                          </m:dPr>
-                          <m:e>
-                            <m:m>
-                              <m:mPr>
-                                <m:mcs>
-                                  <m:mc>
-                                    <m:mcPr>
-                                      <m:count m:val="1"/>
-                                      <m:mcJc m:val="center"/>
-                                    </m:mcPr>
-                                  </m:mc>
-                                </m:mcs>
-                                <m:ctrlPr>
-                                  <a:rPr lang="en-US" altLang="ko-KR" i="1">
-                                    <a:latin typeface="Cambria Math"/>
-                                  </a:rPr>
-                                </m:ctrlPr>
-                              </m:mPr>
-                              <m:mr>
-                                <m:e>
-                                  <m:r>
-                                    <m:rPr>
-                                      <m:brk m:alnAt="7"/>
-                                    </m:rPr>
-                                    <a:rPr lang="en-US" altLang="ko-KR" b="0" i="1" smtClean="0">
-                                      <a:latin typeface="Cambria Math"/>
-                                    </a:rPr>
-                                    <m:t>𝑥</m:t>
-                                  </m:r>
-                                  <m:r>
-                                    <a:rPr lang="en-US" altLang="ko-KR" b="0" i="1" smtClean="0">
-                                      <a:latin typeface="Cambria Math"/>
-                                    </a:rPr>
-                                    <m:t>(</m:t>
-                                  </m:r>
-                                  <m:r>
-                                    <a:rPr lang="en-US" altLang="ko-KR" b="0" i="1" smtClean="0">
-                                      <a:latin typeface="Cambria Math"/>
-                                    </a:rPr>
-                                    <m:t>𝑡</m:t>
-                                  </m:r>
-                                  <m:r>
-                                    <a:rPr lang="en-US" altLang="ko-KR" b="0" i="1" smtClean="0">
-                                      <a:latin typeface="Cambria Math"/>
-                                    </a:rPr>
-                                    <m:t>)</m:t>
-                                  </m:r>
-                                </m:e>
-                              </m:mr>
-                              <m:mr>
-                                <m:e>
-                                  <m:r>
-                                    <a:rPr lang="en-US" altLang="ko-KR" b="0" i="1" smtClean="0">
-                                      <a:latin typeface="Cambria Math"/>
-                                    </a:rPr>
-                                    <m:t>𝑦</m:t>
-                                  </m:r>
-                                  <m:r>
-                                    <a:rPr lang="en-US" altLang="ko-KR" b="0" i="1" smtClean="0">
-                                      <a:latin typeface="Cambria Math"/>
-                                    </a:rPr>
-                                    <m:t>(</m:t>
-                                  </m:r>
-                                  <m:r>
-                                    <a:rPr lang="en-US" altLang="ko-KR" b="0" i="1" smtClean="0">
-                                      <a:latin typeface="Cambria Math"/>
-                                    </a:rPr>
-                                    <m:t>𝑡</m:t>
-                                  </m:r>
-                                  <m:r>
-                                    <a:rPr lang="en-US" altLang="ko-KR" b="0" i="1" smtClean="0">
-                                      <a:latin typeface="Cambria Math"/>
-                                    </a:rPr>
-                                    <m:t>)</m:t>
-                                  </m:r>
-                                </m:e>
-                              </m:mr>
-                            </m:m>
-                          </m:e>
-                        </m:d>
+                          </m:mPr>
+                          <m:mr>
+                            <m:e>
+                              <m:r>
+                                <m:rPr>
+                                  <m:brk m:alnAt="7"/>
+                                </m:rPr>
+                                <a:rPr lang="en-US" altLang="ko-KR" b="0" i="1" smtClean="0">
+                                  <a:latin typeface="Cambria Math"/>
+                                </a:rPr>
+                                <m:t>𝑥</m:t>
+                              </m:r>
+                              <m:r>
+                                <a:rPr lang="en-US" altLang="ko-KR" b="0" i="1" smtClean="0">
+                                  <a:latin typeface="Cambria Math"/>
+                                </a:rPr>
+                                <m:t>(</m:t>
+                              </m:r>
+                              <m:r>
+                                <a:rPr lang="en-US" altLang="ko-KR" b="0" i="1" smtClean="0">
+                                  <a:latin typeface="Cambria Math"/>
+                                </a:rPr>
+                                <m:t>𝑡</m:t>
+                              </m:r>
+                              <m:r>
+                                <a:rPr lang="en-US" altLang="ko-KR" b="0" i="1" smtClean="0">
+                                  <a:latin typeface="Cambria Math"/>
+                                </a:rPr>
+                                <m:t>)</m:t>
+                              </m:r>
+                            </m:e>
+                          </m:mr>
+                          <m:mr>
+                            <m:e>
+                              <m:r>
+                                <a:rPr lang="en-US" altLang="ko-KR" b="0" i="1" smtClean="0">
+                                  <a:latin typeface="Cambria Math"/>
+                                </a:rPr>
+                                <m:t>𝑦</m:t>
+                              </m:r>
+                              <m:r>
+                                <a:rPr lang="en-US" altLang="ko-KR" b="0" i="1" smtClean="0">
+                                  <a:latin typeface="Cambria Math"/>
+                                </a:rPr>
+                                <m:t>(</m:t>
+                              </m:r>
+                              <m:r>
+                                <a:rPr lang="en-US" altLang="ko-KR" b="0" i="1" smtClean="0">
+                                  <a:latin typeface="Cambria Math"/>
+                                </a:rPr>
+                                <m:t>𝑡</m:t>
+                              </m:r>
+                              <m:r>
+                                <a:rPr lang="en-US" altLang="ko-KR" b="0" i="1" smtClean="0">
+                                  <a:latin typeface="Cambria Math"/>
+                                </a:rPr>
+                                <m:t>)</m:t>
+                              </m:r>
+                            </m:e>
+                          </m:mr>
+                        </m:m>
+                      </m:e>
+                    </m:d>
+                    <m:r>
+                      <a:rPr lang="en-US" altLang="ko-KR" b="0" i="1" smtClean="0">
+                        <a:latin typeface="Cambria Math"/>
+                      </a:rPr>
+                      <m:t>=−</m:t>
+                    </m:r>
+                    <m:f>
+                      <m:fPr>
+                        <m:ctrlPr>
+                          <a:rPr lang="en-US" altLang="ko-KR" b="0" i="1" smtClean="0">
+                            <a:latin typeface="Cambria Math"/>
+                          </a:rPr>
+                        </m:ctrlPr>
+                      </m:fPr>
+                      <m:num>
                         <m:r>
                           <a:rPr lang="en-US" altLang="ko-KR" b="0" i="1" smtClean="0">
                             <a:latin typeface="Cambria Math"/>
                           </a:rPr>
-                          <m:t>=−</m:t>
+                          <m:t>3</m:t>
                         </m:r>
-                        <m:f>
-                          <m:fPr>
+                      </m:num>
+                      <m:den>
+                        <m:r>
+                          <a:rPr lang="en-US" altLang="ko-KR" b="0" i="1" smtClean="0">
+                            <a:latin typeface="Cambria Math"/>
+                          </a:rPr>
+                          <m:t>2</m:t>
+                        </m:r>
+                      </m:den>
+                    </m:f>
+                    <m:d>
+                      <m:dPr>
+                        <m:begChr m:val="["/>
+                        <m:endChr m:val="]"/>
+                        <m:ctrlPr>
+                          <a:rPr lang="en-US" altLang="ko-KR" b="0" i="1" smtClean="0">
+                            <a:latin typeface="Cambria Math"/>
+                          </a:rPr>
+                        </m:ctrlPr>
+                      </m:dPr>
+                      <m:e>
+                        <m:m>
+                          <m:mPr>
+                            <m:mcs>
+                              <m:mc>
+                                <m:mcPr>
+                                  <m:count m:val="1"/>
+                                  <m:mcJc m:val="center"/>
+                                </m:mcPr>
+                              </m:mc>
+                            </m:mcs>
                             <m:ctrlPr>
                               <a:rPr lang="en-US" altLang="ko-KR" b="0" i="1" smtClean="0">
                                 <a:latin typeface="Cambria Math"/>
                               </a:rPr>
                             </m:ctrlPr>
-                          </m:fPr>
-                          <m:num>
-                            <m:r>
-                              <a:rPr lang="en-US" altLang="ko-KR" b="0" i="1" smtClean="0">
-                                <a:latin typeface="Cambria Math"/>
-                              </a:rPr>
-                              <m:t>3</m:t>
-                            </m:r>
-                          </m:num>
-                          <m:den>
-                            <m:r>
-                              <a:rPr lang="en-US" altLang="ko-KR" b="0" i="1" smtClean="0">
-                                <a:latin typeface="Cambria Math"/>
-                              </a:rPr>
-                              <m:t>2</m:t>
-                            </m:r>
-                          </m:den>
-                        </m:f>
-                        <m:d>
-                          <m:dPr>
-                            <m:begChr m:val="["/>
-                            <m:endChr m:val="]"/>
-                            <m:ctrlPr>
-                              <a:rPr lang="en-US" altLang="ko-KR" b="0" i="1" smtClean="0">
-                                <a:latin typeface="Cambria Math"/>
-                              </a:rPr>
-                            </m:ctrlPr>
-                          </m:dPr>
-                          <m:e>
-                            <m:m>
-                              <m:mPr>
-                                <m:mcs>
-                                  <m:mc>
-                                    <m:mcPr>
-                                      <m:count m:val="1"/>
-                                      <m:mcJc m:val="center"/>
-                                    </m:mcPr>
-                                  </m:mc>
-                                </m:mcs>
-                                <m:ctrlPr>
-                                  <a:rPr lang="en-US" altLang="ko-KR" b="0" i="1" smtClean="0">
-                                    <a:latin typeface="Cambria Math"/>
-                                  </a:rPr>
-                                </m:ctrlPr>
-                              </m:mPr>
-                              <m:mr>
-                                <m:e>
-                                  <m:r>
-                                    <m:rPr>
-                                      <m:brk m:alnAt="7"/>
-                                    </m:rPr>
-                                    <a:rPr lang="en-US" altLang="ko-KR" b="0" i="1" smtClean="0">
-                                      <a:latin typeface="Cambria Math"/>
-                                    </a:rPr>
-                                    <m:t>−</m:t>
-                                  </m:r>
-                                  <m:r>
-                                    <a:rPr lang="en-US" altLang="ko-KR" b="0" i="1" smtClean="0">
-                                      <a:latin typeface="Cambria Math"/>
-                                    </a:rPr>
-                                    <m:t>1</m:t>
-                                  </m:r>
-                                </m:e>
-                              </m:mr>
-                              <m:mr>
-                                <m:e>
-                                  <m:r>
-                                    <a:rPr lang="en-US" altLang="ko-KR" b="0" i="1" smtClean="0">
-                                      <a:latin typeface="Cambria Math"/>
-                                    </a:rPr>
-                                    <m:t>1</m:t>
-                                  </m:r>
-                                </m:e>
-                              </m:mr>
-                            </m:m>
-                          </m:e>
-                        </m:d>
-                        <m:sSup>
-                          <m:sSupPr>
-                            <m:ctrlPr>
-                              <a:rPr lang="en-US" altLang="ko-KR" b="0" i="1" smtClean="0">
-                                <a:latin typeface="Cambria Math"/>
-                              </a:rPr>
-                            </m:ctrlPr>
-                          </m:sSupPr>
-                          <m:e>
-                            <m:r>
-                              <a:rPr lang="en-US" altLang="ko-KR" b="0" i="1" smtClean="0">
-                                <a:latin typeface="Cambria Math"/>
-                              </a:rPr>
-                              <m:t>𝑒</m:t>
-                            </m:r>
-                          </m:e>
-                          <m:sup>
-                            <m:r>
-                              <a:rPr lang="en-US" altLang="ko-KR" b="0" i="1" smtClean="0">
-                                <a:latin typeface="Cambria Math"/>
-                              </a:rPr>
-                              <m:t>−</m:t>
-                            </m:r>
-                            <m:r>
-                              <a:rPr lang="en-US" altLang="ko-KR" b="0" i="1" smtClean="0">
-                                <a:latin typeface="Cambria Math"/>
-                              </a:rPr>
-                              <m:t>𝑡</m:t>
-                            </m:r>
-                          </m:sup>
-                        </m:sSup>
+                          </m:mPr>
+                          <m:mr>
+                            <m:e>
+                              <m:r>
+                                <m:rPr>
+                                  <m:brk m:alnAt="7"/>
+                                </m:rPr>
+                                <a:rPr lang="en-US" altLang="ko-KR" b="0" i="1" smtClean="0">
+                                  <a:latin typeface="Cambria Math"/>
+                                </a:rPr>
+                                <m:t>−</m:t>
+                              </m:r>
+                              <m:r>
+                                <a:rPr lang="en-US" altLang="ko-KR" b="0" i="1" smtClean="0">
+                                  <a:latin typeface="Cambria Math"/>
+                                </a:rPr>
+                                <m:t>1</m:t>
+                              </m:r>
+                            </m:e>
+                          </m:mr>
+                          <m:mr>
+                            <m:e>
+                              <m:r>
+                                <a:rPr lang="en-US" altLang="ko-KR" b="0" i="1" smtClean="0">
+                                  <a:latin typeface="Cambria Math"/>
+                                </a:rPr>
+                                <m:t>1</m:t>
+                              </m:r>
+                            </m:e>
+                          </m:mr>
+                        </m:m>
+                      </m:e>
+                    </m:d>
+                    <m:sSup>
+                      <m:sSupPr>
+                        <m:ctrlPr>
+                          <a:rPr lang="en-US" altLang="ko-KR" b="0" i="1" smtClean="0">
+                            <a:latin typeface="Cambria Math"/>
+                          </a:rPr>
+                        </m:ctrlPr>
+                      </m:sSupPr>
+                      <m:e>
                         <m:r>
                           <a:rPr lang="en-US" altLang="ko-KR" b="0" i="1" smtClean="0">
                             <a:latin typeface="Cambria Math"/>
                           </a:rPr>
-                          <m:t>+</m:t>
+                          <m:t>𝑒</m:t>
                         </m:r>
-                        <m:f>
-                          <m:fPr>
+                      </m:e>
+                      <m:sup>
+                        <m:r>
+                          <a:rPr lang="en-US" altLang="ko-KR" b="0" i="1" smtClean="0">
+                            <a:latin typeface="Cambria Math"/>
+                          </a:rPr>
+                          <m:t>−</m:t>
+                        </m:r>
+                        <m:r>
+                          <a:rPr lang="en-US" altLang="ko-KR" b="0" i="1" smtClean="0">
+                            <a:latin typeface="Cambria Math"/>
+                          </a:rPr>
+                          <m:t>𝑡</m:t>
+                        </m:r>
+                      </m:sup>
+                    </m:sSup>
+                    <m:r>
+                      <a:rPr lang="en-US" altLang="ko-KR" b="0" i="1" smtClean="0">
+                        <a:latin typeface="Cambria Math"/>
+                      </a:rPr>
+                      <m:t>+</m:t>
+                    </m:r>
+                    <m:f>
+                      <m:fPr>
+                        <m:ctrlPr>
+                          <a:rPr lang="en-US" altLang="ko-KR" i="1">
+                            <a:latin typeface="Cambria Math"/>
+                          </a:rPr>
+                        </m:ctrlPr>
+                      </m:fPr>
+                      <m:num>
+                        <m:r>
+                          <a:rPr lang="en-US" altLang="ko-KR" b="0" i="1" smtClean="0">
+                            <a:latin typeface="Cambria Math"/>
+                          </a:rPr>
+                          <m:t>1</m:t>
+                        </m:r>
+                      </m:num>
+                      <m:den>
+                        <m:r>
+                          <a:rPr lang="en-US" altLang="ko-KR" i="1">
+                            <a:latin typeface="Cambria Math"/>
+                          </a:rPr>
+                          <m:t>2</m:t>
+                        </m:r>
+                      </m:den>
+                    </m:f>
+                    <m:d>
+                      <m:dPr>
+                        <m:begChr m:val="["/>
+                        <m:endChr m:val="]"/>
+                        <m:ctrlPr>
+                          <a:rPr lang="en-US" altLang="ko-KR" i="1">
+                            <a:latin typeface="Cambria Math"/>
+                          </a:rPr>
+                        </m:ctrlPr>
+                      </m:dPr>
+                      <m:e>
+                        <m:m>
+                          <m:mPr>
+                            <m:mcs>
+                              <m:mc>
+                                <m:mcPr>
+                                  <m:count m:val="1"/>
+                                  <m:mcJc m:val="center"/>
+                                </m:mcPr>
+                              </m:mc>
+                            </m:mcs>
                             <m:ctrlPr>
                               <a:rPr lang="en-US" altLang="ko-KR" i="1">
                                 <a:latin typeface="Cambria Math"/>
                               </a:rPr>
                             </m:ctrlPr>
-                          </m:fPr>
-                          <m:num>
-                            <m:r>
-                              <a:rPr lang="en-US" altLang="ko-KR" b="0" i="1" smtClean="0">
-                                <a:latin typeface="Cambria Math"/>
-                              </a:rPr>
-                              <m:t>1</m:t>
-                            </m:r>
-                          </m:num>
-                          <m:den>
-                            <m:r>
-                              <a:rPr lang="en-US" altLang="ko-KR" i="1">
-                                <a:latin typeface="Cambria Math"/>
-                              </a:rPr>
-                              <m:t>2</m:t>
-                            </m:r>
-                          </m:den>
-                        </m:f>
-                        <m:d>
-                          <m:dPr>
-                            <m:begChr m:val="["/>
-                            <m:endChr m:val="]"/>
-                            <m:ctrlPr>
-                              <a:rPr lang="en-US" altLang="ko-KR" i="1">
-                                <a:latin typeface="Cambria Math"/>
-                              </a:rPr>
-                            </m:ctrlPr>
-                          </m:dPr>
-                          <m:e>
-                            <m:m>
-                              <m:mPr>
-                                <m:mcs>
-                                  <m:mc>
-                                    <m:mcPr>
-                                      <m:count m:val="1"/>
-                                      <m:mcJc m:val="center"/>
-                                    </m:mcPr>
-                                  </m:mc>
-                                </m:mcs>
-                                <m:ctrlPr>
-                                  <a:rPr lang="en-US" altLang="ko-KR" i="1">
-                                    <a:latin typeface="Cambria Math"/>
-                                  </a:rPr>
-                                </m:ctrlPr>
-                              </m:mPr>
-                              <m:mr>
-                                <m:e>
-                                  <m:r>
-                                    <a:rPr lang="en-US" altLang="ko-KR" i="1">
-                                      <a:latin typeface="Cambria Math"/>
-                                    </a:rPr>
-                                    <m:t>1</m:t>
-                                  </m:r>
-                                </m:e>
-                              </m:mr>
-                              <m:mr>
-                                <m:e>
-                                  <m:r>
-                                    <a:rPr lang="en-US" altLang="ko-KR" i="1">
-                                      <a:latin typeface="Cambria Math"/>
-                                    </a:rPr>
-                                    <m:t>1</m:t>
-                                  </m:r>
-                                </m:e>
-                              </m:mr>
-                            </m:m>
-                          </m:e>
-                        </m:d>
-                        <m:sSup>
-                          <m:sSupPr>
-                            <m:ctrlPr>
-                              <a:rPr lang="en-US" altLang="ko-KR" i="1">
-                                <a:latin typeface="Cambria Math"/>
-                              </a:rPr>
-                            </m:ctrlPr>
-                          </m:sSupPr>
-                          <m:e>
-                            <m:r>
-                              <a:rPr lang="en-US" altLang="ko-KR" i="1">
-                                <a:latin typeface="Cambria Math"/>
-                              </a:rPr>
-                              <m:t>𝑒</m:t>
-                            </m:r>
-                          </m:e>
-                          <m:sup>
-                            <m:r>
-                              <a:rPr lang="en-US" altLang="ko-KR" i="1">
-                                <a:latin typeface="Cambria Math"/>
-                              </a:rPr>
-                              <m:t>𝑡</m:t>
-                            </m:r>
-                          </m:sup>
-                        </m:sSup>
-                      </m:oMath>
-                    </a14:m>
-                    <a:endParaRPr lang="ko-KR" altLang="en-US" dirty="0"/>
-                  </a:p>
-                </p:txBody>
-              </p:sp>
-            </mc:Choice>
-            <mc:Fallback xmlns="">
-              <p:sp>
-                <p:nvSpPr>
-                  <p:cNvPr id="5" name="TextBox 4"/>
-                  <p:cNvSpPr txBox="1">
-                    <a:spLocks noRot="1" noChangeAspect="1" noMove="1" noResize="1" noEditPoints="1" noAdjustHandles="1" noChangeArrowheads="1" noChangeShapeType="1" noTextEdit="1"/>
-                  </p:cNvSpPr>
-                  <p:nvPr/>
-                </p:nvSpPr>
-                <p:spPr>
-                  <a:xfrm>
-                    <a:off x="2309943" y="1302647"/>
-                    <a:ext cx="3380220" cy="641266"/>
-                  </a:xfrm>
-                  <a:prstGeom prst="rect">
-                    <a:avLst/>
-                  </a:prstGeom>
-                  <a:blipFill rotWithShape="1">
-                    <a:blip r:embed="rId8"/>
-                    <a:stretch>
-                      <a:fillRect l="-1441"/>
-                    </a:stretch>
-                  </a:blipFill>
-                </p:spPr>
-                <p:txBody>
-                  <a:bodyPr/>
-                  <a:lstStyle/>
-                  <a:p>
-                    <a:r>
-                      <a:rPr lang="ko-KR" altLang="en-US">
-                        <a:noFill/>
-                      </a:rPr>
-                      <a:t> </a:t>
-                    </a:r>
-                  </a:p>
-                </p:txBody>
-              </p:sp>
-            </mc:Fallback>
-          </mc:AlternateContent>
-          <p:cxnSp>
-            <p:nvCxnSpPr>
-              <p:cNvPr id="11" name="직선 연결선 10"/>
-              <p:cNvCxnSpPr/>
+                          </m:mPr>
+                          <m:mr>
+                            <m:e>
+                              <m:r>
+                                <a:rPr lang="en-US" altLang="ko-KR" i="1">
+                                  <a:latin typeface="Cambria Math"/>
+                                </a:rPr>
+                                <m:t>1</m:t>
+                              </m:r>
+                            </m:e>
+                          </m:mr>
+                          <m:mr>
+                            <m:e>
+                              <m:r>
+                                <a:rPr lang="en-US" altLang="ko-KR" i="1">
+                                  <a:latin typeface="Cambria Math"/>
+                                </a:rPr>
+                                <m:t>1</m:t>
+                              </m:r>
+                            </m:e>
+                          </m:mr>
+                        </m:m>
+                      </m:e>
+                    </m:d>
+                    <m:sSup>
+                      <m:sSupPr>
+                        <m:ctrlPr>
+                          <a:rPr lang="en-US" altLang="ko-KR" i="1">
+                            <a:latin typeface="Cambria Math"/>
+                          </a:rPr>
+                        </m:ctrlPr>
+                      </m:sSupPr>
+                      <m:e>
+                        <m:r>
+                          <a:rPr lang="en-US" altLang="ko-KR" i="1">
+                            <a:latin typeface="Cambria Math"/>
+                          </a:rPr>
+                          <m:t>𝑒</m:t>
+                        </m:r>
+                      </m:e>
+                      <m:sup>
+                        <m:r>
+                          <a:rPr lang="en-US" altLang="ko-KR" i="1">
+                            <a:latin typeface="Cambria Math"/>
+                          </a:rPr>
+                          <m:t>𝑡</m:t>
+                        </m:r>
+                      </m:sup>
+                    </m:sSup>
+                  </m:oMath>
+                </a14:m>
+                <a:endParaRPr lang="ko-KR" altLang="en-US" dirty="0"/>
+              </a:p>
+            </p:txBody>
+          </p:sp>
+        </mc:Choice>
+        <mc:Fallback>
+          <p:sp>
+            <p:nvSpPr>
+              <p:cNvPr id="5" name="TextBox 4"/>
+              <p:cNvSpPr txBox="1">
+                <a:spLocks noRot="1" noChangeAspect="1" noMove="1" noResize="1" noEditPoints="1" noAdjustHandles="1" noChangeArrowheads="1" noChangeShapeType="1" noTextEdit="1"/>
+              </p:cNvSpPr>
               <p:nvPr/>
-            </p:nvCxnSpPr>
+            </p:nvSpPr>
             <p:spPr>
               <a:xfrm>
-                <a:off x="1949903" y="1661033"/>
-                <a:ext cx="360040" cy="0"/>
+                <a:off x="3872570" y="4209745"/>
+                <a:ext cx="3380220" cy="641266"/>
               </a:xfrm>
-              <a:prstGeom prst="line">
+              <a:prstGeom prst="rect">
                 <a:avLst/>
               </a:prstGeom>
-              <a:ln w="38100">
-                <a:solidFill>
-                  <a:srgbClr val="FF0000"/>
-                </a:solidFill>
-              </a:ln>
+              <a:blipFill rotWithShape="1">
+                <a:blip r:embed="rId8"/>
+                <a:stretch>
+                  <a:fillRect l="-1441"/>
+                </a:stretch>
+              </a:blipFill>
             </p:spPr>
-            <p:style>
-              <a:lnRef idx="1">
-                <a:schemeClr val="accent1"/>
-              </a:lnRef>
-              <a:fillRef idx="0">
-                <a:schemeClr val="accent1"/>
-              </a:fillRef>
-              <a:effectRef idx="0">
-                <a:schemeClr val="accent1"/>
-              </a:effectRef>
-              <a:fontRef idx="minor">
-                <a:schemeClr val="tx1"/>
-              </a:fontRef>
-            </p:style>
-          </p:cxnSp>
-        </p:grpSp>
-      </p:grpSp>
+            <p:txBody>
+              <a:bodyPr/>
+              <a:lstStyle/>
+              <a:p>
+                <a:r>
+                  <a:rPr lang="ko-KR" altLang="en-US">
+                    <a:noFill/>
+                  </a:rPr>
+                  <a:t> </a:t>
+                </a:r>
+              </a:p>
+            </p:txBody>
+          </p:sp>
+        </mc:Fallback>
+      </mc:AlternateContent>
+      <p:cxnSp>
+        <p:nvCxnSpPr>
+          <p:cNvPr id="11" name="직선 연결선 10"/>
+          <p:cNvCxnSpPr/>
+          <p:nvPr/>
+        </p:nvCxnSpPr>
+        <p:spPr>
+          <a:xfrm>
+            <a:off x="3512530" y="4530378"/>
+            <a:ext cx="360040" cy="0"/>
+          </a:xfrm>
+          <a:prstGeom prst="line">
+            <a:avLst/>
+          </a:prstGeom>
+          <a:ln w="38100">
+            <a:solidFill>
+              <a:srgbClr val="FF0000"/>
+            </a:solidFill>
+          </a:ln>
+        </p:spPr>
+        <p:style>
+          <a:lnRef idx="1">
+            <a:schemeClr val="accent1"/>
+          </a:lnRef>
+          <a:fillRef idx="0">
+            <a:schemeClr val="accent1"/>
+          </a:fillRef>
+          <a:effectRef idx="0">
+            <a:schemeClr val="accent1"/>
+          </a:effectRef>
+          <a:fontRef idx="minor">
+            <a:schemeClr val="tx1"/>
+          </a:fontRef>
+        </p:style>
+      </p:cxnSp>
     </p:spTree>
     <p:extLst>
       <p:ext uri="{BB962C8B-B14F-4D97-AF65-F5344CB8AC3E}">

--- a/pics/2021-05-12-phase_plane/pics.pptx
+++ b/pics/2021-05-12-phase_plane/pics.pptx
@@ -5,7 +5,7 @@
     <p:sldMasterId id="2147483648" r:id="rId1"/>
   </p:sldMasterIdLst>
   <p:notesMasterIdLst>
-    <p:notesMasterId r:id="rId8"/>
+    <p:notesMasterId r:id="rId9"/>
   </p:notesMasterIdLst>
   <p:sldIdLst>
     <p:sldId id="256" r:id="rId2"/>
@@ -14,6 +14,7 @@
     <p:sldId id="259" r:id="rId5"/>
     <p:sldId id="260" r:id="rId6"/>
     <p:sldId id="261" r:id="rId7"/>
+    <p:sldId id="262" r:id="rId8"/>
   </p:sldIdLst>
   <p:sldSz cx="9144000" cy="6858000" type="screen4x3"/>
   <p:notesSz cx="6858000" cy="9144000"/>
@@ -197,7 +198,7 @@
           <a:p>
             <a:fld id="{57DB3EF5-7569-4EDB-9E86-E8DF12D1AC4B}" type="datetimeFigureOut">
               <a:rPr lang="ko-KR" altLang="en-US" smtClean="0"/>
-              <a:t>2021-05-20</a:t>
+              <a:t>2021-06-17</a:t>
             </a:fld>
             <a:endParaRPr lang="ko-KR" altLang="en-US"/>
           </a:p>
@@ -646,7 +647,7 @@
           <a:p>
             <a:fld id="{FB30EDBD-1C2D-4C1E-B459-B60219FAB484}" type="datetimeFigureOut">
               <a:rPr lang="ko-KR" altLang="en-US" smtClean="0"/>
-              <a:t>2021-05-20</a:t>
+              <a:t>2021-06-17</a:t>
             </a:fld>
             <a:endParaRPr lang="ko-KR" altLang="en-US"/>
           </a:p>
@@ -811,7 +812,7 @@
           <a:p>
             <a:fld id="{FB30EDBD-1C2D-4C1E-B459-B60219FAB484}" type="datetimeFigureOut">
               <a:rPr lang="ko-KR" altLang="en-US" smtClean="0"/>
-              <a:t>2021-05-20</a:t>
+              <a:t>2021-06-17</a:t>
             </a:fld>
             <a:endParaRPr lang="ko-KR" altLang="en-US"/>
           </a:p>
@@ -986,7 +987,7 @@
           <a:p>
             <a:fld id="{FB30EDBD-1C2D-4C1E-B459-B60219FAB484}" type="datetimeFigureOut">
               <a:rPr lang="ko-KR" altLang="en-US" smtClean="0"/>
-              <a:t>2021-05-20</a:t>
+              <a:t>2021-06-17</a:t>
             </a:fld>
             <a:endParaRPr lang="ko-KR" altLang="en-US"/>
           </a:p>
@@ -1151,7 +1152,7 @@
           <a:p>
             <a:fld id="{FB30EDBD-1C2D-4C1E-B459-B60219FAB484}" type="datetimeFigureOut">
               <a:rPr lang="ko-KR" altLang="en-US" smtClean="0"/>
-              <a:t>2021-05-20</a:t>
+              <a:t>2021-06-17</a:t>
             </a:fld>
             <a:endParaRPr lang="ko-KR" altLang="en-US"/>
           </a:p>
@@ -1392,7 +1393,7 @@
           <a:p>
             <a:fld id="{FB30EDBD-1C2D-4C1E-B459-B60219FAB484}" type="datetimeFigureOut">
               <a:rPr lang="ko-KR" altLang="en-US" smtClean="0"/>
-              <a:t>2021-05-20</a:t>
+              <a:t>2021-06-17</a:t>
             </a:fld>
             <a:endParaRPr lang="ko-KR" altLang="en-US"/>
           </a:p>
@@ -1675,7 +1676,7 @@
           <a:p>
             <a:fld id="{FB30EDBD-1C2D-4C1E-B459-B60219FAB484}" type="datetimeFigureOut">
               <a:rPr lang="ko-KR" altLang="en-US" smtClean="0"/>
-              <a:t>2021-05-20</a:t>
+              <a:t>2021-06-17</a:t>
             </a:fld>
             <a:endParaRPr lang="ko-KR" altLang="en-US"/>
           </a:p>
@@ -2092,7 +2093,7 @@
           <a:p>
             <a:fld id="{FB30EDBD-1C2D-4C1E-B459-B60219FAB484}" type="datetimeFigureOut">
               <a:rPr lang="ko-KR" altLang="en-US" smtClean="0"/>
-              <a:t>2021-05-20</a:t>
+              <a:t>2021-06-17</a:t>
             </a:fld>
             <a:endParaRPr lang="ko-KR" altLang="en-US"/>
           </a:p>
@@ -2205,7 +2206,7 @@
           <a:p>
             <a:fld id="{FB30EDBD-1C2D-4C1E-B459-B60219FAB484}" type="datetimeFigureOut">
               <a:rPr lang="ko-KR" altLang="en-US" smtClean="0"/>
-              <a:t>2021-05-20</a:t>
+              <a:t>2021-06-17</a:t>
             </a:fld>
             <a:endParaRPr lang="ko-KR" altLang="en-US"/>
           </a:p>
@@ -2295,7 +2296,7 @@
           <a:p>
             <a:fld id="{FB30EDBD-1C2D-4C1E-B459-B60219FAB484}" type="datetimeFigureOut">
               <a:rPr lang="ko-KR" altLang="en-US" smtClean="0"/>
-              <a:t>2021-05-20</a:t>
+              <a:t>2021-06-17</a:t>
             </a:fld>
             <a:endParaRPr lang="ko-KR" altLang="en-US"/>
           </a:p>
@@ -2567,7 +2568,7 @@
           <a:p>
             <a:fld id="{FB30EDBD-1C2D-4C1E-B459-B60219FAB484}" type="datetimeFigureOut">
               <a:rPr lang="ko-KR" altLang="en-US" smtClean="0"/>
-              <a:t>2021-05-20</a:t>
+              <a:t>2021-06-17</a:t>
             </a:fld>
             <a:endParaRPr lang="ko-KR" altLang="en-US"/>
           </a:p>
@@ -2815,7 +2816,7 @@
           <a:p>
             <a:fld id="{FB30EDBD-1C2D-4C1E-B459-B60219FAB484}" type="datetimeFigureOut">
               <a:rPr lang="ko-KR" altLang="en-US" smtClean="0"/>
-              <a:t>2021-05-20</a:t>
+              <a:t>2021-06-17</a:t>
             </a:fld>
             <a:endParaRPr lang="ko-KR" altLang="en-US"/>
           </a:p>
@@ -3023,7 +3024,7 @@
           <a:p>
             <a:fld id="{FB30EDBD-1C2D-4C1E-B459-B60219FAB484}" type="datetimeFigureOut">
               <a:rPr lang="ko-KR" altLang="en-US" smtClean="0"/>
-              <a:t>2021-05-20</a:t>
+              <a:t>2021-06-17</a:t>
             </a:fld>
             <a:endParaRPr lang="ko-KR" altLang="en-US"/>
           </a:p>
@@ -5685,8 +5686,8 @@
           </a:extLst>
         </p:spPr>
       </p:pic>
-      <mc:AlternateContent xmlns:mc="http://schemas.openxmlformats.org/markup-compatibility/2006">
-        <mc:Choice xmlns:a14="http://schemas.microsoft.com/office/drawing/2010/main" Requires="a14">
+      <mc:AlternateContent xmlns:mc="http://schemas.openxmlformats.org/markup-compatibility/2006" xmlns:a14="http://schemas.microsoft.com/office/drawing/2010/main">
+        <mc:Choice Requires="a14">
           <p:sp>
             <p:nvSpPr>
               <p:cNvPr id="4" name="TextBox 3"/>
@@ -5743,7 +5744,7 @@
             </p:txBody>
           </p:sp>
         </mc:Choice>
-        <mc:Fallback>
+        <mc:Fallback xmlns="">
           <p:sp>
             <p:nvSpPr>
               <p:cNvPr id="4" name="TextBox 3"/>
@@ -5787,8 +5788,8 @@
           </p:sp>
         </mc:Fallback>
       </mc:AlternateContent>
-      <mc:AlternateContent xmlns:mc="http://schemas.openxmlformats.org/markup-compatibility/2006">
-        <mc:Choice xmlns:a14="http://schemas.microsoft.com/office/drawing/2010/main" Requires="a14">
+      <mc:AlternateContent xmlns:mc="http://schemas.openxmlformats.org/markup-compatibility/2006" xmlns:a14="http://schemas.microsoft.com/office/drawing/2010/main">
+        <mc:Choice Requires="a14">
           <p:sp>
             <p:nvSpPr>
               <p:cNvPr id="6" name="TextBox 5"/>
@@ -5845,7 +5846,7 @@
             </p:txBody>
           </p:sp>
         </mc:Choice>
-        <mc:Fallback>
+        <mc:Fallback xmlns="">
           <p:sp>
             <p:nvSpPr>
               <p:cNvPr id="6" name="TextBox 5"/>
@@ -5889,8 +5890,8 @@
           </p:sp>
         </mc:Fallback>
       </mc:AlternateContent>
-      <mc:AlternateContent xmlns:mc="http://schemas.openxmlformats.org/markup-compatibility/2006">
-        <mc:Choice xmlns:a14="http://schemas.microsoft.com/office/drawing/2010/main" Requires="a14">
+      <mc:AlternateContent xmlns:mc="http://schemas.openxmlformats.org/markup-compatibility/2006" xmlns:a14="http://schemas.microsoft.com/office/drawing/2010/main">
+        <mc:Choice Requires="a14">
           <p:sp>
             <p:nvSpPr>
               <p:cNvPr id="7" name="TextBox 6"/>
@@ -5945,7 +5946,7 @@
             </p:txBody>
           </p:sp>
         </mc:Choice>
-        <mc:Fallback>
+        <mc:Fallback xmlns="">
           <p:sp>
             <p:nvSpPr>
               <p:cNvPr id="7" name="TextBox 6"/>
@@ -5989,8 +5990,8 @@
           </p:sp>
         </mc:Fallback>
       </mc:AlternateContent>
-      <mc:AlternateContent xmlns:mc="http://schemas.openxmlformats.org/markup-compatibility/2006">
-        <mc:Choice xmlns:a14="http://schemas.microsoft.com/office/drawing/2010/main" Requires="a14">
+      <mc:AlternateContent xmlns:mc="http://schemas.openxmlformats.org/markup-compatibility/2006" xmlns:a14="http://schemas.microsoft.com/office/drawing/2010/main">
+        <mc:Choice Requires="a14">
           <p:sp>
             <p:nvSpPr>
               <p:cNvPr id="8" name="TextBox 7"/>
@@ -6045,7 +6046,7 @@
             </p:txBody>
           </p:sp>
         </mc:Choice>
-        <mc:Fallback>
+        <mc:Fallback xmlns="">
           <p:sp>
             <p:nvSpPr>
               <p:cNvPr id="8" name="TextBox 7"/>
@@ -6089,8 +6090,8 @@
           </p:sp>
         </mc:Fallback>
       </mc:AlternateContent>
-      <mc:AlternateContent xmlns:mc="http://schemas.openxmlformats.org/markup-compatibility/2006">
-        <mc:Choice xmlns:a14="http://schemas.microsoft.com/office/drawing/2010/main" Requires="a14">
+      <mc:AlternateContent xmlns:mc="http://schemas.openxmlformats.org/markup-compatibility/2006" xmlns:a14="http://schemas.microsoft.com/office/drawing/2010/main">
+        <mc:Choice Requires="a14">
           <p:sp>
             <p:nvSpPr>
               <p:cNvPr id="9" name="TextBox 8"/>
@@ -6145,7 +6146,7 @@
             </p:txBody>
           </p:sp>
         </mc:Choice>
-        <mc:Fallback>
+        <mc:Fallback xmlns="">
           <p:sp>
             <p:nvSpPr>
               <p:cNvPr id="9" name="TextBox 8"/>
@@ -6237,8 +6238,8 @@
           </a:p>
         </p:txBody>
       </p:sp>
-      <mc:AlternateContent xmlns:mc="http://schemas.openxmlformats.org/markup-compatibility/2006">
-        <mc:Choice xmlns:a14="http://schemas.microsoft.com/office/drawing/2010/main" Requires="a14">
+      <mc:AlternateContent xmlns:mc="http://schemas.openxmlformats.org/markup-compatibility/2006" xmlns:a14="http://schemas.microsoft.com/office/drawing/2010/main">
+        <mc:Choice Requires="a14">
           <p:sp>
             <p:nvSpPr>
               <p:cNvPr id="5" name="TextBox 4"/>
@@ -6590,7 +6591,7 @@
             </p:txBody>
           </p:sp>
         </mc:Choice>
-        <mc:Fallback>
+        <mc:Fallback xmlns="">
           <p:sp>
             <p:nvSpPr>
               <p:cNvPr id="5" name="TextBox 4"/>
@@ -6668,6 +6669,100 @@
     <p:extLst>
       <p:ext uri="{BB962C8B-B14F-4D97-AF65-F5344CB8AC3E}">
         <p14:creationId xmlns:p14="http://schemas.microsoft.com/office/powerpoint/2010/main" val="1164937085"/>
+      </p:ext>
+    </p:extLst>
+  </p:cSld>
+  <p:clrMapOvr>
+    <a:masterClrMapping/>
+  </p:clrMapOvr>
+</p:sld>
+</file>
+
+<file path=ppt/slides/slide7.xml><?xml version="1.0" encoding="utf-8"?>
+<p:sld xmlns:a="http://schemas.openxmlformats.org/drawingml/2006/main" xmlns:r="http://schemas.openxmlformats.org/officeDocument/2006/relationships" xmlns:p="http://schemas.openxmlformats.org/presentationml/2006/main">
+  <p:cSld>
+    <p:spTree>
+      <p:nvGrpSpPr>
+        <p:cNvPr id="1" name=""/>
+        <p:cNvGrpSpPr/>
+        <p:nvPr/>
+      </p:nvGrpSpPr>
+      <p:grpSpPr>
+        <a:xfrm>
+          <a:off x="0" y="0"/>
+          <a:ext cx="0" cy="0"/>
+          <a:chOff x="0" y="0"/>
+          <a:chExt cx="0" cy="0"/>
+        </a:xfrm>
+      </p:grpSpPr>
+      <p:pic>
+        <p:nvPicPr>
+          <p:cNvPr id="1026" name="Picture 2"/>
+          <p:cNvPicPr>
+            <a:picLocks noChangeAspect="1" noChangeArrowheads="1"/>
+          </p:cNvPicPr>
+          <p:nvPr/>
+        </p:nvPicPr>
+        <p:blipFill>
+          <a:blip r:embed="rId2">
+            <a:extLst>
+              <a:ext uri="{28A0092B-C50C-407E-A947-70E740481C1C}">
+                <a14:useLocalDpi xmlns:a14="http://schemas.microsoft.com/office/drawing/2010/main" val="0"/>
+              </a:ext>
+            </a:extLst>
+          </a:blip>
+          <a:srcRect/>
+          <a:stretch>
+            <a:fillRect/>
+          </a:stretch>
+        </p:blipFill>
+        <p:spPr bwMode="auto">
+          <a:xfrm>
+            <a:off x="1909763" y="1433513"/>
+            <a:ext cx="5324475" cy="3990975"/>
+          </a:xfrm>
+          <a:prstGeom prst="rect">
+            <a:avLst/>
+          </a:prstGeom>
+          <a:noFill/>
+          <a:ln>
+            <a:noFill/>
+          </a:ln>
+          <a:effectLst/>
+          <a:extLst>
+            <a:ext uri="{909E8E84-426E-40DD-AFC4-6F175D3DCCD1}">
+              <a14:hiddenFill xmlns:a14="http://schemas.microsoft.com/office/drawing/2010/main">
+                <a:solidFill>
+                  <a:schemeClr val="accent1"/>
+                </a:solidFill>
+              </a14:hiddenFill>
+            </a:ext>
+            <a:ext uri="{91240B29-F687-4F45-9708-019B960494DF}">
+              <a14:hiddenLine xmlns:a14="http://schemas.microsoft.com/office/drawing/2010/main" w="9525">
+                <a:solidFill>
+                  <a:schemeClr val="tx1"/>
+                </a:solidFill>
+                <a:miter lim="800000"/>
+                <a:headEnd/>
+                <a:tailEnd/>
+              </a14:hiddenLine>
+            </a:ext>
+            <a:ext uri="{AF507438-7753-43E0-B8FC-AC1667EBCBE1}">
+              <a14:hiddenEffects xmlns:a14="http://schemas.microsoft.com/office/drawing/2010/main">
+                <a:effectLst>
+                  <a:outerShdw dist="35921" dir="2700000" algn="ctr" rotWithShape="0">
+                    <a:schemeClr val="bg2"/>
+                  </a:outerShdw>
+                </a:effectLst>
+              </a14:hiddenEffects>
+            </a:ext>
+          </a:extLst>
+        </p:spPr>
+      </p:pic>
+    </p:spTree>
+    <p:extLst>
+      <p:ext uri="{BB962C8B-B14F-4D97-AF65-F5344CB8AC3E}">
+        <p14:creationId xmlns:p14="http://schemas.microsoft.com/office/powerpoint/2010/main" val="1879944839"/>
       </p:ext>
     </p:extLst>
   </p:cSld>

--- a/pics/2021-05-12-phase_plane/pics.pptx
+++ b/pics/2021-05-12-phase_plane/pics.pptx
@@ -5,7 +5,7 @@
     <p:sldMasterId id="2147483648" r:id="rId1"/>
   </p:sldMasterIdLst>
   <p:notesMasterIdLst>
-    <p:notesMasterId r:id="rId9"/>
+    <p:notesMasterId r:id="rId10"/>
   </p:notesMasterIdLst>
   <p:sldIdLst>
     <p:sldId id="256" r:id="rId2"/>
@@ -15,6 +15,7 @@
     <p:sldId id="260" r:id="rId6"/>
     <p:sldId id="261" r:id="rId7"/>
     <p:sldId id="262" r:id="rId8"/>
+    <p:sldId id="263" r:id="rId9"/>
   </p:sldIdLst>
   <p:sldSz cx="9144000" cy="6858000" type="screen4x3"/>
   <p:notesSz cx="6858000" cy="9144000"/>
@@ -6772,6 +6773,376 @@
 </p:sld>
 </file>
 
+<file path=ppt/slides/slide8.xml><?xml version="1.0" encoding="utf-8"?>
+<p:sld xmlns:a="http://schemas.openxmlformats.org/drawingml/2006/main" xmlns:r="http://schemas.openxmlformats.org/officeDocument/2006/relationships" xmlns:p="http://schemas.openxmlformats.org/presentationml/2006/main">
+  <p:cSld>
+    <p:spTree>
+      <p:nvGrpSpPr>
+        <p:cNvPr id="1" name=""/>
+        <p:cNvGrpSpPr/>
+        <p:nvPr/>
+      </p:nvGrpSpPr>
+      <p:grpSpPr>
+        <a:xfrm>
+          <a:off x="0" y="0"/>
+          <a:ext cx="0" cy="0"/>
+          <a:chOff x="0" y="0"/>
+          <a:chExt cx="0" cy="0"/>
+        </a:xfrm>
+      </p:grpSpPr>
+      <p:pic>
+        <p:nvPicPr>
+          <p:cNvPr id="1026" name="Picture 2"/>
+          <p:cNvPicPr>
+            <a:picLocks noChangeAspect="1" noChangeArrowheads="1"/>
+          </p:cNvPicPr>
+          <p:nvPr/>
+        </p:nvPicPr>
+        <p:blipFill>
+          <a:blip r:embed="rId2">
+            <a:extLst>
+              <a:ext uri="{28A0092B-C50C-407E-A947-70E740481C1C}">
+                <a14:useLocalDpi xmlns:a14="http://schemas.microsoft.com/office/drawing/2010/main" val="0"/>
+              </a:ext>
+            </a:extLst>
+          </a:blip>
+          <a:srcRect/>
+          <a:stretch>
+            <a:fillRect/>
+          </a:stretch>
+        </p:blipFill>
+        <p:spPr bwMode="auto">
+          <a:xfrm>
+            <a:off x="1909763" y="1433513"/>
+            <a:ext cx="5324475" cy="3990975"/>
+          </a:xfrm>
+          <a:prstGeom prst="rect">
+            <a:avLst/>
+          </a:prstGeom>
+          <a:noFill/>
+          <a:ln>
+            <a:noFill/>
+          </a:ln>
+          <a:effectLst/>
+          <a:extLst>
+            <a:ext uri="{909E8E84-426E-40DD-AFC4-6F175D3DCCD1}">
+              <a14:hiddenFill xmlns:a14="http://schemas.microsoft.com/office/drawing/2010/main">
+                <a:solidFill>
+                  <a:schemeClr val="accent1"/>
+                </a:solidFill>
+              </a14:hiddenFill>
+            </a:ext>
+            <a:ext uri="{91240B29-F687-4F45-9708-019B960494DF}">
+              <a14:hiddenLine xmlns:a14="http://schemas.microsoft.com/office/drawing/2010/main" w="9525">
+                <a:solidFill>
+                  <a:schemeClr val="tx1"/>
+                </a:solidFill>
+                <a:miter lim="800000"/>
+                <a:headEnd/>
+                <a:tailEnd/>
+              </a14:hiddenLine>
+            </a:ext>
+            <a:ext uri="{AF507438-7753-43E0-B8FC-AC1667EBCBE1}">
+              <a14:hiddenEffects xmlns:a14="http://schemas.microsoft.com/office/drawing/2010/main">
+                <a:effectLst>
+                  <a:outerShdw dist="35921" dir="2700000" algn="ctr" rotWithShape="0">
+                    <a:schemeClr val="bg2"/>
+                  </a:outerShdw>
+                </a:effectLst>
+              </a14:hiddenEffects>
+            </a:ext>
+          </a:extLst>
+        </p:spPr>
+      </p:pic>
+      <p:sp>
+        <p:nvSpPr>
+          <p:cNvPr id="4" name="이등변 삼각형 3"/>
+          <p:cNvSpPr/>
+          <p:nvPr/>
+        </p:nvSpPr>
+        <p:spPr>
+          <a:xfrm rot="6623615">
+            <a:off x="4014589" y="2993509"/>
+            <a:ext cx="97899" cy="102119"/>
+          </a:xfrm>
+          <a:prstGeom prst="triangle">
+            <a:avLst/>
+          </a:prstGeom>
+          <a:solidFill>
+            <a:srgbClr val="0000FF"/>
+          </a:solidFill>
+          <a:ln>
+            <a:noFill/>
+          </a:ln>
+        </p:spPr>
+        <p:style>
+          <a:lnRef idx="2">
+            <a:schemeClr val="accent1">
+              <a:shade val="50000"/>
+            </a:schemeClr>
+          </a:lnRef>
+          <a:fillRef idx="1">
+            <a:schemeClr val="accent1"/>
+          </a:fillRef>
+          <a:effectRef idx="0">
+            <a:schemeClr val="accent1"/>
+          </a:effectRef>
+          <a:fontRef idx="minor">
+            <a:schemeClr val="lt1"/>
+          </a:fontRef>
+        </p:style>
+        <p:txBody>
+          <a:bodyPr rtlCol="0" anchor="ctr"/>
+          <a:lstStyle/>
+          <a:p>
+            <a:pPr algn="ctr"/>
+            <a:endParaRPr lang="ko-KR" altLang="en-US"/>
+          </a:p>
+        </p:txBody>
+      </p:sp>
+      <p:sp>
+        <p:nvSpPr>
+          <p:cNvPr id="6" name="이등변 삼각형 5"/>
+          <p:cNvSpPr/>
+          <p:nvPr/>
+        </p:nvSpPr>
+        <p:spPr>
+          <a:xfrm rot="8972218">
+            <a:off x="4876000" y="2721534"/>
+            <a:ext cx="97899" cy="102119"/>
+          </a:xfrm>
+          <a:prstGeom prst="triangle">
+            <a:avLst/>
+          </a:prstGeom>
+          <a:solidFill>
+            <a:srgbClr val="0000FF"/>
+          </a:solidFill>
+          <a:ln>
+            <a:noFill/>
+          </a:ln>
+        </p:spPr>
+        <p:style>
+          <a:lnRef idx="2">
+            <a:schemeClr val="accent1">
+              <a:shade val="50000"/>
+            </a:schemeClr>
+          </a:lnRef>
+          <a:fillRef idx="1">
+            <a:schemeClr val="accent1"/>
+          </a:fillRef>
+          <a:effectRef idx="0">
+            <a:schemeClr val="accent1"/>
+          </a:effectRef>
+          <a:fontRef idx="minor">
+            <a:schemeClr val="lt1"/>
+          </a:fontRef>
+        </p:style>
+        <p:txBody>
+          <a:bodyPr rtlCol="0" anchor="ctr"/>
+          <a:lstStyle/>
+          <a:p>
+            <a:pPr algn="ctr"/>
+            <a:endParaRPr lang="ko-KR" altLang="en-US"/>
+          </a:p>
+        </p:txBody>
+      </p:sp>
+      <p:sp>
+        <p:nvSpPr>
+          <p:cNvPr id="7" name="이등변 삼각형 6"/>
+          <p:cNvSpPr/>
+          <p:nvPr/>
+        </p:nvSpPr>
+        <p:spPr>
+          <a:xfrm rot="12784490">
+            <a:off x="5304031" y="2872608"/>
+            <a:ext cx="97899" cy="102119"/>
+          </a:xfrm>
+          <a:prstGeom prst="triangle">
+            <a:avLst/>
+          </a:prstGeom>
+          <a:solidFill>
+            <a:srgbClr val="0000FF"/>
+          </a:solidFill>
+          <a:ln>
+            <a:noFill/>
+          </a:ln>
+        </p:spPr>
+        <p:style>
+          <a:lnRef idx="2">
+            <a:schemeClr val="accent1">
+              <a:shade val="50000"/>
+            </a:schemeClr>
+          </a:lnRef>
+          <a:fillRef idx="1">
+            <a:schemeClr val="accent1"/>
+          </a:fillRef>
+          <a:effectRef idx="0">
+            <a:schemeClr val="accent1"/>
+          </a:effectRef>
+          <a:fontRef idx="minor">
+            <a:schemeClr val="lt1"/>
+          </a:fontRef>
+        </p:style>
+        <p:txBody>
+          <a:bodyPr rtlCol="0" anchor="ctr"/>
+          <a:lstStyle/>
+          <a:p>
+            <a:pPr algn="ctr"/>
+            <a:endParaRPr lang="ko-KR" altLang="en-US"/>
+          </a:p>
+        </p:txBody>
+      </p:sp>
+      <p:sp>
+        <p:nvSpPr>
+          <p:cNvPr id="8" name="이등변 삼각형 7"/>
+          <p:cNvSpPr/>
+          <p:nvPr/>
+        </p:nvSpPr>
+        <p:spPr>
+          <a:xfrm rot="16200000">
+            <a:off x="5428046" y="3310566"/>
+            <a:ext cx="97899" cy="102119"/>
+          </a:xfrm>
+          <a:prstGeom prst="triangle">
+            <a:avLst/>
+          </a:prstGeom>
+          <a:solidFill>
+            <a:srgbClr val="0000FF"/>
+          </a:solidFill>
+          <a:ln>
+            <a:noFill/>
+          </a:ln>
+        </p:spPr>
+        <p:style>
+          <a:lnRef idx="2">
+            <a:schemeClr val="accent1">
+              <a:shade val="50000"/>
+            </a:schemeClr>
+          </a:lnRef>
+          <a:fillRef idx="1">
+            <a:schemeClr val="accent1"/>
+          </a:fillRef>
+          <a:effectRef idx="0">
+            <a:schemeClr val="accent1"/>
+          </a:effectRef>
+          <a:fontRef idx="minor">
+            <a:schemeClr val="lt1"/>
+          </a:fontRef>
+        </p:style>
+        <p:txBody>
+          <a:bodyPr rtlCol="0" anchor="ctr"/>
+          <a:lstStyle/>
+          <a:p>
+            <a:pPr algn="ctr"/>
+            <a:endParaRPr lang="ko-KR" altLang="en-US"/>
+          </a:p>
+        </p:txBody>
+      </p:sp>
+      <p:sp>
+        <p:nvSpPr>
+          <p:cNvPr id="9" name="이등변 삼각형 8"/>
+          <p:cNvSpPr/>
+          <p:nvPr/>
+        </p:nvSpPr>
+        <p:spPr>
+          <a:xfrm rot="18566251">
+            <a:off x="4883142" y="3835128"/>
+            <a:ext cx="97899" cy="102119"/>
+          </a:xfrm>
+          <a:prstGeom prst="triangle">
+            <a:avLst/>
+          </a:prstGeom>
+          <a:solidFill>
+            <a:srgbClr val="0000FF"/>
+          </a:solidFill>
+          <a:ln>
+            <a:noFill/>
+          </a:ln>
+        </p:spPr>
+        <p:style>
+          <a:lnRef idx="2">
+            <a:schemeClr val="accent1">
+              <a:shade val="50000"/>
+            </a:schemeClr>
+          </a:lnRef>
+          <a:fillRef idx="1">
+            <a:schemeClr val="accent1"/>
+          </a:fillRef>
+          <a:effectRef idx="0">
+            <a:schemeClr val="accent1"/>
+          </a:effectRef>
+          <a:fontRef idx="minor">
+            <a:schemeClr val="lt1"/>
+          </a:fontRef>
+        </p:style>
+        <p:txBody>
+          <a:bodyPr rtlCol="0" anchor="ctr"/>
+          <a:lstStyle/>
+          <a:p>
+            <a:pPr algn="ctr"/>
+            <a:endParaRPr lang="ko-KR" altLang="en-US"/>
+          </a:p>
+        </p:txBody>
+      </p:sp>
+      <p:sp>
+        <p:nvSpPr>
+          <p:cNvPr id="10" name="이등변 삼각형 9"/>
+          <p:cNvSpPr/>
+          <p:nvPr/>
+        </p:nvSpPr>
+        <p:spPr>
+          <a:xfrm rot="1343206">
+            <a:off x="3903336" y="3836807"/>
+            <a:ext cx="97899" cy="102119"/>
+          </a:xfrm>
+          <a:prstGeom prst="triangle">
+            <a:avLst/>
+          </a:prstGeom>
+          <a:solidFill>
+            <a:srgbClr val="0000FF"/>
+          </a:solidFill>
+          <a:ln>
+            <a:noFill/>
+          </a:ln>
+        </p:spPr>
+        <p:style>
+          <a:lnRef idx="2">
+            <a:schemeClr val="accent1">
+              <a:shade val="50000"/>
+            </a:schemeClr>
+          </a:lnRef>
+          <a:fillRef idx="1">
+            <a:schemeClr val="accent1"/>
+          </a:fillRef>
+          <a:effectRef idx="0">
+            <a:schemeClr val="accent1"/>
+          </a:effectRef>
+          <a:fontRef idx="minor">
+            <a:schemeClr val="lt1"/>
+          </a:fontRef>
+        </p:style>
+        <p:txBody>
+          <a:bodyPr rtlCol="0" anchor="ctr"/>
+          <a:lstStyle/>
+          <a:p>
+            <a:pPr algn="ctr"/>
+            <a:endParaRPr lang="ko-KR" altLang="en-US"/>
+          </a:p>
+        </p:txBody>
+      </p:sp>
+    </p:spTree>
+    <p:extLst>
+      <p:ext uri="{BB962C8B-B14F-4D97-AF65-F5344CB8AC3E}">
+        <p14:creationId xmlns:p14="http://schemas.microsoft.com/office/powerpoint/2010/main" val="2390451314"/>
+      </p:ext>
+    </p:extLst>
+  </p:cSld>
+  <p:clrMapOvr>
+    <a:masterClrMapping/>
+  </p:clrMapOvr>
+</p:sld>
+</file>
+
 <file path=ppt/theme/theme1.xml><?xml version="1.0" encoding="utf-8"?>
 <a:theme xmlns:a="http://schemas.openxmlformats.org/drawingml/2006/main" name="Office 테마">
   <a:themeElements>

--- a/pics/2021-05-12-phase_plane/pics.pptx
+++ b/pics/2021-05-12-phase_plane/pics.pptx
@@ -5,7 +5,7 @@
     <p:sldMasterId id="2147483648" r:id="rId1"/>
   </p:sldMasterIdLst>
   <p:notesMasterIdLst>
-    <p:notesMasterId r:id="rId10"/>
+    <p:notesMasterId r:id="rId12"/>
   </p:notesMasterIdLst>
   <p:sldIdLst>
     <p:sldId id="256" r:id="rId2"/>
@@ -13,9 +13,11 @@
     <p:sldId id="258" r:id="rId4"/>
     <p:sldId id="259" r:id="rId5"/>
     <p:sldId id="260" r:id="rId6"/>
-    <p:sldId id="261" r:id="rId7"/>
-    <p:sldId id="262" r:id="rId8"/>
-    <p:sldId id="263" r:id="rId9"/>
+    <p:sldId id="264" r:id="rId7"/>
+    <p:sldId id="265" r:id="rId8"/>
+    <p:sldId id="261" r:id="rId9"/>
+    <p:sldId id="262" r:id="rId10"/>
+    <p:sldId id="263" r:id="rId11"/>
   </p:sldIdLst>
   <p:sldSz cx="9144000" cy="6858000" type="screen4x3"/>
   <p:notesSz cx="6858000" cy="9144000"/>
@@ -114,6 +116,22 @@
       </a:defRPr>
     </a:lvl9pPr>
   </p:defaultTextStyle>
+  <p:extLst>
+    <p:ext uri="{EFAFB233-063F-42B5-8137-9DF3F51BA10A}">
+      <p15:sldGuideLst xmlns:p15="http://schemas.microsoft.com/office/powerpoint/2012/main">
+        <p15:guide id="1" orient="horz" pos="2160">
+          <p15:clr>
+            <a:srgbClr val="A4A3A4"/>
+          </p15:clr>
+        </p15:guide>
+        <p15:guide id="2" pos="2880">
+          <p15:clr>
+            <a:srgbClr val="A4A3A4"/>
+          </p15:clr>
+        </p15:guide>
+      </p15:sldGuideLst>
+    </p:ext>
+  </p:extLst>
 </p:presentation>
 </file>
 
@@ -199,7 +217,7 @@
           <a:p>
             <a:fld id="{57DB3EF5-7569-4EDB-9E86-E8DF12D1AC4B}" type="datetimeFigureOut">
               <a:rPr lang="ko-KR" altLang="en-US" smtClean="0"/>
-              <a:t>2021-06-17</a:t>
+              <a:t>2021-06-20</a:t>
             </a:fld>
             <a:endParaRPr lang="ko-KR" altLang="en-US"/>
           </a:p>
@@ -263,38 +281,37 @@
           <a:p>
             <a:pPr lvl="0"/>
             <a:r>
-              <a:rPr lang="ko-KR" altLang="en-US" smtClean="0"/>
+              <a:rPr lang="ko-KR" altLang="en-US"/>
               <a:t>마스터 텍스트 스타일을 편집합니다</a:t>
             </a:r>
           </a:p>
           <a:p>
             <a:pPr lvl="1"/>
             <a:r>
-              <a:rPr lang="ko-KR" altLang="en-US" smtClean="0"/>
+              <a:rPr lang="ko-KR" altLang="en-US"/>
               <a:t>둘째 수준</a:t>
             </a:r>
           </a:p>
           <a:p>
             <a:pPr lvl="2"/>
             <a:r>
-              <a:rPr lang="ko-KR" altLang="en-US" smtClean="0"/>
+              <a:rPr lang="ko-KR" altLang="en-US"/>
               <a:t>셋째 수준</a:t>
             </a:r>
           </a:p>
           <a:p>
             <a:pPr lvl="3"/>
             <a:r>
-              <a:rPr lang="ko-KR" altLang="en-US" smtClean="0"/>
+              <a:rPr lang="ko-KR" altLang="en-US"/>
               <a:t>넷째 수준</a:t>
             </a:r>
           </a:p>
           <a:p>
             <a:pPr lvl="4"/>
             <a:r>
-              <a:rPr lang="ko-KR" altLang="en-US" smtClean="0"/>
+              <a:rPr lang="ko-KR" altLang="en-US"/>
               <a:t>다섯째 수준</a:t>
             </a:r>
-            <a:endParaRPr lang="ko-KR" altLang="en-US"/>
           </a:p>
         </p:txBody>
       </p:sp>
@@ -505,10 +522,9 @@
           <a:lstStyle/>
           <a:p>
             <a:r>
-              <a:rPr lang="ko-KR" altLang="en-US" smtClean="0"/>
+              <a:rPr lang="ko-KR" altLang="en-US"/>
               <a:t>마스터 제목 스타일 편집</a:t>
             </a:r>
-            <a:endParaRPr lang="ko-KR" altLang="en-US"/>
           </a:p>
         </p:txBody>
       </p:sp>
@@ -624,10 +640,9 @@
           </a:lstStyle>
           <a:p>
             <a:r>
-              <a:rPr lang="ko-KR" altLang="en-US" smtClean="0"/>
+              <a:rPr lang="ko-KR" altLang="en-US"/>
               <a:t>마스터 부제목 스타일 편집</a:t>
             </a:r>
-            <a:endParaRPr lang="ko-KR" altLang="en-US"/>
           </a:p>
         </p:txBody>
       </p:sp>
@@ -648,7 +663,7 @@
           <a:p>
             <a:fld id="{FB30EDBD-1C2D-4C1E-B459-B60219FAB484}" type="datetimeFigureOut">
               <a:rPr lang="ko-KR" altLang="en-US" smtClean="0"/>
-              <a:t>2021-06-17</a:t>
+              <a:t>2021-06-20</a:t>
             </a:fld>
             <a:endParaRPr lang="ko-KR" altLang="en-US"/>
           </a:p>
@@ -737,10 +752,9 @@
           <a:lstStyle/>
           <a:p>
             <a:r>
-              <a:rPr lang="ko-KR" altLang="en-US" smtClean="0"/>
+              <a:rPr lang="ko-KR" altLang="en-US"/>
               <a:t>마스터 제목 스타일 편집</a:t>
             </a:r>
-            <a:endParaRPr lang="ko-KR" altLang="en-US"/>
           </a:p>
         </p:txBody>
       </p:sp>
@@ -761,38 +775,37 @@
           <a:p>
             <a:pPr lvl="0"/>
             <a:r>
-              <a:rPr lang="ko-KR" altLang="en-US" smtClean="0"/>
+              <a:rPr lang="ko-KR" altLang="en-US"/>
               <a:t>마스터 텍스트 스타일을 편집합니다</a:t>
             </a:r>
           </a:p>
           <a:p>
             <a:pPr lvl="1"/>
             <a:r>
-              <a:rPr lang="ko-KR" altLang="en-US" smtClean="0"/>
+              <a:rPr lang="ko-KR" altLang="en-US"/>
               <a:t>둘째 수준</a:t>
             </a:r>
           </a:p>
           <a:p>
             <a:pPr lvl="2"/>
             <a:r>
-              <a:rPr lang="ko-KR" altLang="en-US" smtClean="0"/>
+              <a:rPr lang="ko-KR" altLang="en-US"/>
               <a:t>셋째 수준</a:t>
             </a:r>
           </a:p>
           <a:p>
             <a:pPr lvl="3"/>
             <a:r>
-              <a:rPr lang="ko-KR" altLang="en-US" smtClean="0"/>
+              <a:rPr lang="ko-KR" altLang="en-US"/>
               <a:t>넷째 수준</a:t>
             </a:r>
           </a:p>
           <a:p>
             <a:pPr lvl="4"/>
             <a:r>
-              <a:rPr lang="ko-KR" altLang="en-US" smtClean="0"/>
+              <a:rPr lang="ko-KR" altLang="en-US"/>
               <a:t>다섯째 수준</a:t>
             </a:r>
-            <a:endParaRPr lang="ko-KR" altLang="en-US"/>
           </a:p>
         </p:txBody>
       </p:sp>
@@ -813,7 +826,7 @@
           <a:p>
             <a:fld id="{FB30EDBD-1C2D-4C1E-B459-B60219FAB484}" type="datetimeFigureOut">
               <a:rPr lang="ko-KR" altLang="en-US" smtClean="0"/>
-              <a:t>2021-06-17</a:t>
+              <a:t>2021-06-20</a:t>
             </a:fld>
             <a:endParaRPr lang="ko-KR" altLang="en-US"/>
           </a:p>
@@ -907,10 +920,9 @@
           <a:lstStyle/>
           <a:p>
             <a:r>
-              <a:rPr lang="ko-KR" altLang="en-US" smtClean="0"/>
+              <a:rPr lang="ko-KR" altLang="en-US"/>
               <a:t>마스터 제목 스타일 편집</a:t>
             </a:r>
-            <a:endParaRPr lang="ko-KR" altLang="en-US"/>
           </a:p>
         </p:txBody>
       </p:sp>
@@ -936,38 +948,37 @@
           <a:p>
             <a:pPr lvl="0"/>
             <a:r>
-              <a:rPr lang="ko-KR" altLang="en-US" smtClean="0"/>
+              <a:rPr lang="ko-KR" altLang="en-US"/>
               <a:t>마스터 텍스트 스타일을 편집합니다</a:t>
             </a:r>
           </a:p>
           <a:p>
             <a:pPr lvl="1"/>
             <a:r>
-              <a:rPr lang="ko-KR" altLang="en-US" smtClean="0"/>
+              <a:rPr lang="ko-KR" altLang="en-US"/>
               <a:t>둘째 수준</a:t>
             </a:r>
           </a:p>
           <a:p>
             <a:pPr lvl="2"/>
             <a:r>
-              <a:rPr lang="ko-KR" altLang="en-US" smtClean="0"/>
+              <a:rPr lang="ko-KR" altLang="en-US"/>
               <a:t>셋째 수준</a:t>
             </a:r>
           </a:p>
           <a:p>
             <a:pPr lvl="3"/>
             <a:r>
-              <a:rPr lang="ko-KR" altLang="en-US" smtClean="0"/>
+              <a:rPr lang="ko-KR" altLang="en-US"/>
               <a:t>넷째 수준</a:t>
             </a:r>
           </a:p>
           <a:p>
             <a:pPr lvl="4"/>
             <a:r>
-              <a:rPr lang="ko-KR" altLang="en-US" smtClean="0"/>
+              <a:rPr lang="ko-KR" altLang="en-US"/>
               <a:t>다섯째 수준</a:t>
             </a:r>
-            <a:endParaRPr lang="ko-KR" altLang="en-US"/>
           </a:p>
         </p:txBody>
       </p:sp>
@@ -988,7 +999,7 @@
           <a:p>
             <a:fld id="{FB30EDBD-1C2D-4C1E-B459-B60219FAB484}" type="datetimeFigureOut">
               <a:rPr lang="ko-KR" altLang="en-US" smtClean="0"/>
-              <a:t>2021-06-17</a:t>
+              <a:t>2021-06-20</a:t>
             </a:fld>
             <a:endParaRPr lang="ko-KR" altLang="en-US"/>
           </a:p>
@@ -1077,10 +1088,9 @@
           <a:lstStyle/>
           <a:p>
             <a:r>
-              <a:rPr lang="ko-KR" altLang="en-US" smtClean="0"/>
+              <a:rPr lang="ko-KR" altLang="en-US"/>
               <a:t>마스터 제목 스타일 편집</a:t>
             </a:r>
-            <a:endParaRPr lang="ko-KR" altLang="en-US"/>
           </a:p>
         </p:txBody>
       </p:sp>
@@ -1101,38 +1111,37 @@
           <a:p>
             <a:pPr lvl="0"/>
             <a:r>
-              <a:rPr lang="ko-KR" altLang="en-US" smtClean="0"/>
+              <a:rPr lang="ko-KR" altLang="en-US"/>
               <a:t>마스터 텍스트 스타일을 편집합니다</a:t>
             </a:r>
           </a:p>
           <a:p>
             <a:pPr lvl="1"/>
             <a:r>
-              <a:rPr lang="ko-KR" altLang="en-US" smtClean="0"/>
+              <a:rPr lang="ko-KR" altLang="en-US"/>
               <a:t>둘째 수준</a:t>
             </a:r>
           </a:p>
           <a:p>
             <a:pPr lvl="2"/>
             <a:r>
-              <a:rPr lang="ko-KR" altLang="en-US" smtClean="0"/>
+              <a:rPr lang="ko-KR" altLang="en-US"/>
               <a:t>셋째 수준</a:t>
             </a:r>
           </a:p>
           <a:p>
             <a:pPr lvl="3"/>
             <a:r>
-              <a:rPr lang="ko-KR" altLang="en-US" smtClean="0"/>
+              <a:rPr lang="ko-KR" altLang="en-US"/>
               <a:t>넷째 수준</a:t>
             </a:r>
           </a:p>
           <a:p>
             <a:pPr lvl="4"/>
             <a:r>
-              <a:rPr lang="ko-KR" altLang="en-US" smtClean="0"/>
+              <a:rPr lang="ko-KR" altLang="en-US"/>
               <a:t>다섯째 수준</a:t>
             </a:r>
-            <a:endParaRPr lang="ko-KR" altLang="en-US"/>
           </a:p>
         </p:txBody>
       </p:sp>
@@ -1153,7 +1162,7 @@
           <a:p>
             <a:fld id="{FB30EDBD-1C2D-4C1E-B459-B60219FAB484}" type="datetimeFigureOut">
               <a:rPr lang="ko-KR" altLang="en-US" smtClean="0"/>
-              <a:t>2021-06-17</a:t>
+              <a:t>2021-06-20</a:t>
             </a:fld>
             <a:endParaRPr lang="ko-KR" altLang="en-US"/>
           </a:p>
@@ -1251,10 +1260,9 @@
           </a:lstStyle>
           <a:p>
             <a:r>
-              <a:rPr lang="ko-KR" altLang="en-US" smtClean="0"/>
+              <a:rPr lang="ko-KR" altLang="en-US"/>
               <a:t>마스터 제목 스타일 편집</a:t>
             </a:r>
-            <a:endParaRPr lang="ko-KR" altLang="en-US"/>
           </a:p>
         </p:txBody>
       </p:sp>
@@ -1371,7 +1379,7 @@
           <a:p>
             <a:pPr lvl="0"/>
             <a:r>
-              <a:rPr lang="ko-KR" altLang="en-US" smtClean="0"/>
+              <a:rPr lang="ko-KR" altLang="en-US"/>
               <a:t>마스터 텍스트 스타일을 편집합니다</a:t>
             </a:r>
           </a:p>
@@ -1394,7 +1402,7 @@
           <a:p>
             <a:fld id="{FB30EDBD-1C2D-4C1E-B459-B60219FAB484}" type="datetimeFigureOut">
               <a:rPr lang="ko-KR" altLang="en-US" smtClean="0"/>
-              <a:t>2021-06-17</a:t>
+              <a:t>2021-06-20</a:t>
             </a:fld>
             <a:endParaRPr lang="ko-KR" altLang="en-US"/>
           </a:p>
@@ -1483,10 +1491,9 @@
           <a:lstStyle/>
           <a:p>
             <a:r>
-              <a:rPr lang="ko-KR" altLang="en-US" smtClean="0"/>
+              <a:rPr lang="ko-KR" altLang="en-US"/>
               <a:t>마스터 제목 스타일 편집</a:t>
             </a:r>
-            <a:endParaRPr lang="ko-KR" altLang="en-US"/>
           </a:p>
         </p:txBody>
       </p:sp>
@@ -1540,38 +1547,37 @@
           <a:p>
             <a:pPr lvl="0"/>
             <a:r>
-              <a:rPr lang="ko-KR" altLang="en-US" smtClean="0"/>
+              <a:rPr lang="ko-KR" altLang="en-US"/>
               <a:t>마스터 텍스트 스타일을 편집합니다</a:t>
             </a:r>
           </a:p>
           <a:p>
             <a:pPr lvl="1"/>
             <a:r>
-              <a:rPr lang="ko-KR" altLang="en-US" smtClean="0"/>
+              <a:rPr lang="ko-KR" altLang="en-US"/>
               <a:t>둘째 수준</a:t>
             </a:r>
           </a:p>
           <a:p>
             <a:pPr lvl="2"/>
             <a:r>
-              <a:rPr lang="ko-KR" altLang="en-US" smtClean="0"/>
+              <a:rPr lang="ko-KR" altLang="en-US"/>
               <a:t>셋째 수준</a:t>
             </a:r>
           </a:p>
           <a:p>
             <a:pPr lvl="3"/>
             <a:r>
-              <a:rPr lang="ko-KR" altLang="en-US" smtClean="0"/>
+              <a:rPr lang="ko-KR" altLang="en-US"/>
               <a:t>넷째 수준</a:t>
             </a:r>
           </a:p>
           <a:p>
             <a:pPr lvl="4"/>
             <a:r>
-              <a:rPr lang="ko-KR" altLang="en-US" smtClean="0"/>
+              <a:rPr lang="ko-KR" altLang="en-US"/>
               <a:t>다섯째 수준</a:t>
             </a:r>
-            <a:endParaRPr lang="ko-KR" altLang="en-US"/>
           </a:p>
         </p:txBody>
       </p:sp>
@@ -1625,38 +1631,37 @@
           <a:p>
             <a:pPr lvl="0"/>
             <a:r>
-              <a:rPr lang="ko-KR" altLang="en-US" smtClean="0"/>
+              <a:rPr lang="ko-KR" altLang="en-US"/>
               <a:t>마스터 텍스트 스타일을 편집합니다</a:t>
             </a:r>
           </a:p>
           <a:p>
             <a:pPr lvl="1"/>
             <a:r>
-              <a:rPr lang="ko-KR" altLang="en-US" smtClean="0"/>
+              <a:rPr lang="ko-KR" altLang="en-US"/>
               <a:t>둘째 수준</a:t>
             </a:r>
           </a:p>
           <a:p>
             <a:pPr lvl="2"/>
             <a:r>
-              <a:rPr lang="ko-KR" altLang="en-US" smtClean="0"/>
+              <a:rPr lang="ko-KR" altLang="en-US"/>
               <a:t>셋째 수준</a:t>
             </a:r>
           </a:p>
           <a:p>
             <a:pPr lvl="3"/>
             <a:r>
-              <a:rPr lang="ko-KR" altLang="en-US" smtClean="0"/>
+              <a:rPr lang="ko-KR" altLang="en-US"/>
               <a:t>넷째 수준</a:t>
             </a:r>
           </a:p>
           <a:p>
             <a:pPr lvl="4"/>
             <a:r>
-              <a:rPr lang="ko-KR" altLang="en-US" smtClean="0"/>
+              <a:rPr lang="ko-KR" altLang="en-US"/>
               <a:t>다섯째 수준</a:t>
             </a:r>
-            <a:endParaRPr lang="ko-KR" altLang="en-US"/>
           </a:p>
         </p:txBody>
       </p:sp>
@@ -1677,7 +1682,7 @@
           <a:p>
             <a:fld id="{FB30EDBD-1C2D-4C1E-B459-B60219FAB484}" type="datetimeFigureOut">
               <a:rPr lang="ko-KR" altLang="en-US" smtClean="0"/>
-              <a:t>2021-06-17</a:t>
+              <a:t>2021-06-20</a:t>
             </a:fld>
             <a:endParaRPr lang="ko-KR" altLang="en-US"/>
           </a:p>
@@ -1770,10 +1775,9 @@
           </a:lstStyle>
           <a:p>
             <a:r>
-              <a:rPr lang="ko-KR" altLang="en-US" smtClean="0"/>
+              <a:rPr lang="ko-KR" altLang="en-US"/>
               <a:t>마스터 제목 스타일 편집</a:t>
             </a:r>
-            <a:endParaRPr lang="ko-KR" altLang="en-US"/>
           </a:p>
         </p:txBody>
       </p:sp>
@@ -1836,7 +1840,7 @@
           <a:p>
             <a:pPr lvl="0"/>
             <a:r>
-              <a:rPr lang="ko-KR" altLang="en-US" smtClean="0"/>
+              <a:rPr lang="ko-KR" altLang="en-US"/>
               <a:t>마스터 텍스트 스타일을 편집합니다</a:t>
             </a:r>
           </a:p>
@@ -1892,38 +1896,37 @@
           <a:p>
             <a:pPr lvl="0"/>
             <a:r>
-              <a:rPr lang="ko-KR" altLang="en-US" smtClean="0"/>
+              <a:rPr lang="ko-KR" altLang="en-US"/>
               <a:t>마스터 텍스트 스타일을 편집합니다</a:t>
             </a:r>
           </a:p>
           <a:p>
             <a:pPr lvl="1"/>
             <a:r>
-              <a:rPr lang="ko-KR" altLang="en-US" smtClean="0"/>
+              <a:rPr lang="ko-KR" altLang="en-US"/>
               <a:t>둘째 수준</a:t>
             </a:r>
           </a:p>
           <a:p>
             <a:pPr lvl="2"/>
             <a:r>
-              <a:rPr lang="ko-KR" altLang="en-US" smtClean="0"/>
+              <a:rPr lang="ko-KR" altLang="en-US"/>
               <a:t>셋째 수준</a:t>
             </a:r>
           </a:p>
           <a:p>
             <a:pPr lvl="3"/>
             <a:r>
-              <a:rPr lang="ko-KR" altLang="en-US" smtClean="0"/>
+              <a:rPr lang="ko-KR" altLang="en-US"/>
               <a:t>넷째 수준</a:t>
             </a:r>
           </a:p>
           <a:p>
             <a:pPr lvl="4"/>
             <a:r>
-              <a:rPr lang="ko-KR" altLang="en-US" smtClean="0"/>
+              <a:rPr lang="ko-KR" altLang="en-US"/>
               <a:t>다섯째 수준</a:t>
             </a:r>
-            <a:endParaRPr lang="ko-KR" altLang="en-US"/>
           </a:p>
         </p:txBody>
       </p:sp>
@@ -1986,7 +1989,7 @@
           <a:p>
             <a:pPr lvl="0"/>
             <a:r>
-              <a:rPr lang="ko-KR" altLang="en-US" smtClean="0"/>
+              <a:rPr lang="ko-KR" altLang="en-US"/>
               <a:t>마스터 텍스트 스타일을 편집합니다</a:t>
             </a:r>
           </a:p>
@@ -2042,38 +2045,37 @@
           <a:p>
             <a:pPr lvl="0"/>
             <a:r>
-              <a:rPr lang="ko-KR" altLang="en-US" smtClean="0"/>
+              <a:rPr lang="ko-KR" altLang="en-US"/>
               <a:t>마스터 텍스트 스타일을 편집합니다</a:t>
             </a:r>
           </a:p>
           <a:p>
             <a:pPr lvl="1"/>
             <a:r>
-              <a:rPr lang="ko-KR" altLang="en-US" smtClean="0"/>
+              <a:rPr lang="ko-KR" altLang="en-US"/>
               <a:t>둘째 수준</a:t>
             </a:r>
           </a:p>
           <a:p>
             <a:pPr lvl="2"/>
             <a:r>
-              <a:rPr lang="ko-KR" altLang="en-US" smtClean="0"/>
+              <a:rPr lang="ko-KR" altLang="en-US"/>
               <a:t>셋째 수준</a:t>
             </a:r>
           </a:p>
           <a:p>
             <a:pPr lvl="3"/>
             <a:r>
-              <a:rPr lang="ko-KR" altLang="en-US" smtClean="0"/>
+              <a:rPr lang="ko-KR" altLang="en-US"/>
               <a:t>넷째 수준</a:t>
             </a:r>
           </a:p>
           <a:p>
             <a:pPr lvl="4"/>
             <a:r>
-              <a:rPr lang="ko-KR" altLang="en-US" smtClean="0"/>
+              <a:rPr lang="ko-KR" altLang="en-US"/>
               <a:t>다섯째 수준</a:t>
             </a:r>
-            <a:endParaRPr lang="ko-KR" altLang="en-US"/>
           </a:p>
         </p:txBody>
       </p:sp>
@@ -2094,7 +2096,7 @@
           <a:p>
             <a:fld id="{FB30EDBD-1C2D-4C1E-B459-B60219FAB484}" type="datetimeFigureOut">
               <a:rPr lang="ko-KR" altLang="en-US" smtClean="0"/>
-              <a:t>2021-06-17</a:t>
+              <a:t>2021-06-20</a:t>
             </a:fld>
             <a:endParaRPr lang="ko-KR" altLang="en-US"/>
           </a:p>
@@ -2183,10 +2185,9 @@
           <a:lstStyle/>
           <a:p>
             <a:r>
-              <a:rPr lang="ko-KR" altLang="en-US" smtClean="0"/>
+              <a:rPr lang="ko-KR" altLang="en-US"/>
               <a:t>마스터 제목 스타일 편집</a:t>
             </a:r>
-            <a:endParaRPr lang="ko-KR" altLang="en-US"/>
           </a:p>
         </p:txBody>
       </p:sp>
@@ -2207,7 +2208,7 @@
           <a:p>
             <a:fld id="{FB30EDBD-1C2D-4C1E-B459-B60219FAB484}" type="datetimeFigureOut">
               <a:rPr lang="ko-KR" altLang="en-US" smtClean="0"/>
-              <a:t>2021-06-17</a:t>
+              <a:t>2021-06-20</a:t>
             </a:fld>
             <a:endParaRPr lang="ko-KR" altLang="en-US"/>
           </a:p>
@@ -2297,7 +2298,7 @@
           <a:p>
             <a:fld id="{FB30EDBD-1C2D-4C1E-B459-B60219FAB484}" type="datetimeFigureOut">
               <a:rPr lang="ko-KR" altLang="en-US" smtClean="0"/>
-              <a:t>2021-06-17</a:t>
+              <a:t>2021-06-20</a:t>
             </a:fld>
             <a:endParaRPr lang="ko-KR" altLang="en-US"/>
           </a:p>
@@ -2395,10 +2396,9 @@
           </a:lstStyle>
           <a:p>
             <a:r>
-              <a:rPr lang="ko-KR" altLang="en-US" smtClean="0"/>
+              <a:rPr lang="ko-KR" altLang="en-US"/>
               <a:t>마스터 제목 스타일 편집</a:t>
             </a:r>
-            <a:endParaRPr lang="ko-KR" altLang="en-US"/>
           </a:p>
         </p:txBody>
       </p:sp>
@@ -2452,38 +2452,37 @@
           <a:p>
             <a:pPr lvl="0"/>
             <a:r>
-              <a:rPr lang="ko-KR" altLang="en-US" smtClean="0"/>
+              <a:rPr lang="ko-KR" altLang="en-US"/>
               <a:t>마스터 텍스트 스타일을 편집합니다</a:t>
             </a:r>
           </a:p>
           <a:p>
             <a:pPr lvl="1"/>
             <a:r>
-              <a:rPr lang="ko-KR" altLang="en-US" smtClean="0"/>
+              <a:rPr lang="ko-KR" altLang="en-US"/>
               <a:t>둘째 수준</a:t>
             </a:r>
           </a:p>
           <a:p>
             <a:pPr lvl="2"/>
             <a:r>
-              <a:rPr lang="ko-KR" altLang="en-US" smtClean="0"/>
+              <a:rPr lang="ko-KR" altLang="en-US"/>
               <a:t>셋째 수준</a:t>
             </a:r>
           </a:p>
           <a:p>
             <a:pPr lvl="3"/>
             <a:r>
-              <a:rPr lang="ko-KR" altLang="en-US" smtClean="0"/>
+              <a:rPr lang="ko-KR" altLang="en-US"/>
               <a:t>넷째 수준</a:t>
             </a:r>
           </a:p>
           <a:p>
             <a:pPr lvl="4"/>
             <a:r>
-              <a:rPr lang="ko-KR" altLang="en-US" smtClean="0"/>
+              <a:rPr lang="ko-KR" altLang="en-US"/>
               <a:t>다섯째 수준</a:t>
             </a:r>
-            <a:endParaRPr lang="ko-KR" altLang="en-US"/>
           </a:p>
         </p:txBody>
       </p:sp>
@@ -2546,7 +2545,7 @@
           <a:p>
             <a:pPr lvl="0"/>
             <a:r>
-              <a:rPr lang="ko-KR" altLang="en-US" smtClean="0"/>
+              <a:rPr lang="ko-KR" altLang="en-US"/>
               <a:t>마스터 텍스트 스타일을 편집합니다</a:t>
             </a:r>
           </a:p>
@@ -2569,7 +2568,7 @@
           <a:p>
             <a:fld id="{FB30EDBD-1C2D-4C1E-B459-B60219FAB484}" type="datetimeFigureOut">
               <a:rPr lang="ko-KR" altLang="en-US" smtClean="0"/>
-              <a:t>2021-06-17</a:t>
+              <a:t>2021-06-20</a:t>
             </a:fld>
             <a:endParaRPr lang="ko-KR" altLang="en-US"/>
           </a:p>
@@ -2667,10 +2666,9 @@
           </a:lstStyle>
           <a:p>
             <a:r>
-              <a:rPr lang="ko-KR" altLang="en-US" smtClean="0"/>
+              <a:rPr lang="ko-KR" altLang="en-US"/>
               <a:t>마스터 제목 스타일 편집</a:t>
             </a:r>
-            <a:endParaRPr lang="ko-KR" altLang="en-US"/>
           </a:p>
         </p:txBody>
       </p:sp>
@@ -2794,7 +2792,7 @@
           <a:p>
             <a:pPr lvl="0"/>
             <a:r>
-              <a:rPr lang="ko-KR" altLang="en-US" smtClean="0"/>
+              <a:rPr lang="ko-KR" altLang="en-US"/>
               <a:t>마스터 텍스트 스타일을 편집합니다</a:t>
             </a:r>
           </a:p>
@@ -2817,7 +2815,7 @@
           <a:p>
             <a:fld id="{FB30EDBD-1C2D-4C1E-B459-B60219FAB484}" type="datetimeFigureOut">
               <a:rPr lang="ko-KR" altLang="en-US" smtClean="0"/>
-              <a:t>2021-06-17</a:t>
+              <a:t>2021-06-20</a:t>
             </a:fld>
             <a:endParaRPr lang="ko-KR" altLang="en-US"/>
           </a:p>
@@ -2921,10 +2919,9 @@
           <a:lstStyle/>
           <a:p>
             <a:r>
-              <a:rPr lang="ko-KR" altLang="en-US" smtClean="0"/>
+              <a:rPr lang="ko-KR" altLang="en-US"/>
               <a:t>마스터 제목 스타일 편집</a:t>
             </a:r>
-            <a:endParaRPr lang="ko-KR" altLang="en-US"/>
           </a:p>
         </p:txBody>
       </p:sp>
@@ -2955,38 +2952,37 @@
           <a:p>
             <a:pPr lvl="0"/>
             <a:r>
-              <a:rPr lang="ko-KR" altLang="en-US" smtClean="0"/>
+              <a:rPr lang="ko-KR" altLang="en-US"/>
               <a:t>마스터 텍스트 스타일을 편집합니다</a:t>
             </a:r>
           </a:p>
           <a:p>
             <a:pPr lvl="1"/>
             <a:r>
-              <a:rPr lang="ko-KR" altLang="en-US" smtClean="0"/>
+              <a:rPr lang="ko-KR" altLang="en-US"/>
               <a:t>둘째 수준</a:t>
             </a:r>
           </a:p>
           <a:p>
             <a:pPr lvl="2"/>
             <a:r>
-              <a:rPr lang="ko-KR" altLang="en-US" smtClean="0"/>
+              <a:rPr lang="ko-KR" altLang="en-US"/>
               <a:t>셋째 수준</a:t>
             </a:r>
           </a:p>
           <a:p>
             <a:pPr lvl="3"/>
             <a:r>
-              <a:rPr lang="ko-KR" altLang="en-US" smtClean="0"/>
+              <a:rPr lang="ko-KR" altLang="en-US"/>
               <a:t>넷째 수준</a:t>
             </a:r>
           </a:p>
           <a:p>
             <a:pPr lvl="4"/>
             <a:r>
-              <a:rPr lang="ko-KR" altLang="en-US" smtClean="0"/>
+              <a:rPr lang="ko-KR" altLang="en-US"/>
               <a:t>다섯째 수준</a:t>
             </a:r>
-            <a:endParaRPr lang="ko-KR" altLang="en-US"/>
           </a:p>
         </p:txBody>
       </p:sp>
@@ -3025,7 +3021,7 @@
           <a:p>
             <a:fld id="{FB30EDBD-1C2D-4C1E-B459-B60219FAB484}" type="datetimeFigureOut">
               <a:rPr lang="ko-KR" altLang="en-US" smtClean="0"/>
-              <a:t>2021-06-17</a:t>
+              <a:t>2021-06-20</a:t>
             </a:fld>
             <a:endParaRPr lang="ko-KR" altLang="en-US"/>
           </a:p>
@@ -3463,6 +3459,376 @@
     <p:extLst>
       <p:ext uri="{BB962C8B-B14F-4D97-AF65-F5344CB8AC3E}">
         <p14:creationId xmlns:p14="http://schemas.microsoft.com/office/powerpoint/2010/main" val="3275354735"/>
+      </p:ext>
+    </p:extLst>
+  </p:cSld>
+  <p:clrMapOvr>
+    <a:masterClrMapping/>
+  </p:clrMapOvr>
+</p:sld>
+</file>
+
+<file path=ppt/slides/slide10.xml><?xml version="1.0" encoding="utf-8"?>
+<p:sld xmlns:a="http://schemas.openxmlformats.org/drawingml/2006/main" xmlns:r="http://schemas.openxmlformats.org/officeDocument/2006/relationships" xmlns:p="http://schemas.openxmlformats.org/presentationml/2006/main">
+  <p:cSld>
+    <p:spTree>
+      <p:nvGrpSpPr>
+        <p:cNvPr id="1" name=""/>
+        <p:cNvGrpSpPr/>
+        <p:nvPr/>
+      </p:nvGrpSpPr>
+      <p:grpSpPr>
+        <a:xfrm>
+          <a:off x="0" y="0"/>
+          <a:ext cx="0" cy="0"/>
+          <a:chOff x="0" y="0"/>
+          <a:chExt cx="0" cy="0"/>
+        </a:xfrm>
+      </p:grpSpPr>
+      <p:pic>
+        <p:nvPicPr>
+          <p:cNvPr id="1026" name="Picture 2"/>
+          <p:cNvPicPr>
+            <a:picLocks noChangeAspect="1" noChangeArrowheads="1"/>
+          </p:cNvPicPr>
+          <p:nvPr/>
+        </p:nvPicPr>
+        <p:blipFill>
+          <a:blip r:embed="rId2">
+            <a:extLst>
+              <a:ext uri="{28A0092B-C50C-407E-A947-70E740481C1C}">
+                <a14:useLocalDpi xmlns:a14="http://schemas.microsoft.com/office/drawing/2010/main" val="0"/>
+              </a:ext>
+            </a:extLst>
+          </a:blip>
+          <a:srcRect/>
+          <a:stretch>
+            <a:fillRect/>
+          </a:stretch>
+        </p:blipFill>
+        <p:spPr bwMode="auto">
+          <a:xfrm>
+            <a:off x="1909763" y="1433513"/>
+            <a:ext cx="5324475" cy="3990975"/>
+          </a:xfrm>
+          <a:prstGeom prst="rect">
+            <a:avLst/>
+          </a:prstGeom>
+          <a:noFill/>
+          <a:ln>
+            <a:noFill/>
+          </a:ln>
+          <a:effectLst/>
+          <a:extLst>
+            <a:ext uri="{909E8E84-426E-40DD-AFC4-6F175D3DCCD1}">
+              <a14:hiddenFill xmlns:a14="http://schemas.microsoft.com/office/drawing/2010/main">
+                <a:solidFill>
+                  <a:schemeClr val="accent1"/>
+                </a:solidFill>
+              </a14:hiddenFill>
+            </a:ext>
+            <a:ext uri="{91240B29-F687-4F45-9708-019B960494DF}">
+              <a14:hiddenLine xmlns:a14="http://schemas.microsoft.com/office/drawing/2010/main" w="9525">
+                <a:solidFill>
+                  <a:schemeClr val="tx1"/>
+                </a:solidFill>
+                <a:miter lim="800000"/>
+                <a:headEnd/>
+                <a:tailEnd/>
+              </a14:hiddenLine>
+            </a:ext>
+            <a:ext uri="{AF507438-7753-43E0-B8FC-AC1667EBCBE1}">
+              <a14:hiddenEffects xmlns:a14="http://schemas.microsoft.com/office/drawing/2010/main">
+                <a:effectLst>
+                  <a:outerShdw dist="35921" dir="2700000" algn="ctr" rotWithShape="0">
+                    <a:schemeClr val="bg2"/>
+                  </a:outerShdw>
+                </a:effectLst>
+              </a14:hiddenEffects>
+            </a:ext>
+          </a:extLst>
+        </p:spPr>
+      </p:pic>
+      <p:sp>
+        <p:nvSpPr>
+          <p:cNvPr id="4" name="이등변 삼각형 3"/>
+          <p:cNvSpPr/>
+          <p:nvPr/>
+        </p:nvSpPr>
+        <p:spPr>
+          <a:xfrm rot="6623615">
+            <a:off x="4014589" y="2993509"/>
+            <a:ext cx="97899" cy="102119"/>
+          </a:xfrm>
+          <a:prstGeom prst="triangle">
+            <a:avLst/>
+          </a:prstGeom>
+          <a:solidFill>
+            <a:srgbClr val="0000FF"/>
+          </a:solidFill>
+          <a:ln>
+            <a:noFill/>
+          </a:ln>
+        </p:spPr>
+        <p:style>
+          <a:lnRef idx="2">
+            <a:schemeClr val="accent1">
+              <a:shade val="50000"/>
+            </a:schemeClr>
+          </a:lnRef>
+          <a:fillRef idx="1">
+            <a:schemeClr val="accent1"/>
+          </a:fillRef>
+          <a:effectRef idx="0">
+            <a:schemeClr val="accent1"/>
+          </a:effectRef>
+          <a:fontRef idx="minor">
+            <a:schemeClr val="lt1"/>
+          </a:fontRef>
+        </p:style>
+        <p:txBody>
+          <a:bodyPr rtlCol="0" anchor="ctr"/>
+          <a:lstStyle/>
+          <a:p>
+            <a:pPr algn="ctr"/>
+            <a:endParaRPr lang="ko-KR" altLang="en-US"/>
+          </a:p>
+        </p:txBody>
+      </p:sp>
+      <p:sp>
+        <p:nvSpPr>
+          <p:cNvPr id="6" name="이등변 삼각형 5"/>
+          <p:cNvSpPr/>
+          <p:nvPr/>
+        </p:nvSpPr>
+        <p:spPr>
+          <a:xfrm rot="8972218">
+            <a:off x="4876000" y="2721534"/>
+            <a:ext cx="97899" cy="102119"/>
+          </a:xfrm>
+          <a:prstGeom prst="triangle">
+            <a:avLst/>
+          </a:prstGeom>
+          <a:solidFill>
+            <a:srgbClr val="0000FF"/>
+          </a:solidFill>
+          <a:ln>
+            <a:noFill/>
+          </a:ln>
+        </p:spPr>
+        <p:style>
+          <a:lnRef idx="2">
+            <a:schemeClr val="accent1">
+              <a:shade val="50000"/>
+            </a:schemeClr>
+          </a:lnRef>
+          <a:fillRef idx="1">
+            <a:schemeClr val="accent1"/>
+          </a:fillRef>
+          <a:effectRef idx="0">
+            <a:schemeClr val="accent1"/>
+          </a:effectRef>
+          <a:fontRef idx="minor">
+            <a:schemeClr val="lt1"/>
+          </a:fontRef>
+        </p:style>
+        <p:txBody>
+          <a:bodyPr rtlCol="0" anchor="ctr"/>
+          <a:lstStyle/>
+          <a:p>
+            <a:pPr algn="ctr"/>
+            <a:endParaRPr lang="ko-KR" altLang="en-US"/>
+          </a:p>
+        </p:txBody>
+      </p:sp>
+      <p:sp>
+        <p:nvSpPr>
+          <p:cNvPr id="7" name="이등변 삼각형 6"/>
+          <p:cNvSpPr/>
+          <p:nvPr/>
+        </p:nvSpPr>
+        <p:spPr>
+          <a:xfrm rot="12784490">
+            <a:off x="5304031" y="2872608"/>
+            <a:ext cx="97899" cy="102119"/>
+          </a:xfrm>
+          <a:prstGeom prst="triangle">
+            <a:avLst/>
+          </a:prstGeom>
+          <a:solidFill>
+            <a:srgbClr val="0000FF"/>
+          </a:solidFill>
+          <a:ln>
+            <a:noFill/>
+          </a:ln>
+        </p:spPr>
+        <p:style>
+          <a:lnRef idx="2">
+            <a:schemeClr val="accent1">
+              <a:shade val="50000"/>
+            </a:schemeClr>
+          </a:lnRef>
+          <a:fillRef idx="1">
+            <a:schemeClr val="accent1"/>
+          </a:fillRef>
+          <a:effectRef idx="0">
+            <a:schemeClr val="accent1"/>
+          </a:effectRef>
+          <a:fontRef idx="minor">
+            <a:schemeClr val="lt1"/>
+          </a:fontRef>
+        </p:style>
+        <p:txBody>
+          <a:bodyPr rtlCol="0" anchor="ctr"/>
+          <a:lstStyle/>
+          <a:p>
+            <a:pPr algn="ctr"/>
+            <a:endParaRPr lang="ko-KR" altLang="en-US"/>
+          </a:p>
+        </p:txBody>
+      </p:sp>
+      <p:sp>
+        <p:nvSpPr>
+          <p:cNvPr id="8" name="이등변 삼각형 7"/>
+          <p:cNvSpPr/>
+          <p:nvPr/>
+        </p:nvSpPr>
+        <p:spPr>
+          <a:xfrm rot="16200000">
+            <a:off x="5428046" y="3310566"/>
+            <a:ext cx="97899" cy="102119"/>
+          </a:xfrm>
+          <a:prstGeom prst="triangle">
+            <a:avLst/>
+          </a:prstGeom>
+          <a:solidFill>
+            <a:srgbClr val="0000FF"/>
+          </a:solidFill>
+          <a:ln>
+            <a:noFill/>
+          </a:ln>
+        </p:spPr>
+        <p:style>
+          <a:lnRef idx="2">
+            <a:schemeClr val="accent1">
+              <a:shade val="50000"/>
+            </a:schemeClr>
+          </a:lnRef>
+          <a:fillRef idx="1">
+            <a:schemeClr val="accent1"/>
+          </a:fillRef>
+          <a:effectRef idx="0">
+            <a:schemeClr val="accent1"/>
+          </a:effectRef>
+          <a:fontRef idx="minor">
+            <a:schemeClr val="lt1"/>
+          </a:fontRef>
+        </p:style>
+        <p:txBody>
+          <a:bodyPr rtlCol="0" anchor="ctr"/>
+          <a:lstStyle/>
+          <a:p>
+            <a:pPr algn="ctr"/>
+            <a:endParaRPr lang="ko-KR" altLang="en-US"/>
+          </a:p>
+        </p:txBody>
+      </p:sp>
+      <p:sp>
+        <p:nvSpPr>
+          <p:cNvPr id="9" name="이등변 삼각형 8"/>
+          <p:cNvSpPr/>
+          <p:nvPr/>
+        </p:nvSpPr>
+        <p:spPr>
+          <a:xfrm rot="18566251">
+            <a:off x="4883142" y="3835128"/>
+            <a:ext cx="97899" cy="102119"/>
+          </a:xfrm>
+          <a:prstGeom prst="triangle">
+            <a:avLst/>
+          </a:prstGeom>
+          <a:solidFill>
+            <a:srgbClr val="0000FF"/>
+          </a:solidFill>
+          <a:ln>
+            <a:noFill/>
+          </a:ln>
+        </p:spPr>
+        <p:style>
+          <a:lnRef idx="2">
+            <a:schemeClr val="accent1">
+              <a:shade val="50000"/>
+            </a:schemeClr>
+          </a:lnRef>
+          <a:fillRef idx="1">
+            <a:schemeClr val="accent1"/>
+          </a:fillRef>
+          <a:effectRef idx="0">
+            <a:schemeClr val="accent1"/>
+          </a:effectRef>
+          <a:fontRef idx="minor">
+            <a:schemeClr val="lt1"/>
+          </a:fontRef>
+        </p:style>
+        <p:txBody>
+          <a:bodyPr rtlCol="0" anchor="ctr"/>
+          <a:lstStyle/>
+          <a:p>
+            <a:pPr algn="ctr"/>
+            <a:endParaRPr lang="ko-KR" altLang="en-US"/>
+          </a:p>
+        </p:txBody>
+      </p:sp>
+      <p:sp>
+        <p:nvSpPr>
+          <p:cNvPr id="10" name="이등변 삼각형 9"/>
+          <p:cNvSpPr/>
+          <p:nvPr/>
+        </p:nvSpPr>
+        <p:spPr>
+          <a:xfrm rot="1343206">
+            <a:off x="3903336" y="3836807"/>
+            <a:ext cx="97899" cy="102119"/>
+          </a:xfrm>
+          <a:prstGeom prst="triangle">
+            <a:avLst/>
+          </a:prstGeom>
+          <a:solidFill>
+            <a:srgbClr val="0000FF"/>
+          </a:solidFill>
+          <a:ln>
+            <a:noFill/>
+          </a:ln>
+        </p:spPr>
+        <p:style>
+          <a:lnRef idx="2">
+            <a:schemeClr val="accent1">
+              <a:shade val="50000"/>
+            </a:schemeClr>
+          </a:lnRef>
+          <a:fillRef idx="1">
+            <a:schemeClr val="accent1"/>
+          </a:fillRef>
+          <a:effectRef idx="0">
+            <a:schemeClr val="accent1"/>
+          </a:effectRef>
+          <a:fontRef idx="minor">
+            <a:schemeClr val="lt1"/>
+          </a:fontRef>
+        </p:style>
+        <p:txBody>
+          <a:bodyPr rtlCol="0" anchor="ctr"/>
+          <a:lstStyle/>
+          <a:p>
+            <a:pPr algn="ctr"/>
+            <a:endParaRPr lang="ko-KR" altLang="en-US"/>
+          </a:p>
+        </p:txBody>
+      </p:sp>
+    </p:spTree>
+    <p:extLst>
+      <p:ext uri="{BB962C8B-B14F-4D97-AF65-F5344CB8AC3E}">
+        <p14:creationId xmlns:p14="http://schemas.microsoft.com/office/powerpoint/2010/main" val="2390451314"/>
       </p:ext>
     </p:extLst>
   </p:cSld>
@@ -4118,7 +4484,7 @@
                           <m:endChr m:val=""/>
                           <m:ctrlPr>
                             <a:rPr lang="en-US" altLang="ko-KR" i="1" smtClean="0">
-                              <a:latin typeface="Cambria Math"/>
+                              <a:latin typeface="Cambria Math" panose="02040503050406030204" pitchFamily="18" charset="0"/>
                             </a:rPr>
                           </m:ctrlPr>
                         </m:dPr>
@@ -4127,7 +4493,7 @@
                             <m:eqArrPr>
                               <m:ctrlPr>
                                 <a:rPr lang="en-US" altLang="ko-KR" i="1" smtClean="0">
-                                  <a:latin typeface="Cambria Math"/>
+                                  <a:latin typeface="Cambria Math" panose="02040503050406030204" pitchFamily="18" charset="0"/>
                                 </a:rPr>
                               </m:ctrlPr>
                             </m:eqArrPr>
@@ -4136,7 +4502,7 @@
                                 <m:fPr>
                                   <m:ctrlPr>
                                     <a:rPr lang="en-US" altLang="ko-KR" b="0" i="1" smtClean="0">
-                                      <a:latin typeface="Cambria Math"/>
+                                      <a:latin typeface="Cambria Math" panose="02040503050406030204" pitchFamily="18" charset="0"/>
                                     </a:rPr>
                                   </m:ctrlPr>
                                 </m:fPr>
@@ -4181,7 +4547,7 @@
                                 <m:fPr>
                                   <m:ctrlPr>
                                     <a:rPr lang="en-US" altLang="ko-KR" b="0" i="1" smtClean="0">
-                                      <a:latin typeface="Cambria Math"/>
+                                      <a:latin typeface="Cambria Math" panose="02040503050406030204" pitchFamily="18" charset="0"/>
                                     </a:rPr>
                                   </m:ctrlPr>
                                 </m:fPr>
@@ -4328,7 +4694,7 @@
                       <m:dPr>
                         <m:ctrlPr>
                           <a:rPr lang="en-US" altLang="ko-KR" b="0" i="1" smtClean="0">
-                            <a:latin typeface="Cambria Math"/>
+                            <a:latin typeface="Cambria Math" panose="02040503050406030204" pitchFamily="18" charset="0"/>
                           </a:rPr>
                         </m:ctrlPr>
                       </m:dPr>
@@ -4363,7 +4729,7 @@
                       <m:dPr>
                         <m:ctrlPr>
                           <a:rPr lang="en-US" altLang="ko-KR" b="0" i="1" smtClean="0">
-                            <a:latin typeface="Cambria Math"/>
+                            <a:latin typeface="Cambria Math" panose="02040503050406030204" pitchFamily="18" charset="0"/>
                           </a:rPr>
                         </m:ctrlPr>
                       </m:dPr>
@@ -4379,10 +4745,9 @@
                   </m:oMath>
                 </a14:m>
                 <a:r>
-                  <a:rPr lang="ko-KR" altLang="en-US" dirty="0" smtClean="0"/>
+                  <a:rPr lang="ko-KR" altLang="en-US" dirty="0"/>
                   <a:t>에서</a:t>
                 </a:r>
-                <a:endParaRPr lang="ko-KR" altLang="en-US" dirty="0"/>
               </a:p>
             </p:txBody>
           </p:sp>
@@ -4504,7 +4869,7 @@
                         <m:dPr>
                           <m:ctrlPr>
                             <a:rPr lang="en-US" altLang="ko-KR" i="1">
-                              <a:latin typeface="Cambria Math"/>
+                              <a:latin typeface="Cambria Math" panose="02040503050406030204" pitchFamily="18" charset="0"/>
                             </a:rPr>
                           </m:ctrlPr>
                         </m:dPr>
@@ -4598,7 +4963,7 @@
                         <m:dPr>
                           <m:ctrlPr>
                             <a:rPr lang="en-US" altLang="ko-KR" i="1" smtClean="0">
-                              <a:latin typeface="Cambria Math"/>
+                              <a:latin typeface="Cambria Math" panose="02040503050406030204" pitchFamily="18" charset="0"/>
                             </a:rPr>
                           </m:ctrlPr>
                         </m:dPr>
@@ -4801,7 +5166,7 @@
                         <m:fPr>
                           <m:ctrlPr>
                             <a:rPr lang="en-US" altLang="ko-KR" sz="1200" b="0" i="1" dirty="0" smtClean="0">
-                              <a:latin typeface="Cambria Math"/>
+                              <a:latin typeface="Cambria Math" panose="02040503050406030204" pitchFamily="18" charset="0"/>
                             </a:rPr>
                           </m:ctrlPr>
                         </m:fPr>
@@ -4918,7 +5283,7 @@
                         <m:fPr>
                           <m:ctrlPr>
                             <a:rPr lang="en-US" altLang="ko-KR" sz="1200" b="0" i="1" dirty="0" smtClean="0">
-                              <a:latin typeface="Cambria Math"/>
+                              <a:latin typeface="Cambria Math" panose="02040503050406030204" pitchFamily="18" charset="0"/>
                             </a:rPr>
                           </m:ctrlPr>
                         </m:fPr>
@@ -5625,6 +5990,156 @@
       </p:grpSpPr>
       <p:pic>
         <p:nvPicPr>
+          <p:cNvPr id="11" name="그림 10">
+            <a:extLst>
+              <a:ext uri="{FF2B5EF4-FFF2-40B4-BE49-F238E27FC236}">
+                <a16:creationId xmlns:a16="http://schemas.microsoft.com/office/drawing/2014/main" id="{F905255B-9403-42D7-81F7-C4503EA82713}"/>
+              </a:ext>
+            </a:extLst>
+          </p:cNvPr>
+          <p:cNvPicPr>
+            <a:picLocks noChangeAspect="1"/>
+          </p:cNvPicPr>
+          <p:nvPr/>
+        </p:nvPicPr>
+        <p:blipFill>
+          <a:blip r:embed="rId2"/>
+          <a:stretch>
+            <a:fillRect/>
+          </a:stretch>
+        </p:blipFill>
+        <p:spPr>
+          <a:xfrm>
+            <a:off x="0" y="1546412"/>
+            <a:ext cx="9144000" cy="3765176"/>
+          </a:xfrm>
+          <a:prstGeom prst="rect">
+            <a:avLst/>
+          </a:prstGeom>
+        </p:spPr>
+      </p:pic>
+    </p:spTree>
+    <p:extLst>
+      <p:ext uri="{BB962C8B-B14F-4D97-AF65-F5344CB8AC3E}">
+        <p14:creationId xmlns:p14="http://schemas.microsoft.com/office/powerpoint/2010/main" val="3930267673"/>
+      </p:ext>
+    </p:extLst>
+  </p:cSld>
+  <p:clrMapOvr>
+    <a:masterClrMapping/>
+  </p:clrMapOvr>
+</p:sld>
+</file>
+
+<file path=ppt/slides/slide7.xml><?xml version="1.0" encoding="utf-8"?>
+<p:sld xmlns:a="http://schemas.openxmlformats.org/drawingml/2006/main" xmlns:r="http://schemas.openxmlformats.org/officeDocument/2006/relationships" xmlns:p="http://schemas.openxmlformats.org/presentationml/2006/main">
+  <p:cSld>
+    <p:spTree>
+      <p:nvGrpSpPr>
+        <p:cNvPr id="1" name=""/>
+        <p:cNvGrpSpPr/>
+        <p:nvPr/>
+      </p:nvGrpSpPr>
+      <p:grpSpPr>
+        <a:xfrm>
+          <a:off x="0" y="0"/>
+          <a:ext cx="0" cy="0"/>
+          <a:chOff x="0" y="0"/>
+          <a:chExt cx="0" cy="0"/>
+        </a:xfrm>
+      </p:grpSpPr>
+      <p:pic>
+        <p:nvPicPr>
+          <p:cNvPr id="5" name="그림 4">
+            <a:extLst>
+              <a:ext uri="{FF2B5EF4-FFF2-40B4-BE49-F238E27FC236}">
+                <a16:creationId xmlns:a16="http://schemas.microsoft.com/office/drawing/2014/main" id="{11235BA3-4662-4DBF-9DFD-A5475FF58E11}"/>
+              </a:ext>
+            </a:extLst>
+          </p:cNvPr>
+          <p:cNvPicPr>
+            <a:picLocks noChangeAspect="1"/>
+          </p:cNvPicPr>
+          <p:nvPr/>
+        </p:nvPicPr>
+        <p:blipFill>
+          <a:blip r:embed="rId2"/>
+          <a:stretch>
+            <a:fillRect/>
+          </a:stretch>
+        </p:blipFill>
+        <p:spPr>
+          <a:xfrm>
+            <a:off x="0" y="0"/>
+            <a:ext cx="9144000" cy="3368842"/>
+          </a:xfrm>
+          <a:prstGeom prst="rect">
+            <a:avLst/>
+          </a:prstGeom>
+        </p:spPr>
+      </p:pic>
+      <p:pic>
+        <p:nvPicPr>
+          <p:cNvPr id="7" name="그림 6">
+            <a:extLst>
+              <a:ext uri="{FF2B5EF4-FFF2-40B4-BE49-F238E27FC236}">
+                <a16:creationId xmlns:a16="http://schemas.microsoft.com/office/drawing/2014/main" id="{82541367-1BC0-4544-A0E6-903074F6C421}"/>
+              </a:ext>
+            </a:extLst>
+          </p:cNvPr>
+          <p:cNvPicPr>
+            <a:picLocks noChangeAspect="1"/>
+          </p:cNvPicPr>
+          <p:nvPr/>
+        </p:nvPicPr>
+        <p:blipFill>
+          <a:blip r:embed="rId3"/>
+          <a:stretch>
+            <a:fillRect/>
+          </a:stretch>
+        </p:blipFill>
+        <p:spPr>
+          <a:xfrm>
+            <a:off x="0" y="3489158"/>
+            <a:ext cx="9144000" cy="3368842"/>
+          </a:xfrm>
+          <a:prstGeom prst="rect">
+            <a:avLst/>
+          </a:prstGeom>
+        </p:spPr>
+      </p:pic>
+    </p:spTree>
+    <p:extLst>
+      <p:ext uri="{BB962C8B-B14F-4D97-AF65-F5344CB8AC3E}">
+        <p14:creationId xmlns:p14="http://schemas.microsoft.com/office/powerpoint/2010/main" val="104548719"/>
+      </p:ext>
+    </p:extLst>
+  </p:cSld>
+  <p:clrMapOvr>
+    <a:masterClrMapping/>
+  </p:clrMapOvr>
+</p:sld>
+</file>
+
+<file path=ppt/slides/slide8.xml><?xml version="1.0" encoding="utf-8"?>
+<p:sld xmlns:a="http://schemas.openxmlformats.org/drawingml/2006/main" xmlns:r="http://schemas.openxmlformats.org/officeDocument/2006/relationships" xmlns:p="http://schemas.openxmlformats.org/presentationml/2006/main">
+  <p:cSld>
+    <p:spTree>
+      <p:nvGrpSpPr>
+        <p:cNvPr id="1" name=""/>
+        <p:cNvGrpSpPr/>
+        <p:nvPr/>
+      </p:nvGrpSpPr>
+      <p:grpSpPr>
+        <a:xfrm>
+          <a:off x="0" y="0"/>
+          <a:ext cx="0" cy="0"/>
+          <a:chOff x="0" y="0"/>
+          <a:chExt cx="0" cy="0"/>
+        </a:xfrm>
+      </p:grpSpPr>
+      <p:pic>
+        <p:nvPicPr>
           <p:cNvPr id="1026" name="Picture 2"/>
           <p:cNvPicPr>
             <a:picLocks noChangeAspect="1" noChangeArrowheads="1"/>
@@ -5939,7 +6454,7 @@
                   </m:oMath>
                 </a14:m>
                 <a:r>
-                  <a:rPr lang="en-US" altLang="ko-KR" sz="1100" dirty="0" smtClean="0"/>
+                  <a:rPr lang="en-US" altLang="ko-KR" sz="1100" dirty="0"/>
                   <a:t>6</a:t>
                 </a:r>
                 <a:endParaRPr lang="ko-KR" altLang="en-US" sz="1100" dirty="0"/>
@@ -6039,7 +6554,7 @@
                   </m:oMath>
                 </a14:m>
                 <a:r>
-                  <a:rPr lang="en-US" altLang="ko-KR" sz="1100" dirty="0" smtClean="0"/>
+                  <a:rPr lang="en-US" altLang="ko-KR" sz="1100" dirty="0"/>
                   <a:t>9</a:t>
                 </a:r>
                 <a:endParaRPr lang="ko-KR" altLang="en-US" sz="1100" dirty="0"/>
@@ -6139,7 +6654,7 @@
                   </m:oMath>
                 </a14:m>
                 <a:r>
-                  <a:rPr lang="en-US" altLang="ko-KR" sz="1100" dirty="0" smtClean="0"/>
+                  <a:rPr lang="en-US" altLang="ko-KR" sz="1100" dirty="0"/>
                   <a:t>2</a:t>
                 </a:r>
                 <a:endParaRPr lang="ko-KR" altLang="en-US" sz="1100" dirty="0"/>
@@ -6264,7 +6779,7 @@
               <a:lstStyle/>
               <a:p>
                 <a:r>
-                  <a:rPr lang="en-US" altLang="ko-KR" dirty="0" smtClean="0"/>
+                  <a:rPr lang="en-US" altLang="ko-KR" dirty="0"/>
                   <a:t>: </a:t>
                 </a:r>
                 <a14:m>
@@ -6275,7 +6790,7 @@
                         <m:endChr m:val="]"/>
                         <m:ctrlPr>
                           <a:rPr lang="en-US" altLang="ko-KR" i="1" smtClean="0">
-                            <a:latin typeface="Cambria Math"/>
+                            <a:latin typeface="Cambria Math" panose="02040503050406030204" pitchFamily="18" charset="0"/>
                           </a:rPr>
                         </m:ctrlPr>
                       </m:dPr>
@@ -6292,7 +6807,7 @@
                             </m:mcs>
                             <m:ctrlPr>
                               <a:rPr lang="en-US" altLang="ko-KR" i="1">
-                                <a:latin typeface="Cambria Math"/>
+                                <a:latin typeface="Cambria Math" panose="02040503050406030204" pitchFamily="18" charset="0"/>
                               </a:rPr>
                             </m:ctrlPr>
                           </m:mPr>
@@ -6368,7 +6883,7 @@
                       <m:fPr>
                         <m:ctrlPr>
                           <a:rPr lang="en-US" altLang="ko-KR" b="0" i="1" smtClean="0">
-                            <a:latin typeface="Cambria Math"/>
+                            <a:latin typeface="Cambria Math" panose="02040503050406030204" pitchFamily="18" charset="0"/>
                           </a:rPr>
                         </m:ctrlPr>
                       </m:fPr>
@@ -6395,7 +6910,7 @@
                         <m:endChr m:val="]"/>
                         <m:ctrlPr>
                           <a:rPr lang="en-US" altLang="ko-KR" b="0" i="1" smtClean="0">
-                            <a:latin typeface="Cambria Math"/>
+                            <a:latin typeface="Cambria Math" panose="02040503050406030204" pitchFamily="18" charset="0"/>
                           </a:rPr>
                         </m:ctrlPr>
                       </m:dPr>
@@ -6412,7 +6927,7 @@
                             </m:mcs>
                             <m:ctrlPr>
                               <a:rPr lang="en-US" altLang="ko-KR" b="0" i="1" smtClean="0">
-                                <a:latin typeface="Cambria Math"/>
+                                <a:latin typeface="Cambria Math" panose="02040503050406030204" pitchFamily="18" charset="0"/>
                               </a:rPr>
                             </m:ctrlPr>
                           </m:mPr>
@@ -6452,7 +6967,7 @@
                       <m:sSupPr>
                         <m:ctrlPr>
                           <a:rPr lang="en-US" altLang="ko-KR" b="0" i="1" smtClean="0">
-                            <a:latin typeface="Cambria Math"/>
+                            <a:latin typeface="Cambria Math" panose="02040503050406030204" pitchFamily="18" charset="0"/>
                           </a:rPr>
                         </m:ctrlPr>
                       </m:sSupPr>
@@ -6489,7 +7004,7 @@
                       <m:fPr>
                         <m:ctrlPr>
                           <a:rPr lang="en-US" altLang="ko-KR" i="1">
-                            <a:latin typeface="Cambria Math"/>
+                            <a:latin typeface="Cambria Math" panose="02040503050406030204" pitchFamily="18" charset="0"/>
                           </a:rPr>
                         </m:ctrlPr>
                       </m:fPr>
@@ -6516,7 +7031,7 @@
                         <m:endChr m:val="]"/>
                         <m:ctrlPr>
                           <a:rPr lang="en-US" altLang="ko-KR" i="1">
-                            <a:latin typeface="Cambria Math"/>
+                            <a:latin typeface="Cambria Math" panose="02040503050406030204" pitchFamily="18" charset="0"/>
                           </a:rPr>
                         </m:ctrlPr>
                       </m:dPr>
@@ -6533,7 +7048,7 @@
                             </m:mcs>
                             <m:ctrlPr>
                               <a:rPr lang="en-US" altLang="ko-KR" i="1">
-                                <a:latin typeface="Cambria Math"/>
+                                <a:latin typeface="Cambria Math" panose="02040503050406030204" pitchFamily="18" charset="0"/>
                               </a:rPr>
                             </m:ctrlPr>
                           </m:mPr>
@@ -6564,7 +7079,7 @@
                       <m:sSupPr>
                         <m:ctrlPr>
                           <a:rPr lang="en-US" altLang="ko-KR" i="1">
-                            <a:latin typeface="Cambria Math"/>
+                            <a:latin typeface="Cambria Math" panose="02040503050406030204" pitchFamily="18" charset="0"/>
                           </a:rPr>
                         </m:ctrlPr>
                       </m:sSupPr>
@@ -6679,7 +7194,7 @@
 </p:sld>
 </file>
 
-<file path=ppt/slides/slide7.xml><?xml version="1.0" encoding="utf-8"?>
+<file path=ppt/slides/slide9.xml><?xml version="1.0" encoding="utf-8"?>
 <p:sld xmlns:a="http://schemas.openxmlformats.org/drawingml/2006/main" xmlns:r="http://schemas.openxmlformats.org/officeDocument/2006/relationships" xmlns:p="http://schemas.openxmlformats.org/presentationml/2006/main">
   <p:cSld>
     <p:spTree>
@@ -6764,376 +7279,6 @@
     <p:extLst>
       <p:ext uri="{BB962C8B-B14F-4D97-AF65-F5344CB8AC3E}">
         <p14:creationId xmlns:p14="http://schemas.microsoft.com/office/powerpoint/2010/main" val="1879944839"/>
-      </p:ext>
-    </p:extLst>
-  </p:cSld>
-  <p:clrMapOvr>
-    <a:masterClrMapping/>
-  </p:clrMapOvr>
-</p:sld>
-</file>
-
-<file path=ppt/slides/slide8.xml><?xml version="1.0" encoding="utf-8"?>
-<p:sld xmlns:a="http://schemas.openxmlformats.org/drawingml/2006/main" xmlns:r="http://schemas.openxmlformats.org/officeDocument/2006/relationships" xmlns:p="http://schemas.openxmlformats.org/presentationml/2006/main">
-  <p:cSld>
-    <p:spTree>
-      <p:nvGrpSpPr>
-        <p:cNvPr id="1" name=""/>
-        <p:cNvGrpSpPr/>
-        <p:nvPr/>
-      </p:nvGrpSpPr>
-      <p:grpSpPr>
-        <a:xfrm>
-          <a:off x="0" y="0"/>
-          <a:ext cx="0" cy="0"/>
-          <a:chOff x="0" y="0"/>
-          <a:chExt cx="0" cy="0"/>
-        </a:xfrm>
-      </p:grpSpPr>
-      <p:pic>
-        <p:nvPicPr>
-          <p:cNvPr id="1026" name="Picture 2"/>
-          <p:cNvPicPr>
-            <a:picLocks noChangeAspect="1" noChangeArrowheads="1"/>
-          </p:cNvPicPr>
-          <p:nvPr/>
-        </p:nvPicPr>
-        <p:blipFill>
-          <a:blip r:embed="rId2">
-            <a:extLst>
-              <a:ext uri="{28A0092B-C50C-407E-A947-70E740481C1C}">
-                <a14:useLocalDpi xmlns:a14="http://schemas.microsoft.com/office/drawing/2010/main" val="0"/>
-              </a:ext>
-            </a:extLst>
-          </a:blip>
-          <a:srcRect/>
-          <a:stretch>
-            <a:fillRect/>
-          </a:stretch>
-        </p:blipFill>
-        <p:spPr bwMode="auto">
-          <a:xfrm>
-            <a:off x="1909763" y="1433513"/>
-            <a:ext cx="5324475" cy="3990975"/>
-          </a:xfrm>
-          <a:prstGeom prst="rect">
-            <a:avLst/>
-          </a:prstGeom>
-          <a:noFill/>
-          <a:ln>
-            <a:noFill/>
-          </a:ln>
-          <a:effectLst/>
-          <a:extLst>
-            <a:ext uri="{909E8E84-426E-40DD-AFC4-6F175D3DCCD1}">
-              <a14:hiddenFill xmlns:a14="http://schemas.microsoft.com/office/drawing/2010/main">
-                <a:solidFill>
-                  <a:schemeClr val="accent1"/>
-                </a:solidFill>
-              </a14:hiddenFill>
-            </a:ext>
-            <a:ext uri="{91240B29-F687-4F45-9708-019B960494DF}">
-              <a14:hiddenLine xmlns:a14="http://schemas.microsoft.com/office/drawing/2010/main" w="9525">
-                <a:solidFill>
-                  <a:schemeClr val="tx1"/>
-                </a:solidFill>
-                <a:miter lim="800000"/>
-                <a:headEnd/>
-                <a:tailEnd/>
-              </a14:hiddenLine>
-            </a:ext>
-            <a:ext uri="{AF507438-7753-43E0-B8FC-AC1667EBCBE1}">
-              <a14:hiddenEffects xmlns:a14="http://schemas.microsoft.com/office/drawing/2010/main">
-                <a:effectLst>
-                  <a:outerShdw dist="35921" dir="2700000" algn="ctr" rotWithShape="0">
-                    <a:schemeClr val="bg2"/>
-                  </a:outerShdw>
-                </a:effectLst>
-              </a14:hiddenEffects>
-            </a:ext>
-          </a:extLst>
-        </p:spPr>
-      </p:pic>
-      <p:sp>
-        <p:nvSpPr>
-          <p:cNvPr id="4" name="이등변 삼각형 3"/>
-          <p:cNvSpPr/>
-          <p:nvPr/>
-        </p:nvSpPr>
-        <p:spPr>
-          <a:xfrm rot="6623615">
-            <a:off x="4014589" y="2993509"/>
-            <a:ext cx="97899" cy="102119"/>
-          </a:xfrm>
-          <a:prstGeom prst="triangle">
-            <a:avLst/>
-          </a:prstGeom>
-          <a:solidFill>
-            <a:srgbClr val="0000FF"/>
-          </a:solidFill>
-          <a:ln>
-            <a:noFill/>
-          </a:ln>
-        </p:spPr>
-        <p:style>
-          <a:lnRef idx="2">
-            <a:schemeClr val="accent1">
-              <a:shade val="50000"/>
-            </a:schemeClr>
-          </a:lnRef>
-          <a:fillRef idx="1">
-            <a:schemeClr val="accent1"/>
-          </a:fillRef>
-          <a:effectRef idx="0">
-            <a:schemeClr val="accent1"/>
-          </a:effectRef>
-          <a:fontRef idx="minor">
-            <a:schemeClr val="lt1"/>
-          </a:fontRef>
-        </p:style>
-        <p:txBody>
-          <a:bodyPr rtlCol="0" anchor="ctr"/>
-          <a:lstStyle/>
-          <a:p>
-            <a:pPr algn="ctr"/>
-            <a:endParaRPr lang="ko-KR" altLang="en-US"/>
-          </a:p>
-        </p:txBody>
-      </p:sp>
-      <p:sp>
-        <p:nvSpPr>
-          <p:cNvPr id="6" name="이등변 삼각형 5"/>
-          <p:cNvSpPr/>
-          <p:nvPr/>
-        </p:nvSpPr>
-        <p:spPr>
-          <a:xfrm rot="8972218">
-            <a:off x="4876000" y="2721534"/>
-            <a:ext cx="97899" cy="102119"/>
-          </a:xfrm>
-          <a:prstGeom prst="triangle">
-            <a:avLst/>
-          </a:prstGeom>
-          <a:solidFill>
-            <a:srgbClr val="0000FF"/>
-          </a:solidFill>
-          <a:ln>
-            <a:noFill/>
-          </a:ln>
-        </p:spPr>
-        <p:style>
-          <a:lnRef idx="2">
-            <a:schemeClr val="accent1">
-              <a:shade val="50000"/>
-            </a:schemeClr>
-          </a:lnRef>
-          <a:fillRef idx="1">
-            <a:schemeClr val="accent1"/>
-          </a:fillRef>
-          <a:effectRef idx="0">
-            <a:schemeClr val="accent1"/>
-          </a:effectRef>
-          <a:fontRef idx="minor">
-            <a:schemeClr val="lt1"/>
-          </a:fontRef>
-        </p:style>
-        <p:txBody>
-          <a:bodyPr rtlCol="0" anchor="ctr"/>
-          <a:lstStyle/>
-          <a:p>
-            <a:pPr algn="ctr"/>
-            <a:endParaRPr lang="ko-KR" altLang="en-US"/>
-          </a:p>
-        </p:txBody>
-      </p:sp>
-      <p:sp>
-        <p:nvSpPr>
-          <p:cNvPr id="7" name="이등변 삼각형 6"/>
-          <p:cNvSpPr/>
-          <p:nvPr/>
-        </p:nvSpPr>
-        <p:spPr>
-          <a:xfrm rot="12784490">
-            <a:off x="5304031" y="2872608"/>
-            <a:ext cx="97899" cy="102119"/>
-          </a:xfrm>
-          <a:prstGeom prst="triangle">
-            <a:avLst/>
-          </a:prstGeom>
-          <a:solidFill>
-            <a:srgbClr val="0000FF"/>
-          </a:solidFill>
-          <a:ln>
-            <a:noFill/>
-          </a:ln>
-        </p:spPr>
-        <p:style>
-          <a:lnRef idx="2">
-            <a:schemeClr val="accent1">
-              <a:shade val="50000"/>
-            </a:schemeClr>
-          </a:lnRef>
-          <a:fillRef idx="1">
-            <a:schemeClr val="accent1"/>
-          </a:fillRef>
-          <a:effectRef idx="0">
-            <a:schemeClr val="accent1"/>
-          </a:effectRef>
-          <a:fontRef idx="minor">
-            <a:schemeClr val="lt1"/>
-          </a:fontRef>
-        </p:style>
-        <p:txBody>
-          <a:bodyPr rtlCol="0" anchor="ctr"/>
-          <a:lstStyle/>
-          <a:p>
-            <a:pPr algn="ctr"/>
-            <a:endParaRPr lang="ko-KR" altLang="en-US"/>
-          </a:p>
-        </p:txBody>
-      </p:sp>
-      <p:sp>
-        <p:nvSpPr>
-          <p:cNvPr id="8" name="이등변 삼각형 7"/>
-          <p:cNvSpPr/>
-          <p:nvPr/>
-        </p:nvSpPr>
-        <p:spPr>
-          <a:xfrm rot="16200000">
-            <a:off x="5428046" y="3310566"/>
-            <a:ext cx="97899" cy="102119"/>
-          </a:xfrm>
-          <a:prstGeom prst="triangle">
-            <a:avLst/>
-          </a:prstGeom>
-          <a:solidFill>
-            <a:srgbClr val="0000FF"/>
-          </a:solidFill>
-          <a:ln>
-            <a:noFill/>
-          </a:ln>
-        </p:spPr>
-        <p:style>
-          <a:lnRef idx="2">
-            <a:schemeClr val="accent1">
-              <a:shade val="50000"/>
-            </a:schemeClr>
-          </a:lnRef>
-          <a:fillRef idx="1">
-            <a:schemeClr val="accent1"/>
-          </a:fillRef>
-          <a:effectRef idx="0">
-            <a:schemeClr val="accent1"/>
-          </a:effectRef>
-          <a:fontRef idx="minor">
-            <a:schemeClr val="lt1"/>
-          </a:fontRef>
-        </p:style>
-        <p:txBody>
-          <a:bodyPr rtlCol="0" anchor="ctr"/>
-          <a:lstStyle/>
-          <a:p>
-            <a:pPr algn="ctr"/>
-            <a:endParaRPr lang="ko-KR" altLang="en-US"/>
-          </a:p>
-        </p:txBody>
-      </p:sp>
-      <p:sp>
-        <p:nvSpPr>
-          <p:cNvPr id="9" name="이등변 삼각형 8"/>
-          <p:cNvSpPr/>
-          <p:nvPr/>
-        </p:nvSpPr>
-        <p:spPr>
-          <a:xfrm rot="18566251">
-            <a:off x="4883142" y="3835128"/>
-            <a:ext cx="97899" cy="102119"/>
-          </a:xfrm>
-          <a:prstGeom prst="triangle">
-            <a:avLst/>
-          </a:prstGeom>
-          <a:solidFill>
-            <a:srgbClr val="0000FF"/>
-          </a:solidFill>
-          <a:ln>
-            <a:noFill/>
-          </a:ln>
-        </p:spPr>
-        <p:style>
-          <a:lnRef idx="2">
-            <a:schemeClr val="accent1">
-              <a:shade val="50000"/>
-            </a:schemeClr>
-          </a:lnRef>
-          <a:fillRef idx="1">
-            <a:schemeClr val="accent1"/>
-          </a:fillRef>
-          <a:effectRef idx="0">
-            <a:schemeClr val="accent1"/>
-          </a:effectRef>
-          <a:fontRef idx="minor">
-            <a:schemeClr val="lt1"/>
-          </a:fontRef>
-        </p:style>
-        <p:txBody>
-          <a:bodyPr rtlCol="0" anchor="ctr"/>
-          <a:lstStyle/>
-          <a:p>
-            <a:pPr algn="ctr"/>
-            <a:endParaRPr lang="ko-KR" altLang="en-US"/>
-          </a:p>
-        </p:txBody>
-      </p:sp>
-      <p:sp>
-        <p:nvSpPr>
-          <p:cNvPr id="10" name="이등변 삼각형 9"/>
-          <p:cNvSpPr/>
-          <p:nvPr/>
-        </p:nvSpPr>
-        <p:spPr>
-          <a:xfrm rot="1343206">
-            <a:off x="3903336" y="3836807"/>
-            <a:ext cx="97899" cy="102119"/>
-          </a:xfrm>
-          <a:prstGeom prst="triangle">
-            <a:avLst/>
-          </a:prstGeom>
-          <a:solidFill>
-            <a:srgbClr val="0000FF"/>
-          </a:solidFill>
-          <a:ln>
-            <a:noFill/>
-          </a:ln>
-        </p:spPr>
-        <p:style>
-          <a:lnRef idx="2">
-            <a:schemeClr val="accent1">
-              <a:shade val="50000"/>
-            </a:schemeClr>
-          </a:lnRef>
-          <a:fillRef idx="1">
-            <a:schemeClr val="accent1"/>
-          </a:fillRef>
-          <a:effectRef idx="0">
-            <a:schemeClr val="accent1"/>
-          </a:effectRef>
-          <a:fontRef idx="minor">
-            <a:schemeClr val="lt1"/>
-          </a:fontRef>
-        </p:style>
-        <p:txBody>
-          <a:bodyPr rtlCol="0" anchor="ctr"/>
-          <a:lstStyle/>
-          <a:p>
-            <a:pPr algn="ctr"/>
-            <a:endParaRPr lang="ko-KR" altLang="en-US"/>
-          </a:p>
-        </p:txBody>
-      </p:sp>
-    </p:spTree>
-    <p:extLst>
-      <p:ext uri="{BB962C8B-B14F-4D97-AF65-F5344CB8AC3E}">
-        <p14:creationId xmlns:p14="http://schemas.microsoft.com/office/powerpoint/2010/main" val="2390451314"/>
       </p:ext>
     </p:extLst>
   </p:cSld>

--- a/pics/2021-05-12-phase_plane/pics.pptx
+++ b/pics/2021-05-12-phase_plane/pics.pptx
@@ -5,7 +5,7 @@
     <p:sldMasterId id="2147483648" r:id="rId1"/>
   </p:sldMasterIdLst>
   <p:notesMasterIdLst>
-    <p:notesMasterId r:id="rId12"/>
+    <p:notesMasterId r:id="rId13"/>
   </p:notesMasterIdLst>
   <p:sldIdLst>
     <p:sldId id="256" r:id="rId2"/>
@@ -15,9 +15,10 @@
     <p:sldId id="260" r:id="rId6"/>
     <p:sldId id="264" r:id="rId7"/>
     <p:sldId id="265" r:id="rId8"/>
-    <p:sldId id="261" r:id="rId9"/>
-    <p:sldId id="262" r:id="rId10"/>
-    <p:sldId id="263" r:id="rId11"/>
+    <p:sldId id="266" r:id="rId9"/>
+    <p:sldId id="261" r:id="rId10"/>
+    <p:sldId id="262" r:id="rId11"/>
+    <p:sldId id="263" r:id="rId12"/>
   </p:sldIdLst>
   <p:sldSz cx="9144000" cy="6858000" type="screen4x3"/>
   <p:notesSz cx="6858000" cy="9144000"/>
@@ -118,7 +119,7 @@
   </p:defaultTextStyle>
   <p:extLst>
     <p:ext uri="{EFAFB233-063F-42B5-8137-9DF3F51BA10A}">
-      <p15:sldGuideLst xmlns:p15="http://schemas.microsoft.com/office/powerpoint/2012/main">
+      <p15:sldGuideLst xmlns:p15="http://schemas.microsoft.com/office/powerpoint/2012/main" xmlns="">
         <p15:guide id="1" orient="horz" pos="2160">
           <p15:clr>
             <a:srgbClr val="A4A3A4"/>
@@ -217,7 +218,7 @@
           <a:p>
             <a:fld id="{57DB3EF5-7569-4EDB-9E86-E8DF12D1AC4B}" type="datetimeFigureOut">
               <a:rPr lang="ko-KR" altLang="en-US" smtClean="0"/>
-              <a:t>2021-06-20</a:t>
+              <a:t>2021-06-21</a:t>
             </a:fld>
             <a:endParaRPr lang="ko-KR" altLang="en-US"/>
           </a:p>
@@ -663,7 +664,7 @@
           <a:p>
             <a:fld id="{FB30EDBD-1C2D-4C1E-B459-B60219FAB484}" type="datetimeFigureOut">
               <a:rPr lang="ko-KR" altLang="en-US" smtClean="0"/>
-              <a:t>2021-06-20</a:t>
+              <a:t>2021-06-21</a:t>
             </a:fld>
             <a:endParaRPr lang="ko-KR" altLang="en-US"/>
           </a:p>
@@ -826,7 +827,7 @@
           <a:p>
             <a:fld id="{FB30EDBD-1C2D-4C1E-B459-B60219FAB484}" type="datetimeFigureOut">
               <a:rPr lang="ko-KR" altLang="en-US" smtClean="0"/>
-              <a:t>2021-06-20</a:t>
+              <a:t>2021-06-21</a:t>
             </a:fld>
             <a:endParaRPr lang="ko-KR" altLang="en-US"/>
           </a:p>
@@ -999,7 +1000,7 @@
           <a:p>
             <a:fld id="{FB30EDBD-1C2D-4C1E-B459-B60219FAB484}" type="datetimeFigureOut">
               <a:rPr lang="ko-KR" altLang="en-US" smtClean="0"/>
-              <a:t>2021-06-20</a:t>
+              <a:t>2021-06-21</a:t>
             </a:fld>
             <a:endParaRPr lang="ko-KR" altLang="en-US"/>
           </a:p>
@@ -1162,7 +1163,7 @@
           <a:p>
             <a:fld id="{FB30EDBD-1C2D-4C1E-B459-B60219FAB484}" type="datetimeFigureOut">
               <a:rPr lang="ko-KR" altLang="en-US" smtClean="0"/>
-              <a:t>2021-06-20</a:t>
+              <a:t>2021-06-21</a:t>
             </a:fld>
             <a:endParaRPr lang="ko-KR" altLang="en-US"/>
           </a:p>
@@ -1402,7 +1403,7 @@
           <a:p>
             <a:fld id="{FB30EDBD-1C2D-4C1E-B459-B60219FAB484}" type="datetimeFigureOut">
               <a:rPr lang="ko-KR" altLang="en-US" smtClean="0"/>
-              <a:t>2021-06-20</a:t>
+              <a:t>2021-06-21</a:t>
             </a:fld>
             <a:endParaRPr lang="ko-KR" altLang="en-US"/>
           </a:p>
@@ -1682,7 +1683,7 @@
           <a:p>
             <a:fld id="{FB30EDBD-1C2D-4C1E-B459-B60219FAB484}" type="datetimeFigureOut">
               <a:rPr lang="ko-KR" altLang="en-US" smtClean="0"/>
-              <a:t>2021-06-20</a:t>
+              <a:t>2021-06-21</a:t>
             </a:fld>
             <a:endParaRPr lang="ko-KR" altLang="en-US"/>
           </a:p>
@@ -2096,7 +2097,7 @@
           <a:p>
             <a:fld id="{FB30EDBD-1C2D-4C1E-B459-B60219FAB484}" type="datetimeFigureOut">
               <a:rPr lang="ko-KR" altLang="en-US" smtClean="0"/>
-              <a:t>2021-06-20</a:t>
+              <a:t>2021-06-21</a:t>
             </a:fld>
             <a:endParaRPr lang="ko-KR" altLang="en-US"/>
           </a:p>
@@ -2208,7 +2209,7 @@
           <a:p>
             <a:fld id="{FB30EDBD-1C2D-4C1E-B459-B60219FAB484}" type="datetimeFigureOut">
               <a:rPr lang="ko-KR" altLang="en-US" smtClean="0"/>
-              <a:t>2021-06-20</a:t>
+              <a:t>2021-06-21</a:t>
             </a:fld>
             <a:endParaRPr lang="ko-KR" altLang="en-US"/>
           </a:p>
@@ -2298,7 +2299,7 @@
           <a:p>
             <a:fld id="{FB30EDBD-1C2D-4C1E-B459-B60219FAB484}" type="datetimeFigureOut">
               <a:rPr lang="ko-KR" altLang="en-US" smtClean="0"/>
-              <a:t>2021-06-20</a:t>
+              <a:t>2021-06-21</a:t>
             </a:fld>
             <a:endParaRPr lang="ko-KR" altLang="en-US"/>
           </a:p>
@@ -2568,7 +2569,7 @@
           <a:p>
             <a:fld id="{FB30EDBD-1C2D-4C1E-B459-B60219FAB484}" type="datetimeFigureOut">
               <a:rPr lang="ko-KR" altLang="en-US" smtClean="0"/>
-              <a:t>2021-06-20</a:t>
+              <a:t>2021-06-21</a:t>
             </a:fld>
             <a:endParaRPr lang="ko-KR" altLang="en-US"/>
           </a:p>
@@ -2815,7 +2816,7 @@
           <a:p>
             <a:fld id="{FB30EDBD-1C2D-4C1E-B459-B60219FAB484}" type="datetimeFigureOut">
               <a:rPr lang="ko-KR" altLang="en-US" smtClean="0"/>
-              <a:t>2021-06-20</a:t>
+              <a:t>2021-06-21</a:t>
             </a:fld>
             <a:endParaRPr lang="ko-KR" altLang="en-US"/>
           </a:p>
@@ -3021,7 +3022,7 @@
           <a:p>
             <a:fld id="{FB30EDBD-1C2D-4C1E-B459-B60219FAB484}" type="datetimeFigureOut">
               <a:rPr lang="ko-KR" altLang="en-US" smtClean="0"/>
-              <a:t>2021-06-20</a:t>
+              <a:t>2021-06-21</a:t>
             </a:fld>
             <a:endParaRPr lang="ko-KR" altLang="en-US"/>
           </a:p>
@@ -3393,7 +3394,7 @@
       </p:grpSpPr>
       <p:pic>
         <p:nvPicPr>
-          <p:cNvPr id="2" name="Picture 2"/>
+          <p:cNvPr id="1026" name="Picture 2"/>
           <p:cNvPicPr>
             <a:picLocks noChangeAspect="1" noChangeArrowheads="1"/>
           </p:cNvPicPr>
@@ -3549,6 +3550,100 @@
           </a:extLst>
         </p:spPr>
       </p:pic>
+    </p:spTree>
+    <p:extLst>
+      <p:ext uri="{BB962C8B-B14F-4D97-AF65-F5344CB8AC3E}">
+        <p14:creationId xmlns:p14="http://schemas.microsoft.com/office/powerpoint/2010/main" val="1879944839"/>
+      </p:ext>
+    </p:extLst>
+  </p:cSld>
+  <p:clrMapOvr>
+    <a:masterClrMapping/>
+  </p:clrMapOvr>
+</p:sld>
+</file>
+
+<file path=ppt/slides/slide11.xml><?xml version="1.0" encoding="utf-8"?>
+<p:sld xmlns:a="http://schemas.openxmlformats.org/drawingml/2006/main" xmlns:r="http://schemas.openxmlformats.org/officeDocument/2006/relationships" xmlns:p="http://schemas.openxmlformats.org/presentationml/2006/main">
+  <p:cSld>
+    <p:spTree>
+      <p:nvGrpSpPr>
+        <p:cNvPr id="1" name=""/>
+        <p:cNvGrpSpPr/>
+        <p:nvPr/>
+      </p:nvGrpSpPr>
+      <p:grpSpPr>
+        <a:xfrm>
+          <a:off x="0" y="0"/>
+          <a:ext cx="0" cy="0"/>
+          <a:chOff x="0" y="0"/>
+          <a:chExt cx="0" cy="0"/>
+        </a:xfrm>
+      </p:grpSpPr>
+      <p:pic>
+        <p:nvPicPr>
+          <p:cNvPr id="1026" name="Picture 2"/>
+          <p:cNvPicPr>
+            <a:picLocks noChangeAspect="1" noChangeArrowheads="1"/>
+          </p:cNvPicPr>
+          <p:nvPr/>
+        </p:nvPicPr>
+        <p:blipFill>
+          <a:blip r:embed="rId2">
+            <a:extLst>
+              <a:ext uri="{28A0092B-C50C-407E-A947-70E740481C1C}">
+                <a14:useLocalDpi xmlns:a14="http://schemas.microsoft.com/office/drawing/2010/main" val="0"/>
+              </a:ext>
+            </a:extLst>
+          </a:blip>
+          <a:srcRect/>
+          <a:stretch>
+            <a:fillRect/>
+          </a:stretch>
+        </p:blipFill>
+        <p:spPr bwMode="auto">
+          <a:xfrm>
+            <a:off x="1909763" y="1433513"/>
+            <a:ext cx="5324475" cy="3990975"/>
+          </a:xfrm>
+          <a:prstGeom prst="rect">
+            <a:avLst/>
+          </a:prstGeom>
+          <a:noFill/>
+          <a:ln>
+            <a:noFill/>
+          </a:ln>
+          <a:effectLst/>
+          <a:extLst>
+            <a:ext uri="{909E8E84-426E-40DD-AFC4-6F175D3DCCD1}">
+              <a14:hiddenFill xmlns:a14="http://schemas.microsoft.com/office/drawing/2010/main">
+                <a:solidFill>
+                  <a:schemeClr val="accent1"/>
+                </a:solidFill>
+              </a14:hiddenFill>
+            </a:ext>
+            <a:ext uri="{91240B29-F687-4F45-9708-019B960494DF}">
+              <a14:hiddenLine xmlns:a14="http://schemas.microsoft.com/office/drawing/2010/main" w="9525">
+                <a:solidFill>
+                  <a:schemeClr val="tx1"/>
+                </a:solidFill>
+                <a:miter lim="800000"/>
+                <a:headEnd/>
+                <a:tailEnd/>
+              </a14:hiddenLine>
+            </a:ext>
+            <a:ext uri="{AF507438-7753-43E0-B8FC-AC1667EBCBE1}">
+              <a14:hiddenEffects xmlns:a14="http://schemas.microsoft.com/office/drawing/2010/main">
+                <a:effectLst>
+                  <a:outerShdw dist="35921" dir="2700000" algn="ctr" rotWithShape="0">
+                    <a:schemeClr val="bg2"/>
+                  </a:outerShdw>
+                </a:effectLst>
+              </a14:hiddenEffects>
+            </a:ext>
+          </a:extLst>
+        </p:spPr>
+      </p:pic>
       <p:sp>
         <p:nvSpPr>
           <p:cNvPr id="4" name="이등변 삼각형 3"/>
@@ -3857,7 +3952,7 @@
       </p:grpSpPr>
       <p:pic>
         <p:nvPicPr>
-          <p:cNvPr id="2050" name="Picture 2"/>
+          <p:cNvPr id="2" name="Picture 2"/>
           <p:cNvPicPr>
             <a:picLocks noChangeAspect="1" noChangeArrowheads="1"/>
           </p:cNvPicPr>
@@ -4484,7 +4579,7 @@
                           <m:endChr m:val=""/>
                           <m:ctrlPr>
                             <a:rPr lang="en-US" altLang="ko-KR" i="1" smtClean="0">
-                              <a:latin typeface="Cambria Math" panose="02040503050406030204" pitchFamily="18" charset="0"/>
+                              <a:latin typeface="Cambria Math"/>
                             </a:rPr>
                           </m:ctrlPr>
                         </m:dPr>
@@ -4493,7 +4588,7 @@
                             <m:eqArrPr>
                               <m:ctrlPr>
                                 <a:rPr lang="en-US" altLang="ko-KR" i="1" smtClean="0">
-                                  <a:latin typeface="Cambria Math" panose="02040503050406030204" pitchFamily="18" charset="0"/>
+                                  <a:latin typeface="Cambria Math"/>
                                 </a:rPr>
                               </m:ctrlPr>
                             </m:eqArrPr>
@@ -4502,7 +4597,7 @@
                                 <m:fPr>
                                   <m:ctrlPr>
                                     <a:rPr lang="en-US" altLang="ko-KR" b="0" i="1" smtClean="0">
-                                      <a:latin typeface="Cambria Math" panose="02040503050406030204" pitchFamily="18" charset="0"/>
+                                      <a:latin typeface="Cambria Math"/>
                                     </a:rPr>
                                   </m:ctrlPr>
                                 </m:fPr>
@@ -4547,7 +4642,7 @@
                                 <m:fPr>
                                   <m:ctrlPr>
                                     <a:rPr lang="en-US" altLang="ko-KR" b="0" i="1" smtClean="0">
-                                      <a:latin typeface="Cambria Math" panose="02040503050406030204" pitchFamily="18" charset="0"/>
+                                      <a:latin typeface="Cambria Math"/>
                                     </a:rPr>
                                   </m:ctrlPr>
                                 </m:fPr>
@@ -4694,7 +4789,7 @@
                       <m:dPr>
                         <m:ctrlPr>
                           <a:rPr lang="en-US" altLang="ko-KR" b="0" i="1" smtClean="0">
-                            <a:latin typeface="Cambria Math" panose="02040503050406030204" pitchFamily="18" charset="0"/>
+                            <a:latin typeface="Cambria Math"/>
                           </a:rPr>
                         </m:ctrlPr>
                       </m:dPr>
@@ -4729,7 +4824,7 @@
                       <m:dPr>
                         <m:ctrlPr>
                           <a:rPr lang="en-US" altLang="ko-KR" b="0" i="1" smtClean="0">
-                            <a:latin typeface="Cambria Math" panose="02040503050406030204" pitchFamily="18" charset="0"/>
+                            <a:latin typeface="Cambria Math"/>
                           </a:rPr>
                         </m:ctrlPr>
                       </m:dPr>
@@ -4869,7 +4964,7 @@
                         <m:dPr>
                           <m:ctrlPr>
                             <a:rPr lang="en-US" altLang="ko-KR" i="1">
-                              <a:latin typeface="Cambria Math" panose="02040503050406030204" pitchFamily="18" charset="0"/>
+                              <a:latin typeface="Cambria Math"/>
                             </a:rPr>
                           </m:ctrlPr>
                         </m:dPr>
@@ -4963,7 +5058,7 @@
                         <m:dPr>
                           <m:ctrlPr>
                             <a:rPr lang="en-US" altLang="ko-KR" i="1" smtClean="0">
-                              <a:latin typeface="Cambria Math" panose="02040503050406030204" pitchFamily="18" charset="0"/>
+                              <a:latin typeface="Cambria Math"/>
                             </a:rPr>
                           </m:ctrlPr>
                         </m:dPr>
@@ -5166,7 +5261,7 @@
                         <m:fPr>
                           <m:ctrlPr>
                             <a:rPr lang="en-US" altLang="ko-KR" sz="1200" b="0" i="1" dirty="0" smtClean="0">
-                              <a:latin typeface="Cambria Math" panose="02040503050406030204" pitchFamily="18" charset="0"/>
+                              <a:latin typeface="Cambria Math"/>
                             </a:rPr>
                           </m:ctrlPr>
                         </m:fPr>
@@ -5283,7 +5378,7 @@
                         <m:fPr>
                           <m:ctrlPr>
                             <a:rPr lang="en-US" altLang="ko-KR" sz="1200" b="0" i="1" dirty="0" smtClean="0">
-                              <a:latin typeface="Cambria Math" panose="02040503050406030204" pitchFamily="18" charset="0"/>
+                              <a:latin typeface="Cambria Math"/>
                             </a:rPr>
                           </m:ctrlPr>
                         </m:fPr>
@@ -5990,32 +6085,66 @@
       </p:grpSpPr>
       <p:pic>
         <p:nvPicPr>
-          <p:cNvPr id="11" name="그림 10">
-            <a:extLst>
-              <a:ext uri="{FF2B5EF4-FFF2-40B4-BE49-F238E27FC236}">
-                <a16:creationId xmlns:a16="http://schemas.microsoft.com/office/drawing/2014/main" id="{F905255B-9403-42D7-81F7-C4503EA82713}"/>
-              </a:ext>
-            </a:extLst>
-          </p:cNvPr>
+          <p:cNvPr id="3074" name="Picture 2"/>
           <p:cNvPicPr>
-            <a:picLocks noChangeAspect="1"/>
+            <a:picLocks noChangeAspect="1" noChangeArrowheads="1"/>
           </p:cNvPicPr>
           <p:nvPr/>
         </p:nvPicPr>
         <p:blipFill>
-          <a:blip r:embed="rId2"/>
+          <a:blip r:embed="rId2">
+            <a:extLst>
+              <a:ext uri="{28A0092B-C50C-407E-A947-70E740481C1C}">
+                <a14:useLocalDpi xmlns:a14="http://schemas.microsoft.com/office/drawing/2010/main" val="0"/>
+              </a:ext>
+            </a:extLst>
+          </a:blip>
+          <a:srcRect/>
           <a:stretch>
             <a:fillRect/>
           </a:stretch>
         </p:blipFill>
-        <p:spPr>
+        <p:spPr bwMode="auto">
           <a:xfrm>
-            <a:off x="0" y="1546412"/>
-            <a:ext cx="9144000" cy="3765176"/>
+            <a:off x="-280988" y="1433513"/>
+            <a:ext cx="9705976" cy="3990975"/>
           </a:xfrm>
           <a:prstGeom prst="rect">
             <a:avLst/>
           </a:prstGeom>
+          <a:noFill/>
+          <a:ln>
+            <a:noFill/>
+          </a:ln>
+          <a:effectLst/>
+          <a:extLst>
+            <a:ext uri="{909E8E84-426E-40DD-AFC4-6F175D3DCCD1}">
+              <a14:hiddenFill xmlns:a14="http://schemas.microsoft.com/office/drawing/2010/main">
+                <a:solidFill>
+                  <a:schemeClr val="accent1"/>
+                </a:solidFill>
+              </a14:hiddenFill>
+            </a:ext>
+            <a:ext uri="{91240B29-F687-4F45-9708-019B960494DF}">
+              <a14:hiddenLine xmlns:a14="http://schemas.microsoft.com/office/drawing/2010/main" w="9525">
+                <a:solidFill>
+                  <a:schemeClr val="tx1"/>
+                </a:solidFill>
+                <a:miter lim="800000"/>
+                <a:headEnd/>
+                <a:tailEnd/>
+              </a14:hiddenLine>
+            </a:ext>
+            <a:ext uri="{AF507438-7753-43E0-B8FC-AC1667EBCBE1}">
+              <a14:hiddenEffects xmlns:a14="http://schemas.microsoft.com/office/drawing/2010/main">
+                <a:effectLst>
+                  <a:outerShdw dist="35921" dir="2700000" algn="ctr" rotWithShape="0">
+                    <a:schemeClr val="bg2"/>
+                  </a:outerShdw>
+                </a:effectLst>
+              </a14:hiddenEffects>
+            </a:ext>
+          </a:extLst>
         </p:spPr>
       </p:pic>
     </p:spTree>
@@ -6050,62 +6179,66 @@
       </p:grpSpPr>
       <p:pic>
         <p:nvPicPr>
-          <p:cNvPr id="5" name="그림 4">
-            <a:extLst>
-              <a:ext uri="{FF2B5EF4-FFF2-40B4-BE49-F238E27FC236}">
-                <a16:creationId xmlns:a16="http://schemas.microsoft.com/office/drawing/2014/main" id="{11235BA3-4662-4DBF-9DFD-A5475FF58E11}"/>
-              </a:ext>
-            </a:extLst>
-          </p:cNvPr>
+          <p:cNvPr id="4100" name="Picture 4"/>
           <p:cNvPicPr>
-            <a:picLocks noChangeAspect="1"/>
+            <a:picLocks noChangeAspect="1" noChangeArrowheads="1"/>
           </p:cNvPicPr>
           <p:nvPr/>
         </p:nvPicPr>
         <p:blipFill>
-          <a:blip r:embed="rId2"/>
+          <a:blip r:embed="rId2">
+            <a:extLst>
+              <a:ext uri="{28A0092B-C50C-407E-A947-70E740481C1C}">
+                <a14:useLocalDpi xmlns:a14="http://schemas.microsoft.com/office/drawing/2010/main" val="0"/>
+              </a:ext>
+            </a:extLst>
+          </a:blip>
+          <a:srcRect/>
           <a:stretch>
             <a:fillRect/>
           </a:stretch>
         </p:blipFill>
-        <p:spPr>
+        <p:spPr bwMode="auto">
           <a:xfrm>
-            <a:off x="0" y="0"/>
-            <a:ext cx="9144000" cy="3368842"/>
+            <a:off x="-1092400" y="1433513"/>
+            <a:ext cx="10848976" cy="3990975"/>
           </a:xfrm>
           <a:prstGeom prst="rect">
             <a:avLst/>
           </a:prstGeom>
-        </p:spPr>
-      </p:pic>
-      <p:pic>
-        <p:nvPicPr>
-          <p:cNvPr id="7" name="그림 6">
-            <a:extLst>
-              <a:ext uri="{FF2B5EF4-FFF2-40B4-BE49-F238E27FC236}">
-                <a16:creationId xmlns:a16="http://schemas.microsoft.com/office/drawing/2014/main" id="{82541367-1BC0-4544-A0E6-903074F6C421}"/>
-              </a:ext>
-            </a:extLst>
-          </p:cNvPr>
-          <p:cNvPicPr>
-            <a:picLocks noChangeAspect="1"/>
-          </p:cNvPicPr>
-          <p:nvPr/>
-        </p:nvPicPr>
-        <p:blipFill>
-          <a:blip r:embed="rId3"/>
-          <a:stretch>
-            <a:fillRect/>
-          </a:stretch>
-        </p:blipFill>
-        <p:spPr>
-          <a:xfrm>
-            <a:off x="0" y="3489158"/>
-            <a:ext cx="9144000" cy="3368842"/>
-          </a:xfrm>
-          <a:prstGeom prst="rect">
-            <a:avLst/>
-          </a:prstGeom>
+          <a:noFill/>
+          <a:ln>
+            <a:noFill/>
+          </a:ln>
+          <a:effectLst/>
+          <a:extLst>
+            <a:ext uri="{909E8E84-426E-40DD-AFC4-6F175D3DCCD1}">
+              <a14:hiddenFill xmlns:a14="http://schemas.microsoft.com/office/drawing/2010/main">
+                <a:solidFill>
+                  <a:schemeClr val="accent1"/>
+                </a:solidFill>
+              </a14:hiddenFill>
+            </a:ext>
+            <a:ext uri="{91240B29-F687-4F45-9708-019B960494DF}">
+              <a14:hiddenLine xmlns:a14="http://schemas.microsoft.com/office/drawing/2010/main" w="9525">
+                <a:solidFill>
+                  <a:schemeClr val="tx1"/>
+                </a:solidFill>
+                <a:miter lim="800000"/>
+                <a:headEnd/>
+                <a:tailEnd/>
+              </a14:hiddenLine>
+            </a:ext>
+            <a:ext uri="{AF507438-7753-43E0-B8FC-AC1667EBCBE1}">
+              <a14:hiddenEffects xmlns:a14="http://schemas.microsoft.com/office/drawing/2010/main">
+                <a:effectLst>
+                  <a:outerShdw dist="35921" dir="2700000" algn="ctr" rotWithShape="0">
+                    <a:schemeClr val="bg2"/>
+                  </a:outerShdw>
+                </a:effectLst>
+              </a14:hiddenEffects>
+            </a:ext>
+          </a:extLst>
         </p:spPr>
       </p:pic>
     </p:spTree>
@@ -6122,6 +6255,100 @@
 </file>
 
 <file path=ppt/slides/slide8.xml><?xml version="1.0" encoding="utf-8"?>
+<p:sld xmlns:a="http://schemas.openxmlformats.org/drawingml/2006/main" xmlns:r="http://schemas.openxmlformats.org/officeDocument/2006/relationships" xmlns:p="http://schemas.openxmlformats.org/presentationml/2006/main">
+  <p:cSld>
+    <p:spTree>
+      <p:nvGrpSpPr>
+        <p:cNvPr id="1" name=""/>
+        <p:cNvGrpSpPr/>
+        <p:nvPr/>
+      </p:nvGrpSpPr>
+      <p:grpSpPr>
+        <a:xfrm>
+          <a:off x="0" y="0"/>
+          <a:ext cx="0" cy="0"/>
+          <a:chOff x="0" y="0"/>
+          <a:chExt cx="0" cy="0"/>
+        </a:xfrm>
+      </p:grpSpPr>
+      <p:pic>
+        <p:nvPicPr>
+          <p:cNvPr id="5122" name="Picture 2"/>
+          <p:cNvPicPr>
+            <a:picLocks noChangeAspect="1" noChangeArrowheads="1"/>
+          </p:cNvPicPr>
+          <p:nvPr/>
+        </p:nvPicPr>
+        <p:blipFill>
+          <a:blip r:embed="rId2">
+            <a:extLst>
+              <a:ext uri="{28A0092B-C50C-407E-A947-70E740481C1C}">
+                <a14:useLocalDpi xmlns:a14="http://schemas.microsoft.com/office/drawing/2010/main" val="0"/>
+              </a:ext>
+            </a:extLst>
+          </a:blip>
+          <a:srcRect/>
+          <a:stretch>
+            <a:fillRect/>
+          </a:stretch>
+        </p:blipFill>
+        <p:spPr bwMode="auto">
+          <a:xfrm>
+            <a:off x="-1116632" y="1433513"/>
+            <a:ext cx="10848976" cy="3990975"/>
+          </a:xfrm>
+          <a:prstGeom prst="rect">
+            <a:avLst/>
+          </a:prstGeom>
+          <a:noFill/>
+          <a:ln>
+            <a:noFill/>
+          </a:ln>
+          <a:effectLst/>
+          <a:extLst>
+            <a:ext uri="{909E8E84-426E-40DD-AFC4-6F175D3DCCD1}">
+              <a14:hiddenFill xmlns:a14="http://schemas.microsoft.com/office/drawing/2010/main">
+                <a:solidFill>
+                  <a:schemeClr val="accent1"/>
+                </a:solidFill>
+              </a14:hiddenFill>
+            </a:ext>
+            <a:ext uri="{91240B29-F687-4F45-9708-019B960494DF}">
+              <a14:hiddenLine xmlns:a14="http://schemas.microsoft.com/office/drawing/2010/main" w="9525">
+                <a:solidFill>
+                  <a:schemeClr val="tx1"/>
+                </a:solidFill>
+                <a:miter lim="800000"/>
+                <a:headEnd/>
+                <a:tailEnd/>
+              </a14:hiddenLine>
+            </a:ext>
+            <a:ext uri="{AF507438-7753-43E0-B8FC-AC1667EBCBE1}">
+              <a14:hiddenEffects xmlns:a14="http://schemas.microsoft.com/office/drawing/2010/main">
+                <a:effectLst>
+                  <a:outerShdw dist="35921" dir="2700000" algn="ctr" rotWithShape="0">
+                    <a:schemeClr val="bg2"/>
+                  </a:outerShdw>
+                </a:effectLst>
+              </a14:hiddenEffects>
+            </a:ext>
+          </a:extLst>
+        </p:spPr>
+      </p:pic>
+    </p:spTree>
+    <p:extLst>
+      <p:ext uri="{BB962C8B-B14F-4D97-AF65-F5344CB8AC3E}">
+        <p14:creationId xmlns:p14="http://schemas.microsoft.com/office/powerpoint/2010/main" val="243338322"/>
+      </p:ext>
+    </p:extLst>
+  </p:cSld>
+  <p:clrMapOvr>
+    <a:masterClrMapping/>
+  </p:clrMapOvr>
+</p:sld>
+</file>
+
+<file path=ppt/slides/slide9.xml><?xml version="1.0" encoding="utf-8"?>
 <p:sld xmlns:a="http://schemas.openxmlformats.org/drawingml/2006/main" xmlns:r="http://schemas.openxmlformats.org/officeDocument/2006/relationships" xmlns:p="http://schemas.openxmlformats.org/presentationml/2006/main">
   <p:cSld>
     <p:spTree>
@@ -6790,7 +7017,7 @@
                         <m:endChr m:val="]"/>
                         <m:ctrlPr>
                           <a:rPr lang="en-US" altLang="ko-KR" i="1" smtClean="0">
-                            <a:latin typeface="Cambria Math" panose="02040503050406030204" pitchFamily="18" charset="0"/>
+                            <a:latin typeface="Cambria Math"/>
                           </a:rPr>
                         </m:ctrlPr>
                       </m:dPr>
@@ -6807,7 +7034,7 @@
                             </m:mcs>
                             <m:ctrlPr>
                               <a:rPr lang="en-US" altLang="ko-KR" i="1">
-                                <a:latin typeface="Cambria Math" panose="02040503050406030204" pitchFamily="18" charset="0"/>
+                                <a:latin typeface="Cambria Math"/>
                               </a:rPr>
                             </m:ctrlPr>
                           </m:mPr>
@@ -6883,7 +7110,7 @@
                       <m:fPr>
                         <m:ctrlPr>
                           <a:rPr lang="en-US" altLang="ko-KR" b="0" i="1" smtClean="0">
-                            <a:latin typeface="Cambria Math" panose="02040503050406030204" pitchFamily="18" charset="0"/>
+                            <a:latin typeface="Cambria Math"/>
                           </a:rPr>
                         </m:ctrlPr>
                       </m:fPr>
@@ -6910,7 +7137,7 @@
                         <m:endChr m:val="]"/>
                         <m:ctrlPr>
                           <a:rPr lang="en-US" altLang="ko-KR" b="0" i="1" smtClean="0">
-                            <a:latin typeface="Cambria Math" panose="02040503050406030204" pitchFamily="18" charset="0"/>
+                            <a:latin typeface="Cambria Math"/>
                           </a:rPr>
                         </m:ctrlPr>
                       </m:dPr>
@@ -6927,7 +7154,7 @@
                             </m:mcs>
                             <m:ctrlPr>
                               <a:rPr lang="en-US" altLang="ko-KR" b="0" i="1" smtClean="0">
-                                <a:latin typeface="Cambria Math" panose="02040503050406030204" pitchFamily="18" charset="0"/>
+                                <a:latin typeface="Cambria Math"/>
                               </a:rPr>
                             </m:ctrlPr>
                           </m:mPr>
@@ -6967,7 +7194,7 @@
                       <m:sSupPr>
                         <m:ctrlPr>
                           <a:rPr lang="en-US" altLang="ko-KR" b="0" i="1" smtClean="0">
-                            <a:latin typeface="Cambria Math" panose="02040503050406030204" pitchFamily="18" charset="0"/>
+                            <a:latin typeface="Cambria Math"/>
                           </a:rPr>
                         </m:ctrlPr>
                       </m:sSupPr>
@@ -7004,7 +7231,7 @@
                       <m:fPr>
                         <m:ctrlPr>
                           <a:rPr lang="en-US" altLang="ko-KR" i="1">
-                            <a:latin typeface="Cambria Math" panose="02040503050406030204" pitchFamily="18" charset="0"/>
+                            <a:latin typeface="Cambria Math"/>
                           </a:rPr>
                         </m:ctrlPr>
                       </m:fPr>
@@ -7031,7 +7258,7 @@
                         <m:endChr m:val="]"/>
                         <m:ctrlPr>
                           <a:rPr lang="en-US" altLang="ko-KR" i="1">
-                            <a:latin typeface="Cambria Math" panose="02040503050406030204" pitchFamily="18" charset="0"/>
+                            <a:latin typeface="Cambria Math"/>
                           </a:rPr>
                         </m:ctrlPr>
                       </m:dPr>
@@ -7048,7 +7275,7 @@
                             </m:mcs>
                             <m:ctrlPr>
                               <a:rPr lang="en-US" altLang="ko-KR" i="1">
-                                <a:latin typeface="Cambria Math" panose="02040503050406030204" pitchFamily="18" charset="0"/>
+                                <a:latin typeface="Cambria Math"/>
                               </a:rPr>
                             </m:ctrlPr>
                           </m:mPr>
@@ -7079,7 +7306,7 @@
                       <m:sSupPr>
                         <m:ctrlPr>
                           <a:rPr lang="en-US" altLang="ko-KR" i="1">
-                            <a:latin typeface="Cambria Math" panose="02040503050406030204" pitchFamily="18" charset="0"/>
+                            <a:latin typeface="Cambria Math"/>
                           </a:rPr>
                         </m:ctrlPr>
                       </m:sSupPr>
@@ -7185,100 +7412,6 @@
     <p:extLst>
       <p:ext uri="{BB962C8B-B14F-4D97-AF65-F5344CB8AC3E}">
         <p14:creationId xmlns:p14="http://schemas.microsoft.com/office/powerpoint/2010/main" val="1164937085"/>
-      </p:ext>
-    </p:extLst>
-  </p:cSld>
-  <p:clrMapOvr>
-    <a:masterClrMapping/>
-  </p:clrMapOvr>
-</p:sld>
-</file>
-
-<file path=ppt/slides/slide9.xml><?xml version="1.0" encoding="utf-8"?>
-<p:sld xmlns:a="http://schemas.openxmlformats.org/drawingml/2006/main" xmlns:r="http://schemas.openxmlformats.org/officeDocument/2006/relationships" xmlns:p="http://schemas.openxmlformats.org/presentationml/2006/main">
-  <p:cSld>
-    <p:spTree>
-      <p:nvGrpSpPr>
-        <p:cNvPr id="1" name=""/>
-        <p:cNvGrpSpPr/>
-        <p:nvPr/>
-      </p:nvGrpSpPr>
-      <p:grpSpPr>
-        <a:xfrm>
-          <a:off x="0" y="0"/>
-          <a:ext cx="0" cy="0"/>
-          <a:chOff x="0" y="0"/>
-          <a:chExt cx="0" cy="0"/>
-        </a:xfrm>
-      </p:grpSpPr>
-      <p:pic>
-        <p:nvPicPr>
-          <p:cNvPr id="1026" name="Picture 2"/>
-          <p:cNvPicPr>
-            <a:picLocks noChangeAspect="1" noChangeArrowheads="1"/>
-          </p:cNvPicPr>
-          <p:nvPr/>
-        </p:nvPicPr>
-        <p:blipFill>
-          <a:blip r:embed="rId2">
-            <a:extLst>
-              <a:ext uri="{28A0092B-C50C-407E-A947-70E740481C1C}">
-                <a14:useLocalDpi xmlns:a14="http://schemas.microsoft.com/office/drawing/2010/main" val="0"/>
-              </a:ext>
-            </a:extLst>
-          </a:blip>
-          <a:srcRect/>
-          <a:stretch>
-            <a:fillRect/>
-          </a:stretch>
-        </p:blipFill>
-        <p:spPr bwMode="auto">
-          <a:xfrm>
-            <a:off x="1909763" y="1433513"/>
-            <a:ext cx="5324475" cy="3990975"/>
-          </a:xfrm>
-          <a:prstGeom prst="rect">
-            <a:avLst/>
-          </a:prstGeom>
-          <a:noFill/>
-          <a:ln>
-            <a:noFill/>
-          </a:ln>
-          <a:effectLst/>
-          <a:extLst>
-            <a:ext uri="{909E8E84-426E-40DD-AFC4-6F175D3DCCD1}">
-              <a14:hiddenFill xmlns:a14="http://schemas.microsoft.com/office/drawing/2010/main">
-                <a:solidFill>
-                  <a:schemeClr val="accent1"/>
-                </a:solidFill>
-              </a14:hiddenFill>
-            </a:ext>
-            <a:ext uri="{91240B29-F687-4F45-9708-019B960494DF}">
-              <a14:hiddenLine xmlns:a14="http://schemas.microsoft.com/office/drawing/2010/main" w="9525">
-                <a:solidFill>
-                  <a:schemeClr val="tx1"/>
-                </a:solidFill>
-                <a:miter lim="800000"/>
-                <a:headEnd/>
-                <a:tailEnd/>
-              </a14:hiddenLine>
-            </a:ext>
-            <a:ext uri="{AF507438-7753-43E0-B8FC-AC1667EBCBE1}">
-              <a14:hiddenEffects xmlns:a14="http://schemas.microsoft.com/office/drawing/2010/main">
-                <a:effectLst>
-                  <a:outerShdw dist="35921" dir="2700000" algn="ctr" rotWithShape="0">
-                    <a:schemeClr val="bg2"/>
-                  </a:outerShdw>
-                </a:effectLst>
-              </a14:hiddenEffects>
-            </a:ext>
-          </a:extLst>
-        </p:spPr>
-      </p:pic>
-    </p:spTree>
-    <p:extLst>
-      <p:ext uri="{BB962C8B-B14F-4D97-AF65-F5344CB8AC3E}">
-        <p14:creationId xmlns:p14="http://schemas.microsoft.com/office/powerpoint/2010/main" val="1879944839"/>
       </p:ext>
     </p:extLst>
   </p:cSld>

--- a/pics/2021-05-12-phase_plane/pics.pptx
+++ b/pics/2021-05-12-phase_plane/pics.pptx
@@ -5,7 +5,7 @@
     <p:sldMasterId id="2147483648" r:id="rId1"/>
   </p:sldMasterIdLst>
   <p:notesMasterIdLst>
-    <p:notesMasterId r:id="rId13"/>
+    <p:notesMasterId r:id="rId14"/>
   </p:notesMasterIdLst>
   <p:sldIdLst>
     <p:sldId id="256" r:id="rId2"/>
@@ -13,12 +13,13 @@
     <p:sldId id="258" r:id="rId4"/>
     <p:sldId id="259" r:id="rId5"/>
     <p:sldId id="260" r:id="rId6"/>
-    <p:sldId id="264" r:id="rId7"/>
-    <p:sldId id="265" r:id="rId8"/>
-    <p:sldId id="266" r:id="rId9"/>
-    <p:sldId id="261" r:id="rId10"/>
-    <p:sldId id="262" r:id="rId11"/>
-    <p:sldId id="263" r:id="rId12"/>
+    <p:sldId id="267" r:id="rId7"/>
+    <p:sldId id="264" r:id="rId8"/>
+    <p:sldId id="265" r:id="rId9"/>
+    <p:sldId id="266" r:id="rId10"/>
+    <p:sldId id="261" r:id="rId11"/>
+    <p:sldId id="262" r:id="rId12"/>
+    <p:sldId id="263" r:id="rId13"/>
   </p:sldIdLst>
   <p:sldSz cx="9144000" cy="6858000" type="screen4x3"/>
   <p:notesSz cx="6858000" cy="9144000"/>
@@ -119,7 +120,7 @@
   </p:defaultTextStyle>
   <p:extLst>
     <p:ext uri="{EFAFB233-063F-42B5-8137-9DF3F51BA10A}">
-      <p15:sldGuideLst xmlns:p15="http://schemas.microsoft.com/office/powerpoint/2012/main" xmlns="">
+      <p15:sldGuideLst xmlns="" xmlns:p15="http://schemas.microsoft.com/office/powerpoint/2012/main">
         <p15:guide id="1" orient="horz" pos="2160">
           <p15:clr>
             <a:srgbClr val="A4A3A4"/>
@@ -3509,6 +3510,1079 @@
         </p:blipFill>
         <p:spPr bwMode="auto">
           <a:xfrm>
+            <a:off x="1891211" y="1433513"/>
+            <a:ext cx="5324475" cy="3990975"/>
+          </a:xfrm>
+          <a:prstGeom prst="rect">
+            <a:avLst/>
+          </a:prstGeom>
+          <a:noFill/>
+          <a:ln>
+            <a:noFill/>
+          </a:ln>
+          <a:effectLst/>
+          <a:extLst>
+            <a:ext uri="{909E8E84-426E-40DD-AFC4-6F175D3DCCD1}">
+              <a14:hiddenFill xmlns:a14="http://schemas.microsoft.com/office/drawing/2010/main">
+                <a:solidFill>
+                  <a:schemeClr val="accent1"/>
+                </a:solidFill>
+              </a14:hiddenFill>
+            </a:ext>
+            <a:ext uri="{91240B29-F687-4F45-9708-019B960494DF}">
+              <a14:hiddenLine xmlns:a14="http://schemas.microsoft.com/office/drawing/2010/main" w="9525">
+                <a:solidFill>
+                  <a:schemeClr val="tx1"/>
+                </a:solidFill>
+                <a:miter lim="800000"/>
+                <a:headEnd/>
+                <a:tailEnd/>
+              </a14:hiddenLine>
+            </a:ext>
+            <a:ext uri="{AF507438-7753-43E0-B8FC-AC1667EBCBE1}">
+              <a14:hiddenEffects xmlns:a14="http://schemas.microsoft.com/office/drawing/2010/main">
+                <a:effectLst>
+                  <a:outerShdw dist="35921" dir="2700000" algn="ctr" rotWithShape="0">
+                    <a:schemeClr val="bg2"/>
+                  </a:outerShdw>
+                </a:effectLst>
+              </a14:hiddenEffects>
+            </a:ext>
+          </a:extLst>
+        </p:spPr>
+      </p:pic>
+      <mc:AlternateContent xmlns:mc="http://schemas.openxmlformats.org/markup-compatibility/2006" xmlns:a14="http://schemas.microsoft.com/office/drawing/2010/main">
+        <mc:Choice Requires="a14">
+          <p:sp>
+            <p:nvSpPr>
+              <p:cNvPr id="4" name="TextBox 3"/>
+              <p:cNvSpPr txBox="1"/>
+              <p:nvPr/>
+            </p:nvSpPr>
+            <p:spPr>
+              <a:xfrm>
+                <a:off x="5851651" y="3787879"/>
+                <a:ext cx="556626" cy="261610"/>
+              </a:xfrm>
+              <a:prstGeom prst="rect">
+                <a:avLst/>
+              </a:prstGeom>
+              <a:solidFill>
+                <a:schemeClr val="bg1"/>
+              </a:solidFill>
+              <a:ln>
+                <a:solidFill>
+                  <a:schemeClr val="tx1"/>
+                </a:solidFill>
+              </a:ln>
+            </p:spPr>
+            <p:txBody>
+              <a:bodyPr wrap="none" rtlCol="0">
+                <a:spAutoFit/>
+              </a:bodyPr>
+              <a:lstStyle/>
+              <a:p>
+                <a:pPr/>
+                <a14:m>
+                  <m:oMathPara xmlns:m="http://schemas.openxmlformats.org/officeDocument/2006/math">
+                    <m:oMathParaPr>
+                      <m:jc m:val="centerGroup"/>
+                    </m:oMathParaPr>
+                    <m:oMath xmlns:m="http://schemas.openxmlformats.org/officeDocument/2006/math">
+                      <m:r>
+                        <a:rPr lang="en-US" altLang="ko-KR" sz="1100" b="0" i="1" smtClean="0">
+                          <a:latin typeface="Cambria Math"/>
+                        </a:rPr>
+                        <m:t>𝑡</m:t>
+                      </m:r>
+                      <m:r>
+                        <a:rPr lang="en-US" altLang="ko-KR" sz="1100" b="0" i="1" smtClean="0">
+                          <a:latin typeface="Cambria Math"/>
+                        </a:rPr>
+                        <m:t>=0</m:t>
+                      </m:r>
+                    </m:oMath>
+                  </m:oMathPara>
+                </a14:m>
+                <a:endParaRPr lang="ko-KR" altLang="en-US" sz="1100" dirty="0"/>
+              </a:p>
+            </p:txBody>
+          </p:sp>
+        </mc:Choice>
+        <mc:Fallback xmlns="">
+          <p:sp>
+            <p:nvSpPr>
+              <p:cNvPr id="4" name="TextBox 3"/>
+              <p:cNvSpPr txBox="1">
+                <a:spLocks noRot="1" noChangeAspect="1" noMove="1" noResize="1" noEditPoints="1" noAdjustHandles="1" noChangeArrowheads="1" noChangeShapeType="1" noTextEdit="1"/>
+              </p:cNvSpPr>
+              <p:nvPr/>
+            </p:nvSpPr>
+            <p:spPr>
+              <a:xfrm>
+                <a:off x="5851651" y="3787879"/>
+                <a:ext cx="556626" cy="261610"/>
+              </a:xfrm>
+              <a:prstGeom prst="rect">
+                <a:avLst/>
+              </a:prstGeom>
+              <a:blipFill rotWithShape="1">
+                <a:blip r:embed="rId3"/>
+                <a:stretch>
+                  <a:fillRect/>
+                </a:stretch>
+              </a:blipFill>
+              <a:ln>
+                <a:solidFill>
+                  <a:schemeClr val="tx1"/>
+                </a:solidFill>
+              </a:ln>
+            </p:spPr>
+            <p:txBody>
+              <a:bodyPr/>
+              <a:lstStyle/>
+              <a:p>
+                <a:r>
+                  <a:rPr lang="ko-KR" altLang="en-US">
+                    <a:noFill/>
+                  </a:rPr>
+                  <a:t> </a:t>
+                </a:r>
+              </a:p>
+            </p:txBody>
+          </p:sp>
+        </mc:Fallback>
+      </mc:AlternateContent>
+      <mc:AlternateContent xmlns:mc="http://schemas.openxmlformats.org/markup-compatibility/2006" xmlns:a14="http://schemas.microsoft.com/office/drawing/2010/main">
+        <mc:Choice Requires="a14">
+          <p:sp>
+            <p:nvSpPr>
+              <p:cNvPr id="6" name="TextBox 5"/>
+              <p:cNvSpPr txBox="1"/>
+              <p:nvPr/>
+            </p:nvSpPr>
+            <p:spPr>
+              <a:xfrm>
+                <a:off x="5727073" y="3455422"/>
+                <a:ext cx="664028" cy="261610"/>
+              </a:xfrm>
+              <a:prstGeom prst="rect">
+                <a:avLst/>
+              </a:prstGeom>
+              <a:solidFill>
+                <a:schemeClr val="bg1"/>
+              </a:solidFill>
+              <a:ln>
+                <a:solidFill>
+                  <a:schemeClr val="tx1"/>
+                </a:solidFill>
+              </a:ln>
+            </p:spPr>
+            <p:txBody>
+              <a:bodyPr wrap="none" rtlCol="0">
+                <a:spAutoFit/>
+              </a:bodyPr>
+              <a:lstStyle/>
+              <a:p>
+                <a:pPr/>
+                <a14:m>
+                  <m:oMathPara xmlns:m="http://schemas.openxmlformats.org/officeDocument/2006/math">
+                    <m:oMathParaPr>
+                      <m:jc m:val="centerGroup"/>
+                    </m:oMathParaPr>
+                    <m:oMath xmlns:m="http://schemas.openxmlformats.org/officeDocument/2006/math">
+                      <m:r>
+                        <a:rPr lang="en-US" altLang="ko-KR" sz="1100" b="0" i="1" smtClean="0">
+                          <a:latin typeface="Cambria Math"/>
+                        </a:rPr>
+                        <m:t>𝑡</m:t>
+                      </m:r>
+                      <m:r>
+                        <a:rPr lang="en-US" altLang="ko-KR" sz="1100" b="0" i="1" smtClean="0">
+                          <a:latin typeface="Cambria Math"/>
+                        </a:rPr>
+                        <m:t>=0.3</m:t>
+                      </m:r>
+                    </m:oMath>
+                  </m:oMathPara>
+                </a14:m>
+                <a:endParaRPr lang="ko-KR" altLang="en-US" sz="1100" dirty="0"/>
+              </a:p>
+            </p:txBody>
+          </p:sp>
+        </mc:Choice>
+        <mc:Fallback xmlns="">
+          <p:sp>
+            <p:nvSpPr>
+              <p:cNvPr id="6" name="TextBox 5"/>
+              <p:cNvSpPr txBox="1">
+                <a:spLocks noRot="1" noChangeAspect="1" noMove="1" noResize="1" noEditPoints="1" noAdjustHandles="1" noChangeArrowheads="1" noChangeShapeType="1" noTextEdit="1"/>
+              </p:cNvSpPr>
+              <p:nvPr/>
+            </p:nvSpPr>
+            <p:spPr>
+              <a:xfrm>
+                <a:off x="5727073" y="3455422"/>
+                <a:ext cx="664028" cy="261610"/>
+              </a:xfrm>
+              <a:prstGeom prst="rect">
+                <a:avLst/>
+              </a:prstGeom>
+              <a:blipFill rotWithShape="1">
+                <a:blip r:embed="rId4"/>
+                <a:stretch>
+                  <a:fillRect/>
+                </a:stretch>
+              </a:blipFill>
+              <a:ln>
+                <a:solidFill>
+                  <a:schemeClr val="tx1"/>
+                </a:solidFill>
+              </a:ln>
+            </p:spPr>
+            <p:txBody>
+              <a:bodyPr/>
+              <a:lstStyle/>
+              <a:p>
+                <a:r>
+                  <a:rPr lang="ko-KR" altLang="en-US">
+                    <a:noFill/>
+                  </a:rPr>
+                  <a:t> </a:t>
+                </a:r>
+              </a:p>
+            </p:txBody>
+          </p:sp>
+        </mc:Fallback>
+      </mc:AlternateContent>
+      <mc:AlternateContent xmlns:mc="http://schemas.openxmlformats.org/markup-compatibility/2006" xmlns:a14="http://schemas.microsoft.com/office/drawing/2010/main">
+        <mc:Choice Requires="a14">
+          <p:sp>
+            <p:nvSpPr>
+              <p:cNvPr id="7" name="TextBox 6"/>
+              <p:cNvSpPr txBox="1"/>
+              <p:nvPr/>
+            </p:nvSpPr>
+            <p:spPr>
+              <a:xfrm>
+                <a:off x="5682677" y="3157865"/>
+                <a:ext cx="612732" cy="261610"/>
+              </a:xfrm>
+              <a:prstGeom prst="rect">
+                <a:avLst/>
+              </a:prstGeom>
+              <a:solidFill>
+                <a:schemeClr val="bg1"/>
+              </a:solidFill>
+              <a:ln>
+                <a:solidFill>
+                  <a:schemeClr val="tx1"/>
+                </a:solidFill>
+              </a:ln>
+            </p:spPr>
+            <p:txBody>
+              <a:bodyPr wrap="none" rtlCol="0">
+                <a:spAutoFit/>
+              </a:bodyPr>
+              <a:lstStyle/>
+              <a:p>
+                <a14:m>
+                  <m:oMath xmlns:m="http://schemas.openxmlformats.org/officeDocument/2006/math">
+                    <m:r>
+                      <a:rPr lang="en-US" altLang="ko-KR" sz="1100" b="0" i="1" smtClean="0">
+                        <a:latin typeface="Cambria Math"/>
+                      </a:rPr>
+                      <m:t>𝑡</m:t>
+                    </m:r>
+                    <m:r>
+                      <a:rPr lang="en-US" altLang="ko-KR" sz="1100" b="0" i="1" smtClean="0">
+                        <a:latin typeface="Cambria Math"/>
+                      </a:rPr>
+                      <m:t>=0.</m:t>
+                    </m:r>
+                  </m:oMath>
+                </a14:m>
+                <a:r>
+                  <a:rPr lang="en-US" altLang="ko-KR" sz="1100" dirty="0"/>
+                  <a:t>6</a:t>
+                </a:r>
+                <a:endParaRPr lang="ko-KR" altLang="en-US" sz="1100" dirty="0"/>
+              </a:p>
+            </p:txBody>
+          </p:sp>
+        </mc:Choice>
+        <mc:Fallback xmlns="">
+          <p:sp>
+            <p:nvSpPr>
+              <p:cNvPr id="7" name="TextBox 6"/>
+              <p:cNvSpPr txBox="1">
+                <a:spLocks noRot="1" noChangeAspect="1" noMove="1" noResize="1" noEditPoints="1" noAdjustHandles="1" noChangeArrowheads="1" noChangeShapeType="1" noTextEdit="1"/>
+              </p:cNvSpPr>
+              <p:nvPr/>
+            </p:nvSpPr>
+            <p:spPr>
+              <a:xfrm>
+                <a:off x="5682677" y="3157865"/>
+                <a:ext cx="612732" cy="261610"/>
+              </a:xfrm>
+              <a:prstGeom prst="rect">
+                <a:avLst/>
+              </a:prstGeom>
+              <a:blipFill rotWithShape="1">
+                <a:blip r:embed="rId5"/>
+                <a:stretch>
+                  <a:fillRect b="-11111"/>
+                </a:stretch>
+              </a:blipFill>
+              <a:ln>
+                <a:solidFill>
+                  <a:schemeClr val="tx1"/>
+                </a:solidFill>
+              </a:ln>
+            </p:spPr>
+            <p:txBody>
+              <a:bodyPr/>
+              <a:lstStyle/>
+              <a:p>
+                <a:r>
+                  <a:rPr lang="ko-KR" altLang="en-US">
+                    <a:noFill/>
+                  </a:rPr>
+                  <a:t> </a:t>
+                </a:r>
+              </a:p>
+            </p:txBody>
+          </p:sp>
+        </mc:Fallback>
+      </mc:AlternateContent>
+      <mc:AlternateContent xmlns:mc="http://schemas.openxmlformats.org/markup-compatibility/2006" xmlns:a14="http://schemas.microsoft.com/office/drawing/2010/main">
+        <mc:Choice Requires="a14">
+          <p:sp>
+            <p:nvSpPr>
+              <p:cNvPr id="8" name="TextBox 7"/>
+              <p:cNvSpPr txBox="1"/>
+              <p:nvPr/>
+            </p:nvSpPr>
+            <p:spPr>
+              <a:xfrm>
+                <a:off x="5886991" y="2574429"/>
+                <a:ext cx="612732" cy="261610"/>
+              </a:xfrm>
+              <a:prstGeom prst="rect">
+                <a:avLst/>
+              </a:prstGeom>
+              <a:solidFill>
+                <a:schemeClr val="bg1"/>
+              </a:solidFill>
+              <a:ln>
+                <a:solidFill>
+                  <a:schemeClr val="tx1"/>
+                </a:solidFill>
+              </a:ln>
+            </p:spPr>
+            <p:txBody>
+              <a:bodyPr wrap="none" rtlCol="0">
+                <a:spAutoFit/>
+              </a:bodyPr>
+              <a:lstStyle/>
+              <a:p>
+                <a14:m>
+                  <m:oMath xmlns:m="http://schemas.openxmlformats.org/officeDocument/2006/math">
+                    <m:r>
+                      <a:rPr lang="en-US" altLang="ko-KR" sz="1100" b="0" i="1" smtClean="0">
+                        <a:latin typeface="Cambria Math"/>
+                      </a:rPr>
+                      <m:t>𝑡</m:t>
+                    </m:r>
+                    <m:r>
+                      <a:rPr lang="en-US" altLang="ko-KR" sz="1100" b="0" i="1" smtClean="0">
+                        <a:latin typeface="Cambria Math"/>
+                      </a:rPr>
+                      <m:t>=0.</m:t>
+                    </m:r>
+                  </m:oMath>
+                </a14:m>
+                <a:r>
+                  <a:rPr lang="en-US" altLang="ko-KR" sz="1100" dirty="0"/>
+                  <a:t>9</a:t>
+                </a:r>
+                <a:endParaRPr lang="ko-KR" altLang="en-US" sz="1100" dirty="0"/>
+              </a:p>
+            </p:txBody>
+          </p:sp>
+        </mc:Choice>
+        <mc:Fallback xmlns="">
+          <p:sp>
+            <p:nvSpPr>
+              <p:cNvPr id="8" name="TextBox 7"/>
+              <p:cNvSpPr txBox="1">
+                <a:spLocks noRot="1" noChangeAspect="1" noMove="1" noResize="1" noEditPoints="1" noAdjustHandles="1" noChangeArrowheads="1" noChangeShapeType="1" noTextEdit="1"/>
+              </p:cNvSpPr>
+              <p:nvPr/>
+            </p:nvSpPr>
+            <p:spPr>
+              <a:xfrm>
+                <a:off x="5886991" y="2574429"/>
+                <a:ext cx="612732" cy="261610"/>
+              </a:xfrm>
+              <a:prstGeom prst="rect">
+                <a:avLst/>
+              </a:prstGeom>
+              <a:blipFill rotWithShape="1">
+                <a:blip r:embed="rId6"/>
+                <a:stretch>
+                  <a:fillRect b="-11111"/>
+                </a:stretch>
+              </a:blipFill>
+              <a:ln>
+                <a:solidFill>
+                  <a:schemeClr val="tx1"/>
+                </a:solidFill>
+              </a:ln>
+            </p:spPr>
+            <p:txBody>
+              <a:bodyPr/>
+              <a:lstStyle/>
+              <a:p>
+                <a:r>
+                  <a:rPr lang="ko-KR" altLang="en-US">
+                    <a:noFill/>
+                  </a:rPr>
+                  <a:t> </a:t>
+                </a:r>
+              </a:p>
+            </p:txBody>
+          </p:sp>
+        </mc:Fallback>
+      </mc:AlternateContent>
+      <mc:AlternateContent xmlns:mc="http://schemas.openxmlformats.org/markup-compatibility/2006" xmlns:a14="http://schemas.microsoft.com/office/drawing/2010/main">
+        <mc:Choice Requires="a14">
+          <p:sp>
+            <p:nvSpPr>
+              <p:cNvPr id="9" name="TextBox 8"/>
+              <p:cNvSpPr txBox="1"/>
+              <p:nvPr/>
+            </p:nvSpPr>
+            <p:spPr>
+              <a:xfrm>
+                <a:off x="6146680" y="2204864"/>
+                <a:ext cx="612732" cy="261610"/>
+              </a:xfrm>
+              <a:prstGeom prst="rect">
+                <a:avLst/>
+              </a:prstGeom>
+              <a:solidFill>
+                <a:schemeClr val="bg1"/>
+              </a:solidFill>
+              <a:ln>
+                <a:solidFill>
+                  <a:schemeClr val="tx1"/>
+                </a:solidFill>
+              </a:ln>
+            </p:spPr>
+            <p:txBody>
+              <a:bodyPr wrap="none" rtlCol="0">
+                <a:spAutoFit/>
+              </a:bodyPr>
+              <a:lstStyle/>
+              <a:p>
+                <a14:m>
+                  <m:oMath xmlns:m="http://schemas.openxmlformats.org/officeDocument/2006/math">
+                    <m:r>
+                      <a:rPr lang="en-US" altLang="ko-KR" sz="1100" b="0" i="1" smtClean="0">
+                        <a:latin typeface="Cambria Math"/>
+                      </a:rPr>
+                      <m:t>𝑡</m:t>
+                    </m:r>
+                    <m:r>
+                      <a:rPr lang="en-US" altLang="ko-KR" sz="1100" b="0" i="1" smtClean="0">
+                        <a:latin typeface="Cambria Math"/>
+                      </a:rPr>
+                      <m:t>=1.</m:t>
+                    </m:r>
+                  </m:oMath>
+                </a14:m>
+                <a:r>
+                  <a:rPr lang="en-US" altLang="ko-KR" sz="1100" dirty="0"/>
+                  <a:t>2</a:t>
+                </a:r>
+                <a:endParaRPr lang="ko-KR" altLang="en-US" sz="1100" dirty="0"/>
+              </a:p>
+            </p:txBody>
+          </p:sp>
+        </mc:Choice>
+        <mc:Fallback xmlns="">
+          <p:sp>
+            <p:nvSpPr>
+              <p:cNvPr id="9" name="TextBox 8"/>
+              <p:cNvSpPr txBox="1">
+                <a:spLocks noRot="1" noChangeAspect="1" noMove="1" noResize="1" noEditPoints="1" noAdjustHandles="1" noChangeArrowheads="1" noChangeShapeType="1" noTextEdit="1"/>
+              </p:cNvSpPr>
+              <p:nvPr/>
+            </p:nvSpPr>
+            <p:spPr>
+              <a:xfrm>
+                <a:off x="6146680" y="2204864"/>
+                <a:ext cx="612732" cy="261610"/>
+              </a:xfrm>
+              <a:prstGeom prst="rect">
+                <a:avLst/>
+              </a:prstGeom>
+              <a:blipFill rotWithShape="1">
+                <a:blip r:embed="rId7"/>
+                <a:stretch>
+                  <a:fillRect b="-11111"/>
+                </a:stretch>
+              </a:blipFill>
+              <a:ln>
+                <a:solidFill>
+                  <a:schemeClr val="tx1"/>
+                </a:solidFill>
+              </a:ln>
+            </p:spPr>
+            <p:txBody>
+              <a:bodyPr/>
+              <a:lstStyle/>
+              <a:p>
+                <a:r>
+                  <a:rPr lang="ko-KR" altLang="en-US">
+                    <a:noFill/>
+                  </a:rPr>
+                  <a:t> </a:t>
+                </a:r>
+              </a:p>
+            </p:txBody>
+          </p:sp>
+        </mc:Fallback>
+      </mc:AlternateContent>
+      <p:sp>
+        <p:nvSpPr>
+          <p:cNvPr id="14" name="직사각형 13"/>
+          <p:cNvSpPr/>
+          <p:nvPr/>
+        </p:nvSpPr>
+        <p:spPr>
+          <a:xfrm>
+            <a:off x="3398323" y="4103850"/>
+            <a:ext cx="3854467" cy="792088"/>
+          </a:xfrm>
+          <a:prstGeom prst="rect">
+            <a:avLst/>
+          </a:prstGeom>
+          <a:solidFill>
+            <a:schemeClr val="bg1"/>
+          </a:solidFill>
+          <a:ln>
+            <a:solidFill>
+              <a:schemeClr val="tx1"/>
+            </a:solidFill>
+          </a:ln>
+        </p:spPr>
+        <p:style>
+          <a:lnRef idx="2">
+            <a:schemeClr val="accent1">
+              <a:shade val="50000"/>
+            </a:schemeClr>
+          </a:lnRef>
+          <a:fillRef idx="1">
+            <a:schemeClr val="accent1"/>
+          </a:fillRef>
+          <a:effectRef idx="0">
+            <a:schemeClr val="accent1"/>
+          </a:effectRef>
+          <a:fontRef idx="minor">
+            <a:schemeClr val="lt1"/>
+          </a:fontRef>
+        </p:style>
+        <p:txBody>
+          <a:bodyPr rtlCol="0" anchor="ctr"/>
+          <a:lstStyle/>
+          <a:p>
+            <a:pPr algn="ctr"/>
+            <a:endParaRPr lang="ko-KR" altLang="en-US"/>
+          </a:p>
+        </p:txBody>
+      </p:sp>
+      <mc:AlternateContent xmlns:mc="http://schemas.openxmlformats.org/markup-compatibility/2006" xmlns:a14="http://schemas.microsoft.com/office/drawing/2010/main">
+        <mc:Choice Requires="a14">
+          <p:sp>
+            <p:nvSpPr>
+              <p:cNvPr id="5" name="TextBox 4"/>
+              <p:cNvSpPr txBox="1"/>
+              <p:nvPr/>
+            </p:nvSpPr>
+            <p:spPr>
+              <a:xfrm>
+                <a:off x="3872570" y="4209745"/>
+                <a:ext cx="3380220" cy="641266"/>
+              </a:xfrm>
+              <a:prstGeom prst="rect">
+                <a:avLst/>
+              </a:prstGeom>
+              <a:noFill/>
+            </p:spPr>
+            <p:txBody>
+              <a:bodyPr wrap="none" rtlCol="0">
+                <a:spAutoFit/>
+              </a:bodyPr>
+              <a:lstStyle/>
+              <a:p>
+                <a:r>
+                  <a:rPr lang="en-US" altLang="ko-KR" dirty="0"/>
+                  <a:t>: </a:t>
+                </a:r>
+                <a14:m>
+                  <m:oMath xmlns:m="http://schemas.openxmlformats.org/officeDocument/2006/math">
+                    <m:d>
+                      <m:dPr>
+                        <m:begChr m:val="["/>
+                        <m:endChr m:val="]"/>
+                        <m:ctrlPr>
+                          <a:rPr lang="en-US" altLang="ko-KR" i="1" smtClean="0">
+                            <a:latin typeface="Cambria Math"/>
+                          </a:rPr>
+                        </m:ctrlPr>
+                      </m:dPr>
+                      <m:e>
+                        <m:m>
+                          <m:mPr>
+                            <m:mcs>
+                              <m:mc>
+                                <m:mcPr>
+                                  <m:count m:val="1"/>
+                                  <m:mcJc m:val="center"/>
+                                </m:mcPr>
+                              </m:mc>
+                            </m:mcs>
+                            <m:ctrlPr>
+                              <a:rPr lang="en-US" altLang="ko-KR" i="1">
+                                <a:latin typeface="Cambria Math"/>
+                              </a:rPr>
+                            </m:ctrlPr>
+                          </m:mPr>
+                          <m:mr>
+                            <m:e>
+                              <m:r>
+                                <m:rPr>
+                                  <m:brk m:alnAt="7"/>
+                                </m:rPr>
+                                <a:rPr lang="en-US" altLang="ko-KR" b="0" i="1" smtClean="0">
+                                  <a:latin typeface="Cambria Math"/>
+                                </a:rPr>
+                                <m:t>𝑥</m:t>
+                              </m:r>
+                              <m:r>
+                                <a:rPr lang="en-US" altLang="ko-KR" b="0" i="1" smtClean="0">
+                                  <a:latin typeface="Cambria Math"/>
+                                </a:rPr>
+                                <m:t>(</m:t>
+                              </m:r>
+                              <m:r>
+                                <a:rPr lang="en-US" altLang="ko-KR" b="0" i="1" smtClean="0">
+                                  <a:latin typeface="Cambria Math"/>
+                                </a:rPr>
+                                <m:t>𝑡</m:t>
+                              </m:r>
+                              <m:r>
+                                <a:rPr lang="en-US" altLang="ko-KR" b="0" i="1" smtClean="0">
+                                  <a:latin typeface="Cambria Math"/>
+                                </a:rPr>
+                                <m:t>)</m:t>
+                              </m:r>
+                            </m:e>
+                          </m:mr>
+                          <m:mr>
+                            <m:e>
+                              <m:r>
+                                <a:rPr lang="en-US" altLang="ko-KR" b="0" i="1" smtClean="0">
+                                  <a:latin typeface="Cambria Math"/>
+                                </a:rPr>
+                                <m:t>𝑦</m:t>
+                              </m:r>
+                              <m:r>
+                                <a:rPr lang="en-US" altLang="ko-KR" b="0" i="1" smtClean="0">
+                                  <a:latin typeface="Cambria Math"/>
+                                </a:rPr>
+                                <m:t>(</m:t>
+                              </m:r>
+                              <m:r>
+                                <a:rPr lang="en-US" altLang="ko-KR" b="0" i="1" smtClean="0">
+                                  <a:latin typeface="Cambria Math"/>
+                                </a:rPr>
+                                <m:t>𝑡</m:t>
+                              </m:r>
+                              <m:r>
+                                <a:rPr lang="en-US" altLang="ko-KR" b="0" i="1" smtClean="0">
+                                  <a:latin typeface="Cambria Math"/>
+                                </a:rPr>
+                                <m:t>)</m:t>
+                              </m:r>
+                            </m:e>
+                          </m:mr>
+                        </m:m>
+                      </m:e>
+                    </m:d>
+                    <m:r>
+                      <a:rPr lang="en-US" altLang="ko-KR" b="0" i="1" smtClean="0">
+                        <a:latin typeface="Cambria Math"/>
+                      </a:rPr>
+                      <m:t>=−</m:t>
+                    </m:r>
+                    <m:f>
+                      <m:fPr>
+                        <m:ctrlPr>
+                          <a:rPr lang="en-US" altLang="ko-KR" b="0" i="1" smtClean="0">
+                            <a:latin typeface="Cambria Math"/>
+                          </a:rPr>
+                        </m:ctrlPr>
+                      </m:fPr>
+                      <m:num>
+                        <m:r>
+                          <a:rPr lang="en-US" altLang="ko-KR" b="0" i="1" smtClean="0">
+                            <a:latin typeface="Cambria Math"/>
+                          </a:rPr>
+                          <m:t>3</m:t>
+                        </m:r>
+                      </m:num>
+                      <m:den>
+                        <m:r>
+                          <a:rPr lang="en-US" altLang="ko-KR" b="0" i="1" smtClean="0">
+                            <a:latin typeface="Cambria Math"/>
+                          </a:rPr>
+                          <m:t>2</m:t>
+                        </m:r>
+                      </m:den>
+                    </m:f>
+                    <m:d>
+                      <m:dPr>
+                        <m:begChr m:val="["/>
+                        <m:endChr m:val="]"/>
+                        <m:ctrlPr>
+                          <a:rPr lang="en-US" altLang="ko-KR" b="0" i="1" smtClean="0">
+                            <a:latin typeface="Cambria Math"/>
+                          </a:rPr>
+                        </m:ctrlPr>
+                      </m:dPr>
+                      <m:e>
+                        <m:m>
+                          <m:mPr>
+                            <m:mcs>
+                              <m:mc>
+                                <m:mcPr>
+                                  <m:count m:val="1"/>
+                                  <m:mcJc m:val="center"/>
+                                </m:mcPr>
+                              </m:mc>
+                            </m:mcs>
+                            <m:ctrlPr>
+                              <a:rPr lang="en-US" altLang="ko-KR" b="0" i="1" smtClean="0">
+                                <a:latin typeface="Cambria Math"/>
+                              </a:rPr>
+                            </m:ctrlPr>
+                          </m:mPr>
+                          <m:mr>
+                            <m:e>
+                              <m:r>
+                                <m:rPr>
+                                  <m:brk m:alnAt="7"/>
+                                </m:rPr>
+                                <a:rPr lang="en-US" altLang="ko-KR" b="0" i="1" smtClean="0">
+                                  <a:latin typeface="Cambria Math"/>
+                                </a:rPr>
+                                <m:t>−</m:t>
+                              </m:r>
+                              <m:r>
+                                <a:rPr lang="en-US" altLang="ko-KR" b="0" i="1" smtClean="0">
+                                  <a:latin typeface="Cambria Math"/>
+                                </a:rPr>
+                                <m:t>1</m:t>
+                              </m:r>
+                            </m:e>
+                          </m:mr>
+                          <m:mr>
+                            <m:e>
+                              <m:r>
+                                <a:rPr lang="en-US" altLang="ko-KR" b="0" i="1" smtClean="0">
+                                  <a:latin typeface="Cambria Math"/>
+                                </a:rPr>
+                                <m:t>1</m:t>
+                              </m:r>
+                            </m:e>
+                          </m:mr>
+                        </m:m>
+                      </m:e>
+                    </m:d>
+                    <m:sSup>
+                      <m:sSupPr>
+                        <m:ctrlPr>
+                          <a:rPr lang="en-US" altLang="ko-KR" b="0" i="1" smtClean="0">
+                            <a:latin typeface="Cambria Math"/>
+                          </a:rPr>
+                        </m:ctrlPr>
+                      </m:sSupPr>
+                      <m:e>
+                        <m:r>
+                          <a:rPr lang="en-US" altLang="ko-KR" b="0" i="1" smtClean="0">
+                            <a:latin typeface="Cambria Math"/>
+                          </a:rPr>
+                          <m:t>𝑒</m:t>
+                        </m:r>
+                      </m:e>
+                      <m:sup>
+                        <m:r>
+                          <a:rPr lang="en-US" altLang="ko-KR" b="0" i="1" smtClean="0">
+                            <a:latin typeface="Cambria Math"/>
+                          </a:rPr>
+                          <m:t>−</m:t>
+                        </m:r>
+                        <m:r>
+                          <a:rPr lang="en-US" altLang="ko-KR" b="0" i="1" smtClean="0">
+                            <a:latin typeface="Cambria Math"/>
+                          </a:rPr>
+                          <m:t>𝑡</m:t>
+                        </m:r>
+                      </m:sup>
+                    </m:sSup>
+                    <m:r>
+                      <a:rPr lang="en-US" altLang="ko-KR" b="0" i="1" smtClean="0">
+                        <a:latin typeface="Cambria Math"/>
+                      </a:rPr>
+                      <m:t>+</m:t>
+                    </m:r>
+                    <m:f>
+                      <m:fPr>
+                        <m:ctrlPr>
+                          <a:rPr lang="en-US" altLang="ko-KR" i="1">
+                            <a:latin typeface="Cambria Math"/>
+                          </a:rPr>
+                        </m:ctrlPr>
+                      </m:fPr>
+                      <m:num>
+                        <m:r>
+                          <a:rPr lang="en-US" altLang="ko-KR" b="0" i="1" smtClean="0">
+                            <a:latin typeface="Cambria Math"/>
+                          </a:rPr>
+                          <m:t>1</m:t>
+                        </m:r>
+                      </m:num>
+                      <m:den>
+                        <m:r>
+                          <a:rPr lang="en-US" altLang="ko-KR" i="1">
+                            <a:latin typeface="Cambria Math"/>
+                          </a:rPr>
+                          <m:t>2</m:t>
+                        </m:r>
+                      </m:den>
+                    </m:f>
+                    <m:d>
+                      <m:dPr>
+                        <m:begChr m:val="["/>
+                        <m:endChr m:val="]"/>
+                        <m:ctrlPr>
+                          <a:rPr lang="en-US" altLang="ko-KR" i="1">
+                            <a:latin typeface="Cambria Math"/>
+                          </a:rPr>
+                        </m:ctrlPr>
+                      </m:dPr>
+                      <m:e>
+                        <m:m>
+                          <m:mPr>
+                            <m:mcs>
+                              <m:mc>
+                                <m:mcPr>
+                                  <m:count m:val="1"/>
+                                  <m:mcJc m:val="center"/>
+                                </m:mcPr>
+                              </m:mc>
+                            </m:mcs>
+                            <m:ctrlPr>
+                              <a:rPr lang="en-US" altLang="ko-KR" i="1">
+                                <a:latin typeface="Cambria Math"/>
+                              </a:rPr>
+                            </m:ctrlPr>
+                          </m:mPr>
+                          <m:mr>
+                            <m:e>
+                              <m:r>
+                                <a:rPr lang="en-US" altLang="ko-KR" i="1">
+                                  <a:latin typeface="Cambria Math"/>
+                                </a:rPr>
+                                <m:t>1</m:t>
+                              </m:r>
+                            </m:e>
+                          </m:mr>
+                          <m:mr>
+                            <m:e>
+                              <m:r>
+                                <a:rPr lang="en-US" altLang="ko-KR" i="1">
+                                  <a:latin typeface="Cambria Math"/>
+                                </a:rPr>
+                                <m:t>1</m:t>
+                              </m:r>
+                            </m:e>
+                          </m:mr>
+                        </m:m>
+                      </m:e>
+                    </m:d>
+                    <m:sSup>
+                      <m:sSupPr>
+                        <m:ctrlPr>
+                          <a:rPr lang="en-US" altLang="ko-KR" i="1">
+                            <a:latin typeface="Cambria Math"/>
+                          </a:rPr>
+                        </m:ctrlPr>
+                      </m:sSupPr>
+                      <m:e>
+                        <m:r>
+                          <a:rPr lang="en-US" altLang="ko-KR" i="1">
+                            <a:latin typeface="Cambria Math"/>
+                          </a:rPr>
+                          <m:t>𝑒</m:t>
+                        </m:r>
+                      </m:e>
+                      <m:sup>
+                        <m:r>
+                          <a:rPr lang="en-US" altLang="ko-KR" i="1">
+                            <a:latin typeface="Cambria Math"/>
+                          </a:rPr>
+                          <m:t>𝑡</m:t>
+                        </m:r>
+                      </m:sup>
+                    </m:sSup>
+                  </m:oMath>
+                </a14:m>
+                <a:endParaRPr lang="ko-KR" altLang="en-US" dirty="0"/>
+              </a:p>
+            </p:txBody>
+          </p:sp>
+        </mc:Choice>
+        <mc:Fallback xmlns="">
+          <p:sp>
+            <p:nvSpPr>
+              <p:cNvPr id="5" name="TextBox 4"/>
+              <p:cNvSpPr txBox="1">
+                <a:spLocks noRot="1" noChangeAspect="1" noMove="1" noResize="1" noEditPoints="1" noAdjustHandles="1" noChangeArrowheads="1" noChangeShapeType="1" noTextEdit="1"/>
+              </p:cNvSpPr>
+              <p:nvPr/>
+            </p:nvSpPr>
+            <p:spPr>
+              <a:xfrm>
+                <a:off x="3872570" y="4209745"/>
+                <a:ext cx="3380220" cy="641266"/>
+              </a:xfrm>
+              <a:prstGeom prst="rect">
+                <a:avLst/>
+              </a:prstGeom>
+              <a:blipFill rotWithShape="1">
+                <a:blip r:embed="rId8"/>
+                <a:stretch>
+                  <a:fillRect l="-1441"/>
+                </a:stretch>
+              </a:blipFill>
+            </p:spPr>
+            <p:txBody>
+              <a:bodyPr/>
+              <a:lstStyle/>
+              <a:p>
+                <a:r>
+                  <a:rPr lang="ko-KR" altLang="en-US">
+                    <a:noFill/>
+                  </a:rPr>
+                  <a:t> </a:t>
+                </a:r>
+              </a:p>
+            </p:txBody>
+          </p:sp>
+        </mc:Fallback>
+      </mc:AlternateContent>
+      <p:cxnSp>
+        <p:nvCxnSpPr>
+          <p:cNvPr id="11" name="직선 연결선 10"/>
+          <p:cNvCxnSpPr/>
+          <p:nvPr/>
+        </p:nvCxnSpPr>
+        <p:spPr>
+          <a:xfrm>
+            <a:off x="3512530" y="4530378"/>
+            <a:ext cx="360040" cy="0"/>
+          </a:xfrm>
+          <a:prstGeom prst="line">
+            <a:avLst/>
+          </a:prstGeom>
+          <a:ln w="38100">
+            <a:solidFill>
+              <a:srgbClr val="FF0000"/>
+            </a:solidFill>
+          </a:ln>
+        </p:spPr>
+        <p:style>
+          <a:lnRef idx="1">
+            <a:schemeClr val="accent1"/>
+          </a:lnRef>
+          <a:fillRef idx="0">
+            <a:schemeClr val="accent1"/>
+          </a:fillRef>
+          <a:effectRef idx="0">
+            <a:schemeClr val="accent1"/>
+          </a:effectRef>
+          <a:fontRef idx="minor">
+            <a:schemeClr val="tx1"/>
+          </a:fontRef>
+        </p:style>
+      </p:cxnSp>
+    </p:spTree>
+    <p:extLst>
+      <p:ext uri="{BB962C8B-B14F-4D97-AF65-F5344CB8AC3E}">
+        <p14:creationId xmlns:p14="http://schemas.microsoft.com/office/powerpoint/2010/main" val="1164937085"/>
+      </p:ext>
+    </p:extLst>
+  </p:cSld>
+  <p:clrMapOvr>
+    <a:masterClrMapping/>
+  </p:clrMapOvr>
+</p:sld>
+</file>
+
+<file path=ppt/slides/slide11.xml><?xml version="1.0" encoding="utf-8"?>
+<p:sld xmlns:a="http://schemas.openxmlformats.org/drawingml/2006/main" xmlns:r="http://schemas.openxmlformats.org/officeDocument/2006/relationships" xmlns:p="http://schemas.openxmlformats.org/presentationml/2006/main">
+  <p:cSld>
+    <p:spTree>
+      <p:nvGrpSpPr>
+        <p:cNvPr id="1" name=""/>
+        <p:cNvGrpSpPr/>
+        <p:nvPr/>
+      </p:nvGrpSpPr>
+      <p:grpSpPr>
+        <a:xfrm>
+          <a:off x="0" y="0"/>
+          <a:ext cx="0" cy="0"/>
+          <a:chOff x="0" y="0"/>
+          <a:chExt cx="0" cy="0"/>
+        </a:xfrm>
+      </p:grpSpPr>
+      <p:pic>
+        <p:nvPicPr>
+          <p:cNvPr id="1026" name="Picture 2"/>
+          <p:cNvPicPr>
+            <a:picLocks noChangeAspect="1" noChangeArrowheads="1"/>
+          </p:cNvPicPr>
+          <p:nvPr/>
+        </p:nvPicPr>
+        <p:blipFill>
+          <a:blip r:embed="rId2">
+            <a:extLst>
+              <a:ext uri="{28A0092B-C50C-407E-A947-70E740481C1C}">
+                <a14:useLocalDpi xmlns:a14="http://schemas.microsoft.com/office/drawing/2010/main" val="0"/>
+              </a:ext>
+            </a:extLst>
+          </a:blip>
+          <a:srcRect/>
+          <a:stretch>
+            <a:fillRect/>
+          </a:stretch>
+        </p:blipFill>
+        <p:spPr bwMode="auto">
+          <a:xfrm>
             <a:off x="1909763" y="1433513"/>
             <a:ext cx="5324475" cy="3990975"/>
           </a:xfrm>
@@ -3563,7 +4637,7 @@
 </p:sld>
 </file>
 
-<file path=ppt/slides/slide11.xml><?xml version="1.0" encoding="utf-8"?>
+<file path=ppt/slides/slide12.xml><?xml version="1.0" encoding="utf-8"?>
 <p:sld xmlns:a="http://schemas.openxmlformats.org/drawingml/2006/main" xmlns:r="http://schemas.openxmlformats.org/officeDocument/2006/relationships" xmlns:p="http://schemas.openxmlformats.org/presentationml/2006/main">
   <p:cSld>
     <p:spTree>
@@ -6085,6 +7159,385 @@
       </p:grpSpPr>
       <p:pic>
         <p:nvPicPr>
+          <p:cNvPr id="4" name="Picture 2"/>
+          <p:cNvPicPr>
+            <a:picLocks noChangeAspect="1" noChangeArrowheads="1"/>
+          </p:cNvPicPr>
+          <p:nvPr/>
+        </p:nvPicPr>
+        <p:blipFill>
+          <a:blip r:embed="rId2">
+            <a:extLst>
+              <a:ext uri="{28A0092B-C50C-407E-A947-70E740481C1C}">
+                <a14:useLocalDpi xmlns:a14="http://schemas.microsoft.com/office/drawing/2010/main" val="0"/>
+              </a:ext>
+            </a:extLst>
+          </a:blip>
+          <a:srcRect/>
+          <a:stretch>
+            <a:fillRect/>
+          </a:stretch>
+        </p:blipFill>
+        <p:spPr bwMode="auto">
+          <a:xfrm>
+            <a:off x="4644008" y="1643525"/>
+            <a:ext cx="4764113" cy="3570952"/>
+          </a:xfrm>
+          <a:prstGeom prst="rect">
+            <a:avLst/>
+          </a:prstGeom>
+          <a:noFill/>
+          <a:ln>
+            <a:noFill/>
+          </a:ln>
+          <a:effectLst/>
+          <a:extLst>
+            <a:ext uri="{909E8E84-426E-40DD-AFC4-6F175D3DCCD1}">
+              <a14:hiddenFill xmlns:a14="http://schemas.microsoft.com/office/drawing/2010/main">
+                <a:solidFill>
+                  <a:schemeClr val="accent1"/>
+                </a:solidFill>
+              </a14:hiddenFill>
+            </a:ext>
+            <a:ext uri="{91240B29-F687-4F45-9708-019B960494DF}">
+              <a14:hiddenLine xmlns:a14="http://schemas.microsoft.com/office/drawing/2010/main" w="9525">
+                <a:solidFill>
+                  <a:schemeClr val="tx1"/>
+                </a:solidFill>
+                <a:miter lim="800000"/>
+                <a:headEnd/>
+                <a:tailEnd/>
+              </a14:hiddenLine>
+            </a:ext>
+            <a:ext uri="{AF507438-7753-43E0-B8FC-AC1667EBCBE1}">
+              <a14:hiddenEffects xmlns:a14="http://schemas.microsoft.com/office/drawing/2010/main">
+                <a:effectLst>
+                  <a:outerShdw dist="35921" dir="2700000" algn="ctr" rotWithShape="0">
+                    <a:schemeClr val="bg2"/>
+                  </a:outerShdw>
+                </a:effectLst>
+              </a14:hiddenEffects>
+            </a:ext>
+          </a:extLst>
+        </p:spPr>
+      </p:pic>
+      <p:pic>
+        <p:nvPicPr>
+          <p:cNvPr id="5" name="Picture 2"/>
+          <p:cNvPicPr>
+            <a:picLocks noChangeAspect="1" noChangeArrowheads="1"/>
+          </p:cNvPicPr>
+          <p:nvPr/>
+        </p:nvPicPr>
+        <p:blipFill>
+          <a:blip r:embed="rId3">
+            <a:extLst>
+              <a:ext uri="{28A0092B-C50C-407E-A947-70E740481C1C}">
+                <a14:useLocalDpi xmlns:a14="http://schemas.microsoft.com/office/drawing/2010/main" val="0"/>
+              </a:ext>
+            </a:extLst>
+          </a:blip>
+          <a:srcRect/>
+          <a:stretch>
+            <a:fillRect/>
+          </a:stretch>
+        </p:blipFill>
+        <p:spPr bwMode="auto">
+          <a:xfrm>
+            <a:off x="-324544" y="1643525"/>
+            <a:ext cx="4764113" cy="3570952"/>
+          </a:xfrm>
+          <a:prstGeom prst="rect">
+            <a:avLst/>
+          </a:prstGeom>
+          <a:noFill/>
+          <a:ln>
+            <a:noFill/>
+          </a:ln>
+          <a:effectLst/>
+          <a:extLst>
+            <a:ext uri="{909E8E84-426E-40DD-AFC4-6F175D3DCCD1}">
+              <a14:hiddenFill xmlns:a14="http://schemas.microsoft.com/office/drawing/2010/main">
+                <a:solidFill>
+                  <a:schemeClr val="accent1"/>
+                </a:solidFill>
+              </a14:hiddenFill>
+            </a:ext>
+            <a:ext uri="{91240B29-F687-4F45-9708-019B960494DF}">
+              <a14:hiddenLine xmlns:a14="http://schemas.microsoft.com/office/drawing/2010/main" w="9525">
+                <a:solidFill>
+                  <a:schemeClr val="tx1"/>
+                </a:solidFill>
+                <a:miter lim="800000"/>
+                <a:headEnd/>
+                <a:tailEnd/>
+              </a14:hiddenLine>
+            </a:ext>
+            <a:ext uri="{AF507438-7753-43E0-B8FC-AC1667EBCBE1}">
+              <a14:hiddenEffects xmlns:a14="http://schemas.microsoft.com/office/drawing/2010/main">
+                <a:effectLst>
+                  <a:outerShdw dist="35921" dir="2700000" algn="ctr" rotWithShape="0">
+                    <a:schemeClr val="bg2"/>
+                  </a:outerShdw>
+                </a:effectLst>
+              </a14:hiddenEffects>
+            </a:ext>
+          </a:extLst>
+        </p:spPr>
+      </p:pic>
+      <p:sp>
+        <p:nvSpPr>
+          <p:cNvPr id="7" name="오른쪽 화살표 6"/>
+          <p:cNvSpPr/>
+          <p:nvPr/>
+        </p:nvSpPr>
+        <p:spPr>
+          <a:xfrm>
+            <a:off x="4082796" y="3186684"/>
+            <a:ext cx="978408" cy="484632"/>
+          </a:xfrm>
+          <a:prstGeom prst="rightArrow">
+            <a:avLst/>
+          </a:prstGeom>
+          <a:solidFill>
+            <a:schemeClr val="accent6"/>
+          </a:solidFill>
+        </p:spPr>
+        <p:style>
+          <a:lnRef idx="2">
+            <a:schemeClr val="accent1">
+              <a:shade val="50000"/>
+            </a:schemeClr>
+          </a:lnRef>
+          <a:fillRef idx="1">
+            <a:schemeClr val="accent1"/>
+          </a:fillRef>
+          <a:effectRef idx="0">
+            <a:schemeClr val="accent1"/>
+          </a:effectRef>
+          <a:fontRef idx="minor">
+            <a:schemeClr val="lt1"/>
+          </a:fontRef>
+        </p:style>
+        <p:txBody>
+          <a:bodyPr rtlCol="0" anchor="ctr"/>
+          <a:lstStyle/>
+          <a:p>
+            <a:pPr algn="ctr"/>
+            <a:endParaRPr lang="ko-KR" altLang="en-US"/>
+          </a:p>
+        </p:txBody>
+      </p:sp>
+      <mc:AlternateContent xmlns:mc="http://schemas.openxmlformats.org/markup-compatibility/2006">
+        <mc:Choice xmlns:a14="http://schemas.microsoft.com/office/drawing/2010/main" Requires="a14">
+          <p:sp>
+            <p:nvSpPr>
+              <p:cNvPr id="8" name="TextBox 7"/>
+              <p:cNvSpPr txBox="1"/>
+              <p:nvPr/>
+            </p:nvSpPr>
+            <p:spPr>
+              <a:xfrm>
+                <a:off x="3842848" y="2276872"/>
+                <a:ext cx="1438727" cy="2195794"/>
+              </a:xfrm>
+              <a:prstGeom prst="rect">
+                <a:avLst/>
+              </a:prstGeom>
+              <a:noFill/>
+            </p:spPr>
+            <p:txBody>
+              <a:bodyPr wrap="none" rtlCol="0">
+                <a:spAutoFit/>
+              </a:bodyPr>
+              <a:lstStyle/>
+              <a:p>
+                <a:pPr algn="ctr"/>
+                <a14:m>
+                  <m:oMathPara xmlns:m="http://schemas.openxmlformats.org/officeDocument/2006/math">
+                    <m:oMathParaPr>
+                      <m:jc m:val="centerGroup"/>
+                    </m:oMathParaPr>
+                    <m:oMath xmlns:m="http://schemas.openxmlformats.org/officeDocument/2006/math">
+                      <m:d>
+                        <m:dPr>
+                          <m:begChr m:val="["/>
+                          <m:endChr m:val="]"/>
+                          <m:ctrlPr>
+                            <a:rPr lang="en-US" altLang="ko-KR" sz="2800" i="1" smtClean="0">
+                              <a:latin typeface="Cambria Math"/>
+                            </a:rPr>
+                          </m:ctrlPr>
+                        </m:dPr>
+                        <m:e>
+                          <m:m>
+                            <m:mPr>
+                              <m:mcs>
+                                <m:mc>
+                                  <m:mcPr>
+                                    <m:count m:val="2"/>
+                                    <m:mcJc m:val="center"/>
+                                  </m:mcPr>
+                                </m:mc>
+                              </m:mcs>
+                              <m:ctrlPr>
+                                <a:rPr lang="en-US" altLang="ko-KR" sz="2800" i="1" smtClean="0">
+                                  <a:latin typeface="Cambria Math"/>
+                                </a:rPr>
+                              </m:ctrlPr>
+                            </m:mPr>
+                            <m:mr>
+                              <m:e>
+                                <m:r>
+                                  <m:rPr>
+                                    <m:brk m:alnAt="7"/>
+                                  </m:rPr>
+                                  <a:rPr lang="en-US" altLang="ko-KR" sz="2800" b="0" i="1" smtClean="0">
+                                    <a:latin typeface="Cambria Math"/>
+                                  </a:rPr>
+                                  <m:t>0</m:t>
+                                </m:r>
+                              </m:e>
+                              <m:e>
+                                <m:r>
+                                  <a:rPr lang="en-US" altLang="ko-KR" sz="2800" b="0" i="1" smtClean="0">
+                                    <a:latin typeface="Cambria Math"/>
+                                  </a:rPr>
+                                  <m:t>1</m:t>
+                                </m:r>
+                              </m:e>
+                            </m:mr>
+                            <m:mr>
+                              <m:e>
+                                <m:r>
+                                  <a:rPr lang="en-US" altLang="ko-KR" sz="2800" b="0" i="1" smtClean="0">
+                                    <a:latin typeface="Cambria Math"/>
+                                  </a:rPr>
+                                  <m:t>1</m:t>
+                                </m:r>
+                              </m:e>
+                              <m:e>
+                                <m:r>
+                                  <a:rPr lang="en-US" altLang="ko-KR" sz="2800" b="0" i="1" smtClean="0">
+                                    <a:latin typeface="Cambria Math"/>
+                                  </a:rPr>
+                                  <m:t>0</m:t>
+                                </m:r>
+                              </m:e>
+                            </m:mr>
+                          </m:m>
+                        </m:e>
+                      </m:d>
+                    </m:oMath>
+                  </m:oMathPara>
+                </a14:m>
+                <a:endParaRPr lang="en-US" altLang="ko-KR" dirty="0" smtClean="0"/>
+              </a:p>
+              <a:p>
+                <a:pPr algn="ctr"/>
+                <a:endParaRPr lang="en-US" altLang="ko-KR" dirty="0"/>
+              </a:p>
+              <a:p>
+                <a:pPr algn="ctr"/>
+                <a:endParaRPr lang="en-US" altLang="ko-KR" dirty="0" smtClean="0"/>
+              </a:p>
+              <a:p>
+                <a:pPr algn="ctr"/>
+                <a:endParaRPr lang="en-US" altLang="ko-KR" dirty="0" smtClean="0"/>
+              </a:p>
+              <a:p>
+                <a:pPr algn="ctr"/>
+                <a:r>
+                  <a:rPr lang="ko-KR" altLang="en-US" dirty="0" smtClean="0"/>
+                  <a:t>행렬을 통한</a:t>
+                </a:r>
+                <a:endParaRPr lang="en-US" altLang="ko-KR" dirty="0" smtClean="0"/>
+              </a:p>
+              <a:p>
+                <a:pPr algn="ctr"/>
+                <a:r>
+                  <a:rPr lang="ko-KR" altLang="en-US" dirty="0" smtClean="0"/>
+                  <a:t>선형변</a:t>
+                </a:r>
+                <a:r>
+                  <a:rPr lang="ko-KR" altLang="en-US" dirty="0"/>
+                  <a:t>환</a:t>
+                </a:r>
+              </a:p>
+            </p:txBody>
+          </p:sp>
+        </mc:Choice>
+        <mc:Fallback>
+          <p:sp>
+            <p:nvSpPr>
+              <p:cNvPr id="8" name="TextBox 7"/>
+              <p:cNvSpPr txBox="1">
+                <a:spLocks noRot="1" noChangeAspect="1" noMove="1" noResize="1" noEditPoints="1" noAdjustHandles="1" noChangeArrowheads="1" noChangeShapeType="1" noTextEdit="1"/>
+              </p:cNvSpPr>
+              <p:nvPr/>
+            </p:nvSpPr>
+            <p:spPr>
+              <a:xfrm>
+                <a:off x="3842848" y="2276872"/>
+                <a:ext cx="1438727" cy="2195794"/>
+              </a:xfrm>
+              <a:prstGeom prst="rect">
+                <a:avLst/>
+              </a:prstGeom>
+              <a:blipFill rotWithShape="1">
+                <a:blip r:embed="rId4"/>
+                <a:stretch>
+                  <a:fillRect l="-3390" r="-2119" b="-3611"/>
+                </a:stretch>
+              </a:blipFill>
+            </p:spPr>
+            <p:txBody>
+              <a:bodyPr/>
+              <a:lstStyle/>
+              <a:p>
+                <a:r>
+                  <a:rPr lang="ko-KR" altLang="en-US">
+                    <a:noFill/>
+                  </a:rPr>
+                  <a:t> </a:t>
+                </a:r>
+              </a:p>
+            </p:txBody>
+          </p:sp>
+        </mc:Fallback>
+      </mc:AlternateContent>
+    </p:spTree>
+    <p:extLst>
+      <p:ext uri="{BB962C8B-B14F-4D97-AF65-F5344CB8AC3E}">
+        <p14:creationId xmlns:p14="http://schemas.microsoft.com/office/powerpoint/2010/main" val="1136874745"/>
+      </p:ext>
+    </p:extLst>
+  </p:cSld>
+  <p:clrMapOvr>
+    <a:masterClrMapping/>
+  </p:clrMapOvr>
+</p:sld>
+</file>
+
+<file path=ppt/slides/slide7.xml><?xml version="1.0" encoding="utf-8"?>
+<p:sld xmlns:a="http://schemas.openxmlformats.org/drawingml/2006/main" xmlns:r="http://schemas.openxmlformats.org/officeDocument/2006/relationships" xmlns:p="http://schemas.openxmlformats.org/presentationml/2006/main">
+  <p:cSld>
+    <p:spTree>
+      <p:nvGrpSpPr>
+        <p:cNvPr id="1" name=""/>
+        <p:cNvGrpSpPr/>
+        <p:nvPr/>
+      </p:nvGrpSpPr>
+      <p:grpSpPr>
+        <a:xfrm>
+          <a:off x="0" y="0"/>
+          <a:ext cx="0" cy="0"/>
+          <a:chOff x="0" y="0"/>
+          <a:chExt cx="0" cy="0"/>
+        </a:xfrm>
+      </p:grpSpPr>
+      <p:pic>
+        <p:nvPicPr>
           <p:cNvPr id="3074" name="Picture 2"/>
           <p:cNvPicPr>
             <a:picLocks noChangeAspect="1" noChangeArrowheads="1"/>
@@ -6160,7 +7613,7 @@
 </p:sld>
 </file>
 
-<file path=ppt/slides/slide7.xml><?xml version="1.0" encoding="utf-8"?>
+<file path=ppt/slides/slide8.xml><?xml version="1.0" encoding="utf-8"?>
 <p:sld xmlns:a="http://schemas.openxmlformats.org/drawingml/2006/main" xmlns:r="http://schemas.openxmlformats.org/officeDocument/2006/relationships" xmlns:p="http://schemas.openxmlformats.org/presentationml/2006/main">
   <p:cSld>
     <p:spTree>
@@ -6254,7 +7707,7 @@
 </p:sld>
 </file>
 
-<file path=ppt/slides/slide8.xml><?xml version="1.0" encoding="utf-8"?>
+<file path=ppt/slides/slide9.xml><?xml version="1.0" encoding="utf-8"?>
 <p:sld xmlns:a="http://schemas.openxmlformats.org/drawingml/2006/main" xmlns:r="http://schemas.openxmlformats.org/officeDocument/2006/relationships" xmlns:p="http://schemas.openxmlformats.org/presentationml/2006/main">
   <p:cSld>
     <p:spTree>
@@ -6339,1079 +7792,6 @@
     <p:extLst>
       <p:ext uri="{BB962C8B-B14F-4D97-AF65-F5344CB8AC3E}">
         <p14:creationId xmlns:p14="http://schemas.microsoft.com/office/powerpoint/2010/main" val="243338322"/>
-      </p:ext>
-    </p:extLst>
-  </p:cSld>
-  <p:clrMapOvr>
-    <a:masterClrMapping/>
-  </p:clrMapOvr>
-</p:sld>
-</file>
-
-<file path=ppt/slides/slide9.xml><?xml version="1.0" encoding="utf-8"?>
-<p:sld xmlns:a="http://schemas.openxmlformats.org/drawingml/2006/main" xmlns:r="http://schemas.openxmlformats.org/officeDocument/2006/relationships" xmlns:p="http://schemas.openxmlformats.org/presentationml/2006/main">
-  <p:cSld>
-    <p:spTree>
-      <p:nvGrpSpPr>
-        <p:cNvPr id="1" name=""/>
-        <p:cNvGrpSpPr/>
-        <p:nvPr/>
-      </p:nvGrpSpPr>
-      <p:grpSpPr>
-        <a:xfrm>
-          <a:off x="0" y="0"/>
-          <a:ext cx="0" cy="0"/>
-          <a:chOff x="0" y="0"/>
-          <a:chExt cx="0" cy="0"/>
-        </a:xfrm>
-      </p:grpSpPr>
-      <p:pic>
-        <p:nvPicPr>
-          <p:cNvPr id="1026" name="Picture 2"/>
-          <p:cNvPicPr>
-            <a:picLocks noChangeAspect="1" noChangeArrowheads="1"/>
-          </p:cNvPicPr>
-          <p:nvPr/>
-        </p:nvPicPr>
-        <p:blipFill>
-          <a:blip r:embed="rId2">
-            <a:extLst>
-              <a:ext uri="{28A0092B-C50C-407E-A947-70E740481C1C}">
-                <a14:useLocalDpi xmlns:a14="http://schemas.microsoft.com/office/drawing/2010/main" val="0"/>
-              </a:ext>
-            </a:extLst>
-          </a:blip>
-          <a:srcRect/>
-          <a:stretch>
-            <a:fillRect/>
-          </a:stretch>
-        </p:blipFill>
-        <p:spPr bwMode="auto">
-          <a:xfrm>
-            <a:off x="1891211" y="1433513"/>
-            <a:ext cx="5324475" cy="3990975"/>
-          </a:xfrm>
-          <a:prstGeom prst="rect">
-            <a:avLst/>
-          </a:prstGeom>
-          <a:noFill/>
-          <a:ln>
-            <a:noFill/>
-          </a:ln>
-          <a:effectLst/>
-          <a:extLst>
-            <a:ext uri="{909E8E84-426E-40DD-AFC4-6F175D3DCCD1}">
-              <a14:hiddenFill xmlns:a14="http://schemas.microsoft.com/office/drawing/2010/main">
-                <a:solidFill>
-                  <a:schemeClr val="accent1"/>
-                </a:solidFill>
-              </a14:hiddenFill>
-            </a:ext>
-            <a:ext uri="{91240B29-F687-4F45-9708-019B960494DF}">
-              <a14:hiddenLine xmlns:a14="http://schemas.microsoft.com/office/drawing/2010/main" w="9525">
-                <a:solidFill>
-                  <a:schemeClr val="tx1"/>
-                </a:solidFill>
-                <a:miter lim="800000"/>
-                <a:headEnd/>
-                <a:tailEnd/>
-              </a14:hiddenLine>
-            </a:ext>
-            <a:ext uri="{AF507438-7753-43E0-B8FC-AC1667EBCBE1}">
-              <a14:hiddenEffects xmlns:a14="http://schemas.microsoft.com/office/drawing/2010/main">
-                <a:effectLst>
-                  <a:outerShdw dist="35921" dir="2700000" algn="ctr" rotWithShape="0">
-                    <a:schemeClr val="bg2"/>
-                  </a:outerShdw>
-                </a:effectLst>
-              </a14:hiddenEffects>
-            </a:ext>
-          </a:extLst>
-        </p:spPr>
-      </p:pic>
-      <mc:AlternateContent xmlns:mc="http://schemas.openxmlformats.org/markup-compatibility/2006" xmlns:a14="http://schemas.microsoft.com/office/drawing/2010/main">
-        <mc:Choice Requires="a14">
-          <p:sp>
-            <p:nvSpPr>
-              <p:cNvPr id="4" name="TextBox 3"/>
-              <p:cNvSpPr txBox="1"/>
-              <p:nvPr/>
-            </p:nvSpPr>
-            <p:spPr>
-              <a:xfrm>
-                <a:off x="5851651" y="3787879"/>
-                <a:ext cx="556626" cy="261610"/>
-              </a:xfrm>
-              <a:prstGeom prst="rect">
-                <a:avLst/>
-              </a:prstGeom>
-              <a:solidFill>
-                <a:schemeClr val="bg1"/>
-              </a:solidFill>
-              <a:ln>
-                <a:solidFill>
-                  <a:schemeClr val="tx1"/>
-                </a:solidFill>
-              </a:ln>
-            </p:spPr>
-            <p:txBody>
-              <a:bodyPr wrap="none" rtlCol="0">
-                <a:spAutoFit/>
-              </a:bodyPr>
-              <a:lstStyle/>
-              <a:p>
-                <a:pPr/>
-                <a14:m>
-                  <m:oMathPara xmlns:m="http://schemas.openxmlformats.org/officeDocument/2006/math">
-                    <m:oMathParaPr>
-                      <m:jc m:val="centerGroup"/>
-                    </m:oMathParaPr>
-                    <m:oMath xmlns:m="http://schemas.openxmlformats.org/officeDocument/2006/math">
-                      <m:r>
-                        <a:rPr lang="en-US" altLang="ko-KR" sz="1100" b="0" i="1" smtClean="0">
-                          <a:latin typeface="Cambria Math"/>
-                        </a:rPr>
-                        <m:t>𝑡</m:t>
-                      </m:r>
-                      <m:r>
-                        <a:rPr lang="en-US" altLang="ko-KR" sz="1100" b="0" i="1" smtClean="0">
-                          <a:latin typeface="Cambria Math"/>
-                        </a:rPr>
-                        <m:t>=0</m:t>
-                      </m:r>
-                    </m:oMath>
-                  </m:oMathPara>
-                </a14:m>
-                <a:endParaRPr lang="ko-KR" altLang="en-US" sz="1100" dirty="0"/>
-              </a:p>
-            </p:txBody>
-          </p:sp>
-        </mc:Choice>
-        <mc:Fallback xmlns="">
-          <p:sp>
-            <p:nvSpPr>
-              <p:cNvPr id="4" name="TextBox 3"/>
-              <p:cNvSpPr txBox="1">
-                <a:spLocks noRot="1" noChangeAspect="1" noMove="1" noResize="1" noEditPoints="1" noAdjustHandles="1" noChangeArrowheads="1" noChangeShapeType="1" noTextEdit="1"/>
-              </p:cNvSpPr>
-              <p:nvPr/>
-            </p:nvSpPr>
-            <p:spPr>
-              <a:xfrm>
-                <a:off x="5851651" y="3787879"/>
-                <a:ext cx="556626" cy="261610"/>
-              </a:xfrm>
-              <a:prstGeom prst="rect">
-                <a:avLst/>
-              </a:prstGeom>
-              <a:blipFill rotWithShape="1">
-                <a:blip r:embed="rId3"/>
-                <a:stretch>
-                  <a:fillRect/>
-                </a:stretch>
-              </a:blipFill>
-              <a:ln>
-                <a:solidFill>
-                  <a:schemeClr val="tx1"/>
-                </a:solidFill>
-              </a:ln>
-            </p:spPr>
-            <p:txBody>
-              <a:bodyPr/>
-              <a:lstStyle/>
-              <a:p>
-                <a:r>
-                  <a:rPr lang="ko-KR" altLang="en-US">
-                    <a:noFill/>
-                  </a:rPr>
-                  <a:t> </a:t>
-                </a:r>
-              </a:p>
-            </p:txBody>
-          </p:sp>
-        </mc:Fallback>
-      </mc:AlternateContent>
-      <mc:AlternateContent xmlns:mc="http://schemas.openxmlformats.org/markup-compatibility/2006" xmlns:a14="http://schemas.microsoft.com/office/drawing/2010/main">
-        <mc:Choice Requires="a14">
-          <p:sp>
-            <p:nvSpPr>
-              <p:cNvPr id="6" name="TextBox 5"/>
-              <p:cNvSpPr txBox="1"/>
-              <p:nvPr/>
-            </p:nvSpPr>
-            <p:spPr>
-              <a:xfrm>
-                <a:off x="5727073" y="3455422"/>
-                <a:ext cx="664028" cy="261610"/>
-              </a:xfrm>
-              <a:prstGeom prst="rect">
-                <a:avLst/>
-              </a:prstGeom>
-              <a:solidFill>
-                <a:schemeClr val="bg1"/>
-              </a:solidFill>
-              <a:ln>
-                <a:solidFill>
-                  <a:schemeClr val="tx1"/>
-                </a:solidFill>
-              </a:ln>
-            </p:spPr>
-            <p:txBody>
-              <a:bodyPr wrap="none" rtlCol="0">
-                <a:spAutoFit/>
-              </a:bodyPr>
-              <a:lstStyle/>
-              <a:p>
-                <a:pPr/>
-                <a14:m>
-                  <m:oMathPara xmlns:m="http://schemas.openxmlformats.org/officeDocument/2006/math">
-                    <m:oMathParaPr>
-                      <m:jc m:val="centerGroup"/>
-                    </m:oMathParaPr>
-                    <m:oMath xmlns:m="http://schemas.openxmlformats.org/officeDocument/2006/math">
-                      <m:r>
-                        <a:rPr lang="en-US" altLang="ko-KR" sz="1100" b="0" i="1" smtClean="0">
-                          <a:latin typeface="Cambria Math"/>
-                        </a:rPr>
-                        <m:t>𝑡</m:t>
-                      </m:r>
-                      <m:r>
-                        <a:rPr lang="en-US" altLang="ko-KR" sz="1100" b="0" i="1" smtClean="0">
-                          <a:latin typeface="Cambria Math"/>
-                        </a:rPr>
-                        <m:t>=0.3</m:t>
-                      </m:r>
-                    </m:oMath>
-                  </m:oMathPara>
-                </a14:m>
-                <a:endParaRPr lang="ko-KR" altLang="en-US" sz="1100" dirty="0"/>
-              </a:p>
-            </p:txBody>
-          </p:sp>
-        </mc:Choice>
-        <mc:Fallback xmlns="">
-          <p:sp>
-            <p:nvSpPr>
-              <p:cNvPr id="6" name="TextBox 5"/>
-              <p:cNvSpPr txBox="1">
-                <a:spLocks noRot="1" noChangeAspect="1" noMove="1" noResize="1" noEditPoints="1" noAdjustHandles="1" noChangeArrowheads="1" noChangeShapeType="1" noTextEdit="1"/>
-              </p:cNvSpPr>
-              <p:nvPr/>
-            </p:nvSpPr>
-            <p:spPr>
-              <a:xfrm>
-                <a:off x="5727073" y="3455422"/>
-                <a:ext cx="664028" cy="261610"/>
-              </a:xfrm>
-              <a:prstGeom prst="rect">
-                <a:avLst/>
-              </a:prstGeom>
-              <a:blipFill rotWithShape="1">
-                <a:blip r:embed="rId4"/>
-                <a:stretch>
-                  <a:fillRect/>
-                </a:stretch>
-              </a:blipFill>
-              <a:ln>
-                <a:solidFill>
-                  <a:schemeClr val="tx1"/>
-                </a:solidFill>
-              </a:ln>
-            </p:spPr>
-            <p:txBody>
-              <a:bodyPr/>
-              <a:lstStyle/>
-              <a:p>
-                <a:r>
-                  <a:rPr lang="ko-KR" altLang="en-US">
-                    <a:noFill/>
-                  </a:rPr>
-                  <a:t> </a:t>
-                </a:r>
-              </a:p>
-            </p:txBody>
-          </p:sp>
-        </mc:Fallback>
-      </mc:AlternateContent>
-      <mc:AlternateContent xmlns:mc="http://schemas.openxmlformats.org/markup-compatibility/2006" xmlns:a14="http://schemas.microsoft.com/office/drawing/2010/main">
-        <mc:Choice Requires="a14">
-          <p:sp>
-            <p:nvSpPr>
-              <p:cNvPr id="7" name="TextBox 6"/>
-              <p:cNvSpPr txBox="1"/>
-              <p:nvPr/>
-            </p:nvSpPr>
-            <p:spPr>
-              <a:xfrm>
-                <a:off x="5682677" y="3157865"/>
-                <a:ext cx="612732" cy="261610"/>
-              </a:xfrm>
-              <a:prstGeom prst="rect">
-                <a:avLst/>
-              </a:prstGeom>
-              <a:solidFill>
-                <a:schemeClr val="bg1"/>
-              </a:solidFill>
-              <a:ln>
-                <a:solidFill>
-                  <a:schemeClr val="tx1"/>
-                </a:solidFill>
-              </a:ln>
-            </p:spPr>
-            <p:txBody>
-              <a:bodyPr wrap="none" rtlCol="0">
-                <a:spAutoFit/>
-              </a:bodyPr>
-              <a:lstStyle/>
-              <a:p>
-                <a14:m>
-                  <m:oMath xmlns:m="http://schemas.openxmlformats.org/officeDocument/2006/math">
-                    <m:r>
-                      <a:rPr lang="en-US" altLang="ko-KR" sz="1100" b="0" i="1" smtClean="0">
-                        <a:latin typeface="Cambria Math"/>
-                      </a:rPr>
-                      <m:t>𝑡</m:t>
-                    </m:r>
-                    <m:r>
-                      <a:rPr lang="en-US" altLang="ko-KR" sz="1100" b="0" i="1" smtClean="0">
-                        <a:latin typeface="Cambria Math"/>
-                      </a:rPr>
-                      <m:t>=0.</m:t>
-                    </m:r>
-                  </m:oMath>
-                </a14:m>
-                <a:r>
-                  <a:rPr lang="en-US" altLang="ko-KR" sz="1100" dirty="0"/>
-                  <a:t>6</a:t>
-                </a:r>
-                <a:endParaRPr lang="ko-KR" altLang="en-US" sz="1100" dirty="0"/>
-              </a:p>
-            </p:txBody>
-          </p:sp>
-        </mc:Choice>
-        <mc:Fallback xmlns="">
-          <p:sp>
-            <p:nvSpPr>
-              <p:cNvPr id="7" name="TextBox 6"/>
-              <p:cNvSpPr txBox="1">
-                <a:spLocks noRot="1" noChangeAspect="1" noMove="1" noResize="1" noEditPoints="1" noAdjustHandles="1" noChangeArrowheads="1" noChangeShapeType="1" noTextEdit="1"/>
-              </p:cNvSpPr>
-              <p:nvPr/>
-            </p:nvSpPr>
-            <p:spPr>
-              <a:xfrm>
-                <a:off x="5682677" y="3157865"/>
-                <a:ext cx="612732" cy="261610"/>
-              </a:xfrm>
-              <a:prstGeom prst="rect">
-                <a:avLst/>
-              </a:prstGeom>
-              <a:blipFill rotWithShape="1">
-                <a:blip r:embed="rId5"/>
-                <a:stretch>
-                  <a:fillRect b="-11111"/>
-                </a:stretch>
-              </a:blipFill>
-              <a:ln>
-                <a:solidFill>
-                  <a:schemeClr val="tx1"/>
-                </a:solidFill>
-              </a:ln>
-            </p:spPr>
-            <p:txBody>
-              <a:bodyPr/>
-              <a:lstStyle/>
-              <a:p>
-                <a:r>
-                  <a:rPr lang="ko-KR" altLang="en-US">
-                    <a:noFill/>
-                  </a:rPr>
-                  <a:t> </a:t>
-                </a:r>
-              </a:p>
-            </p:txBody>
-          </p:sp>
-        </mc:Fallback>
-      </mc:AlternateContent>
-      <mc:AlternateContent xmlns:mc="http://schemas.openxmlformats.org/markup-compatibility/2006" xmlns:a14="http://schemas.microsoft.com/office/drawing/2010/main">
-        <mc:Choice Requires="a14">
-          <p:sp>
-            <p:nvSpPr>
-              <p:cNvPr id="8" name="TextBox 7"/>
-              <p:cNvSpPr txBox="1"/>
-              <p:nvPr/>
-            </p:nvSpPr>
-            <p:spPr>
-              <a:xfrm>
-                <a:off x="5886991" y="2574429"/>
-                <a:ext cx="612732" cy="261610"/>
-              </a:xfrm>
-              <a:prstGeom prst="rect">
-                <a:avLst/>
-              </a:prstGeom>
-              <a:solidFill>
-                <a:schemeClr val="bg1"/>
-              </a:solidFill>
-              <a:ln>
-                <a:solidFill>
-                  <a:schemeClr val="tx1"/>
-                </a:solidFill>
-              </a:ln>
-            </p:spPr>
-            <p:txBody>
-              <a:bodyPr wrap="none" rtlCol="0">
-                <a:spAutoFit/>
-              </a:bodyPr>
-              <a:lstStyle/>
-              <a:p>
-                <a14:m>
-                  <m:oMath xmlns:m="http://schemas.openxmlformats.org/officeDocument/2006/math">
-                    <m:r>
-                      <a:rPr lang="en-US" altLang="ko-KR" sz="1100" b="0" i="1" smtClean="0">
-                        <a:latin typeface="Cambria Math"/>
-                      </a:rPr>
-                      <m:t>𝑡</m:t>
-                    </m:r>
-                    <m:r>
-                      <a:rPr lang="en-US" altLang="ko-KR" sz="1100" b="0" i="1" smtClean="0">
-                        <a:latin typeface="Cambria Math"/>
-                      </a:rPr>
-                      <m:t>=0.</m:t>
-                    </m:r>
-                  </m:oMath>
-                </a14:m>
-                <a:r>
-                  <a:rPr lang="en-US" altLang="ko-KR" sz="1100" dirty="0"/>
-                  <a:t>9</a:t>
-                </a:r>
-                <a:endParaRPr lang="ko-KR" altLang="en-US" sz="1100" dirty="0"/>
-              </a:p>
-            </p:txBody>
-          </p:sp>
-        </mc:Choice>
-        <mc:Fallback xmlns="">
-          <p:sp>
-            <p:nvSpPr>
-              <p:cNvPr id="8" name="TextBox 7"/>
-              <p:cNvSpPr txBox="1">
-                <a:spLocks noRot="1" noChangeAspect="1" noMove="1" noResize="1" noEditPoints="1" noAdjustHandles="1" noChangeArrowheads="1" noChangeShapeType="1" noTextEdit="1"/>
-              </p:cNvSpPr>
-              <p:nvPr/>
-            </p:nvSpPr>
-            <p:spPr>
-              <a:xfrm>
-                <a:off x="5886991" y="2574429"/>
-                <a:ext cx="612732" cy="261610"/>
-              </a:xfrm>
-              <a:prstGeom prst="rect">
-                <a:avLst/>
-              </a:prstGeom>
-              <a:blipFill rotWithShape="1">
-                <a:blip r:embed="rId6"/>
-                <a:stretch>
-                  <a:fillRect b="-11111"/>
-                </a:stretch>
-              </a:blipFill>
-              <a:ln>
-                <a:solidFill>
-                  <a:schemeClr val="tx1"/>
-                </a:solidFill>
-              </a:ln>
-            </p:spPr>
-            <p:txBody>
-              <a:bodyPr/>
-              <a:lstStyle/>
-              <a:p>
-                <a:r>
-                  <a:rPr lang="ko-KR" altLang="en-US">
-                    <a:noFill/>
-                  </a:rPr>
-                  <a:t> </a:t>
-                </a:r>
-              </a:p>
-            </p:txBody>
-          </p:sp>
-        </mc:Fallback>
-      </mc:AlternateContent>
-      <mc:AlternateContent xmlns:mc="http://schemas.openxmlformats.org/markup-compatibility/2006" xmlns:a14="http://schemas.microsoft.com/office/drawing/2010/main">
-        <mc:Choice Requires="a14">
-          <p:sp>
-            <p:nvSpPr>
-              <p:cNvPr id="9" name="TextBox 8"/>
-              <p:cNvSpPr txBox="1"/>
-              <p:nvPr/>
-            </p:nvSpPr>
-            <p:spPr>
-              <a:xfrm>
-                <a:off x="6146680" y="2204864"/>
-                <a:ext cx="612732" cy="261610"/>
-              </a:xfrm>
-              <a:prstGeom prst="rect">
-                <a:avLst/>
-              </a:prstGeom>
-              <a:solidFill>
-                <a:schemeClr val="bg1"/>
-              </a:solidFill>
-              <a:ln>
-                <a:solidFill>
-                  <a:schemeClr val="tx1"/>
-                </a:solidFill>
-              </a:ln>
-            </p:spPr>
-            <p:txBody>
-              <a:bodyPr wrap="none" rtlCol="0">
-                <a:spAutoFit/>
-              </a:bodyPr>
-              <a:lstStyle/>
-              <a:p>
-                <a14:m>
-                  <m:oMath xmlns:m="http://schemas.openxmlformats.org/officeDocument/2006/math">
-                    <m:r>
-                      <a:rPr lang="en-US" altLang="ko-KR" sz="1100" b="0" i="1" smtClean="0">
-                        <a:latin typeface="Cambria Math"/>
-                      </a:rPr>
-                      <m:t>𝑡</m:t>
-                    </m:r>
-                    <m:r>
-                      <a:rPr lang="en-US" altLang="ko-KR" sz="1100" b="0" i="1" smtClean="0">
-                        <a:latin typeface="Cambria Math"/>
-                      </a:rPr>
-                      <m:t>=1.</m:t>
-                    </m:r>
-                  </m:oMath>
-                </a14:m>
-                <a:r>
-                  <a:rPr lang="en-US" altLang="ko-KR" sz="1100" dirty="0"/>
-                  <a:t>2</a:t>
-                </a:r>
-                <a:endParaRPr lang="ko-KR" altLang="en-US" sz="1100" dirty="0"/>
-              </a:p>
-            </p:txBody>
-          </p:sp>
-        </mc:Choice>
-        <mc:Fallback xmlns="">
-          <p:sp>
-            <p:nvSpPr>
-              <p:cNvPr id="9" name="TextBox 8"/>
-              <p:cNvSpPr txBox="1">
-                <a:spLocks noRot="1" noChangeAspect="1" noMove="1" noResize="1" noEditPoints="1" noAdjustHandles="1" noChangeArrowheads="1" noChangeShapeType="1" noTextEdit="1"/>
-              </p:cNvSpPr>
-              <p:nvPr/>
-            </p:nvSpPr>
-            <p:spPr>
-              <a:xfrm>
-                <a:off x="6146680" y="2204864"/>
-                <a:ext cx="612732" cy="261610"/>
-              </a:xfrm>
-              <a:prstGeom prst="rect">
-                <a:avLst/>
-              </a:prstGeom>
-              <a:blipFill rotWithShape="1">
-                <a:blip r:embed="rId7"/>
-                <a:stretch>
-                  <a:fillRect b="-11111"/>
-                </a:stretch>
-              </a:blipFill>
-              <a:ln>
-                <a:solidFill>
-                  <a:schemeClr val="tx1"/>
-                </a:solidFill>
-              </a:ln>
-            </p:spPr>
-            <p:txBody>
-              <a:bodyPr/>
-              <a:lstStyle/>
-              <a:p>
-                <a:r>
-                  <a:rPr lang="ko-KR" altLang="en-US">
-                    <a:noFill/>
-                  </a:rPr>
-                  <a:t> </a:t>
-                </a:r>
-              </a:p>
-            </p:txBody>
-          </p:sp>
-        </mc:Fallback>
-      </mc:AlternateContent>
-      <p:sp>
-        <p:nvSpPr>
-          <p:cNvPr id="14" name="직사각형 13"/>
-          <p:cNvSpPr/>
-          <p:nvPr/>
-        </p:nvSpPr>
-        <p:spPr>
-          <a:xfrm>
-            <a:off x="3398323" y="4103850"/>
-            <a:ext cx="3854467" cy="792088"/>
-          </a:xfrm>
-          <a:prstGeom prst="rect">
-            <a:avLst/>
-          </a:prstGeom>
-          <a:solidFill>
-            <a:schemeClr val="bg1"/>
-          </a:solidFill>
-          <a:ln>
-            <a:solidFill>
-              <a:schemeClr val="tx1"/>
-            </a:solidFill>
-          </a:ln>
-        </p:spPr>
-        <p:style>
-          <a:lnRef idx="2">
-            <a:schemeClr val="accent1">
-              <a:shade val="50000"/>
-            </a:schemeClr>
-          </a:lnRef>
-          <a:fillRef idx="1">
-            <a:schemeClr val="accent1"/>
-          </a:fillRef>
-          <a:effectRef idx="0">
-            <a:schemeClr val="accent1"/>
-          </a:effectRef>
-          <a:fontRef idx="minor">
-            <a:schemeClr val="lt1"/>
-          </a:fontRef>
-        </p:style>
-        <p:txBody>
-          <a:bodyPr rtlCol="0" anchor="ctr"/>
-          <a:lstStyle/>
-          <a:p>
-            <a:pPr algn="ctr"/>
-            <a:endParaRPr lang="ko-KR" altLang="en-US"/>
-          </a:p>
-        </p:txBody>
-      </p:sp>
-      <mc:AlternateContent xmlns:mc="http://schemas.openxmlformats.org/markup-compatibility/2006" xmlns:a14="http://schemas.microsoft.com/office/drawing/2010/main">
-        <mc:Choice Requires="a14">
-          <p:sp>
-            <p:nvSpPr>
-              <p:cNvPr id="5" name="TextBox 4"/>
-              <p:cNvSpPr txBox="1"/>
-              <p:nvPr/>
-            </p:nvSpPr>
-            <p:spPr>
-              <a:xfrm>
-                <a:off x="3872570" y="4209745"/>
-                <a:ext cx="3380220" cy="641266"/>
-              </a:xfrm>
-              <a:prstGeom prst="rect">
-                <a:avLst/>
-              </a:prstGeom>
-              <a:noFill/>
-            </p:spPr>
-            <p:txBody>
-              <a:bodyPr wrap="none" rtlCol="0">
-                <a:spAutoFit/>
-              </a:bodyPr>
-              <a:lstStyle/>
-              <a:p>
-                <a:r>
-                  <a:rPr lang="en-US" altLang="ko-KR" dirty="0"/>
-                  <a:t>: </a:t>
-                </a:r>
-                <a14:m>
-                  <m:oMath xmlns:m="http://schemas.openxmlformats.org/officeDocument/2006/math">
-                    <m:d>
-                      <m:dPr>
-                        <m:begChr m:val="["/>
-                        <m:endChr m:val="]"/>
-                        <m:ctrlPr>
-                          <a:rPr lang="en-US" altLang="ko-KR" i="1" smtClean="0">
-                            <a:latin typeface="Cambria Math"/>
-                          </a:rPr>
-                        </m:ctrlPr>
-                      </m:dPr>
-                      <m:e>
-                        <m:m>
-                          <m:mPr>
-                            <m:mcs>
-                              <m:mc>
-                                <m:mcPr>
-                                  <m:count m:val="1"/>
-                                  <m:mcJc m:val="center"/>
-                                </m:mcPr>
-                              </m:mc>
-                            </m:mcs>
-                            <m:ctrlPr>
-                              <a:rPr lang="en-US" altLang="ko-KR" i="1">
-                                <a:latin typeface="Cambria Math"/>
-                              </a:rPr>
-                            </m:ctrlPr>
-                          </m:mPr>
-                          <m:mr>
-                            <m:e>
-                              <m:r>
-                                <m:rPr>
-                                  <m:brk m:alnAt="7"/>
-                                </m:rPr>
-                                <a:rPr lang="en-US" altLang="ko-KR" b="0" i="1" smtClean="0">
-                                  <a:latin typeface="Cambria Math"/>
-                                </a:rPr>
-                                <m:t>𝑥</m:t>
-                              </m:r>
-                              <m:r>
-                                <a:rPr lang="en-US" altLang="ko-KR" b="0" i="1" smtClean="0">
-                                  <a:latin typeface="Cambria Math"/>
-                                </a:rPr>
-                                <m:t>(</m:t>
-                              </m:r>
-                              <m:r>
-                                <a:rPr lang="en-US" altLang="ko-KR" b="0" i="1" smtClean="0">
-                                  <a:latin typeface="Cambria Math"/>
-                                </a:rPr>
-                                <m:t>𝑡</m:t>
-                              </m:r>
-                              <m:r>
-                                <a:rPr lang="en-US" altLang="ko-KR" b="0" i="1" smtClean="0">
-                                  <a:latin typeface="Cambria Math"/>
-                                </a:rPr>
-                                <m:t>)</m:t>
-                              </m:r>
-                            </m:e>
-                          </m:mr>
-                          <m:mr>
-                            <m:e>
-                              <m:r>
-                                <a:rPr lang="en-US" altLang="ko-KR" b="0" i="1" smtClean="0">
-                                  <a:latin typeface="Cambria Math"/>
-                                </a:rPr>
-                                <m:t>𝑦</m:t>
-                              </m:r>
-                              <m:r>
-                                <a:rPr lang="en-US" altLang="ko-KR" b="0" i="1" smtClean="0">
-                                  <a:latin typeface="Cambria Math"/>
-                                </a:rPr>
-                                <m:t>(</m:t>
-                              </m:r>
-                              <m:r>
-                                <a:rPr lang="en-US" altLang="ko-KR" b="0" i="1" smtClean="0">
-                                  <a:latin typeface="Cambria Math"/>
-                                </a:rPr>
-                                <m:t>𝑡</m:t>
-                              </m:r>
-                              <m:r>
-                                <a:rPr lang="en-US" altLang="ko-KR" b="0" i="1" smtClean="0">
-                                  <a:latin typeface="Cambria Math"/>
-                                </a:rPr>
-                                <m:t>)</m:t>
-                              </m:r>
-                            </m:e>
-                          </m:mr>
-                        </m:m>
-                      </m:e>
-                    </m:d>
-                    <m:r>
-                      <a:rPr lang="en-US" altLang="ko-KR" b="0" i="1" smtClean="0">
-                        <a:latin typeface="Cambria Math"/>
-                      </a:rPr>
-                      <m:t>=−</m:t>
-                    </m:r>
-                    <m:f>
-                      <m:fPr>
-                        <m:ctrlPr>
-                          <a:rPr lang="en-US" altLang="ko-KR" b="0" i="1" smtClean="0">
-                            <a:latin typeface="Cambria Math"/>
-                          </a:rPr>
-                        </m:ctrlPr>
-                      </m:fPr>
-                      <m:num>
-                        <m:r>
-                          <a:rPr lang="en-US" altLang="ko-KR" b="0" i="1" smtClean="0">
-                            <a:latin typeface="Cambria Math"/>
-                          </a:rPr>
-                          <m:t>3</m:t>
-                        </m:r>
-                      </m:num>
-                      <m:den>
-                        <m:r>
-                          <a:rPr lang="en-US" altLang="ko-KR" b="0" i="1" smtClean="0">
-                            <a:latin typeface="Cambria Math"/>
-                          </a:rPr>
-                          <m:t>2</m:t>
-                        </m:r>
-                      </m:den>
-                    </m:f>
-                    <m:d>
-                      <m:dPr>
-                        <m:begChr m:val="["/>
-                        <m:endChr m:val="]"/>
-                        <m:ctrlPr>
-                          <a:rPr lang="en-US" altLang="ko-KR" b="0" i="1" smtClean="0">
-                            <a:latin typeface="Cambria Math"/>
-                          </a:rPr>
-                        </m:ctrlPr>
-                      </m:dPr>
-                      <m:e>
-                        <m:m>
-                          <m:mPr>
-                            <m:mcs>
-                              <m:mc>
-                                <m:mcPr>
-                                  <m:count m:val="1"/>
-                                  <m:mcJc m:val="center"/>
-                                </m:mcPr>
-                              </m:mc>
-                            </m:mcs>
-                            <m:ctrlPr>
-                              <a:rPr lang="en-US" altLang="ko-KR" b="0" i="1" smtClean="0">
-                                <a:latin typeface="Cambria Math"/>
-                              </a:rPr>
-                            </m:ctrlPr>
-                          </m:mPr>
-                          <m:mr>
-                            <m:e>
-                              <m:r>
-                                <m:rPr>
-                                  <m:brk m:alnAt="7"/>
-                                </m:rPr>
-                                <a:rPr lang="en-US" altLang="ko-KR" b="0" i="1" smtClean="0">
-                                  <a:latin typeface="Cambria Math"/>
-                                </a:rPr>
-                                <m:t>−</m:t>
-                              </m:r>
-                              <m:r>
-                                <a:rPr lang="en-US" altLang="ko-KR" b="0" i="1" smtClean="0">
-                                  <a:latin typeface="Cambria Math"/>
-                                </a:rPr>
-                                <m:t>1</m:t>
-                              </m:r>
-                            </m:e>
-                          </m:mr>
-                          <m:mr>
-                            <m:e>
-                              <m:r>
-                                <a:rPr lang="en-US" altLang="ko-KR" b="0" i="1" smtClean="0">
-                                  <a:latin typeface="Cambria Math"/>
-                                </a:rPr>
-                                <m:t>1</m:t>
-                              </m:r>
-                            </m:e>
-                          </m:mr>
-                        </m:m>
-                      </m:e>
-                    </m:d>
-                    <m:sSup>
-                      <m:sSupPr>
-                        <m:ctrlPr>
-                          <a:rPr lang="en-US" altLang="ko-KR" b="0" i="1" smtClean="0">
-                            <a:latin typeface="Cambria Math"/>
-                          </a:rPr>
-                        </m:ctrlPr>
-                      </m:sSupPr>
-                      <m:e>
-                        <m:r>
-                          <a:rPr lang="en-US" altLang="ko-KR" b="0" i="1" smtClean="0">
-                            <a:latin typeface="Cambria Math"/>
-                          </a:rPr>
-                          <m:t>𝑒</m:t>
-                        </m:r>
-                      </m:e>
-                      <m:sup>
-                        <m:r>
-                          <a:rPr lang="en-US" altLang="ko-KR" b="0" i="1" smtClean="0">
-                            <a:latin typeface="Cambria Math"/>
-                          </a:rPr>
-                          <m:t>−</m:t>
-                        </m:r>
-                        <m:r>
-                          <a:rPr lang="en-US" altLang="ko-KR" b="0" i="1" smtClean="0">
-                            <a:latin typeface="Cambria Math"/>
-                          </a:rPr>
-                          <m:t>𝑡</m:t>
-                        </m:r>
-                      </m:sup>
-                    </m:sSup>
-                    <m:r>
-                      <a:rPr lang="en-US" altLang="ko-KR" b="0" i="1" smtClean="0">
-                        <a:latin typeface="Cambria Math"/>
-                      </a:rPr>
-                      <m:t>+</m:t>
-                    </m:r>
-                    <m:f>
-                      <m:fPr>
-                        <m:ctrlPr>
-                          <a:rPr lang="en-US" altLang="ko-KR" i="1">
-                            <a:latin typeface="Cambria Math"/>
-                          </a:rPr>
-                        </m:ctrlPr>
-                      </m:fPr>
-                      <m:num>
-                        <m:r>
-                          <a:rPr lang="en-US" altLang="ko-KR" b="0" i="1" smtClean="0">
-                            <a:latin typeface="Cambria Math"/>
-                          </a:rPr>
-                          <m:t>1</m:t>
-                        </m:r>
-                      </m:num>
-                      <m:den>
-                        <m:r>
-                          <a:rPr lang="en-US" altLang="ko-KR" i="1">
-                            <a:latin typeface="Cambria Math"/>
-                          </a:rPr>
-                          <m:t>2</m:t>
-                        </m:r>
-                      </m:den>
-                    </m:f>
-                    <m:d>
-                      <m:dPr>
-                        <m:begChr m:val="["/>
-                        <m:endChr m:val="]"/>
-                        <m:ctrlPr>
-                          <a:rPr lang="en-US" altLang="ko-KR" i="1">
-                            <a:latin typeface="Cambria Math"/>
-                          </a:rPr>
-                        </m:ctrlPr>
-                      </m:dPr>
-                      <m:e>
-                        <m:m>
-                          <m:mPr>
-                            <m:mcs>
-                              <m:mc>
-                                <m:mcPr>
-                                  <m:count m:val="1"/>
-                                  <m:mcJc m:val="center"/>
-                                </m:mcPr>
-                              </m:mc>
-                            </m:mcs>
-                            <m:ctrlPr>
-                              <a:rPr lang="en-US" altLang="ko-KR" i="1">
-                                <a:latin typeface="Cambria Math"/>
-                              </a:rPr>
-                            </m:ctrlPr>
-                          </m:mPr>
-                          <m:mr>
-                            <m:e>
-                              <m:r>
-                                <a:rPr lang="en-US" altLang="ko-KR" i="1">
-                                  <a:latin typeface="Cambria Math"/>
-                                </a:rPr>
-                                <m:t>1</m:t>
-                              </m:r>
-                            </m:e>
-                          </m:mr>
-                          <m:mr>
-                            <m:e>
-                              <m:r>
-                                <a:rPr lang="en-US" altLang="ko-KR" i="1">
-                                  <a:latin typeface="Cambria Math"/>
-                                </a:rPr>
-                                <m:t>1</m:t>
-                              </m:r>
-                            </m:e>
-                          </m:mr>
-                        </m:m>
-                      </m:e>
-                    </m:d>
-                    <m:sSup>
-                      <m:sSupPr>
-                        <m:ctrlPr>
-                          <a:rPr lang="en-US" altLang="ko-KR" i="1">
-                            <a:latin typeface="Cambria Math"/>
-                          </a:rPr>
-                        </m:ctrlPr>
-                      </m:sSupPr>
-                      <m:e>
-                        <m:r>
-                          <a:rPr lang="en-US" altLang="ko-KR" i="1">
-                            <a:latin typeface="Cambria Math"/>
-                          </a:rPr>
-                          <m:t>𝑒</m:t>
-                        </m:r>
-                      </m:e>
-                      <m:sup>
-                        <m:r>
-                          <a:rPr lang="en-US" altLang="ko-KR" i="1">
-                            <a:latin typeface="Cambria Math"/>
-                          </a:rPr>
-                          <m:t>𝑡</m:t>
-                        </m:r>
-                      </m:sup>
-                    </m:sSup>
-                  </m:oMath>
-                </a14:m>
-                <a:endParaRPr lang="ko-KR" altLang="en-US" dirty="0"/>
-              </a:p>
-            </p:txBody>
-          </p:sp>
-        </mc:Choice>
-        <mc:Fallback xmlns="">
-          <p:sp>
-            <p:nvSpPr>
-              <p:cNvPr id="5" name="TextBox 4"/>
-              <p:cNvSpPr txBox="1">
-                <a:spLocks noRot="1" noChangeAspect="1" noMove="1" noResize="1" noEditPoints="1" noAdjustHandles="1" noChangeArrowheads="1" noChangeShapeType="1" noTextEdit="1"/>
-              </p:cNvSpPr>
-              <p:nvPr/>
-            </p:nvSpPr>
-            <p:spPr>
-              <a:xfrm>
-                <a:off x="3872570" y="4209745"/>
-                <a:ext cx="3380220" cy="641266"/>
-              </a:xfrm>
-              <a:prstGeom prst="rect">
-                <a:avLst/>
-              </a:prstGeom>
-              <a:blipFill rotWithShape="1">
-                <a:blip r:embed="rId8"/>
-                <a:stretch>
-                  <a:fillRect l="-1441"/>
-                </a:stretch>
-              </a:blipFill>
-            </p:spPr>
-            <p:txBody>
-              <a:bodyPr/>
-              <a:lstStyle/>
-              <a:p>
-                <a:r>
-                  <a:rPr lang="ko-KR" altLang="en-US">
-                    <a:noFill/>
-                  </a:rPr>
-                  <a:t> </a:t>
-                </a:r>
-              </a:p>
-            </p:txBody>
-          </p:sp>
-        </mc:Fallback>
-      </mc:AlternateContent>
-      <p:cxnSp>
-        <p:nvCxnSpPr>
-          <p:cNvPr id="11" name="직선 연결선 10"/>
-          <p:cNvCxnSpPr/>
-          <p:nvPr/>
-        </p:nvCxnSpPr>
-        <p:spPr>
-          <a:xfrm>
-            <a:off x="3512530" y="4530378"/>
-            <a:ext cx="360040" cy="0"/>
-          </a:xfrm>
-          <a:prstGeom prst="line">
-            <a:avLst/>
-          </a:prstGeom>
-          <a:ln w="38100">
-            <a:solidFill>
-              <a:srgbClr val="FF0000"/>
-            </a:solidFill>
-          </a:ln>
-        </p:spPr>
-        <p:style>
-          <a:lnRef idx="1">
-            <a:schemeClr val="accent1"/>
-          </a:lnRef>
-          <a:fillRef idx="0">
-            <a:schemeClr val="accent1"/>
-          </a:fillRef>
-          <a:effectRef idx="0">
-            <a:schemeClr val="accent1"/>
-          </a:effectRef>
-          <a:fontRef idx="minor">
-            <a:schemeClr val="tx1"/>
-          </a:fontRef>
-        </p:style>
-      </p:cxnSp>
-    </p:spTree>
-    <p:extLst>
-      <p:ext uri="{BB962C8B-B14F-4D97-AF65-F5344CB8AC3E}">
-        <p14:creationId xmlns:p14="http://schemas.microsoft.com/office/powerpoint/2010/main" val="1164937085"/>
       </p:ext>
     </p:extLst>
   </p:cSld>

--- a/pics/2021-05-12-phase_plane/pics.pptx
+++ b/pics/2021-05-12-phase_plane/pics.pptx
@@ -120,7 +120,7 @@
   </p:defaultTextStyle>
   <p:extLst>
     <p:ext uri="{EFAFB233-063F-42B5-8137-9DF3F51BA10A}">
-      <p15:sldGuideLst xmlns="" xmlns:p15="http://schemas.microsoft.com/office/powerpoint/2012/main">
+      <p15:sldGuideLst xmlns:p15="http://schemas.microsoft.com/office/powerpoint/2012/main" xmlns="">
         <p15:guide id="1" orient="horz" pos="2160">
           <p15:clr>
             <a:srgbClr val="A4A3A4"/>
@@ -3489,7 +3489,7 @@
       </p:grpSpPr>
       <p:pic>
         <p:nvPicPr>
-          <p:cNvPr id="1026" name="Picture 2"/>
+          <p:cNvPr id="2" name="Picture 2"/>
           <p:cNvPicPr>
             <a:picLocks noChangeAspect="1" noChangeArrowheads="1"/>
           </p:cNvPicPr>
@@ -3510,7 +3510,7 @@
         </p:blipFill>
         <p:spPr bwMode="auto">
           <a:xfrm>
-            <a:off x="1891211" y="1433513"/>
+            <a:off x="1909763" y="1433513"/>
             <a:ext cx="5324475" cy="3990975"/>
           </a:xfrm>
           <a:prstGeom prst="rect">
@@ -3653,8 +3653,8 @@
           </p:sp>
         </mc:Fallback>
       </mc:AlternateContent>
-      <mc:AlternateContent xmlns:mc="http://schemas.openxmlformats.org/markup-compatibility/2006" xmlns:a14="http://schemas.microsoft.com/office/drawing/2010/main">
-        <mc:Choice Requires="a14">
+      <mc:AlternateContent xmlns:mc="http://schemas.openxmlformats.org/markup-compatibility/2006">
+        <mc:Choice xmlns:a14="http://schemas.microsoft.com/office/drawing/2010/main" Requires="a14">
           <p:sp>
             <p:nvSpPr>
               <p:cNvPr id="6" name="TextBox 5"/>
@@ -3663,7 +3663,7 @@
             </p:nvSpPr>
             <p:spPr>
               <a:xfrm>
-                <a:off x="5727073" y="3455422"/>
+                <a:off x="5727073" y="3298195"/>
                 <a:ext cx="664028" cy="261610"/>
               </a:xfrm>
               <a:prstGeom prst="rect">
@@ -3701,7 +3701,7 @@
                         <a:rPr lang="en-US" altLang="ko-KR" sz="1100" b="0" i="1" smtClean="0">
                           <a:latin typeface="Cambria Math"/>
                         </a:rPr>
-                        <m:t>=0.3</m:t>
+                        <m:t>=0.5</m:t>
                       </m:r>
                     </m:oMath>
                   </m:oMathPara>
@@ -3711,7 +3711,7 @@
             </p:txBody>
           </p:sp>
         </mc:Choice>
-        <mc:Fallback xmlns="">
+        <mc:Fallback>
           <p:sp>
             <p:nvSpPr>
               <p:cNvPr id="6" name="TextBox 5"/>
@@ -3722,7 +3722,7 @@
             </p:nvSpPr>
             <p:spPr>
               <a:xfrm>
-                <a:off x="5727073" y="3455422"/>
+                <a:off x="5727073" y="3298195"/>
                 <a:ext cx="664028" cy="261610"/>
               </a:xfrm>
               <a:prstGeom prst="rect">
@@ -3755,18 +3755,18 @@
           </p:sp>
         </mc:Fallback>
       </mc:AlternateContent>
-      <mc:AlternateContent xmlns:mc="http://schemas.openxmlformats.org/markup-compatibility/2006" xmlns:a14="http://schemas.microsoft.com/office/drawing/2010/main">
-        <mc:Choice Requires="a14">
+      <mc:AlternateContent xmlns:mc="http://schemas.openxmlformats.org/markup-compatibility/2006">
+        <mc:Choice xmlns:a14="http://schemas.microsoft.com/office/drawing/2010/main" Requires="a14">
           <p:sp>
             <p:nvSpPr>
-              <p:cNvPr id="7" name="TextBox 6"/>
+              <p:cNvPr id="8" name="TextBox 7"/>
               <p:cNvSpPr txBox="1"/>
               <p:nvPr/>
             </p:nvSpPr>
             <p:spPr>
               <a:xfrm>
-                <a:off x="5682677" y="3157865"/>
-                <a:ext cx="612732" cy="261610"/>
+                <a:off x="5831476" y="2780928"/>
+                <a:ext cx="664028" cy="261610"/>
               </a:xfrm>
               <a:prstGeom prst="rect">
                 <a:avLst/>
@@ -3787,34 +3787,35 @@
               <a:lstStyle/>
               <a:p>
                 <a14:m>
-                  <m:oMath xmlns:m="http://schemas.openxmlformats.org/officeDocument/2006/math">
-                    <m:r>
-                      <a:rPr lang="en-US" altLang="ko-KR" sz="1100" b="0" i="1" smtClean="0">
-                        <a:latin typeface="Cambria Math"/>
-                      </a:rPr>
-                      <m:t>𝑡</m:t>
-                    </m:r>
-                    <m:r>
-                      <a:rPr lang="en-US" altLang="ko-KR" sz="1100" b="0" i="1" smtClean="0">
-                        <a:latin typeface="Cambria Math"/>
-                      </a:rPr>
-                      <m:t>=0.</m:t>
-                    </m:r>
-                  </m:oMath>
+                  <m:oMathPara xmlns:m="http://schemas.openxmlformats.org/officeDocument/2006/math">
+                    <m:oMathParaPr>
+                      <m:jc m:val="centerGroup"/>
+                    </m:oMathParaPr>
+                    <m:oMath xmlns:m="http://schemas.openxmlformats.org/officeDocument/2006/math">
+                      <m:r>
+                        <a:rPr lang="en-US" altLang="ko-KR" sz="1100" b="0" i="1" smtClean="0">
+                          <a:latin typeface="Cambria Math"/>
+                        </a:rPr>
+                        <m:t>𝑡</m:t>
+                      </m:r>
+                      <m:r>
+                        <a:rPr lang="en-US" altLang="ko-KR" sz="1100" b="0" i="1" smtClean="0">
+                          <a:latin typeface="Cambria Math"/>
+                        </a:rPr>
+                        <m:t>=1.0</m:t>
+                      </m:r>
+                    </m:oMath>
+                  </m:oMathPara>
                 </a14:m>
-                <a:r>
-                  <a:rPr lang="en-US" altLang="ko-KR" sz="1100" dirty="0"/>
-                  <a:t>6</a:t>
-                </a:r>
                 <a:endParaRPr lang="ko-KR" altLang="en-US" sz="1100" dirty="0"/>
               </a:p>
             </p:txBody>
           </p:sp>
         </mc:Choice>
-        <mc:Fallback xmlns="">
+        <mc:Fallback>
           <p:sp>
             <p:nvSpPr>
-              <p:cNvPr id="7" name="TextBox 6"/>
+              <p:cNvPr id="8" name="TextBox 7"/>
               <p:cNvSpPr txBox="1">
                 <a:spLocks noRot="1" noChangeAspect="1" noMove="1" noResize="1" noEditPoints="1" noAdjustHandles="1" noChangeArrowheads="1" noChangeShapeType="1" noTextEdit="1"/>
               </p:cNvSpPr>
@@ -3822,8 +3823,8 @@
             </p:nvSpPr>
             <p:spPr>
               <a:xfrm>
-                <a:off x="5682677" y="3157865"/>
-                <a:ext cx="612732" cy="261610"/>
+                <a:off x="5831476" y="2780928"/>
+                <a:ext cx="664028" cy="261610"/>
               </a:xfrm>
               <a:prstGeom prst="rect">
                 <a:avLst/>
@@ -3831,7 +3832,7 @@
               <a:blipFill rotWithShape="1">
                 <a:blip r:embed="rId5"/>
                 <a:stretch>
-                  <a:fillRect b="-11111"/>
+                  <a:fillRect/>
                 </a:stretch>
               </a:blipFill>
               <a:ln>
@@ -3855,18 +3856,18 @@
           </p:sp>
         </mc:Fallback>
       </mc:AlternateContent>
-      <mc:AlternateContent xmlns:mc="http://schemas.openxmlformats.org/markup-compatibility/2006" xmlns:a14="http://schemas.microsoft.com/office/drawing/2010/main">
-        <mc:Choice Requires="a14">
+      <mc:AlternateContent xmlns:mc="http://schemas.openxmlformats.org/markup-compatibility/2006">
+        <mc:Choice xmlns:a14="http://schemas.microsoft.com/office/drawing/2010/main" Requires="a14">
           <p:sp>
             <p:nvSpPr>
-              <p:cNvPr id="8" name="TextBox 7"/>
+              <p:cNvPr id="9" name="TextBox 8"/>
               <p:cNvSpPr txBox="1"/>
               <p:nvPr/>
             </p:nvSpPr>
             <p:spPr>
               <a:xfrm>
-                <a:off x="5886991" y="2574429"/>
-                <a:ext cx="612732" cy="261610"/>
+                <a:off x="6191516" y="2204864"/>
+                <a:ext cx="664028" cy="261610"/>
               </a:xfrm>
               <a:prstGeom prst="rect">
                 <a:avLst/>
@@ -3887,131 +3888,32 @@
               <a:lstStyle/>
               <a:p>
                 <a14:m>
-                  <m:oMath xmlns:m="http://schemas.openxmlformats.org/officeDocument/2006/math">
-                    <m:r>
-                      <a:rPr lang="en-US" altLang="ko-KR" sz="1100" b="0" i="1" smtClean="0">
-                        <a:latin typeface="Cambria Math"/>
-                      </a:rPr>
-                      <m:t>𝑡</m:t>
-                    </m:r>
-                    <m:r>
-                      <a:rPr lang="en-US" altLang="ko-KR" sz="1100" b="0" i="1" smtClean="0">
-                        <a:latin typeface="Cambria Math"/>
-                      </a:rPr>
-                      <m:t>=0.</m:t>
-                    </m:r>
-                  </m:oMath>
+                  <m:oMathPara xmlns:m="http://schemas.openxmlformats.org/officeDocument/2006/math">
+                    <m:oMathParaPr>
+                      <m:jc m:val="centerGroup"/>
+                    </m:oMathParaPr>
+                    <m:oMath xmlns:m="http://schemas.openxmlformats.org/officeDocument/2006/math">
+                      <m:r>
+                        <a:rPr lang="en-US" altLang="ko-KR" sz="1100" b="0" i="1" smtClean="0">
+                          <a:latin typeface="Cambria Math"/>
+                        </a:rPr>
+                        <m:t>𝑡</m:t>
+                      </m:r>
+                      <m:r>
+                        <a:rPr lang="en-US" altLang="ko-KR" sz="1100" b="0" i="1" smtClean="0">
+                          <a:latin typeface="Cambria Math"/>
+                        </a:rPr>
+                        <m:t>=1.5</m:t>
+                      </m:r>
+                    </m:oMath>
+                  </m:oMathPara>
                 </a14:m>
-                <a:r>
-                  <a:rPr lang="en-US" altLang="ko-KR" sz="1100" dirty="0"/>
-                  <a:t>9</a:t>
-                </a:r>
                 <a:endParaRPr lang="ko-KR" altLang="en-US" sz="1100" dirty="0"/>
               </a:p>
             </p:txBody>
           </p:sp>
         </mc:Choice>
-        <mc:Fallback xmlns="">
-          <p:sp>
-            <p:nvSpPr>
-              <p:cNvPr id="8" name="TextBox 7"/>
-              <p:cNvSpPr txBox="1">
-                <a:spLocks noRot="1" noChangeAspect="1" noMove="1" noResize="1" noEditPoints="1" noAdjustHandles="1" noChangeArrowheads="1" noChangeShapeType="1" noTextEdit="1"/>
-              </p:cNvSpPr>
-              <p:nvPr/>
-            </p:nvSpPr>
-            <p:spPr>
-              <a:xfrm>
-                <a:off x="5886991" y="2574429"/>
-                <a:ext cx="612732" cy="261610"/>
-              </a:xfrm>
-              <a:prstGeom prst="rect">
-                <a:avLst/>
-              </a:prstGeom>
-              <a:blipFill rotWithShape="1">
-                <a:blip r:embed="rId6"/>
-                <a:stretch>
-                  <a:fillRect b="-11111"/>
-                </a:stretch>
-              </a:blipFill>
-              <a:ln>
-                <a:solidFill>
-                  <a:schemeClr val="tx1"/>
-                </a:solidFill>
-              </a:ln>
-            </p:spPr>
-            <p:txBody>
-              <a:bodyPr/>
-              <a:lstStyle/>
-              <a:p>
-                <a:r>
-                  <a:rPr lang="ko-KR" altLang="en-US">
-                    <a:noFill/>
-                  </a:rPr>
-                  <a:t> </a:t>
-                </a:r>
-              </a:p>
-            </p:txBody>
-          </p:sp>
-        </mc:Fallback>
-      </mc:AlternateContent>
-      <mc:AlternateContent xmlns:mc="http://schemas.openxmlformats.org/markup-compatibility/2006" xmlns:a14="http://schemas.microsoft.com/office/drawing/2010/main">
-        <mc:Choice Requires="a14">
-          <p:sp>
-            <p:nvSpPr>
-              <p:cNvPr id="9" name="TextBox 8"/>
-              <p:cNvSpPr txBox="1"/>
-              <p:nvPr/>
-            </p:nvSpPr>
-            <p:spPr>
-              <a:xfrm>
-                <a:off x="6146680" y="2204864"/>
-                <a:ext cx="612732" cy="261610"/>
-              </a:xfrm>
-              <a:prstGeom prst="rect">
-                <a:avLst/>
-              </a:prstGeom>
-              <a:solidFill>
-                <a:schemeClr val="bg1"/>
-              </a:solidFill>
-              <a:ln>
-                <a:solidFill>
-                  <a:schemeClr val="tx1"/>
-                </a:solidFill>
-              </a:ln>
-            </p:spPr>
-            <p:txBody>
-              <a:bodyPr wrap="none" rtlCol="0">
-                <a:spAutoFit/>
-              </a:bodyPr>
-              <a:lstStyle/>
-              <a:p>
-                <a14:m>
-                  <m:oMath xmlns:m="http://schemas.openxmlformats.org/officeDocument/2006/math">
-                    <m:r>
-                      <a:rPr lang="en-US" altLang="ko-KR" sz="1100" b="0" i="1" smtClean="0">
-                        <a:latin typeface="Cambria Math"/>
-                      </a:rPr>
-                      <m:t>𝑡</m:t>
-                    </m:r>
-                    <m:r>
-                      <a:rPr lang="en-US" altLang="ko-KR" sz="1100" b="0" i="1" smtClean="0">
-                        <a:latin typeface="Cambria Math"/>
-                      </a:rPr>
-                      <m:t>=1.</m:t>
-                    </m:r>
-                  </m:oMath>
-                </a14:m>
-                <a:r>
-                  <a:rPr lang="en-US" altLang="ko-KR" sz="1100" dirty="0"/>
-                  <a:t>2</a:t>
-                </a:r>
-                <a:endParaRPr lang="ko-KR" altLang="en-US" sz="1100" dirty="0"/>
-              </a:p>
-            </p:txBody>
-          </p:sp>
-        </mc:Choice>
-        <mc:Fallback xmlns="">
+        <mc:Fallback>
           <p:sp>
             <p:nvSpPr>
               <p:cNvPr id="9" name="TextBox 8"/>
@@ -4022,16 +3924,16 @@
             </p:nvSpPr>
             <p:spPr>
               <a:xfrm>
-                <a:off x="6146680" y="2204864"/>
-                <a:ext cx="612732" cy="261610"/>
+                <a:off x="6191516" y="2204864"/>
+                <a:ext cx="664028" cy="261610"/>
               </a:xfrm>
               <a:prstGeom prst="rect">
                 <a:avLst/>
               </a:prstGeom>
               <a:blipFill rotWithShape="1">
-                <a:blip r:embed="rId7"/>
+                <a:blip r:embed="rId6"/>
                 <a:stretch>
-                  <a:fillRect b="-11111"/>
+                  <a:fillRect/>
                 </a:stretch>
               </a:blipFill>
               <a:ln>
@@ -7328,8 +7230,8 @@
           </a:p>
         </p:txBody>
       </p:sp>
-      <mc:AlternateContent xmlns:mc="http://schemas.openxmlformats.org/markup-compatibility/2006">
-        <mc:Choice xmlns:a14="http://schemas.microsoft.com/office/drawing/2010/main" Requires="a14">
+      <mc:AlternateContent xmlns:mc="http://schemas.openxmlformats.org/markup-compatibility/2006" xmlns:a14="http://schemas.microsoft.com/office/drawing/2010/main">
+        <mc:Choice Requires="a14">
           <p:sp>
             <p:nvSpPr>
               <p:cNvPr id="8" name="TextBox 7"/>
@@ -7467,7 +7369,7 @@
             </p:txBody>
           </p:sp>
         </mc:Choice>
-        <mc:Fallback>
+        <mc:Fallback xmlns="">
           <p:sp>
             <p:nvSpPr>
               <p:cNvPr id="8" name="TextBox 7"/>

--- a/pics/2021-05-12-phase_plane/pics.pptx
+++ b/pics/2021-05-12-phase_plane/pics.pptx
@@ -5,7 +5,7 @@
     <p:sldMasterId id="2147483648" r:id="rId1"/>
   </p:sldMasterIdLst>
   <p:notesMasterIdLst>
-    <p:notesMasterId r:id="rId14"/>
+    <p:notesMasterId r:id="rId15"/>
   </p:notesMasterIdLst>
   <p:sldIdLst>
     <p:sldId id="256" r:id="rId2"/>
@@ -18,8 +18,9 @@
     <p:sldId id="265" r:id="rId9"/>
     <p:sldId id="266" r:id="rId10"/>
     <p:sldId id="261" r:id="rId11"/>
-    <p:sldId id="262" r:id="rId12"/>
-    <p:sldId id="263" r:id="rId13"/>
+    <p:sldId id="268" r:id="rId12"/>
+    <p:sldId id="262" r:id="rId13"/>
+    <p:sldId id="263" r:id="rId14"/>
   </p:sldIdLst>
   <p:sldSz cx="9144000" cy="6858000" type="screen4x3"/>
   <p:notesSz cx="6858000" cy="9144000"/>
@@ -120,7 +121,7 @@
   </p:defaultTextStyle>
   <p:extLst>
     <p:ext uri="{EFAFB233-063F-42B5-8137-9DF3F51BA10A}">
-      <p15:sldGuideLst xmlns:p15="http://schemas.microsoft.com/office/powerpoint/2012/main" xmlns="">
+      <p15:sldGuideLst xmlns="" xmlns:p15="http://schemas.microsoft.com/office/powerpoint/2012/main">
         <p15:guide id="1" orient="horz" pos="2160">
           <p15:clr>
             <a:srgbClr val="A4A3A4"/>
@@ -3653,8 +3654,8 @@
           </p:sp>
         </mc:Fallback>
       </mc:AlternateContent>
-      <mc:AlternateContent xmlns:mc="http://schemas.openxmlformats.org/markup-compatibility/2006">
-        <mc:Choice xmlns:a14="http://schemas.microsoft.com/office/drawing/2010/main" Requires="a14">
+      <mc:AlternateContent xmlns:mc="http://schemas.openxmlformats.org/markup-compatibility/2006" xmlns:a14="http://schemas.microsoft.com/office/drawing/2010/main">
+        <mc:Choice Requires="a14">
           <p:sp>
             <p:nvSpPr>
               <p:cNvPr id="6" name="TextBox 5"/>
@@ -3711,7 +3712,7 @@
             </p:txBody>
           </p:sp>
         </mc:Choice>
-        <mc:Fallback>
+        <mc:Fallback xmlns="">
           <p:sp>
             <p:nvSpPr>
               <p:cNvPr id="6" name="TextBox 5"/>
@@ -3755,8 +3756,8 @@
           </p:sp>
         </mc:Fallback>
       </mc:AlternateContent>
-      <mc:AlternateContent xmlns:mc="http://schemas.openxmlformats.org/markup-compatibility/2006">
-        <mc:Choice xmlns:a14="http://schemas.microsoft.com/office/drawing/2010/main" Requires="a14">
+      <mc:AlternateContent xmlns:mc="http://schemas.openxmlformats.org/markup-compatibility/2006" xmlns:a14="http://schemas.microsoft.com/office/drawing/2010/main">
+        <mc:Choice Requires="a14">
           <p:sp>
             <p:nvSpPr>
               <p:cNvPr id="8" name="TextBox 7"/>
@@ -3786,6 +3787,7 @@
               </a:bodyPr>
               <a:lstStyle/>
               <a:p>
+                <a:pPr/>
                 <a14:m>
                   <m:oMathPara xmlns:m="http://schemas.openxmlformats.org/officeDocument/2006/math">
                     <m:oMathParaPr>
@@ -3812,7 +3814,7 @@
             </p:txBody>
           </p:sp>
         </mc:Choice>
-        <mc:Fallback>
+        <mc:Fallback xmlns="">
           <p:sp>
             <p:nvSpPr>
               <p:cNvPr id="8" name="TextBox 7"/>
@@ -3856,8 +3858,8 @@
           </p:sp>
         </mc:Fallback>
       </mc:AlternateContent>
-      <mc:AlternateContent xmlns:mc="http://schemas.openxmlformats.org/markup-compatibility/2006">
-        <mc:Choice xmlns:a14="http://schemas.microsoft.com/office/drawing/2010/main" Requires="a14">
+      <mc:AlternateContent xmlns:mc="http://schemas.openxmlformats.org/markup-compatibility/2006" xmlns:a14="http://schemas.microsoft.com/office/drawing/2010/main">
+        <mc:Choice Requires="a14">
           <p:sp>
             <p:nvSpPr>
               <p:cNvPr id="9" name="TextBox 8"/>
@@ -3887,6 +3889,7 @@
               </a:bodyPr>
               <a:lstStyle/>
               <a:p>
+                <a:pPr/>
                 <a14:m>
                   <m:oMathPara xmlns:m="http://schemas.openxmlformats.org/officeDocument/2006/math">
                     <m:oMathParaPr>
@@ -3913,7 +3916,7 @@
             </p:txBody>
           </p:sp>
         </mc:Choice>
-        <mc:Fallback>
+        <mc:Fallback xmlns="">
           <p:sp>
             <p:nvSpPr>
               <p:cNvPr id="9" name="TextBox 8"/>
@@ -4485,6 +4488,100 @@
         </p:blipFill>
         <p:spPr bwMode="auto">
           <a:xfrm>
+            <a:off x="-359352" y="1614921"/>
+            <a:ext cx="9862705" cy="3628159"/>
+          </a:xfrm>
+          <a:prstGeom prst="rect">
+            <a:avLst/>
+          </a:prstGeom>
+          <a:noFill/>
+          <a:ln>
+            <a:noFill/>
+          </a:ln>
+          <a:effectLst/>
+          <a:extLst>
+            <a:ext uri="{909E8E84-426E-40DD-AFC4-6F175D3DCCD1}">
+              <a14:hiddenFill xmlns:a14="http://schemas.microsoft.com/office/drawing/2010/main">
+                <a:solidFill>
+                  <a:schemeClr val="accent1"/>
+                </a:solidFill>
+              </a14:hiddenFill>
+            </a:ext>
+            <a:ext uri="{91240B29-F687-4F45-9708-019B960494DF}">
+              <a14:hiddenLine xmlns:a14="http://schemas.microsoft.com/office/drawing/2010/main" w="9525">
+                <a:solidFill>
+                  <a:schemeClr val="tx1"/>
+                </a:solidFill>
+                <a:miter lim="800000"/>
+                <a:headEnd/>
+                <a:tailEnd/>
+              </a14:hiddenLine>
+            </a:ext>
+            <a:ext uri="{AF507438-7753-43E0-B8FC-AC1667EBCBE1}">
+              <a14:hiddenEffects xmlns:a14="http://schemas.microsoft.com/office/drawing/2010/main">
+                <a:effectLst>
+                  <a:outerShdw dist="35921" dir="2700000" algn="ctr" rotWithShape="0">
+                    <a:schemeClr val="bg2"/>
+                  </a:outerShdw>
+                </a:effectLst>
+              </a14:hiddenEffects>
+            </a:ext>
+          </a:extLst>
+        </p:spPr>
+      </p:pic>
+    </p:spTree>
+    <p:extLst>
+      <p:ext uri="{BB962C8B-B14F-4D97-AF65-F5344CB8AC3E}">
+        <p14:creationId xmlns:p14="http://schemas.microsoft.com/office/powerpoint/2010/main" val="2432716854"/>
+      </p:ext>
+    </p:extLst>
+  </p:cSld>
+  <p:clrMapOvr>
+    <a:masterClrMapping/>
+  </p:clrMapOvr>
+</p:sld>
+</file>
+
+<file path=ppt/slides/slide12.xml><?xml version="1.0" encoding="utf-8"?>
+<p:sld xmlns:a="http://schemas.openxmlformats.org/drawingml/2006/main" xmlns:r="http://schemas.openxmlformats.org/officeDocument/2006/relationships" xmlns:p="http://schemas.openxmlformats.org/presentationml/2006/main">
+  <p:cSld>
+    <p:spTree>
+      <p:nvGrpSpPr>
+        <p:cNvPr id="1" name=""/>
+        <p:cNvGrpSpPr/>
+        <p:nvPr/>
+      </p:nvGrpSpPr>
+      <p:grpSpPr>
+        <a:xfrm>
+          <a:off x="0" y="0"/>
+          <a:ext cx="0" cy="0"/>
+          <a:chOff x="0" y="0"/>
+          <a:chExt cx="0" cy="0"/>
+        </a:xfrm>
+      </p:grpSpPr>
+      <p:pic>
+        <p:nvPicPr>
+          <p:cNvPr id="1026" name="Picture 2"/>
+          <p:cNvPicPr>
+            <a:picLocks noChangeAspect="1" noChangeArrowheads="1"/>
+          </p:cNvPicPr>
+          <p:nvPr/>
+        </p:nvPicPr>
+        <p:blipFill>
+          <a:blip r:embed="rId2">
+            <a:extLst>
+              <a:ext uri="{28A0092B-C50C-407E-A947-70E740481C1C}">
+                <a14:useLocalDpi xmlns:a14="http://schemas.microsoft.com/office/drawing/2010/main" val="0"/>
+              </a:ext>
+            </a:extLst>
+          </a:blip>
+          <a:srcRect/>
+          <a:stretch>
+            <a:fillRect/>
+          </a:stretch>
+        </p:blipFill>
+        <p:spPr bwMode="auto">
+          <a:xfrm>
             <a:off x="1909763" y="1433513"/>
             <a:ext cx="5324475" cy="3990975"/>
           </a:xfrm>
@@ -4539,7 +4636,7 @@
 </p:sld>
 </file>
 
-<file path=ppt/slides/slide12.xml><?xml version="1.0" encoding="utf-8"?>
+<file path=ppt/slides/slide13.xml><?xml version="1.0" encoding="utf-8"?>
 <p:sld xmlns:a="http://schemas.openxmlformats.org/drawingml/2006/main" xmlns:r="http://schemas.openxmlformats.org/officeDocument/2006/relationships" xmlns:p="http://schemas.openxmlformats.org/presentationml/2006/main">
   <p:cSld>
     <p:spTree>

--- a/pics/2021-05-12-phase_plane/pics.pptx
+++ b/pics/2021-05-12-phase_plane/pics.pptx
@@ -5,22 +5,28 @@
     <p:sldMasterId id="2147483648" r:id="rId1"/>
   </p:sldMasterIdLst>
   <p:notesMasterIdLst>
-    <p:notesMasterId r:id="rId15"/>
+    <p:notesMasterId r:id="rId21"/>
   </p:notesMasterIdLst>
   <p:sldIdLst>
     <p:sldId id="256" r:id="rId2"/>
     <p:sldId id="257" r:id="rId3"/>
     <p:sldId id="258" r:id="rId4"/>
-    <p:sldId id="259" r:id="rId5"/>
-    <p:sldId id="260" r:id="rId6"/>
-    <p:sldId id="267" r:id="rId7"/>
-    <p:sldId id="264" r:id="rId8"/>
-    <p:sldId id="265" r:id="rId9"/>
-    <p:sldId id="266" r:id="rId10"/>
-    <p:sldId id="261" r:id="rId11"/>
-    <p:sldId id="268" r:id="rId12"/>
-    <p:sldId id="262" r:id="rId13"/>
-    <p:sldId id="263" r:id="rId14"/>
+    <p:sldId id="269" r:id="rId5"/>
+    <p:sldId id="259" r:id="rId6"/>
+    <p:sldId id="260" r:id="rId7"/>
+    <p:sldId id="267" r:id="rId8"/>
+    <p:sldId id="270" r:id="rId9"/>
+    <p:sldId id="264" r:id="rId10"/>
+    <p:sldId id="271" r:id="rId11"/>
+    <p:sldId id="272" r:id="rId12"/>
+    <p:sldId id="265" r:id="rId13"/>
+    <p:sldId id="266" r:id="rId14"/>
+    <p:sldId id="273" r:id="rId15"/>
+    <p:sldId id="261" r:id="rId16"/>
+    <p:sldId id="268" r:id="rId17"/>
+    <p:sldId id="274" r:id="rId18"/>
+    <p:sldId id="262" r:id="rId19"/>
+    <p:sldId id="263" r:id="rId20"/>
   </p:sldIdLst>
   <p:sldSz cx="9144000" cy="6858000" type="screen4x3"/>
   <p:notesSz cx="6858000" cy="9144000"/>
@@ -121,7 +127,7 @@
   </p:defaultTextStyle>
   <p:extLst>
     <p:ext uri="{EFAFB233-063F-42B5-8137-9DF3F51BA10A}">
-      <p15:sldGuideLst xmlns="" xmlns:p15="http://schemas.microsoft.com/office/powerpoint/2012/main">
+      <p15:sldGuideLst xmlns:p15="http://schemas.microsoft.com/office/powerpoint/2012/main">
         <p15:guide id="1" orient="horz" pos="2160">
           <p15:clr>
             <a:srgbClr val="A4A3A4"/>
@@ -220,7 +226,7 @@
           <a:p>
             <a:fld id="{57DB3EF5-7569-4EDB-9E86-E8DF12D1AC4B}" type="datetimeFigureOut">
               <a:rPr lang="ko-KR" altLang="en-US" smtClean="0"/>
-              <a:t>2021-06-21</a:t>
+              <a:t>2023-05-10</a:t>
             </a:fld>
             <a:endParaRPr lang="ko-KR" altLang="en-US"/>
           </a:p>
@@ -666,7 +672,7 @@
           <a:p>
             <a:fld id="{FB30EDBD-1C2D-4C1E-B459-B60219FAB484}" type="datetimeFigureOut">
               <a:rPr lang="ko-KR" altLang="en-US" smtClean="0"/>
-              <a:t>2021-06-21</a:t>
+              <a:t>2023-05-10</a:t>
             </a:fld>
             <a:endParaRPr lang="ko-KR" altLang="en-US"/>
           </a:p>
@@ -829,7 +835,7 @@
           <a:p>
             <a:fld id="{FB30EDBD-1C2D-4C1E-B459-B60219FAB484}" type="datetimeFigureOut">
               <a:rPr lang="ko-KR" altLang="en-US" smtClean="0"/>
-              <a:t>2021-06-21</a:t>
+              <a:t>2023-05-10</a:t>
             </a:fld>
             <a:endParaRPr lang="ko-KR" altLang="en-US"/>
           </a:p>
@@ -1002,7 +1008,7 @@
           <a:p>
             <a:fld id="{FB30EDBD-1C2D-4C1E-B459-B60219FAB484}" type="datetimeFigureOut">
               <a:rPr lang="ko-KR" altLang="en-US" smtClean="0"/>
-              <a:t>2021-06-21</a:t>
+              <a:t>2023-05-10</a:t>
             </a:fld>
             <a:endParaRPr lang="ko-KR" altLang="en-US"/>
           </a:p>
@@ -1165,7 +1171,7 @@
           <a:p>
             <a:fld id="{FB30EDBD-1C2D-4C1E-B459-B60219FAB484}" type="datetimeFigureOut">
               <a:rPr lang="ko-KR" altLang="en-US" smtClean="0"/>
-              <a:t>2021-06-21</a:t>
+              <a:t>2023-05-10</a:t>
             </a:fld>
             <a:endParaRPr lang="ko-KR" altLang="en-US"/>
           </a:p>
@@ -1405,7 +1411,7 @@
           <a:p>
             <a:fld id="{FB30EDBD-1C2D-4C1E-B459-B60219FAB484}" type="datetimeFigureOut">
               <a:rPr lang="ko-KR" altLang="en-US" smtClean="0"/>
-              <a:t>2021-06-21</a:t>
+              <a:t>2023-05-10</a:t>
             </a:fld>
             <a:endParaRPr lang="ko-KR" altLang="en-US"/>
           </a:p>
@@ -1685,7 +1691,7 @@
           <a:p>
             <a:fld id="{FB30EDBD-1C2D-4C1E-B459-B60219FAB484}" type="datetimeFigureOut">
               <a:rPr lang="ko-KR" altLang="en-US" smtClean="0"/>
-              <a:t>2021-06-21</a:t>
+              <a:t>2023-05-10</a:t>
             </a:fld>
             <a:endParaRPr lang="ko-KR" altLang="en-US"/>
           </a:p>
@@ -2099,7 +2105,7 @@
           <a:p>
             <a:fld id="{FB30EDBD-1C2D-4C1E-B459-B60219FAB484}" type="datetimeFigureOut">
               <a:rPr lang="ko-KR" altLang="en-US" smtClean="0"/>
-              <a:t>2021-06-21</a:t>
+              <a:t>2023-05-10</a:t>
             </a:fld>
             <a:endParaRPr lang="ko-KR" altLang="en-US"/>
           </a:p>
@@ -2211,7 +2217,7 @@
           <a:p>
             <a:fld id="{FB30EDBD-1C2D-4C1E-B459-B60219FAB484}" type="datetimeFigureOut">
               <a:rPr lang="ko-KR" altLang="en-US" smtClean="0"/>
-              <a:t>2021-06-21</a:t>
+              <a:t>2023-05-10</a:t>
             </a:fld>
             <a:endParaRPr lang="ko-KR" altLang="en-US"/>
           </a:p>
@@ -2301,7 +2307,7 @@
           <a:p>
             <a:fld id="{FB30EDBD-1C2D-4C1E-B459-B60219FAB484}" type="datetimeFigureOut">
               <a:rPr lang="ko-KR" altLang="en-US" smtClean="0"/>
-              <a:t>2021-06-21</a:t>
+              <a:t>2023-05-10</a:t>
             </a:fld>
             <a:endParaRPr lang="ko-KR" altLang="en-US"/>
           </a:p>
@@ -2571,7 +2577,7 @@
           <a:p>
             <a:fld id="{FB30EDBD-1C2D-4C1E-B459-B60219FAB484}" type="datetimeFigureOut">
               <a:rPr lang="ko-KR" altLang="en-US" smtClean="0"/>
-              <a:t>2021-06-21</a:t>
+              <a:t>2023-05-10</a:t>
             </a:fld>
             <a:endParaRPr lang="ko-KR" altLang="en-US"/>
           </a:p>
@@ -2818,7 +2824,7 @@
           <a:p>
             <a:fld id="{FB30EDBD-1C2D-4C1E-B459-B60219FAB484}" type="datetimeFigureOut">
               <a:rPr lang="ko-KR" altLang="en-US" smtClean="0"/>
-              <a:t>2021-06-21</a:t>
+              <a:t>2023-05-10</a:t>
             </a:fld>
             <a:endParaRPr lang="ko-KR" altLang="en-US"/>
           </a:p>
@@ -3024,7 +3030,7 @@
           <a:p>
             <a:fld id="{FB30EDBD-1C2D-4C1E-B459-B60219FAB484}" type="datetimeFigureOut">
               <a:rPr lang="ko-KR" altLang="en-US" smtClean="0"/>
-              <a:t>2021-06-21</a:t>
+              <a:t>2023-05-10</a:t>
             </a:fld>
             <a:endParaRPr lang="ko-KR" altLang="en-US"/>
           </a:p>
@@ -3472,6 +3478,1258 @@
 </file>
 
 <file path=ppt/slides/slide10.xml><?xml version="1.0" encoding="utf-8"?>
+<p:sld xmlns:a="http://schemas.openxmlformats.org/drawingml/2006/main" xmlns:r="http://schemas.openxmlformats.org/officeDocument/2006/relationships" xmlns:p="http://schemas.openxmlformats.org/presentationml/2006/main">
+  <p:cSld>
+    <p:spTree>
+      <p:nvGrpSpPr>
+        <p:cNvPr id="1" name=""/>
+        <p:cNvGrpSpPr/>
+        <p:nvPr/>
+      </p:nvGrpSpPr>
+      <p:grpSpPr>
+        <a:xfrm>
+          <a:off x="0" y="0"/>
+          <a:ext cx="0" cy="0"/>
+          <a:chOff x="0" y="0"/>
+          <a:chExt cx="0" cy="0"/>
+        </a:xfrm>
+      </p:grpSpPr>
+      <p:pic>
+        <p:nvPicPr>
+          <p:cNvPr id="3074" name="Picture 2"/>
+          <p:cNvPicPr>
+            <a:picLocks noChangeAspect="1" noChangeArrowheads="1"/>
+          </p:cNvPicPr>
+          <p:nvPr/>
+        </p:nvPicPr>
+        <p:blipFill>
+          <a:blip r:embed="rId2">
+            <a:extLst>
+              <a:ext uri="{28A0092B-C50C-407E-A947-70E740481C1C}">
+                <a14:useLocalDpi xmlns:a14="http://schemas.microsoft.com/office/drawing/2010/main" val="0"/>
+              </a:ext>
+            </a:extLst>
+          </a:blip>
+          <a:srcRect/>
+          <a:stretch>
+            <a:fillRect/>
+          </a:stretch>
+        </p:blipFill>
+        <p:spPr bwMode="auto">
+          <a:xfrm>
+            <a:off x="-280988" y="1433513"/>
+            <a:ext cx="9705976" cy="3990975"/>
+          </a:xfrm>
+          <a:prstGeom prst="rect">
+            <a:avLst/>
+          </a:prstGeom>
+          <a:noFill/>
+          <a:ln>
+            <a:noFill/>
+          </a:ln>
+          <a:effectLst/>
+          <a:extLst>
+            <a:ext uri="{909E8E84-426E-40DD-AFC4-6F175D3DCCD1}">
+              <a14:hiddenFill xmlns:a14="http://schemas.microsoft.com/office/drawing/2010/main">
+                <a:solidFill>
+                  <a:schemeClr val="accent1"/>
+                </a:solidFill>
+              </a14:hiddenFill>
+            </a:ext>
+            <a:ext uri="{91240B29-F687-4F45-9708-019B960494DF}">
+              <a14:hiddenLine xmlns:a14="http://schemas.microsoft.com/office/drawing/2010/main" w="9525">
+                <a:solidFill>
+                  <a:schemeClr val="tx1"/>
+                </a:solidFill>
+                <a:miter lim="800000"/>
+                <a:headEnd/>
+                <a:tailEnd/>
+              </a14:hiddenLine>
+            </a:ext>
+            <a:ext uri="{AF507438-7753-43E0-B8FC-AC1667EBCBE1}">
+              <a14:hiddenEffects xmlns:a14="http://schemas.microsoft.com/office/drawing/2010/main">
+                <a:effectLst>
+                  <a:outerShdw dist="35921" dir="2700000" algn="ctr" rotWithShape="0">
+                    <a:schemeClr val="bg2"/>
+                  </a:outerShdw>
+                </a:effectLst>
+              </a14:hiddenEffects>
+            </a:ext>
+          </a:extLst>
+        </p:spPr>
+      </p:pic>
+      <p:sp>
+        <p:nvSpPr>
+          <p:cNvPr id="2" name="Rectangle 1">
+            <a:extLst>
+              <a:ext uri="{FF2B5EF4-FFF2-40B4-BE49-F238E27FC236}">
+                <a16:creationId xmlns:a16="http://schemas.microsoft.com/office/drawing/2014/main" id="{437FAC91-F722-1A4A-69D4-26470EE20B5A}"/>
+              </a:ext>
+            </a:extLst>
+          </p:cNvPr>
+          <p:cNvSpPr/>
+          <p:nvPr/>
+        </p:nvSpPr>
+        <p:spPr>
+          <a:xfrm>
+            <a:off x="1619672" y="1443037"/>
+            <a:ext cx="2088232" cy="245592"/>
+          </a:xfrm>
+          <a:prstGeom prst="rect">
+            <a:avLst/>
+          </a:prstGeom>
+          <a:solidFill>
+            <a:schemeClr val="bg1"/>
+          </a:solidFill>
+          <a:ln>
+            <a:noFill/>
+          </a:ln>
+        </p:spPr>
+        <p:style>
+          <a:lnRef idx="2">
+            <a:schemeClr val="accent1">
+              <a:shade val="50000"/>
+            </a:schemeClr>
+          </a:lnRef>
+          <a:fillRef idx="1">
+            <a:schemeClr val="accent1"/>
+          </a:fillRef>
+          <a:effectRef idx="0">
+            <a:schemeClr val="accent1"/>
+          </a:effectRef>
+          <a:fontRef idx="minor">
+            <a:schemeClr val="lt1"/>
+          </a:fontRef>
+        </p:style>
+        <p:txBody>
+          <a:bodyPr rtlCol="0" anchor="ctr"/>
+          <a:lstStyle/>
+          <a:p>
+            <a:pPr algn="ctr"/>
+            <a:endParaRPr lang="en-US"/>
+          </a:p>
+        </p:txBody>
+      </p:sp>
+      <p:sp>
+        <p:nvSpPr>
+          <p:cNvPr id="3" name="Rectangle 2">
+            <a:extLst>
+              <a:ext uri="{FF2B5EF4-FFF2-40B4-BE49-F238E27FC236}">
+                <a16:creationId xmlns:a16="http://schemas.microsoft.com/office/drawing/2014/main" id="{108ABC01-70C0-9C26-9256-C7AF3F1D59AA}"/>
+              </a:ext>
+            </a:extLst>
+          </p:cNvPr>
+          <p:cNvSpPr/>
+          <p:nvPr/>
+        </p:nvSpPr>
+        <p:spPr>
+          <a:xfrm>
+            <a:off x="5940152" y="1443037"/>
+            <a:ext cx="2088232" cy="245592"/>
+          </a:xfrm>
+          <a:prstGeom prst="rect">
+            <a:avLst/>
+          </a:prstGeom>
+          <a:solidFill>
+            <a:schemeClr val="bg1"/>
+          </a:solidFill>
+          <a:ln>
+            <a:noFill/>
+          </a:ln>
+        </p:spPr>
+        <p:style>
+          <a:lnRef idx="2">
+            <a:schemeClr val="accent1">
+              <a:shade val="50000"/>
+            </a:schemeClr>
+          </a:lnRef>
+          <a:fillRef idx="1">
+            <a:schemeClr val="accent1"/>
+          </a:fillRef>
+          <a:effectRef idx="0">
+            <a:schemeClr val="accent1"/>
+          </a:effectRef>
+          <a:fontRef idx="minor">
+            <a:schemeClr val="lt1"/>
+          </a:fontRef>
+        </p:style>
+        <p:txBody>
+          <a:bodyPr rtlCol="0" anchor="ctr"/>
+          <a:lstStyle/>
+          <a:p>
+            <a:pPr algn="ctr"/>
+            <a:endParaRPr lang="en-US"/>
+          </a:p>
+        </p:txBody>
+      </p:sp>
+      <p:sp>
+        <p:nvSpPr>
+          <p:cNvPr id="4" name="TextBox 3">
+            <a:extLst>
+              <a:ext uri="{FF2B5EF4-FFF2-40B4-BE49-F238E27FC236}">
+                <a16:creationId xmlns:a16="http://schemas.microsoft.com/office/drawing/2014/main" id="{E9EA15EE-8282-B96F-8532-32198287488C}"/>
+              </a:ext>
+            </a:extLst>
+          </p:cNvPr>
+          <p:cNvSpPr txBox="1"/>
+          <p:nvPr/>
+        </p:nvSpPr>
+        <p:spPr>
+          <a:xfrm>
+            <a:off x="926261" y="1319297"/>
+            <a:ext cx="3475054" cy="369332"/>
+          </a:xfrm>
+          <a:prstGeom prst="rect">
+            <a:avLst/>
+          </a:prstGeom>
+          <a:noFill/>
+        </p:spPr>
+        <p:txBody>
+          <a:bodyPr wrap="none" rtlCol="0">
+            <a:spAutoFit/>
+          </a:bodyPr>
+          <a:lstStyle/>
+          <a:p>
+            <a:r>
+              <a:rPr lang="en-US" dirty="0"/>
+              <a:t>projection to the 1st eig-vector</a:t>
+            </a:r>
+          </a:p>
+        </p:txBody>
+      </p:sp>
+      <p:sp>
+        <p:nvSpPr>
+          <p:cNvPr id="5" name="TextBox 4">
+            <a:extLst>
+              <a:ext uri="{FF2B5EF4-FFF2-40B4-BE49-F238E27FC236}">
+                <a16:creationId xmlns:a16="http://schemas.microsoft.com/office/drawing/2014/main" id="{2E5404C4-FB46-294B-6B2A-AF5943E8E3A2}"/>
+              </a:ext>
+            </a:extLst>
+          </p:cNvPr>
+          <p:cNvSpPr txBox="1"/>
+          <p:nvPr/>
+        </p:nvSpPr>
+        <p:spPr>
+          <a:xfrm>
+            <a:off x="5094726" y="1319297"/>
+            <a:ext cx="3568028" cy="369332"/>
+          </a:xfrm>
+          <a:prstGeom prst="rect">
+            <a:avLst/>
+          </a:prstGeom>
+          <a:noFill/>
+        </p:spPr>
+        <p:txBody>
+          <a:bodyPr wrap="none" rtlCol="0">
+            <a:spAutoFit/>
+          </a:bodyPr>
+          <a:lstStyle/>
+          <a:p>
+            <a:r>
+              <a:rPr lang="en-US" dirty="0"/>
+              <a:t>projection to the 2nd eig-vector</a:t>
+            </a:r>
+          </a:p>
+        </p:txBody>
+      </p:sp>
+    </p:spTree>
+    <p:extLst>
+      <p:ext uri="{BB962C8B-B14F-4D97-AF65-F5344CB8AC3E}">
+        <p14:creationId xmlns:p14="http://schemas.microsoft.com/office/powerpoint/2010/main" val="1684685716"/>
+      </p:ext>
+    </p:extLst>
+  </p:cSld>
+  <p:clrMapOvr>
+    <a:masterClrMapping/>
+  </p:clrMapOvr>
+</p:sld>
+</file>
+
+<file path=ppt/slides/slide11.xml><?xml version="1.0" encoding="utf-8"?>
+<p:sld xmlns:a="http://schemas.openxmlformats.org/drawingml/2006/main" xmlns:r="http://schemas.openxmlformats.org/officeDocument/2006/relationships" xmlns:p="http://schemas.openxmlformats.org/presentationml/2006/main">
+  <p:cSld>
+    <p:spTree>
+      <p:nvGrpSpPr>
+        <p:cNvPr id="1" name=""/>
+        <p:cNvGrpSpPr/>
+        <p:nvPr/>
+      </p:nvGrpSpPr>
+      <p:grpSpPr>
+        <a:xfrm>
+          <a:off x="0" y="0"/>
+          <a:ext cx="0" cy="0"/>
+          <a:chOff x="0" y="0"/>
+          <a:chExt cx="0" cy="0"/>
+        </a:xfrm>
+      </p:grpSpPr>
+      <p:pic>
+        <p:nvPicPr>
+          <p:cNvPr id="4100" name="Picture 4"/>
+          <p:cNvPicPr>
+            <a:picLocks noChangeAspect="1" noChangeArrowheads="1"/>
+          </p:cNvPicPr>
+          <p:nvPr/>
+        </p:nvPicPr>
+        <p:blipFill>
+          <a:blip r:embed="rId2">
+            <a:extLst>
+              <a:ext uri="{28A0092B-C50C-407E-A947-70E740481C1C}">
+                <a14:useLocalDpi xmlns:a14="http://schemas.microsoft.com/office/drawing/2010/main" val="0"/>
+              </a:ext>
+            </a:extLst>
+          </a:blip>
+          <a:srcRect/>
+          <a:stretch>
+            <a:fillRect/>
+          </a:stretch>
+        </p:blipFill>
+        <p:spPr bwMode="auto">
+          <a:xfrm>
+            <a:off x="-1092400" y="1433513"/>
+            <a:ext cx="10848976" cy="3990975"/>
+          </a:xfrm>
+          <a:prstGeom prst="rect">
+            <a:avLst/>
+          </a:prstGeom>
+          <a:noFill/>
+          <a:ln>
+            <a:noFill/>
+          </a:ln>
+          <a:effectLst/>
+          <a:extLst>
+            <a:ext uri="{909E8E84-426E-40DD-AFC4-6F175D3DCCD1}">
+              <a14:hiddenFill xmlns:a14="http://schemas.microsoft.com/office/drawing/2010/main">
+                <a:solidFill>
+                  <a:schemeClr val="accent1"/>
+                </a:solidFill>
+              </a14:hiddenFill>
+            </a:ext>
+            <a:ext uri="{91240B29-F687-4F45-9708-019B960494DF}">
+              <a14:hiddenLine xmlns:a14="http://schemas.microsoft.com/office/drawing/2010/main" w="9525">
+                <a:solidFill>
+                  <a:schemeClr val="tx1"/>
+                </a:solidFill>
+                <a:miter lim="800000"/>
+                <a:headEnd/>
+                <a:tailEnd/>
+              </a14:hiddenLine>
+            </a:ext>
+            <a:ext uri="{AF507438-7753-43E0-B8FC-AC1667EBCBE1}">
+              <a14:hiddenEffects xmlns:a14="http://schemas.microsoft.com/office/drawing/2010/main">
+                <a:effectLst>
+                  <a:outerShdw dist="35921" dir="2700000" algn="ctr" rotWithShape="0">
+                    <a:schemeClr val="bg2"/>
+                  </a:outerShdw>
+                </a:effectLst>
+              </a14:hiddenEffects>
+            </a:ext>
+          </a:extLst>
+        </p:spPr>
+      </p:pic>
+    </p:spTree>
+    <p:extLst>
+      <p:ext uri="{BB962C8B-B14F-4D97-AF65-F5344CB8AC3E}">
+        <p14:creationId xmlns:p14="http://schemas.microsoft.com/office/powerpoint/2010/main" val="1639214760"/>
+      </p:ext>
+    </p:extLst>
+  </p:cSld>
+  <p:clrMapOvr>
+    <a:masterClrMapping/>
+  </p:clrMapOvr>
+</p:sld>
+</file>
+
+<file path=ppt/slides/slide12.xml><?xml version="1.0" encoding="utf-8"?>
+<p:sld xmlns:a="http://schemas.openxmlformats.org/drawingml/2006/main" xmlns:r="http://schemas.openxmlformats.org/officeDocument/2006/relationships" xmlns:p="http://schemas.openxmlformats.org/presentationml/2006/main">
+  <p:cSld>
+    <p:spTree>
+      <p:nvGrpSpPr>
+        <p:cNvPr id="1" name=""/>
+        <p:cNvGrpSpPr/>
+        <p:nvPr/>
+      </p:nvGrpSpPr>
+      <p:grpSpPr>
+        <a:xfrm>
+          <a:off x="0" y="0"/>
+          <a:ext cx="0" cy="0"/>
+          <a:chOff x="0" y="0"/>
+          <a:chExt cx="0" cy="0"/>
+        </a:xfrm>
+      </p:grpSpPr>
+      <p:pic>
+        <p:nvPicPr>
+          <p:cNvPr id="4100" name="Picture 4"/>
+          <p:cNvPicPr>
+            <a:picLocks noChangeAspect="1" noChangeArrowheads="1"/>
+          </p:cNvPicPr>
+          <p:nvPr/>
+        </p:nvPicPr>
+        <p:blipFill>
+          <a:blip r:embed="rId2">
+            <a:extLst>
+              <a:ext uri="{28A0092B-C50C-407E-A947-70E740481C1C}">
+                <a14:useLocalDpi xmlns:a14="http://schemas.microsoft.com/office/drawing/2010/main" val="0"/>
+              </a:ext>
+            </a:extLst>
+          </a:blip>
+          <a:srcRect/>
+          <a:stretch>
+            <a:fillRect/>
+          </a:stretch>
+        </p:blipFill>
+        <p:spPr bwMode="auto">
+          <a:xfrm>
+            <a:off x="-1092400" y="1433513"/>
+            <a:ext cx="10848976" cy="3990975"/>
+          </a:xfrm>
+          <a:prstGeom prst="rect">
+            <a:avLst/>
+          </a:prstGeom>
+          <a:noFill/>
+          <a:ln>
+            <a:noFill/>
+          </a:ln>
+          <a:effectLst/>
+          <a:extLst>
+            <a:ext uri="{909E8E84-426E-40DD-AFC4-6F175D3DCCD1}">
+              <a14:hiddenFill xmlns:a14="http://schemas.microsoft.com/office/drawing/2010/main">
+                <a:solidFill>
+                  <a:schemeClr val="accent1"/>
+                </a:solidFill>
+              </a14:hiddenFill>
+            </a:ext>
+            <a:ext uri="{91240B29-F687-4F45-9708-019B960494DF}">
+              <a14:hiddenLine xmlns:a14="http://schemas.microsoft.com/office/drawing/2010/main" w="9525">
+                <a:solidFill>
+                  <a:schemeClr val="tx1"/>
+                </a:solidFill>
+                <a:miter lim="800000"/>
+                <a:headEnd/>
+                <a:tailEnd/>
+              </a14:hiddenLine>
+            </a:ext>
+            <a:ext uri="{AF507438-7753-43E0-B8FC-AC1667EBCBE1}">
+              <a14:hiddenEffects xmlns:a14="http://schemas.microsoft.com/office/drawing/2010/main">
+                <a:effectLst>
+                  <a:outerShdw dist="35921" dir="2700000" algn="ctr" rotWithShape="0">
+                    <a:schemeClr val="bg2"/>
+                  </a:outerShdw>
+                </a:effectLst>
+              </a14:hiddenEffects>
+            </a:ext>
+          </a:extLst>
+        </p:spPr>
+      </p:pic>
+      <p:grpSp>
+        <p:nvGrpSpPr>
+          <p:cNvPr id="4" name="Group 3">
+            <a:extLst>
+              <a:ext uri="{FF2B5EF4-FFF2-40B4-BE49-F238E27FC236}">
+                <a16:creationId xmlns:a16="http://schemas.microsoft.com/office/drawing/2014/main" id="{2A88357D-66A2-47FF-9242-595ACD84451F}"/>
+              </a:ext>
+            </a:extLst>
+          </p:cNvPr>
+          <p:cNvGrpSpPr/>
+          <p:nvPr/>
+        </p:nvGrpSpPr>
+        <p:grpSpPr>
+          <a:xfrm>
+            <a:off x="539552" y="3645024"/>
+            <a:ext cx="3274679" cy="369332"/>
+            <a:chOff x="539552" y="3645024"/>
+            <a:chExt cx="3274679" cy="369332"/>
+          </a:xfrm>
+        </p:grpSpPr>
+        <p:sp>
+          <p:nvSpPr>
+            <p:cNvPr id="2" name="Rectangle 1">
+              <a:extLst>
+                <a:ext uri="{FF2B5EF4-FFF2-40B4-BE49-F238E27FC236}">
+                  <a16:creationId xmlns:a16="http://schemas.microsoft.com/office/drawing/2014/main" id="{1D324B10-F868-2AC0-7728-369853ECDD4E}"/>
+                </a:ext>
+              </a:extLst>
+            </p:cNvPr>
+            <p:cNvSpPr/>
+            <p:nvPr/>
+          </p:nvSpPr>
+          <p:spPr>
+            <a:xfrm>
+              <a:off x="1232963" y="3768764"/>
+              <a:ext cx="2088232" cy="245592"/>
+            </a:xfrm>
+            <a:prstGeom prst="rect">
+              <a:avLst/>
+            </a:prstGeom>
+            <a:solidFill>
+              <a:schemeClr val="bg1"/>
+            </a:solidFill>
+            <a:ln>
+              <a:noFill/>
+            </a:ln>
+          </p:spPr>
+          <p:style>
+            <a:lnRef idx="2">
+              <a:schemeClr val="accent1">
+                <a:shade val="50000"/>
+              </a:schemeClr>
+            </a:lnRef>
+            <a:fillRef idx="1">
+              <a:schemeClr val="accent1"/>
+            </a:fillRef>
+            <a:effectRef idx="0">
+              <a:schemeClr val="accent1"/>
+            </a:effectRef>
+            <a:fontRef idx="minor">
+              <a:schemeClr val="lt1"/>
+            </a:fontRef>
+          </p:style>
+          <p:txBody>
+            <a:bodyPr rtlCol="0" anchor="ctr"/>
+            <a:lstStyle/>
+            <a:p>
+              <a:pPr algn="ctr"/>
+              <a:endParaRPr lang="en-US"/>
+            </a:p>
+          </p:txBody>
+        </p:sp>
+        <p:sp>
+          <p:nvSpPr>
+            <p:cNvPr id="3" name="TextBox 2">
+              <a:extLst>
+                <a:ext uri="{FF2B5EF4-FFF2-40B4-BE49-F238E27FC236}">
+                  <a16:creationId xmlns:a16="http://schemas.microsoft.com/office/drawing/2014/main" id="{CDAF13C0-16C1-9D24-55F5-81D6CB007E7D}"/>
+                </a:ext>
+              </a:extLst>
+            </p:cNvPr>
+            <p:cNvSpPr txBox="1"/>
+            <p:nvPr/>
+          </p:nvSpPr>
+          <p:spPr>
+            <a:xfrm>
+              <a:off x="539552" y="3645024"/>
+              <a:ext cx="3274679" cy="369332"/>
+            </a:xfrm>
+            <a:prstGeom prst="rect">
+              <a:avLst/>
+            </a:prstGeom>
+            <a:noFill/>
+          </p:spPr>
+          <p:txBody>
+            <a:bodyPr wrap="none" rtlCol="0">
+              <a:spAutoFit/>
+            </a:bodyPr>
+            <a:lstStyle/>
+            <a:p>
+              <a:r>
+                <a:rPr lang="en-US" dirty="0"/>
+                <a:t>coordinates on 1st eig-vector</a:t>
+              </a:r>
+            </a:p>
+          </p:txBody>
+        </p:sp>
+      </p:grpSp>
+      <p:grpSp>
+        <p:nvGrpSpPr>
+          <p:cNvPr id="5" name="Group 4">
+            <a:extLst>
+              <a:ext uri="{FF2B5EF4-FFF2-40B4-BE49-F238E27FC236}">
+                <a16:creationId xmlns:a16="http://schemas.microsoft.com/office/drawing/2014/main" id="{95836612-5CF0-00B6-F856-06714759C6B0}"/>
+              </a:ext>
+            </a:extLst>
+          </p:cNvPr>
+          <p:cNvGrpSpPr/>
+          <p:nvPr/>
+        </p:nvGrpSpPr>
+        <p:grpSpPr>
+          <a:xfrm rot="16200000">
+            <a:off x="2934661" y="3081475"/>
+            <a:ext cx="3274679" cy="369332"/>
+            <a:chOff x="539552" y="3645024"/>
+            <a:chExt cx="3274679" cy="369332"/>
+          </a:xfrm>
+        </p:grpSpPr>
+        <p:sp>
+          <p:nvSpPr>
+            <p:cNvPr id="6" name="Rectangle 5">
+              <a:extLst>
+                <a:ext uri="{FF2B5EF4-FFF2-40B4-BE49-F238E27FC236}">
+                  <a16:creationId xmlns:a16="http://schemas.microsoft.com/office/drawing/2014/main" id="{62F11816-CF9D-15D3-B70E-164D0E4BF110}"/>
+                </a:ext>
+              </a:extLst>
+            </p:cNvPr>
+            <p:cNvSpPr/>
+            <p:nvPr/>
+          </p:nvSpPr>
+          <p:spPr>
+            <a:xfrm>
+              <a:off x="1232963" y="3768764"/>
+              <a:ext cx="2088232" cy="245592"/>
+            </a:xfrm>
+            <a:prstGeom prst="rect">
+              <a:avLst/>
+            </a:prstGeom>
+            <a:solidFill>
+              <a:schemeClr val="bg1"/>
+            </a:solidFill>
+            <a:ln>
+              <a:noFill/>
+            </a:ln>
+          </p:spPr>
+          <p:style>
+            <a:lnRef idx="2">
+              <a:schemeClr val="accent1">
+                <a:shade val="50000"/>
+              </a:schemeClr>
+            </a:lnRef>
+            <a:fillRef idx="1">
+              <a:schemeClr val="accent1"/>
+            </a:fillRef>
+            <a:effectRef idx="0">
+              <a:schemeClr val="accent1"/>
+            </a:effectRef>
+            <a:fontRef idx="minor">
+              <a:schemeClr val="lt1"/>
+            </a:fontRef>
+          </p:style>
+          <p:txBody>
+            <a:bodyPr rtlCol="0" anchor="ctr"/>
+            <a:lstStyle/>
+            <a:p>
+              <a:pPr algn="ctr"/>
+              <a:endParaRPr lang="en-US"/>
+            </a:p>
+          </p:txBody>
+        </p:sp>
+        <p:sp>
+          <p:nvSpPr>
+            <p:cNvPr id="7" name="TextBox 6">
+              <a:extLst>
+                <a:ext uri="{FF2B5EF4-FFF2-40B4-BE49-F238E27FC236}">
+                  <a16:creationId xmlns:a16="http://schemas.microsoft.com/office/drawing/2014/main" id="{2B5EB739-FC3A-D980-B3CE-56351B5A7AA4}"/>
+                </a:ext>
+              </a:extLst>
+            </p:cNvPr>
+            <p:cNvSpPr txBox="1"/>
+            <p:nvPr/>
+          </p:nvSpPr>
+          <p:spPr>
+            <a:xfrm>
+              <a:off x="539552" y="3645024"/>
+              <a:ext cx="3274679" cy="369332"/>
+            </a:xfrm>
+            <a:prstGeom prst="rect">
+              <a:avLst/>
+            </a:prstGeom>
+            <a:noFill/>
+          </p:spPr>
+          <p:txBody>
+            <a:bodyPr wrap="none" rtlCol="0">
+              <a:spAutoFit/>
+            </a:bodyPr>
+            <a:lstStyle/>
+            <a:p>
+              <a:r>
+                <a:rPr lang="en-US" dirty="0"/>
+                <a:t>coordinates on 1st eig-vector</a:t>
+              </a:r>
+            </a:p>
+          </p:txBody>
+        </p:sp>
+      </p:grpSp>
+      <p:sp>
+        <p:nvSpPr>
+          <p:cNvPr id="9" name="Rectangle 8">
+            <a:extLst>
+              <a:ext uri="{FF2B5EF4-FFF2-40B4-BE49-F238E27FC236}">
+                <a16:creationId xmlns:a16="http://schemas.microsoft.com/office/drawing/2014/main" id="{2013BAC3-D8C2-EABA-B93A-C2F97B320AB0}"/>
+              </a:ext>
+            </a:extLst>
+          </p:cNvPr>
+          <p:cNvSpPr/>
+          <p:nvPr/>
+        </p:nvSpPr>
+        <p:spPr>
+          <a:xfrm>
+            <a:off x="6012160" y="5178895"/>
+            <a:ext cx="2088232" cy="245592"/>
+          </a:xfrm>
+          <a:prstGeom prst="rect">
+            <a:avLst/>
+          </a:prstGeom>
+          <a:solidFill>
+            <a:schemeClr val="bg1"/>
+          </a:solidFill>
+          <a:ln>
+            <a:noFill/>
+          </a:ln>
+        </p:spPr>
+        <p:style>
+          <a:lnRef idx="2">
+            <a:schemeClr val="accent1">
+              <a:shade val="50000"/>
+            </a:schemeClr>
+          </a:lnRef>
+          <a:fillRef idx="1">
+            <a:schemeClr val="accent1"/>
+          </a:fillRef>
+          <a:effectRef idx="0">
+            <a:schemeClr val="accent1"/>
+          </a:effectRef>
+          <a:fontRef idx="minor">
+            <a:schemeClr val="lt1"/>
+          </a:fontRef>
+        </p:style>
+        <p:txBody>
+          <a:bodyPr rtlCol="0" anchor="ctr"/>
+          <a:lstStyle/>
+          <a:p>
+            <a:pPr algn="ctr"/>
+            <a:endParaRPr lang="en-US"/>
+          </a:p>
+        </p:txBody>
+      </p:sp>
+      <p:sp>
+        <p:nvSpPr>
+          <p:cNvPr id="10" name="TextBox 9">
+            <a:extLst>
+              <a:ext uri="{FF2B5EF4-FFF2-40B4-BE49-F238E27FC236}">
+                <a16:creationId xmlns:a16="http://schemas.microsoft.com/office/drawing/2014/main" id="{546A2609-EFD5-B824-8FD4-37EE649F99C6}"/>
+              </a:ext>
+            </a:extLst>
+          </p:cNvPr>
+          <p:cNvSpPr txBox="1"/>
+          <p:nvPr/>
+        </p:nvSpPr>
+        <p:spPr>
+          <a:xfrm>
+            <a:off x="6683449" y="5117025"/>
+            <a:ext cx="745653" cy="369332"/>
+          </a:xfrm>
+          <a:prstGeom prst="rect">
+            <a:avLst/>
+          </a:prstGeom>
+          <a:noFill/>
+        </p:spPr>
+        <p:txBody>
+          <a:bodyPr wrap="none" rtlCol="0">
+            <a:spAutoFit/>
+          </a:bodyPr>
+          <a:lstStyle/>
+          <a:p>
+            <a:pPr algn="ctr"/>
+            <a:r>
+              <a:rPr lang="en-US" dirty="0"/>
+              <a:t>order</a:t>
+            </a:r>
+          </a:p>
+        </p:txBody>
+      </p:sp>
+    </p:spTree>
+    <p:extLst>
+      <p:ext uri="{BB962C8B-B14F-4D97-AF65-F5344CB8AC3E}">
+        <p14:creationId xmlns:p14="http://schemas.microsoft.com/office/powerpoint/2010/main" val="104548719"/>
+      </p:ext>
+    </p:extLst>
+  </p:cSld>
+  <p:clrMapOvr>
+    <a:masterClrMapping/>
+  </p:clrMapOvr>
+</p:sld>
+</file>
+
+<file path=ppt/slides/slide13.xml><?xml version="1.0" encoding="utf-8"?>
+<p:sld xmlns:a="http://schemas.openxmlformats.org/drawingml/2006/main" xmlns:r="http://schemas.openxmlformats.org/officeDocument/2006/relationships" xmlns:p="http://schemas.openxmlformats.org/presentationml/2006/main">
+  <p:cSld>
+    <p:spTree>
+      <p:nvGrpSpPr>
+        <p:cNvPr id="1" name=""/>
+        <p:cNvGrpSpPr/>
+        <p:nvPr/>
+      </p:nvGrpSpPr>
+      <p:grpSpPr>
+        <a:xfrm>
+          <a:off x="0" y="0"/>
+          <a:ext cx="0" cy="0"/>
+          <a:chOff x="0" y="0"/>
+          <a:chExt cx="0" cy="0"/>
+        </a:xfrm>
+      </p:grpSpPr>
+      <p:pic>
+        <p:nvPicPr>
+          <p:cNvPr id="5122" name="Picture 2"/>
+          <p:cNvPicPr>
+            <a:picLocks noChangeAspect="1" noChangeArrowheads="1"/>
+          </p:cNvPicPr>
+          <p:nvPr/>
+        </p:nvPicPr>
+        <p:blipFill>
+          <a:blip r:embed="rId2">
+            <a:extLst>
+              <a:ext uri="{28A0092B-C50C-407E-A947-70E740481C1C}">
+                <a14:useLocalDpi xmlns:a14="http://schemas.microsoft.com/office/drawing/2010/main" val="0"/>
+              </a:ext>
+            </a:extLst>
+          </a:blip>
+          <a:srcRect/>
+          <a:stretch>
+            <a:fillRect/>
+          </a:stretch>
+        </p:blipFill>
+        <p:spPr bwMode="auto">
+          <a:xfrm>
+            <a:off x="-1116632" y="1433513"/>
+            <a:ext cx="10848976" cy="3990975"/>
+          </a:xfrm>
+          <a:prstGeom prst="rect">
+            <a:avLst/>
+          </a:prstGeom>
+          <a:noFill/>
+          <a:ln>
+            <a:noFill/>
+          </a:ln>
+          <a:effectLst/>
+          <a:extLst>
+            <a:ext uri="{909E8E84-426E-40DD-AFC4-6F175D3DCCD1}">
+              <a14:hiddenFill xmlns:a14="http://schemas.microsoft.com/office/drawing/2010/main">
+                <a:solidFill>
+                  <a:schemeClr val="accent1"/>
+                </a:solidFill>
+              </a14:hiddenFill>
+            </a:ext>
+            <a:ext uri="{91240B29-F687-4F45-9708-019B960494DF}">
+              <a14:hiddenLine xmlns:a14="http://schemas.microsoft.com/office/drawing/2010/main" w="9525">
+                <a:solidFill>
+                  <a:schemeClr val="tx1"/>
+                </a:solidFill>
+                <a:miter lim="800000"/>
+                <a:headEnd/>
+                <a:tailEnd/>
+              </a14:hiddenLine>
+            </a:ext>
+            <a:ext uri="{AF507438-7753-43E0-B8FC-AC1667EBCBE1}">
+              <a14:hiddenEffects xmlns:a14="http://schemas.microsoft.com/office/drawing/2010/main">
+                <a:effectLst>
+                  <a:outerShdw dist="35921" dir="2700000" algn="ctr" rotWithShape="0">
+                    <a:schemeClr val="bg2"/>
+                  </a:outerShdw>
+                </a:effectLst>
+              </a14:hiddenEffects>
+            </a:ext>
+          </a:extLst>
+        </p:spPr>
+      </p:pic>
+    </p:spTree>
+    <p:extLst>
+      <p:ext uri="{BB962C8B-B14F-4D97-AF65-F5344CB8AC3E}">
+        <p14:creationId xmlns:p14="http://schemas.microsoft.com/office/powerpoint/2010/main" val="243338322"/>
+      </p:ext>
+    </p:extLst>
+  </p:cSld>
+  <p:clrMapOvr>
+    <a:masterClrMapping/>
+  </p:clrMapOvr>
+</p:sld>
+</file>
+
+<file path=ppt/slides/slide14.xml><?xml version="1.0" encoding="utf-8"?>
+<p:sld xmlns:a="http://schemas.openxmlformats.org/drawingml/2006/main" xmlns:r="http://schemas.openxmlformats.org/officeDocument/2006/relationships" xmlns:p="http://schemas.openxmlformats.org/presentationml/2006/main">
+  <p:cSld>
+    <p:spTree>
+      <p:nvGrpSpPr>
+        <p:cNvPr id="1" name=""/>
+        <p:cNvGrpSpPr/>
+        <p:nvPr/>
+      </p:nvGrpSpPr>
+      <p:grpSpPr>
+        <a:xfrm>
+          <a:off x="0" y="0"/>
+          <a:ext cx="0" cy="0"/>
+          <a:chOff x="0" y="0"/>
+          <a:chExt cx="0" cy="0"/>
+        </a:xfrm>
+      </p:grpSpPr>
+      <p:pic>
+        <p:nvPicPr>
+          <p:cNvPr id="5122" name="Picture 2"/>
+          <p:cNvPicPr>
+            <a:picLocks noChangeAspect="1" noChangeArrowheads="1"/>
+          </p:cNvPicPr>
+          <p:nvPr/>
+        </p:nvPicPr>
+        <p:blipFill>
+          <a:blip r:embed="rId2">
+            <a:extLst>
+              <a:ext uri="{28A0092B-C50C-407E-A947-70E740481C1C}">
+                <a14:useLocalDpi xmlns:a14="http://schemas.microsoft.com/office/drawing/2010/main" val="0"/>
+              </a:ext>
+            </a:extLst>
+          </a:blip>
+          <a:srcRect/>
+          <a:stretch>
+            <a:fillRect/>
+          </a:stretch>
+        </p:blipFill>
+        <p:spPr bwMode="auto">
+          <a:xfrm>
+            <a:off x="-1116632" y="1433513"/>
+            <a:ext cx="10848976" cy="3990975"/>
+          </a:xfrm>
+          <a:prstGeom prst="rect">
+            <a:avLst/>
+          </a:prstGeom>
+          <a:noFill/>
+          <a:ln>
+            <a:noFill/>
+          </a:ln>
+          <a:effectLst/>
+          <a:extLst>
+            <a:ext uri="{909E8E84-426E-40DD-AFC4-6F175D3DCCD1}">
+              <a14:hiddenFill xmlns:a14="http://schemas.microsoft.com/office/drawing/2010/main">
+                <a:solidFill>
+                  <a:schemeClr val="accent1"/>
+                </a:solidFill>
+              </a14:hiddenFill>
+            </a:ext>
+            <a:ext uri="{91240B29-F687-4F45-9708-019B960494DF}">
+              <a14:hiddenLine xmlns:a14="http://schemas.microsoft.com/office/drawing/2010/main" w="9525">
+                <a:solidFill>
+                  <a:schemeClr val="tx1"/>
+                </a:solidFill>
+                <a:miter lim="800000"/>
+                <a:headEnd/>
+                <a:tailEnd/>
+              </a14:hiddenLine>
+            </a:ext>
+            <a:ext uri="{AF507438-7753-43E0-B8FC-AC1667EBCBE1}">
+              <a14:hiddenEffects xmlns:a14="http://schemas.microsoft.com/office/drawing/2010/main">
+                <a:effectLst>
+                  <a:outerShdw dist="35921" dir="2700000" algn="ctr" rotWithShape="0">
+                    <a:schemeClr val="bg2"/>
+                  </a:outerShdw>
+                </a:effectLst>
+              </a14:hiddenEffects>
+            </a:ext>
+          </a:extLst>
+        </p:spPr>
+      </p:pic>
+      <p:grpSp>
+        <p:nvGrpSpPr>
+          <p:cNvPr id="2" name="Group 1">
+            <a:extLst>
+              <a:ext uri="{FF2B5EF4-FFF2-40B4-BE49-F238E27FC236}">
+                <a16:creationId xmlns:a16="http://schemas.microsoft.com/office/drawing/2014/main" id="{17F4C434-AF84-0032-9070-6CB7A43EF92E}"/>
+              </a:ext>
+            </a:extLst>
+          </p:cNvPr>
+          <p:cNvGrpSpPr/>
+          <p:nvPr/>
+        </p:nvGrpSpPr>
+        <p:grpSpPr>
+          <a:xfrm>
+            <a:off x="539552" y="3645024"/>
+            <a:ext cx="3367653" cy="369332"/>
+            <a:chOff x="539552" y="3645024"/>
+            <a:chExt cx="3367653" cy="369332"/>
+          </a:xfrm>
+        </p:grpSpPr>
+        <p:sp>
+          <p:nvSpPr>
+            <p:cNvPr id="3" name="Rectangle 2">
+              <a:extLst>
+                <a:ext uri="{FF2B5EF4-FFF2-40B4-BE49-F238E27FC236}">
+                  <a16:creationId xmlns:a16="http://schemas.microsoft.com/office/drawing/2014/main" id="{6366BA02-7B66-1330-B460-00C49AE739C8}"/>
+                </a:ext>
+              </a:extLst>
+            </p:cNvPr>
+            <p:cNvSpPr/>
+            <p:nvPr/>
+          </p:nvSpPr>
+          <p:spPr>
+            <a:xfrm>
+              <a:off x="1232963" y="3768764"/>
+              <a:ext cx="2088232" cy="245592"/>
+            </a:xfrm>
+            <a:prstGeom prst="rect">
+              <a:avLst/>
+            </a:prstGeom>
+            <a:solidFill>
+              <a:schemeClr val="bg1"/>
+            </a:solidFill>
+            <a:ln>
+              <a:noFill/>
+            </a:ln>
+          </p:spPr>
+          <p:style>
+            <a:lnRef idx="2">
+              <a:schemeClr val="accent1">
+                <a:shade val="50000"/>
+              </a:schemeClr>
+            </a:lnRef>
+            <a:fillRef idx="1">
+              <a:schemeClr val="accent1"/>
+            </a:fillRef>
+            <a:effectRef idx="0">
+              <a:schemeClr val="accent1"/>
+            </a:effectRef>
+            <a:fontRef idx="minor">
+              <a:schemeClr val="lt1"/>
+            </a:fontRef>
+          </p:style>
+          <p:txBody>
+            <a:bodyPr rtlCol="0" anchor="ctr"/>
+            <a:lstStyle/>
+            <a:p>
+              <a:pPr algn="ctr"/>
+              <a:endParaRPr lang="en-US"/>
+            </a:p>
+          </p:txBody>
+        </p:sp>
+        <p:sp>
+          <p:nvSpPr>
+            <p:cNvPr id="4" name="TextBox 3">
+              <a:extLst>
+                <a:ext uri="{FF2B5EF4-FFF2-40B4-BE49-F238E27FC236}">
+                  <a16:creationId xmlns:a16="http://schemas.microsoft.com/office/drawing/2014/main" id="{36C41BB4-49AC-7E36-D833-D8A2F0179566}"/>
+                </a:ext>
+              </a:extLst>
+            </p:cNvPr>
+            <p:cNvSpPr txBox="1"/>
+            <p:nvPr/>
+          </p:nvSpPr>
+          <p:spPr>
+            <a:xfrm>
+              <a:off x="539552" y="3645024"/>
+              <a:ext cx="3367653" cy="369332"/>
+            </a:xfrm>
+            <a:prstGeom prst="rect">
+              <a:avLst/>
+            </a:prstGeom>
+            <a:noFill/>
+          </p:spPr>
+          <p:txBody>
+            <a:bodyPr wrap="none" rtlCol="0">
+              <a:spAutoFit/>
+            </a:bodyPr>
+            <a:lstStyle/>
+            <a:p>
+              <a:r>
+                <a:rPr lang="en-US" dirty="0"/>
+                <a:t>coordinates on 2nd eig-vector</a:t>
+              </a:r>
+            </a:p>
+          </p:txBody>
+        </p:sp>
+      </p:grpSp>
+      <p:grpSp>
+        <p:nvGrpSpPr>
+          <p:cNvPr id="5" name="Group 4">
+            <a:extLst>
+              <a:ext uri="{FF2B5EF4-FFF2-40B4-BE49-F238E27FC236}">
+                <a16:creationId xmlns:a16="http://schemas.microsoft.com/office/drawing/2014/main" id="{449FC54E-C170-E065-B2DD-5703BF532A07}"/>
+              </a:ext>
+            </a:extLst>
+          </p:cNvPr>
+          <p:cNvGrpSpPr/>
+          <p:nvPr/>
+        </p:nvGrpSpPr>
+        <p:grpSpPr>
+          <a:xfrm rot="16200000">
+            <a:off x="2919531" y="3081475"/>
+            <a:ext cx="3367653" cy="369332"/>
+            <a:chOff x="493065" y="3645024"/>
+            <a:chExt cx="3367653" cy="369332"/>
+          </a:xfrm>
+        </p:grpSpPr>
+        <p:sp>
+          <p:nvSpPr>
+            <p:cNvPr id="6" name="Rectangle 5">
+              <a:extLst>
+                <a:ext uri="{FF2B5EF4-FFF2-40B4-BE49-F238E27FC236}">
+                  <a16:creationId xmlns:a16="http://schemas.microsoft.com/office/drawing/2014/main" id="{08FC85CF-2175-CA73-AFBC-28D8589F1188}"/>
+                </a:ext>
+              </a:extLst>
+            </p:cNvPr>
+            <p:cNvSpPr/>
+            <p:nvPr/>
+          </p:nvSpPr>
+          <p:spPr>
+            <a:xfrm>
+              <a:off x="1232963" y="3768764"/>
+              <a:ext cx="2088232" cy="245592"/>
+            </a:xfrm>
+            <a:prstGeom prst="rect">
+              <a:avLst/>
+            </a:prstGeom>
+            <a:solidFill>
+              <a:schemeClr val="bg1"/>
+            </a:solidFill>
+            <a:ln>
+              <a:noFill/>
+            </a:ln>
+          </p:spPr>
+          <p:style>
+            <a:lnRef idx="2">
+              <a:schemeClr val="accent1">
+                <a:shade val="50000"/>
+              </a:schemeClr>
+            </a:lnRef>
+            <a:fillRef idx="1">
+              <a:schemeClr val="accent1"/>
+            </a:fillRef>
+            <a:effectRef idx="0">
+              <a:schemeClr val="accent1"/>
+            </a:effectRef>
+            <a:fontRef idx="minor">
+              <a:schemeClr val="lt1"/>
+            </a:fontRef>
+          </p:style>
+          <p:txBody>
+            <a:bodyPr rtlCol="0" anchor="ctr"/>
+            <a:lstStyle/>
+            <a:p>
+              <a:pPr algn="ctr"/>
+              <a:endParaRPr lang="en-US"/>
+            </a:p>
+          </p:txBody>
+        </p:sp>
+        <p:sp>
+          <p:nvSpPr>
+            <p:cNvPr id="7" name="TextBox 6">
+              <a:extLst>
+                <a:ext uri="{FF2B5EF4-FFF2-40B4-BE49-F238E27FC236}">
+                  <a16:creationId xmlns:a16="http://schemas.microsoft.com/office/drawing/2014/main" id="{C50F6BAB-8774-4832-6A8F-C7FA03002C32}"/>
+                </a:ext>
+              </a:extLst>
+            </p:cNvPr>
+            <p:cNvSpPr txBox="1"/>
+            <p:nvPr/>
+          </p:nvSpPr>
+          <p:spPr>
+            <a:xfrm>
+              <a:off x="493065" y="3645024"/>
+              <a:ext cx="3367653" cy="369332"/>
+            </a:xfrm>
+            <a:prstGeom prst="rect">
+              <a:avLst/>
+            </a:prstGeom>
+            <a:noFill/>
+          </p:spPr>
+          <p:txBody>
+            <a:bodyPr wrap="none" rtlCol="0">
+              <a:spAutoFit/>
+            </a:bodyPr>
+            <a:lstStyle/>
+            <a:p>
+              <a:r>
+                <a:rPr lang="en-US" dirty="0"/>
+                <a:t>coordinates on 2nd eig-vector</a:t>
+              </a:r>
+            </a:p>
+          </p:txBody>
+        </p:sp>
+      </p:grpSp>
+      <p:sp>
+        <p:nvSpPr>
+          <p:cNvPr id="8" name="Rectangle 7">
+            <a:extLst>
+              <a:ext uri="{FF2B5EF4-FFF2-40B4-BE49-F238E27FC236}">
+                <a16:creationId xmlns:a16="http://schemas.microsoft.com/office/drawing/2014/main" id="{8952AFD5-6A4A-ADFB-8C11-E31ACE9E7D52}"/>
+              </a:ext>
+            </a:extLst>
+          </p:cNvPr>
+          <p:cNvSpPr/>
+          <p:nvPr/>
+        </p:nvSpPr>
+        <p:spPr>
+          <a:xfrm>
+            <a:off x="6012160" y="5178895"/>
+            <a:ext cx="2088232" cy="245592"/>
+          </a:xfrm>
+          <a:prstGeom prst="rect">
+            <a:avLst/>
+          </a:prstGeom>
+          <a:solidFill>
+            <a:schemeClr val="bg1"/>
+          </a:solidFill>
+          <a:ln>
+            <a:noFill/>
+          </a:ln>
+        </p:spPr>
+        <p:style>
+          <a:lnRef idx="2">
+            <a:schemeClr val="accent1">
+              <a:shade val="50000"/>
+            </a:schemeClr>
+          </a:lnRef>
+          <a:fillRef idx="1">
+            <a:schemeClr val="accent1"/>
+          </a:fillRef>
+          <a:effectRef idx="0">
+            <a:schemeClr val="accent1"/>
+          </a:effectRef>
+          <a:fontRef idx="minor">
+            <a:schemeClr val="lt1"/>
+          </a:fontRef>
+        </p:style>
+        <p:txBody>
+          <a:bodyPr rtlCol="0" anchor="ctr"/>
+          <a:lstStyle/>
+          <a:p>
+            <a:pPr algn="ctr"/>
+            <a:endParaRPr lang="en-US"/>
+          </a:p>
+        </p:txBody>
+      </p:sp>
+      <p:sp>
+        <p:nvSpPr>
+          <p:cNvPr id="9" name="TextBox 8">
+            <a:extLst>
+              <a:ext uri="{FF2B5EF4-FFF2-40B4-BE49-F238E27FC236}">
+                <a16:creationId xmlns:a16="http://schemas.microsoft.com/office/drawing/2014/main" id="{F3946BFB-63C2-29CD-06F8-CEBC67695BCA}"/>
+              </a:ext>
+            </a:extLst>
+          </p:cNvPr>
+          <p:cNvSpPr txBox="1"/>
+          <p:nvPr/>
+        </p:nvSpPr>
+        <p:spPr>
+          <a:xfrm>
+            <a:off x="6683449" y="5117025"/>
+            <a:ext cx="745653" cy="369332"/>
+          </a:xfrm>
+          <a:prstGeom prst="rect">
+            <a:avLst/>
+          </a:prstGeom>
+          <a:noFill/>
+        </p:spPr>
+        <p:txBody>
+          <a:bodyPr wrap="none" rtlCol="0">
+            <a:spAutoFit/>
+          </a:bodyPr>
+          <a:lstStyle/>
+          <a:p>
+            <a:pPr algn="ctr"/>
+            <a:r>
+              <a:rPr lang="en-US" dirty="0"/>
+              <a:t>order</a:t>
+            </a:r>
+          </a:p>
+        </p:txBody>
+      </p:sp>
+    </p:spTree>
+    <p:extLst>
+      <p:ext uri="{BB962C8B-B14F-4D97-AF65-F5344CB8AC3E}">
+        <p14:creationId xmlns:p14="http://schemas.microsoft.com/office/powerpoint/2010/main" val="2981908208"/>
+      </p:ext>
+    </p:extLst>
+  </p:cSld>
+  <p:clrMapOvr>
+    <a:masterClrMapping/>
+  </p:clrMapOvr>
+</p:sld>
+</file>
+
+<file path=ppt/slides/slide15.xml><?xml version="1.0" encoding="utf-8"?>
 <p:sld xmlns:a="http://schemas.openxmlformats.org/drawingml/2006/main" xmlns:r="http://schemas.openxmlformats.org/officeDocument/2006/relationships" xmlns:p="http://schemas.openxmlformats.org/presentationml/2006/main">
   <p:cSld>
     <p:spTree>
@@ -4044,7 +5302,7 @@
                         <m:endChr m:val="]"/>
                         <m:ctrlPr>
                           <a:rPr lang="en-US" altLang="ko-KR" i="1" smtClean="0">
-                            <a:latin typeface="Cambria Math"/>
+                            <a:latin typeface="Cambria Math" panose="02040503050406030204" pitchFamily="18" charset="0"/>
                           </a:rPr>
                         </m:ctrlPr>
                       </m:dPr>
@@ -4061,7 +5319,7 @@
                             </m:mcs>
                             <m:ctrlPr>
                               <a:rPr lang="en-US" altLang="ko-KR" i="1">
-                                <a:latin typeface="Cambria Math"/>
+                                <a:latin typeface="Cambria Math" panose="02040503050406030204" pitchFamily="18" charset="0"/>
                               </a:rPr>
                             </m:ctrlPr>
                           </m:mPr>
@@ -4137,7 +5395,7 @@
                       <m:fPr>
                         <m:ctrlPr>
                           <a:rPr lang="en-US" altLang="ko-KR" b="0" i="1" smtClean="0">
-                            <a:latin typeface="Cambria Math"/>
+                            <a:latin typeface="Cambria Math" panose="02040503050406030204" pitchFamily="18" charset="0"/>
                           </a:rPr>
                         </m:ctrlPr>
                       </m:fPr>
@@ -4164,7 +5422,7 @@
                         <m:endChr m:val="]"/>
                         <m:ctrlPr>
                           <a:rPr lang="en-US" altLang="ko-KR" b="0" i="1" smtClean="0">
-                            <a:latin typeface="Cambria Math"/>
+                            <a:latin typeface="Cambria Math" panose="02040503050406030204" pitchFamily="18" charset="0"/>
                           </a:rPr>
                         </m:ctrlPr>
                       </m:dPr>
@@ -4181,7 +5439,7 @@
                             </m:mcs>
                             <m:ctrlPr>
                               <a:rPr lang="en-US" altLang="ko-KR" b="0" i="1" smtClean="0">
-                                <a:latin typeface="Cambria Math"/>
+                                <a:latin typeface="Cambria Math" panose="02040503050406030204" pitchFamily="18" charset="0"/>
                               </a:rPr>
                             </m:ctrlPr>
                           </m:mPr>
@@ -4221,7 +5479,7 @@
                       <m:sSupPr>
                         <m:ctrlPr>
                           <a:rPr lang="en-US" altLang="ko-KR" b="0" i="1" smtClean="0">
-                            <a:latin typeface="Cambria Math"/>
+                            <a:latin typeface="Cambria Math" panose="02040503050406030204" pitchFamily="18" charset="0"/>
                           </a:rPr>
                         </m:ctrlPr>
                       </m:sSupPr>
@@ -4258,7 +5516,7 @@
                       <m:fPr>
                         <m:ctrlPr>
                           <a:rPr lang="en-US" altLang="ko-KR" i="1">
-                            <a:latin typeface="Cambria Math"/>
+                            <a:latin typeface="Cambria Math" panose="02040503050406030204" pitchFamily="18" charset="0"/>
                           </a:rPr>
                         </m:ctrlPr>
                       </m:fPr>
@@ -4285,7 +5543,7 @@
                         <m:endChr m:val="]"/>
                         <m:ctrlPr>
                           <a:rPr lang="en-US" altLang="ko-KR" i="1">
-                            <a:latin typeface="Cambria Math"/>
+                            <a:latin typeface="Cambria Math" panose="02040503050406030204" pitchFamily="18" charset="0"/>
                           </a:rPr>
                         </m:ctrlPr>
                       </m:dPr>
@@ -4302,7 +5560,7 @@
                             </m:mcs>
                             <m:ctrlPr>
                               <a:rPr lang="en-US" altLang="ko-KR" i="1">
-                                <a:latin typeface="Cambria Math"/>
+                                <a:latin typeface="Cambria Math" panose="02040503050406030204" pitchFamily="18" charset="0"/>
                               </a:rPr>
                             </m:ctrlPr>
                           </m:mPr>
@@ -4333,7 +5591,7 @@
                       <m:sSupPr>
                         <m:ctrlPr>
                           <a:rPr lang="en-US" altLang="ko-KR" i="1">
-                            <a:latin typeface="Cambria Math"/>
+                            <a:latin typeface="Cambria Math" panose="02040503050406030204" pitchFamily="18" charset="0"/>
                           </a:rPr>
                         </m:ctrlPr>
                       </m:sSupPr>
@@ -4448,7 +5706,7 @@
 </p:sld>
 </file>
 
-<file path=ppt/slides/slide11.xml><?xml version="1.0" encoding="utf-8"?>
+<file path=ppt/slides/slide16.xml><?xml version="1.0" encoding="utf-8"?>
 <p:sld xmlns:a="http://schemas.openxmlformats.org/drawingml/2006/main" xmlns:r="http://schemas.openxmlformats.org/officeDocument/2006/relationships" xmlns:p="http://schemas.openxmlformats.org/presentationml/2006/main">
   <p:cSld>
     <p:spTree>
@@ -4542,7 +5800,533 @@
 </p:sld>
 </file>
 
-<file path=ppt/slides/slide12.xml><?xml version="1.0" encoding="utf-8"?>
+<file path=ppt/slides/slide17.xml><?xml version="1.0" encoding="utf-8"?>
+<p:sld xmlns:a="http://schemas.openxmlformats.org/drawingml/2006/main" xmlns:r="http://schemas.openxmlformats.org/officeDocument/2006/relationships" xmlns:p="http://schemas.openxmlformats.org/presentationml/2006/main">
+  <p:cSld>
+    <p:spTree>
+      <p:nvGrpSpPr>
+        <p:cNvPr id="1" name=""/>
+        <p:cNvGrpSpPr/>
+        <p:nvPr/>
+      </p:nvGrpSpPr>
+      <p:grpSpPr>
+        <a:xfrm>
+          <a:off x="0" y="0"/>
+          <a:ext cx="0" cy="0"/>
+          <a:chOff x="0" y="0"/>
+          <a:chExt cx="0" cy="0"/>
+        </a:xfrm>
+      </p:grpSpPr>
+      <p:pic>
+        <p:nvPicPr>
+          <p:cNvPr id="1026" name="Picture 2"/>
+          <p:cNvPicPr>
+            <a:picLocks noChangeAspect="1" noChangeArrowheads="1"/>
+          </p:cNvPicPr>
+          <p:nvPr/>
+        </p:nvPicPr>
+        <p:blipFill>
+          <a:blip r:embed="rId2">
+            <a:extLst>
+              <a:ext uri="{28A0092B-C50C-407E-A947-70E740481C1C}">
+                <a14:useLocalDpi xmlns:a14="http://schemas.microsoft.com/office/drawing/2010/main" val="0"/>
+              </a:ext>
+            </a:extLst>
+          </a:blip>
+          <a:srcRect/>
+          <a:stretch>
+            <a:fillRect/>
+          </a:stretch>
+        </p:blipFill>
+        <p:spPr bwMode="auto">
+          <a:xfrm>
+            <a:off x="-359352" y="1614921"/>
+            <a:ext cx="9862705" cy="3628159"/>
+          </a:xfrm>
+          <a:prstGeom prst="rect">
+            <a:avLst/>
+          </a:prstGeom>
+          <a:noFill/>
+          <a:ln>
+            <a:noFill/>
+          </a:ln>
+          <a:effectLst/>
+          <a:extLst>
+            <a:ext uri="{909E8E84-426E-40DD-AFC4-6F175D3DCCD1}">
+              <a14:hiddenFill xmlns:a14="http://schemas.microsoft.com/office/drawing/2010/main">
+                <a:solidFill>
+                  <a:schemeClr val="accent1"/>
+                </a:solidFill>
+              </a14:hiddenFill>
+            </a:ext>
+            <a:ext uri="{91240B29-F687-4F45-9708-019B960494DF}">
+              <a14:hiddenLine xmlns:a14="http://schemas.microsoft.com/office/drawing/2010/main" w="9525">
+                <a:solidFill>
+                  <a:schemeClr val="tx1"/>
+                </a:solidFill>
+                <a:miter lim="800000"/>
+                <a:headEnd/>
+                <a:tailEnd/>
+              </a14:hiddenLine>
+            </a:ext>
+            <a:ext uri="{AF507438-7753-43E0-B8FC-AC1667EBCBE1}">
+              <a14:hiddenEffects xmlns:a14="http://schemas.microsoft.com/office/drawing/2010/main">
+                <a:effectLst>
+                  <a:outerShdw dist="35921" dir="2700000" algn="ctr" rotWithShape="0">
+                    <a:schemeClr val="bg2"/>
+                  </a:outerShdw>
+                </a:effectLst>
+              </a14:hiddenEffects>
+            </a:ext>
+          </a:extLst>
+        </p:spPr>
+      </p:pic>
+      <p:grpSp>
+        <p:nvGrpSpPr>
+          <p:cNvPr id="2" name="Group 1">
+            <a:extLst>
+              <a:ext uri="{FF2B5EF4-FFF2-40B4-BE49-F238E27FC236}">
+                <a16:creationId xmlns:a16="http://schemas.microsoft.com/office/drawing/2014/main" id="{62C2D6A5-6408-F1AB-E027-97C0ABFA91A8}"/>
+              </a:ext>
+            </a:extLst>
+          </p:cNvPr>
+          <p:cNvGrpSpPr/>
+          <p:nvPr/>
+        </p:nvGrpSpPr>
+        <p:grpSpPr>
+          <a:xfrm rot="16200000">
+            <a:off x="-1201153" y="3244333"/>
+            <a:ext cx="3274679" cy="369332"/>
+            <a:chOff x="539552" y="3645024"/>
+            <a:chExt cx="3274679" cy="369332"/>
+          </a:xfrm>
+        </p:grpSpPr>
+        <p:sp>
+          <p:nvSpPr>
+            <p:cNvPr id="3" name="Rectangle 2">
+              <a:extLst>
+                <a:ext uri="{FF2B5EF4-FFF2-40B4-BE49-F238E27FC236}">
+                  <a16:creationId xmlns:a16="http://schemas.microsoft.com/office/drawing/2014/main" id="{3F05D431-D8C3-5B68-0E02-E88E33105431}"/>
+                </a:ext>
+              </a:extLst>
+            </p:cNvPr>
+            <p:cNvSpPr/>
+            <p:nvPr/>
+          </p:nvSpPr>
+          <p:spPr>
+            <a:xfrm>
+              <a:off x="1232963" y="3768764"/>
+              <a:ext cx="2088232" cy="245592"/>
+            </a:xfrm>
+            <a:prstGeom prst="rect">
+              <a:avLst/>
+            </a:prstGeom>
+            <a:solidFill>
+              <a:schemeClr val="bg1"/>
+            </a:solidFill>
+            <a:ln>
+              <a:noFill/>
+            </a:ln>
+          </p:spPr>
+          <p:style>
+            <a:lnRef idx="2">
+              <a:schemeClr val="accent1">
+                <a:shade val="50000"/>
+              </a:schemeClr>
+            </a:lnRef>
+            <a:fillRef idx="1">
+              <a:schemeClr val="accent1"/>
+            </a:fillRef>
+            <a:effectRef idx="0">
+              <a:schemeClr val="accent1"/>
+            </a:effectRef>
+            <a:fontRef idx="minor">
+              <a:schemeClr val="lt1"/>
+            </a:fontRef>
+          </p:style>
+          <p:txBody>
+            <a:bodyPr rtlCol="0" anchor="ctr"/>
+            <a:lstStyle/>
+            <a:p>
+              <a:pPr algn="ctr"/>
+              <a:endParaRPr lang="en-US"/>
+            </a:p>
+          </p:txBody>
+        </p:sp>
+        <p:sp>
+          <p:nvSpPr>
+            <p:cNvPr id="4" name="TextBox 3">
+              <a:extLst>
+                <a:ext uri="{FF2B5EF4-FFF2-40B4-BE49-F238E27FC236}">
+                  <a16:creationId xmlns:a16="http://schemas.microsoft.com/office/drawing/2014/main" id="{C4240889-CE54-6A65-3123-037E14A0CA9C}"/>
+                </a:ext>
+              </a:extLst>
+            </p:cNvPr>
+            <p:cNvSpPr txBox="1"/>
+            <p:nvPr/>
+          </p:nvSpPr>
+          <p:spPr>
+            <a:xfrm>
+              <a:off x="539552" y="3645024"/>
+              <a:ext cx="3274679" cy="369332"/>
+            </a:xfrm>
+            <a:prstGeom prst="rect">
+              <a:avLst/>
+            </a:prstGeom>
+            <a:noFill/>
+          </p:spPr>
+          <p:txBody>
+            <a:bodyPr wrap="none" rtlCol="0">
+              <a:spAutoFit/>
+            </a:bodyPr>
+            <a:lstStyle/>
+            <a:p>
+              <a:r>
+                <a:rPr lang="en-US" dirty="0"/>
+                <a:t>coordinates on 1st eig-vector</a:t>
+              </a:r>
+            </a:p>
+          </p:txBody>
+        </p:sp>
+      </p:grpSp>
+      <p:grpSp>
+        <p:nvGrpSpPr>
+          <p:cNvPr id="6" name="Group 5">
+            <a:extLst>
+              <a:ext uri="{FF2B5EF4-FFF2-40B4-BE49-F238E27FC236}">
+                <a16:creationId xmlns:a16="http://schemas.microsoft.com/office/drawing/2014/main" id="{5F13332B-4048-0291-39CF-6ED92DE7A9AC}"/>
+              </a:ext>
+            </a:extLst>
+          </p:cNvPr>
+          <p:cNvGrpSpPr/>
+          <p:nvPr/>
+        </p:nvGrpSpPr>
+        <p:grpSpPr>
+          <a:xfrm rot="16200000">
+            <a:off x="3216857" y="3244334"/>
+            <a:ext cx="3367653" cy="369332"/>
+            <a:chOff x="493065" y="3645024"/>
+            <a:chExt cx="3367653" cy="369332"/>
+          </a:xfrm>
+        </p:grpSpPr>
+        <p:sp>
+          <p:nvSpPr>
+            <p:cNvPr id="7" name="Rectangle 6">
+              <a:extLst>
+                <a:ext uri="{FF2B5EF4-FFF2-40B4-BE49-F238E27FC236}">
+                  <a16:creationId xmlns:a16="http://schemas.microsoft.com/office/drawing/2014/main" id="{582C03BE-8619-6ECF-0CE9-78C1B0202D12}"/>
+                </a:ext>
+              </a:extLst>
+            </p:cNvPr>
+            <p:cNvSpPr/>
+            <p:nvPr/>
+          </p:nvSpPr>
+          <p:spPr>
+            <a:xfrm>
+              <a:off x="1232963" y="3768764"/>
+              <a:ext cx="2088232" cy="245592"/>
+            </a:xfrm>
+            <a:prstGeom prst="rect">
+              <a:avLst/>
+            </a:prstGeom>
+            <a:solidFill>
+              <a:schemeClr val="bg1"/>
+            </a:solidFill>
+            <a:ln>
+              <a:noFill/>
+            </a:ln>
+          </p:spPr>
+          <p:style>
+            <a:lnRef idx="2">
+              <a:schemeClr val="accent1">
+                <a:shade val="50000"/>
+              </a:schemeClr>
+            </a:lnRef>
+            <a:fillRef idx="1">
+              <a:schemeClr val="accent1"/>
+            </a:fillRef>
+            <a:effectRef idx="0">
+              <a:schemeClr val="accent1"/>
+            </a:effectRef>
+            <a:fontRef idx="minor">
+              <a:schemeClr val="lt1"/>
+            </a:fontRef>
+          </p:style>
+          <p:txBody>
+            <a:bodyPr rtlCol="0" anchor="ctr"/>
+            <a:lstStyle/>
+            <a:p>
+              <a:pPr algn="ctr"/>
+              <a:endParaRPr lang="en-US"/>
+            </a:p>
+          </p:txBody>
+        </p:sp>
+        <p:sp>
+          <p:nvSpPr>
+            <p:cNvPr id="8" name="TextBox 7">
+              <a:extLst>
+                <a:ext uri="{FF2B5EF4-FFF2-40B4-BE49-F238E27FC236}">
+                  <a16:creationId xmlns:a16="http://schemas.microsoft.com/office/drawing/2014/main" id="{32FA1128-DD4F-CC0B-93AE-AAA95DEF6E0F}"/>
+                </a:ext>
+              </a:extLst>
+            </p:cNvPr>
+            <p:cNvSpPr txBox="1"/>
+            <p:nvPr/>
+          </p:nvSpPr>
+          <p:spPr>
+            <a:xfrm>
+              <a:off x="493065" y="3645024"/>
+              <a:ext cx="3367653" cy="369332"/>
+            </a:xfrm>
+            <a:prstGeom prst="rect">
+              <a:avLst/>
+            </a:prstGeom>
+            <a:noFill/>
+          </p:spPr>
+          <p:txBody>
+            <a:bodyPr wrap="none" rtlCol="0">
+              <a:spAutoFit/>
+            </a:bodyPr>
+            <a:lstStyle/>
+            <a:p>
+              <a:r>
+                <a:rPr lang="en-US" dirty="0"/>
+                <a:t>coordinates on 2nd eig-vector</a:t>
+              </a:r>
+            </a:p>
+          </p:txBody>
+        </p:sp>
+      </p:grpSp>
+      <p:grpSp>
+        <p:nvGrpSpPr>
+          <p:cNvPr id="9" name="Group 8">
+            <a:extLst>
+              <a:ext uri="{FF2B5EF4-FFF2-40B4-BE49-F238E27FC236}">
+                <a16:creationId xmlns:a16="http://schemas.microsoft.com/office/drawing/2014/main" id="{2F78197B-0503-846F-1076-0C51B9404622}"/>
+              </a:ext>
+            </a:extLst>
+          </p:cNvPr>
+          <p:cNvGrpSpPr/>
+          <p:nvPr/>
+        </p:nvGrpSpPr>
+        <p:grpSpPr>
+          <a:xfrm>
+            <a:off x="899592" y="1512882"/>
+            <a:ext cx="3391826" cy="369332"/>
+            <a:chOff x="539552" y="3645024"/>
+            <a:chExt cx="3391826" cy="369332"/>
+          </a:xfrm>
+        </p:grpSpPr>
+        <p:sp>
+          <p:nvSpPr>
+            <p:cNvPr id="10" name="Rectangle 9">
+              <a:extLst>
+                <a:ext uri="{FF2B5EF4-FFF2-40B4-BE49-F238E27FC236}">
+                  <a16:creationId xmlns:a16="http://schemas.microsoft.com/office/drawing/2014/main" id="{B69FAC5D-4B2C-21A1-6651-CFE01E8E49E9}"/>
+                </a:ext>
+              </a:extLst>
+            </p:cNvPr>
+            <p:cNvSpPr/>
+            <p:nvPr/>
+          </p:nvSpPr>
+          <p:spPr>
+            <a:xfrm>
+              <a:off x="1232963" y="3768764"/>
+              <a:ext cx="2088232" cy="245592"/>
+            </a:xfrm>
+            <a:prstGeom prst="rect">
+              <a:avLst/>
+            </a:prstGeom>
+            <a:solidFill>
+              <a:schemeClr val="bg1"/>
+            </a:solidFill>
+            <a:ln>
+              <a:noFill/>
+            </a:ln>
+          </p:spPr>
+          <p:style>
+            <a:lnRef idx="2">
+              <a:schemeClr val="accent1">
+                <a:shade val="50000"/>
+              </a:schemeClr>
+            </a:lnRef>
+            <a:fillRef idx="1">
+              <a:schemeClr val="accent1"/>
+            </a:fillRef>
+            <a:effectRef idx="0">
+              <a:schemeClr val="accent1"/>
+            </a:effectRef>
+            <a:fontRef idx="minor">
+              <a:schemeClr val="lt1"/>
+            </a:fontRef>
+          </p:style>
+          <p:txBody>
+            <a:bodyPr rtlCol="0" anchor="ctr"/>
+            <a:lstStyle/>
+            <a:p>
+              <a:pPr algn="ctr"/>
+              <a:endParaRPr lang="en-US"/>
+            </a:p>
+          </p:txBody>
+        </p:sp>
+        <p:sp>
+          <p:nvSpPr>
+            <p:cNvPr id="11" name="TextBox 10">
+              <a:extLst>
+                <a:ext uri="{FF2B5EF4-FFF2-40B4-BE49-F238E27FC236}">
+                  <a16:creationId xmlns:a16="http://schemas.microsoft.com/office/drawing/2014/main" id="{D10ECD66-5BDC-471A-BA4A-110C11181143}"/>
+                </a:ext>
+              </a:extLst>
+            </p:cNvPr>
+            <p:cNvSpPr txBox="1"/>
+            <p:nvPr/>
+          </p:nvSpPr>
+          <p:spPr>
+            <a:xfrm>
+              <a:off x="539552" y="3645024"/>
+              <a:ext cx="3391826" cy="369332"/>
+            </a:xfrm>
+            <a:prstGeom prst="rect">
+              <a:avLst/>
+            </a:prstGeom>
+            <a:noFill/>
+          </p:spPr>
+          <p:txBody>
+            <a:bodyPr wrap="none" rtlCol="0">
+              <a:spAutoFit/>
+            </a:bodyPr>
+            <a:lstStyle/>
+            <a:p>
+              <a:r>
+                <a:rPr lang="en-US" dirty="0"/>
+                <a:t>comparing to the real solution</a:t>
+              </a:r>
+            </a:p>
+          </p:txBody>
+        </p:sp>
+      </p:grpSp>
+      <p:grpSp>
+        <p:nvGrpSpPr>
+          <p:cNvPr id="12" name="Group 11">
+            <a:extLst>
+              <a:ext uri="{FF2B5EF4-FFF2-40B4-BE49-F238E27FC236}">
+                <a16:creationId xmlns:a16="http://schemas.microsoft.com/office/drawing/2014/main" id="{725AA1B5-DBF4-AE59-B8CC-809F92ECE3FA}"/>
+              </a:ext>
+            </a:extLst>
+          </p:cNvPr>
+          <p:cNvGrpSpPr/>
+          <p:nvPr/>
+        </p:nvGrpSpPr>
+        <p:grpSpPr>
+          <a:xfrm>
+            <a:off x="5220072" y="1512882"/>
+            <a:ext cx="3391826" cy="369332"/>
+            <a:chOff x="539552" y="3645024"/>
+            <a:chExt cx="3391826" cy="369332"/>
+          </a:xfrm>
+        </p:grpSpPr>
+        <p:sp>
+          <p:nvSpPr>
+            <p:cNvPr id="13" name="Rectangle 12">
+              <a:extLst>
+                <a:ext uri="{FF2B5EF4-FFF2-40B4-BE49-F238E27FC236}">
+                  <a16:creationId xmlns:a16="http://schemas.microsoft.com/office/drawing/2014/main" id="{F0822AC1-3D7E-BAF9-3B08-8C2A6895BB69}"/>
+                </a:ext>
+              </a:extLst>
+            </p:cNvPr>
+            <p:cNvSpPr/>
+            <p:nvPr/>
+          </p:nvSpPr>
+          <p:spPr>
+            <a:xfrm>
+              <a:off x="1232963" y="3768764"/>
+              <a:ext cx="2088232" cy="245592"/>
+            </a:xfrm>
+            <a:prstGeom prst="rect">
+              <a:avLst/>
+            </a:prstGeom>
+            <a:solidFill>
+              <a:schemeClr val="bg1"/>
+            </a:solidFill>
+            <a:ln>
+              <a:noFill/>
+            </a:ln>
+          </p:spPr>
+          <p:style>
+            <a:lnRef idx="2">
+              <a:schemeClr val="accent1">
+                <a:shade val="50000"/>
+              </a:schemeClr>
+            </a:lnRef>
+            <a:fillRef idx="1">
+              <a:schemeClr val="accent1"/>
+            </a:fillRef>
+            <a:effectRef idx="0">
+              <a:schemeClr val="accent1"/>
+            </a:effectRef>
+            <a:fontRef idx="minor">
+              <a:schemeClr val="lt1"/>
+            </a:fontRef>
+          </p:style>
+          <p:txBody>
+            <a:bodyPr rtlCol="0" anchor="ctr"/>
+            <a:lstStyle/>
+            <a:p>
+              <a:pPr algn="ctr"/>
+              <a:endParaRPr lang="en-US"/>
+            </a:p>
+          </p:txBody>
+        </p:sp>
+        <p:sp>
+          <p:nvSpPr>
+            <p:cNvPr id="14" name="TextBox 13">
+              <a:extLst>
+                <a:ext uri="{FF2B5EF4-FFF2-40B4-BE49-F238E27FC236}">
+                  <a16:creationId xmlns:a16="http://schemas.microsoft.com/office/drawing/2014/main" id="{032E1387-7C56-4FD7-5CA5-DC556FD2B3E5}"/>
+                </a:ext>
+              </a:extLst>
+            </p:cNvPr>
+            <p:cNvSpPr txBox="1"/>
+            <p:nvPr/>
+          </p:nvSpPr>
+          <p:spPr>
+            <a:xfrm>
+              <a:off x="539552" y="3645024"/>
+              <a:ext cx="3391826" cy="369332"/>
+            </a:xfrm>
+            <a:prstGeom prst="rect">
+              <a:avLst/>
+            </a:prstGeom>
+            <a:noFill/>
+          </p:spPr>
+          <p:txBody>
+            <a:bodyPr wrap="none" rtlCol="0">
+              <a:spAutoFit/>
+            </a:bodyPr>
+            <a:lstStyle/>
+            <a:p>
+              <a:r>
+                <a:rPr lang="en-US" dirty="0"/>
+                <a:t>comparing to the real solution</a:t>
+              </a:r>
+            </a:p>
+          </p:txBody>
+        </p:sp>
+      </p:grpSp>
+    </p:spTree>
+    <p:extLst>
+      <p:ext uri="{BB962C8B-B14F-4D97-AF65-F5344CB8AC3E}">
+        <p14:creationId xmlns:p14="http://schemas.microsoft.com/office/powerpoint/2010/main" val="2370115146"/>
+      </p:ext>
+    </p:extLst>
+  </p:cSld>
+  <p:clrMapOvr>
+    <a:masterClrMapping/>
+  </p:clrMapOvr>
+</p:sld>
+</file>
+
+<file path=ppt/slides/slide18.xml><?xml version="1.0" encoding="utf-8"?>
 <p:sld xmlns:a="http://schemas.openxmlformats.org/drawingml/2006/main" xmlns:r="http://schemas.openxmlformats.org/officeDocument/2006/relationships" xmlns:p="http://schemas.openxmlformats.org/presentationml/2006/main">
   <p:cSld>
     <p:spTree>
@@ -4636,7 +6420,7 @@
 </p:sld>
 </file>
 
-<file path=ppt/slides/slide13.xml><?xml version="1.0" encoding="utf-8"?>
+<file path=ppt/slides/slide19.xml><?xml version="1.0" encoding="utf-8"?>
 <p:sld xmlns:a="http://schemas.openxmlformats.org/drawingml/2006/main" xmlns:r="http://schemas.openxmlformats.org/officeDocument/2006/relationships" xmlns:p="http://schemas.openxmlformats.org/presentationml/2006/main">
   <p:cSld>
     <p:spTree>
@@ -5652,7 +7436,7 @@
                           <m:endChr m:val=""/>
                           <m:ctrlPr>
                             <a:rPr lang="en-US" altLang="ko-KR" i="1" smtClean="0">
-                              <a:latin typeface="Cambria Math"/>
+                              <a:latin typeface="Cambria Math" panose="02040503050406030204" pitchFamily="18" charset="0"/>
                             </a:rPr>
                           </m:ctrlPr>
                         </m:dPr>
@@ -5661,7 +7445,7 @@
                             <m:eqArrPr>
                               <m:ctrlPr>
                                 <a:rPr lang="en-US" altLang="ko-KR" i="1" smtClean="0">
-                                  <a:latin typeface="Cambria Math"/>
+                                  <a:latin typeface="Cambria Math" panose="02040503050406030204" pitchFamily="18" charset="0"/>
                                 </a:rPr>
                               </m:ctrlPr>
                             </m:eqArrPr>
@@ -5670,7 +7454,7 @@
                                 <m:fPr>
                                   <m:ctrlPr>
                                     <a:rPr lang="en-US" altLang="ko-KR" b="0" i="1" smtClean="0">
-                                      <a:latin typeface="Cambria Math"/>
+                                      <a:latin typeface="Cambria Math" panose="02040503050406030204" pitchFamily="18" charset="0"/>
                                     </a:rPr>
                                   </m:ctrlPr>
                                 </m:fPr>
@@ -5715,7 +7499,7 @@
                                 <m:fPr>
                                   <m:ctrlPr>
                                     <a:rPr lang="en-US" altLang="ko-KR" b="0" i="1" smtClean="0">
-                                      <a:latin typeface="Cambria Math"/>
+                                      <a:latin typeface="Cambria Math" panose="02040503050406030204" pitchFamily="18" charset="0"/>
                                     </a:rPr>
                                   </m:ctrlPr>
                                 </m:fPr>
@@ -5862,7 +7646,7 @@
                       <m:dPr>
                         <m:ctrlPr>
                           <a:rPr lang="en-US" altLang="ko-KR" b="0" i="1" smtClean="0">
-                            <a:latin typeface="Cambria Math"/>
+                            <a:latin typeface="Cambria Math" panose="02040503050406030204" pitchFamily="18" charset="0"/>
                           </a:rPr>
                         </m:ctrlPr>
                       </m:dPr>
@@ -5897,7 +7681,7 @@
                       <m:dPr>
                         <m:ctrlPr>
                           <a:rPr lang="en-US" altLang="ko-KR" b="0" i="1" smtClean="0">
-                            <a:latin typeface="Cambria Math"/>
+                            <a:latin typeface="Cambria Math" panose="02040503050406030204" pitchFamily="18" charset="0"/>
                           </a:rPr>
                         </m:ctrlPr>
                       </m:dPr>
@@ -6037,7 +7821,7 @@
                         <m:dPr>
                           <m:ctrlPr>
                             <a:rPr lang="en-US" altLang="ko-KR" i="1">
-                              <a:latin typeface="Cambria Math"/>
+                              <a:latin typeface="Cambria Math" panose="02040503050406030204" pitchFamily="18" charset="0"/>
                             </a:rPr>
                           </m:ctrlPr>
                         </m:dPr>
@@ -6131,7 +7915,7 @@
                         <m:dPr>
                           <m:ctrlPr>
                             <a:rPr lang="en-US" altLang="ko-KR" i="1" smtClean="0">
-                              <a:latin typeface="Cambria Math"/>
+                              <a:latin typeface="Cambria Math" panose="02040503050406030204" pitchFamily="18" charset="0"/>
                             </a:rPr>
                           </m:ctrlPr>
                         </m:dPr>
@@ -6334,7 +8118,7 @@
                         <m:fPr>
                           <m:ctrlPr>
                             <a:rPr lang="en-US" altLang="ko-KR" sz="1200" b="0" i="1" dirty="0" smtClean="0">
-                              <a:latin typeface="Cambria Math"/>
+                              <a:latin typeface="Cambria Math" panose="02040503050406030204" pitchFamily="18" charset="0"/>
                             </a:rPr>
                           </m:ctrlPr>
                         </m:fPr>
@@ -6451,7 +8235,7 @@
                         <m:fPr>
                           <m:ctrlPr>
                             <a:rPr lang="en-US" altLang="ko-KR" sz="1200" b="0" i="1" dirty="0" smtClean="0">
-                              <a:latin typeface="Cambria Math"/>
+                              <a:latin typeface="Cambria Math" panose="02040503050406030204" pitchFamily="18" charset="0"/>
                             </a:rPr>
                           </m:ctrlPr>
                         </m:fPr>
@@ -6968,6 +8752,1864 @@
           <a:chExt cx="0" cy="0"/>
         </a:xfrm>
       </p:grpSpPr>
+      <p:cxnSp>
+        <p:nvCxnSpPr>
+          <p:cNvPr id="5" name="직선 화살표 연결선 4"/>
+          <p:cNvCxnSpPr/>
+          <p:nvPr/>
+        </p:nvCxnSpPr>
+        <p:spPr>
+          <a:xfrm>
+            <a:off x="1983995" y="2821578"/>
+            <a:ext cx="2304256" cy="0"/>
+          </a:xfrm>
+          <a:prstGeom prst="straightConnector1">
+            <a:avLst/>
+          </a:prstGeom>
+          <a:ln w="19050">
+            <a:solidFill>
+              <a:schemeClr val="tx1"/>
+            </a:solidFill>
+            <a:tailEnd type="arrow"/>
+          </a:ln>
+        </p:spPr>
+        <p:style>
+          <a:lnRef idx="1">
+            <a:schemeClr val="accent1"/>
+          </a:lnRef>
+          <a:fillRef idx="0">
+            <a:schemeClr val="accent1"/>
+          </a:fillRef>
+          <a:effectRef idx="0">
+            <a:schemeClr val="accent1"/>
+          </a:effectRef>
+          <a:fontRef idx="minor">
+            <a:schemeClr val="tx1"/>
+          </a:fontRef>
+        </p:style>
+      </p:cxnSp>
+      <p:cxnSp>
+        <p:nvCxnSpPr>
+          <p:cNvPr id="7" name="직선 화살표 연결선 6"/>
+          <p:cNvCxnSpPr/>
+          <p:nvPr/>
+        </p:nvCxnSpPr>
+        <p:spPr>
+          <a:xfrm flipV="1">
+            <a:off x="2128011" y="1921478"/>
+            <a:ext cx="0" cy="1548172"/>
+          </a:xfrm>
+          <a:prstGeom prst="straightConnector1">
+            <a:avLst/>
+          </a:prstGeom>
+          <a:ln w="19050">
+            <a:solidFill>
+              <a:schemeClr val="tx1"/>
+            </a:solidFill>
+            <a:tailEnd type="arrow"/>
+          </a:ln>
+        </p:spPr>
+        <p:style>
+          <a:lnRef idx="1">
+            <a:schemeClr val="accent1"/>
+          </a:lnRef>
+          <a:fillRef idx="0">
+            <a:schemeClr val="accent1"/>
+          </a:fillRef>
+          <a:effectRef idx="0">
+            <a:schemeClr val="accent1"/>
+          </a:effectRef>
+          <a:fontRef idx="minor">
+            <a:schemeClr val="tx1"/>
+          </a:fontRef>
+        </p:style>
+      </p:cxnSp>
+      <mc:AlternateContent xmlns:mc="http://schemas.openxmlformats.org/markup-compatibility/2006" xmlns:a14="http://schemas.microsoft.com/office/drawing/2010/main">
+        <mc:Choice Requires="a14">
+          <p:sp>
+            <p:nvSpPr>
+              <p:cNvPr id="10" name="TextBox 9"/>
+              <p:cNvSpPr txBox="1"/>
+              <p:nvPr/>
+            </p:nvSpPr>
+            <p:spPr>
+              <a:xfrm>
+                <a:off x="4089831" y="2824793"/>
+                <a:ext cx="396840" cy="369332"/>
+              </a:xfrm>
+              <a:prstGeom prst="rect">
+                <a:avLst/>
+              </a:prstGeom>
+              <a:noFill/>
+            </p:spPr>
+            <p:txBody>
+              <a:bodyPr wrap="none" rtlCol="0">
+                <a:spAutoFit/>
+              </a:bodyPr>
+              <a:lstStyle/>
+              <a:p>
+                <a:pPr/>
+                <a14:m>
+                  <m:oMathPara xmlns:m="http://schemas.openxmlformats.org/officeDocument/2006/math">
+                    <m:oMathParaPr>
+                      <m:jc m:val="centerGroup"/>
+                    </m:oMathParaPr>
+                    <m:oMath xmlns:m="http://schemas.openxmlformats.org/officeDocument/2006/math">
+                      <m:r>
+                        <a:rPr lang="en-US" altLang="ko-KR" b="0" i="1" smtClean="0">
+                          <a:latin typeface="Cambria Math"/>
+                        </a:rPr>
+                        <m:t>𝑥</m:t>
+                      </m:r>
+                    </m:oMath>
+                  </m:oMathPara>
+                </a14:m>
+                <a:endParaRPr lang="ko-KR" altLang="en-US" dirty="0"/>
+              </a:p>
+            </p:txBody>
+          </p:sp>
+        </mc:Choice>
+        <mc:Fallback xmlns="">
+          <p:sp>
+            <p:nvSpPr>
+              <p:cNvPr id="10" name="TextBox 9"/>
+              <p:cNvSpPr txBox="1">
+                <a:spLocks noRot="1" noChangeAspect="1" noMove="1" noResize="1" noEditPoints="1" noAdjustHandles="1" noChangeArrowheads="1" noChangeShapeType="1" noTextEdit="1"/>
+              </p:cNvSpPr>
+              <p:nvPr/>
+            </p:nvSpPr>
+            <p:spPr>
+              <a:xfrm>
+                <a:off x="4089831" y="2824793"/>
+                <a:ext cx="396840" cy="369332"/>
+              </a:xfrm>
+              <a:prstGeom prst="rect">
+                <a:avLst/>
+              </a:prstGeom>
+              <a:blipFill rotWithShape="1">
+                <a:blip r:embed="rId2"/>
+                <a:stretch>
+                  <a:fillRect/>
+                </a:stretch>
+              </a:blipFill>
+            </p:spPr>
+            <p:txBody>
+              <a:bodyPr/>
+              <a:lstStyle/>
+              <a:p>
+                <a:r>
+                  <a:rPr lang="ko-KR" altLang="en-US">
+                    <a:noFill/>
+                  </a:rPr>
+                  <a:t> </a:t>
+                </a:r>
+              </a:p>
+            </p:txBody>
+          </p:sp>
+        </mc:Fallback>
+      </mc:AlternateContent>
+      <mc:AlternateContent xmlns:mc="http://schemas.openxmlformats.org/markup-compatibility/2006" xmlns:a14="http://schemas.microsoft.com/office/drawing/2010/main">
+        <mc:Choice Requires="a14">
+          <p:sp>
+            <p:nvSpPr>
+              <p:cNvPr id="11" name="TextBox 10"/>
+              <p:cNvSpPr txBox="1"/>
+              <p:nvPr/>
+            </p:nvSpPr>
+            <p:spPr>
+              <a:xfrm>
+                <a:off x="1731171" y="1888667"/>
+                <a:ext cx="396840" cy="369332"/>
+              </a:xfrm>
+              <a:prstGeom prst="rect">
+                <a:avLst/>
+              </a:prstGeom>
+              <a:noFill/>
+            </p:spPr>
+            <p:txBody>
+              <a:bodyPr wrap="none" rtlCol="0">
+                <a:spAutoFit/>
+              </a:bodyPr>
+              <a:lstStyle/>
+              <a:p>
+                <a:pPr/>
+                <a14:m>
+                  <m:oMathPara xmlns:m="http://schemas.openxmlformats.org/officeDocument/2006/math">
+                    <m:oMathParaPr>
+                      <m:jc m:val="centerGroup"/>
+                    </m:oMathParaPr>
+                    <m:oMath xmlns:m="http://schemas.openxmlformats.org/officeDocument/2006/math">
+                      <m:r>
+                        <a:rPr lang="en-US" altLang="ko-KR" b="0" i="1" smtClean="0">
+                          <a:latin typeface="Cambria Math"/>
+                        </a:rPr>
+                        <m:t>𝑦</m:t>
+                      </m:r>
+                    </m:oMath>
+                  </m:oMathPara>
+                </a14:m>
+                <a:endParaRPr lang="ko-KR" altLang="en-US" dirty="0"/>
+              </a:p>
+            </p:txBody>
+          </p:sp>
+        </mc:Choice>
+        <mc:Fallback xmlns="">
+          <p:sp>
+            <p:nvSpPr>
+              <p:cNvPr id="11" name="TextBox 10"/>
+              <p:cNvSpPr txBox="1">
+                <a:spLocks noRot="1" noChangeAspect="1" noMove="1" noResize="1" noEditPoints="1" noAdjustHandles="1" noChangeArrowheads="1" noChangeShapeType="1" noTextEdit="1"/>
+              </p:cNvSpPr>
+              <p:nvPr/>
+            </p:nvSpPr>
+            <p:spPr>
+              <a:xfrm>
+                <a:off x="1731171" y="1888667"/>
+                <a:ext cx="396840" cy="369332"/>
+              </a:xfrm>
+              <a:prstGeom prst="rect">
+                <a:avLst/>
+              </a:prstGeom>
+              <a:blipFill rotWithShape="1">
+                <a:blip r:embed="rId3"/>
+                <a:stretch>
+                  <a:fillRect b="-10000"/>
+                </a:stretch>
+              </a:blipFill>
+            </p:spPr>
+            <p:txBody>
+              <a:bodyPr/>
+              <a:lstStyle/>
+              <a:p>
+                <a:r>
+                  <a:rPr lang="ko-KR" altLang="en-US">
+                    <a:noFill/>
+                  </a:rPr>
+                  <a:t> </a:t>
+                </a:r>
+              </a:p>
+            </p:txBody>
+          </p:sp>
+        </mc:Fallback>
+      </mc:AlternateContent>
+      <p:cxnSp>
+        <p:nvCxnSpPr>
+          <p:cNvPr id="13" name="직선 연결선 12"/>
+          <p:cNvCxnSpPr/>
+          <p:nvPr/>
+        </p:nvCxnSpPr>
+        <p:spPr>
+          <a:xfrm>
+            <a:off x="2776083" y="2724289"/>
+            <a:ext cx="0" cy="194578"/>
+          </a:xfrm>
+          <a:prstGeom prst="line">
+            <a:avLst/>
+          </a:prstGeom>
+          <a:ln>
+            <a:solidFill>
+              <a:schemeClr val="tx1"/>
+            </a:solidFill>
+          </a:ln>
+        </p:spPr>
+        <p:style>
+          <a:lnRef idx="1">
+            <a:schemeClr val="accent1"/>
+          </a:lnRef>
+          <a:fillRef idx="0">
+            <a:schemeClr val="accent1"/>
+          </a:fillRef>
+          <a:effectRef idx="0">
+            <a:schemeClr val="accent1"/>
+          </a:effectRef>
+          <a:fontRef idx="minor">
+            <a:schemeClr val="tx1"/>
+          </a:fontRef>
+        </p:style>
+      </p:cxnSp>
+      <p:cxnSp>
+        <p:nvCxnSpPr>
+          <p:cNvPr id="14" name="직선 연결선 13"/>
+          <p:cNvCxnSpPr/>
+          <p:nvPr/>
+        </p:nvCxnSpPr>
+        <p:spPr>
+          <a:xfrm>
+            <a:off x="3424155" y="2724289"/>
+            <a:ext cx="0" cy="194578"/>
+          </a:xfrm>
+          <a:prstGeom prst="line">
+            <a:avLst/>
+          </a:prstGeom>
+          <a:ln>
+            <a:solidFill>
+              <a:schemeClr val="tx1"/>
+            </a:solidFill>
+          </a:ln>
+        </p:spPr>
+        <p:style>
+          <a:lnRef idx="1">
+            <a:schemeClr val="accent1"/>
+          </a:lnRef>
+          <a:fillRef idx="0">
+            <a:schemeClr val="accent1"/>
+          </a:fillRef>
+          <a:effectRef idx="0">
+            <a:schemeClr val="accent1"/>
+          </a:effectRef>
+          <a:fontRef idx="minor">
+            <a:schemeClr val="tx1"/>
+          </a:fontRef>
+        </p:style>
+      </p:cxnSp>
+      <p:cxnSp>
+        <p:nvCxnSpPr>
+          <p:cNvPr id="16" name="직선 연결선 15"/>
+          <p:cNvCxnSpPr/>
+          <p:nvPr/>
+        </p:nvCxnSpPr>
+        <p:spPr>
+          <a:xfrm rot="16200000">
+            <a:off x="2128011" y="3228345"/>
+            <a:ext cx="0" cy="194578"/>
+          </a:xfrm>
+          <a:prstGeom prst="line">
+            <a:avLst/>
+          </a:prstGeom>
+          <a:ln>
+            <a:solidFill>
+              <a:schemeClr val="tx1"/>
+            </a:solidFill>
+          </a:ln>
+        </p:spPr>
+        <p:style>
+          <a:lnRef idx="1">
+            <a:schemeClr val="accent1"/>
+          </a:lnRef>
+          <a:fillRef idx="0">
+            <a:schemeClr val="accent1"/>
+          </a:fillRef>
+          <a:effectRef idx="0">
+            <a:schemeClr val="accent1"/>
+          </a:effectRef>
+          <a:fontRef idx="minor">
+            <a:schemeClr val="tx1"/>
+          </a:fontRef>
+        </p:style>
+      </p:cxnSp>
+      <p:cxnSp>
+        <p:nvCxnSpPr>
+          <p:cNvPr id="20" name="직선 연결선 19"/>
+          <p:cNvCxnSpPr/>
+          <p:nvPr/>
+        </p:nvCxnSpPr>
+        <p:spPr>
+          <a:xfrm>
+            <a:off x="2128011" y="3325634"/>
+            <a:ext cx="1296144" cy="0"/>
+          </a:xfrm>
+          <a:prstGeom prst="line">
+            <a:avLst/>
+          </a:prstGeom>
+          <a:ln>
+            <a:solidFill>
+              <a:schemeClr val="tx1"/>
+            </a:solidFill>
+            <a:prstDash val="dash"/>
+          </a:ln>
+        </p:spPr>
+        <p:style>
+          <a:lnRef idx="1">
+            <a:schemeClr val="accent1"/>
+          </a:lnRef>
+          <a:fillRef idx="0">
+            <a:schemeClr val="accent1"/>
+          </a:fillRef>
+          <a:effectRef idx="0">
+            <a:schemeClr val="accent1"/>
+          </a:effectRef>
+          <a:fontRef idx="minor">
+            <a:schemeClr val="tx1"/>
+          </a:fontRef>
+        </p:style>
+      </p:cxnSp>
+      <p:cxnSp>
+        <p:nvCxnSpPr>
+          <p:cNvPr id="22" name="직선 연결선 21"/>
+          <p:cNvCxnSpPr/>
+          <p:nvPr/>
+        </p:nvCxnSpPr>
+        <p:spPr>
+          <a:xfrm flipV="1">
+            <a:off x="3424155" y="2824793"/>
+            <a:ext cx="0" cy="500841"/>
+          </a:xfrm>
+          <a:prstGeom prst="line">
+            <a:avLst/>
+          </a:prstGeom>
+          <a:ln>
+            <a:solidFill>
+              <a:schemeClr val="tx1"/>
+            </a:solidFill>
+            <a:prstDash val="dash"/>
+          </a:ln>
+        </p:spPr>
+        <p:style>
+          <a:lnRef idx="1">
+            <a:schemeClr val="accent1"/>
+          </a:lnRef>
+          <a:fillRef idx="0">
+            <a:schemeClr val="accent1"/>
+          </a:fillRef>
+          <a:effectRef idx="0">
+            <a:schemeClr val="accent1"/>
+          </a:effectRef>
+          <a:fontRef idx="minor">
+            <a:schemeClr val="tx1"/>
+          </a:fontRef>
+        </p:style>
+      </p:cxnSp>
+      <p:cxnSp>
+        <p:nvCxnSpPr>
+          <p:cNvPr id="18" name="직선 화살표 연결선 17"/>
+          <p:cNvCxnSpPr/>
+          <p:nvPr/>
+        </p:nvCxnSpPr>
+        <p:spPr>
+          <a:xfrm flipH="1" flipV="1">
+            <a:off x="3280139" y="3009459"/>
+            <a:ext cx="144016" cy="316175"/>
+          </a:xfrm>
+          <a:prstGeom prst="straightConnector1">
+            <a:avLst/>
+          </a:prstGeom>
+          <a:ln w="19050">
+            <a:solidFill>
+              <a:srgbClr val="FF0000"/>
+            </a:solidFill>
+            <a:headEnd type="oval"/>
+            <a:tailEnd type="arrow"/>
+          </a:ln>
+        </p:spPr>
+        <p:style>
+          <a:lnRef idx="1">
+            <a:schemeClr val="accent1"/>
+          </a:lnRef>
+          <a:fillRef idx="0">
+            <a:schemeClr val="accent1"/>
+          </a:fillRef>
+          <a:effectRef idx="0">
+            <a:schemeClr val="accent1"/>
+          </a:effectRef>
+          <a:fontRef idx="minor">
+            <a:schemeClr val="tx1"/>
+          </a:fontRef>
+        </p:style>
+      </p:cxnSp>
+      <p:sp>
+        <p:nvSpPr>
+          <p:cNvPr id="23" name="타원 22"/>
+          <p:cNvSpPr/>
+          <p:nvPr/>
+        </p:nvSpPr>
+        <p:spPr>
+          <a:xfrm>
+            <a:off x="3028111" y="2918867"/>
+            <a:ext cx="648072" cy="648072"/>
+          </a:xfrm>
+          <a:prstGeom prst="ellipse">
+            <a:avLst/>
+          </a:prstGeom>
+          <a:noFill/>
+          <a:ln>
+            <a:prstDash val="solid"/>
+          </a:ln>
+        </p:spPr>
+        <p:style>
+          <a:lnRef idx="2">
+            <a:schemeClr val="accent1">
+              <a:shade val="50000"/>
+            </a:schemeClr>
+          </a:lnRef>
+          <a:fillRef idx="1">
+            <a:schemeClr val="accent1"/>
+          </a:fillRef>
+          <a:effectRef idx="0">
+            <a:schemeClr val="accent1"/>
+          </a:effectRef>
+          <a:fontRef idx="minor">
+            <a:schemeClr val="lt1"/>
+          </a:fontRef>
+        </p:style>
+        <p:txBody>
+          <a:bodyPr rtlCol="0" anchor="ctr"/>
+          <a:lstStyle/>
+          <a:p>
+            <a:pPr algn="ctr"/>
+            <a:endParaRPr lang="ko-KR" altLang="en-US"/>
+          </a:p>
+        </p:txBody>
+      </p:sp>
+      <mc:AlternateContent xmlns:mc="http://schemas.openxmlformats.org/markup-compatibility/2006" xmlns:a14="http://schemas.microsoft.com/office/drawing/2010/main">
+        <mc:Choice Requires="a14">
+          <p:sp>
+            <p:nvSpPr>
+              <p:cNvPr id="24" name="TextBox 23"/>
+              <p:cNvSpPr txBox="1"/>
+              <p:nvPr/>
+            </p:nvSpPr>
+            <p:spPr>
+              <a:xfrm>
+                <a:off x="4576283" y="1997640"/>
+                <a:ext cx="2836546" cy="1183978"/>
+              </a:xfrm>
+              <a:prstGeom prst="rect">
+                <a:avLst/>
+              </a:prstGeom>
+              <a:noFill/>
+            </p:spPr>
+            <p:txBody>
+              <a:bodyPr wrap="none" rtlCol="0">
+                <a:spAutoFit/>
+              </a:bodyPr>
+              <a:lstStyle/>
+              <a:p>
+                <a:pPr/>
+                <a14:m>
+                  <m:oMathPara xmlns:m="http://schemas.openxmlformats.org/officeDocument/2006/math">
+                    <m:oMathParaPr>
+                      <m:jc m:val="centerGroup"/>
+                    </m:oMathParaPr>
+                    <m:oMath xmlns:m="http://schemas.openxmlformats.org/officeDocument/2006/math">
+                      <m:d>
+                        <m:dPr>
+                          <m:begChr m:val="{"/>
+                          <m:endChr m:val=""/>
+                          <m:ctrlPr>
+                            <a:rPr lang="en-US" altLang="ko-KR" i="1" smtClean="0">
+                              <a:latin typeface="Cambria Math" panose="02040503050406030204" pitchFamily="18" charset="0"/>
+                            </a:rPr>
+                          </m:ctrlPr>
+                        </m:dPr>
+                        <m:e>
+                          <m:eqArr>
+                            <m:eqArrPr>
+                              <m:ctrlPr>
+                                <a:rPr lang="en-US" altLang="ko-KR" i="1" smtClean="0">
+                                  <a:latin typeface="Cambria Math" panose="02040503050406030204" pitchFamily="18" charset="0"/>
+                                </a:rPr>
+                              </m:ctrlPr>
+                            </m:eqArrPr>
+                            <m:e>
+                              <m:f>
+                                <m:fPr>
+                                  <m:ctrlPr>
+                                    <a:rPr lang="en-US" altLang="ko-KR" b="0" i="1" smtClean="0">
+                                      <a:latin typeface="Cambria Math" panose="02040503050406030204" pitchFamily="18" charset="0"/>
+                                    </a:rPr>
+                                  </m:ctrlPr>
+                                </m:fPr>
+                                <m:num>
+                                  <m:r>
+                                    <a:rPr lang="en-US" altLang="ko-KR" b="0" i="1" smtClean="0">
+                                      <a:latin typeface="Cambria Math"/>
+                                    </a:rPr>
+                                    <m:t>𝑑𝑥</m:t>
+                                  </m:r>
+                                </m:num>
+                                <m:den>
+                                  <m:r>
+                                    <a:rPr lang="en-US" altLang="ko-KR" b="0" i="1" smtClean="0">
+                                      <a:latin typeface="Cambria Math"/>
+                                    </a:rPr>
+                                    <m:t>𝑑𝑡</m:t>
+                                  </m:r>
+                                </m:den>
+                              </m:f>
+                              <m:r>
+                                <a:rPr lang="en-US" altLang="ko-KR" b="0" i="1" smtClean="0">
+                                  <a:latin typeface="Cambria Math"/>
+                                </a:rPr>
+                                <m:t>=</m:t>
+                              </m:r>
+                              <m:r>
+                                <a:rPr lang="en-US" altLang="ko-KR" b="0" i="1" smtClean="0">
+                                  <a:latin typeface="Cambria Math"/>
+                                </a:rPr>
+                                <m:t>𝑦</m:t>
+                              </m:r>
+                              <m:r>
+                                <a:rPr lang="en-US" altLang="ko-KR" b="0" i="1" smtClean="0">
+                                  <a:latin typeface="Cambria Math"/>
+                                </a:rPr>
+                                <m:t>=−1</m:t>
+                              </m:r>
+                            </m:e>
+                            <m:e>
+                              <m:f>
+                                <m:fPr>
+                                  <m:ctrlPr>
+                                    <a:rPr lang="en-US" altLang="ko-KR" b="0" i="1" smtClean="0">
+                                      <a:latin typeface="Cambria Math" panose="02040503050406030204" pitchFamily="18" charset="0"/>
+                                    </a:rPr>
+                                  </m:ctrlPr>
+                                </m:fPr>
+                                <m:num>
+                                  <m:r>
+                                    <a:rPr lang="en-US" altLang="ko-KR" b="0" i="1" smtClean="0">
+                                      <a:latin typeface="Cambria Math"/>
+                                    </a:rPr>
+                                    <m:t>𝑑𝑦</m:t>
+                                  </m:r>
+                                </m:num>
+                                <m:den>
+                                  <m:r>
+                                    <a:rPr lang="en-US" altLang="ko-KR" b="0" i="1" smtClean="0">
+                                      <a:latin typeface="Cambria Math"/>
+                                    </a:rPr>
+                                    <m:t>𝑑𝑡</m:t>
+                                  </m:r>
+                                </m:den>
+                              </m:f>
+                              <m:r>
+                                <a:rPr lang="en-US" altLang="ko-KR" b="0" i="1" smtClean="0">
+                                  <a:latin typeface="Cambria Math"/>
+                                </a:rPr>
+                                <m:t>=</m:t>
+                              </m:r>
+                              <m:r>
+                                <a:rPr lang="en-US" altLang="ko-KR" b="0" i="1" smtClean="0">
+                                  <a:latin typeface="Cambria Math"/>
+                                </a:rPr>
+                                <m:t>𝑥</m:t>
+                              </m:r>
+                              <m:r>
+                                <a:rPr lang="en-US" altLang="ko-KR" b="0" i="1" smtClean="0">
+                                  <a:latin typeface="Cambria Math"/>
+                                </a:rPr>
+                                <m:t> =  2</m:t>
+                              </m:r>
+                            </m:e>
+                          </m:eqArr>
+                        </m:e>
+                      </m:d>
+                      <m:r>
+                        <a:rPr lang="en-US" altLang="ko-KR" b="0" i="1" smtClean="0">
+                          <a:latin typeface="Cambria Math"/>
+                        </a:rPr>
+                        <m:t>   , </m:t>
+                      </m:r>
+                      <m:r>
+                        <m:rPr>
+                          <m:sty m:val="p"/>
+                        </m:rPr>
+                        <a:rPr lang="en-US" altLang="ko-KR" b="0" i="0" smtClean="0">
+                          <a:latin typeface="Cambria Math"/>
+                        </a:rPr>
+                        <m:t>Δ</m:t>
+                      </m:r>
+                      <m:r>
+                        <a:rPr lang="en-US" altLang="ko-KR" b="0" i="1" smtClean="0">
+                          <a:latin typeface="Cambria Math"/>
+                        </a:rPr>
+                        <m:t>𝑡</m:t>
+                      </m:r>
+                      <m:r>
+                        <a:rPr lang="en-US" altLang="ko-KR" b="0" i="1" smtClean="0">
+                          <a:latin typeface="Cambria Math"/>
+                        </a:rPr>
+                        <m:t>=0.1</m:t>
+                      </m:r>
+                    </m:oMath>
+                  </m:oMathPara>
+                </a14:m>
+                <a:endParaRPr lang="ko-KR" altLang="en-US" dirty="0"/>
+              </a:p>
+            </p:txBody>
+          </p:sp>
+        </mc:Choice>
+        <mc:Fallback xmlns="">
+          <p:sp>
+            <p:nvSpPr>
+              <p:cNvPr id="24" name="TextBox 23"/>
+              <p:cNvSpPr txBox="1">
+                <a:spLocks noRot="1" noChangeAspect="1" noMove="1" noResize="1" noEditPoints="1" noAdjustHandles="1" noChangeArrowheads="1" noChangeShapeType="1" noTextEdit="1"/>
+              </p:cNvSpPr>
+              <p:nvPr/>
+            </p:nvSpPr>
+            <p:spPr>
+              <a:xfrm>
+                <a:off x="4576283" y="1997640"/>
+                <a:ext cx="2836546" cy="1183978"/>
+              </a:xfrm>
+              <a:prstGeom prst="rect">
+                <a:avLst/>
+              </a:prstGeom>
+              <a:blipFill rotWithShape="1">
+                <a:blip r:embed="rId4"/>
+                <a:stretch>
+                  <a:fillRect/>
+                </a:stretch>
+              </a:blipFill>
+            </p:spPr>
+            <p:txBody>
+              <a:bodyPr/>
+              <a:lstStyle/>
+              <a:p>
+                <a:r>
+                  <a:rPr lang="ko-KR" altLang="en-US">
+                    <a:noFill/>
+                  </a:rPr>
+                  <a:t> </a:t>
+                </a:r>
+              </a:p>
+            </p:txBody>
+          </p:sp>
+        </mc:Fallback>
+      </mc:AlternateContent>
+      <mc:AlternateContent xmlns:mc="http://schemas.openxmlformats.org/markup-compatibility/2006">
+        <mc:Choice xmlns:a14="http://schemas.microsoft.com/office/drawing/2010/main" Requires="a14">
+          <p:sp>
+            <p:nvSpPr>
+              <p:cNvPr id="25" name="TextBox 24"/>
+              <p:cNvSpPr txBox="1"/>
+              <p:nvPr/>
+            </p:nvSpPr>
+            <p:spPr>
+              <a:xfrm>
+                <a:off x="4432267" y="1660158"/>
+                <a:ext cx="2066400" cy="369332"/>
+              </a:xfrm>
+              <a:prstGeom prst="rect">
+                <a:avLst/>
+              </a:prstGeom>
+              <a:noFill/>
+            </p:spPr>
+            <p:txBody>
+              <a:bodyPr wrap="none" rtlCol="0">
+                <a:spAutoFit/>
+              </a:bodyPr>
+              <a:lstStyle/>
+              <a:p>
+                <a:r>
+                  <a:rPr lang="en-US" altLang="ko-KR" b="0" dirty="0"/>
+                  <a:t>at </a:t>
+                </a:r>
+                <a14:m>
+                  <m:oMath xmlns:m="http://schemas.openxmlformats.org/officeDocument/2006/math">
+                    <m:d>
+                      <m:dPr>
+                        <m:ctrlPr>
+                          <a:rPr lang="en-US" altLang="ko-KR" b="0" i="1" smtClean="0">
+                            <a:latin typeface="Cambria Math" panose="02040503050406030204" pitchFamily="18" charset="0"/>
+                          </a:rPr>
+                        </m:ctrlPr>
+                      </m:dPr>
+                      <m:e>
+                        <m:r>
+                          <a:rPr lang="en-US" altLang="ko-KR" b="0" i="1" smtClean="0">
+                            <a:latin typeface="Cambria Math"/>
+                          </a:rPr>
+                          <m:t>𝑥</m:t>
+                        </m:r>
+                        <m:r>
+                          <a:rPr lang="en-US" altLang="ko-KR" b="0" i="1" smtClean="0">
+                            <a:latin typeface="Cambria Math"/>
+                          </a:rPr>
+                          <m:t>,</m:t>
+                        </m:r>
+                        <m:r>
+                          <a:rPr lang="en-US" altLang="ko-KR" b="0" i="1" smtClean="0">
+                            <a:latin typeface="Cambria Math"/>
+                          </a:rPr>
+                          <m:t>𝑦</m:t>
+                        </m:r>
+                      </m:e>
+                    </m:d>
+                    <m:r>
+                      <a:rPr lang="en-US" altLang="ko-KR" b="0" i="1" smtClean="0">
+                        <a:latin typeface="Cambria Math"/>
+                      </a:rPr>
+                      <m:t>=</m:t>
+                    </m:r>
+                    <m:d>
+                      <m:dPr>
+                        <m:ctrlPr>
+                          <a:rPr lang="en-US" altLang="ko-KR" b="0" i="1" smtClean="0">
+                            <a:latin typeface="Cambria Math" panose="02040503050406030204" pitchFamily="18" charset="0"/>
+                          </a:rPr>
+                        </m:ctrlPr>
+                      </m:dPr>
+                      <m:e>
+                        <m:r>
+                          <a:rPr lang="en-US" altLang="ko-KR" b="0" i="1" smtClean="0">
+                            <a:latin typeface="Cambria Math"/>
+                          </a:rPr>
+                          <m:t>2, −1</m:t>
+                        </m:r>
+                      </m:e>
+                    </m:d>
+                    <m:r>
+                      <a:rPr lang="en-US" altLang="ko-KR" b="0" i="0" smtClean="0">
+                        <a:latin typeface="Cambria Math" panose="02040503050406030204" pitchFamily="18" charset="0"/>
+                      </a:rPr>
+                      <m:t>,</m:t>
+                    </m:r>
+                  </m:oMath>
+                </a14:m>
+                <a:endParaRPr lang="ko-KR" altLang="en-US" dirty="0"/>
+              </a:p>
+            </p:txBody>
+          </p:sp>
+        </mc:Choice>
+        <mc:Fallback>
+          <p:sp>
+            <p:nvSpPr>
+              <p:cNvPr id="25" name="TextBox 24"/>
+              <p:cNvSpPr txBox="1">
+                <a:spLocks noRot="1" noChangeAspect="1" noMove="1" noResize="1" noEditPoints="1" noAdjustHandles="1" noChangeArrowheads="1" noChangeShapeType="1" noTextEdit="1"/>
+              </p:cNvSpPr>
+              <p:nvPr/>
+            </p:nvSpPr>
+            <p:spPr>
+              <a:xfrm>
+                <a:off x="4432267" y="1660158"/>
+                <a:ext cx="2066400" cy="369332"/>
+              </a:xfrm>
+              <a:prstGeom prst="rect">
+                <a:avLst/>
+              </a:prstGeom>
+              <a:blipFill>
+                <a:blip r:embed="rId5"/>
+                <a:stretch>
+                  <a:fillRect l="-2360" t="-8197" b="-24590"/>
+                </a:stretch>
+              </a:blipFill>
+            </p:spPr>
+            <p:txBody>
+              <a:bodyPr/>
+              <a:lstStyle/>
+              <a:p>
+                <a:r>
+                  <a:rPr lang="en-US">
+                    <a:noFill/>
+                  </a:rPr>
+                  <a:t> </a:t>
+                </a:r>
+              </a:p>
+            </p:txBody>
+          </p:sp>
+        </mc:Fallback>
+      </mc:AlternateContent>
+      <p:sp>
+        <p:nvSpPr>
+          <p:cNvPr id="26" name="타원 25"/>
+          <p:cNvSpPr/>
+          <p:nvPr/>
+        </p:nvSpPr>
+        <p:spPr>
+          <a:xfrm>
+            <a:off x="3820560" y="3325633"/>
+            <a:ext cx="2479631" cy="2479631"/>
+          </a:xfrm>
+          <a:prstGeom prst="ellipse">
+            <a:avLst/>
+          </a:prstGeom>
+          <a:noFill/>
+          <a:ln>
+            <a:prstDash val="solid"/>
+          </a:ln>
+        </p:spPr>
+        <p:style>
+          <a:lnRef idx="2">
+            <a:schemeClr val="accent1">
+              <a:shade val="50000"/>
+            </a:schemeClr>
+          </a:lnRef>
+          <a:fillRef idx="1">
+            <a:schemeClr val="accent1"/>
+          </a:fillRef>
+          <a:effectRef idx="0">
+            <a:schemeClr val="accent1"/>
+          </a:effectRef>
+          <a:fontRef idx="minor">
+            <a:schemeClr val="lt1"/>
+          </a:fontRef>
+        </p:style>
+        <p:txBody>
+          <a:bodyPr rtlCol="0" anchor="ctr"/>
+          <a:lstStyle/>
+          <a:p>
+            <a:pPr algn="ctr"/>
+            <a:endParaRPr lang="ko-KR" altLang="en-US"/>
+          </a:p>
+        </p:txBody>
+      </p:sp>
+      <mc:AlternateContent xmlns:mc="http://schemas.openxmlformats.org/markup-compatibility/2006" xmlns:a14="http://schemas.microsoft.com/office/drawing/2010/main">
+        <mc:Choice Requires="a14">
+          <p:sp>
+            <p:nvSpPr>
+              <p:cNvPr id="30" name="직사각형 29"/>
+              <p:cNvSpPr/>
+              <p:nvPr/>
+            </p:nvSpPr>
+            <p:spPr>
+              <a:xfrm>
+                <a:off x="4965976" y="4931876"/>
+                <a:ext cx="974176" cy="369332"/>
+              </a:xfrm>
+              <a:prstGeom prst="rect">
+                <a:avLst/>
+              </a:prstGeom>
+            </p:spPr>
+            <p:txBody>
+              <a:bodyPr wrap="none">
+                <a:spAutoFit/>
+              </a:bodyPr>
+              <a:lstStyle/>
+              <a:p>
+                <a:pPr/>
+                <a14:m>
+                  <m:oMathPara xmlns:m="http://schemas.openxmlformats.org/officeDocument/2006/math">
+                    <m:oMathParaPr>
+                      <m:jc m:val="centerGroup"/>
+                    </m:oMathParaPr>
+                    <m:oMath xmlns:m="http://schemas.openxmlformats.org/officeDocument/2006/math">
+                      <m:d>
+                        <m:dPr>
+                          <m:ctrlPr>
+                            <a:rPr lang="en-US" altLang="ko-KR" i="1">
+                              <a:latin typeface="Cambria Math" panose="02040503050406030204" pitchFamily="18" charset="0"/>
+                            </a:rPr>
+                          </m:ctrlPr>
+                        </m:dPr>
+                        <m:e>
+                          <m:r>
+                            <a:rPr lang="en-US" altLang="ko-KR" i="1">
+                              <a:latin typeface="Cambria Math"/>
+                            </a:rPr>
+                            <m:t>2, −1</m:t>
+                          </m:r>
+                        </m:e>
+                      </m:d>
+                    </m:oMath>
+                  </m:oMathPara>
+                </a14:m>
+                <a:endParaRPr lang="ko-KR" altLang="en-US" dirty="0"/>
+              </a:p>
+            </p:txBody>
+          </p:sp>
+        </mc:Choice>
+        <mc:Fallback xmlns="">
+          <p:sp>
+            <p:nvSpPr>
+              <p:cNvPr id="30" name="직사각형 29"/>
+              <p:cNvSpPr>
+                <a:spLocks noRot="1" noChangeAspect="1" noMove="1" noResize="1" noEditPoints="1" noAdjustHandles="1" noChangeArrowheads="1" noChangeShapeType="1" noTextEdit="1"/>
+              </p:cNvSpPr>
+              <p:nvPr/>
+            </p:nvSpPr>
+            <p:spPr>
+              <a:xfrm>
+                <a:off x="4965976" y="4931876"/>
+                <a:ext cx="974176" cy="369332"/>
+              </a:xfrm>
+              <a:prstGeom prst="rect">
+                <a:avLst/>
+              </a:prstGeom>
+              <a:blipFill rotWithShape="1">
+                <a:blip r:embed="rId6"/>
+                <a:stretch>
+                  <a:fillRect/>
+                </a:stretch>
+              </a:blipFill>
+            </p:spPr>
+            <p:txBody>
+              <a:bodyPr/>
+              <a:lstStyle/>
+              <a:p>
+                <a:r>
+                  <a:rPr lang="ko-KR" altLang="en-US">
+                    <a:noFill/>
+                  </a:rPr>
+                  <a:t> </a:t>
+                </a:r>
+              </a:p>
+            </p:txBody>
+          </p:sp>
+        </mc:Fallback>
+      </mc:AlternateContent>
+      <mc:AlternateContent xmlns:mc="http://schemas.openxmlformats.org/markup-compatibility/2006" xmlns:a14="http://schemas.microsoft.com/office/drawing/2010/main">
+        <mc:Choice Requires="a14">
+          <p:sp>
+            <p:nvSpPr>
+              <p:cNvPr id="31" name="직사각형 30"/>
+              <p:cNvSpPr/>
+              <p:nvPr/>
+            </p:nvSpPr>
+            <p:spPr>
+              <a:xfrm>
+                <a:off x="4313775" y="3593440"/>
+                <a:ext cx="1326837" cy="369332"/>
+              </a:xfrm>
+              <a:prstGeom prst="rect">
+                <a:avLst/>
+              </a:prstGeom>
+            </p:spPr>
+            <p:txBody>
+              <a:bodyPr wrap="none">
+                <a:spAutoFit/>
+              </a:bodyPr>
+              <a:lstStyle/>
+              <a:p>
+                <a:pPr/>
+                <a14:m>
+                  <m:oMathPara xmlns:m="http://schemas.openxmlformats.org/officeDocument/2006/math">
+                    <m:oMathParaPr>
+                      <m:jc m:val="centerGroup"/>
+                    </m:oMathParaPr>
+                    <m:oMath xmlns:m="http://schemas.openxmlformats.org/officeDocument/2006/math">
+                      <m:d>
+                        <m:dPr>
+                          <m:ctrlPr>
+                            <a:rPr lang="en-US" altLang="ko-KR" i="1" smtClean="0">
+                              <a:latin typeface="Cambria Math" panose="02040503050406030204" pitchFamily="18" charset="0"/>
+                            </a:rPr>
+                          </m:ctrlPr>
+                        </m:dPr>
+                        <m:e>
+                          <m:r>
+                            <a:rPr lang="en-US" altLang="ko-KR" b="0" i="1" smtClean="0">
+                              <a:latin typeface="Cambria Math"/>
+                            </a:rPr>
+                            <m:t>1.9, −0.8</m:t>
+                          </m:r>
+                        </m:e>
+                      </m:d>
+                    </m:oMath>
+                  </m:oMathPara>
+                </a14:m>
+                <a:endParaRPr lang="ko-KR" altLang="en-US" dirty="0"/>
+              </a:p>
+            </p:txBody>
+          </p:sp>
+        </mc:Choice>
+        <mc:Fallback xmlns="">
+          <p:sp>
+            <p:nvSpPr>
+              <p:cNvPr id="31" name="직사각형 30"/>
+              <p:cNvSpPr>
+                <a:spLocks noRot="1" noChangeAspect="1" noMove="1" noResize="1" noEditPoints="1" noAdjustHandles="1" noChangeArrowheads="1" noChangeShapeType="1" noTextEdit="1"/>
+              </p:cNvSpPr>
+              <p:nvPr/>
+            </p:nvSpPr>
+            <p:spPr>
+              <a:xfrm>
+                <a:off x="4313775" y="3593440"/>
+                <a:ext cx="1326837" cy="369332"/>
+              </a:xfrm>
+              <a:prstGeom prst="rect">
+                <a:avLst/>
+              </a:prstGeom>
+              <a:blipFill rotWithShape="1">
+                <a:blip r:embed="rId7"/>
+                <a:stretch>
+                  <a:fillRect/>
+                </a:stretch>
+              </a:blipFill>
+            </p:spPr>
+            <p:txBody>
+              <a:bodyPr/>
+              <a:lstStyle/>
+              <a:p>
+                <a:r>
+                  <a:rPr lang="ko-KR" altLang="en-US">
+                    <a:noFill/>
+                  </a:rPr>
+                  <a:t> </a:t>
+                </a:r>
+              </a:p>
+            </p:txBody>
+          </p:sp>
+        </mc:Fallback>
+      </mc:AlternateContent>
+      <p:cxnSp>
+        <p:nvCxnSpPr>
+          <p:cNvPr id="33" name="직선 연결선 32"/>
+          <p:cNvCxnSpPr/>
+          <p:nvPr/>
+        </p:nvCxnSpPr>
+        <p:spPr>
+          <a:xfrm flipH="1">
+            <a:off x="4493701" y="5177637"/>
+            <a:ext cx="553637" cy="0"/>
+          </a:xfrm>
+          <a:prstGeom prst="line">
+            <a:avLst/>
+          </a:prstGeom>
+          <a:ln>
+            <a:solidFill>
+              <a:schemeClr val="tx1"/>
+            </a:solidFill>
+            <a:prstDash val="dash"/>
+          </a:ln>
+        </p:spPr>
+        <p:style>
+          <a:lnRef idx="1">
+            <a:schemeClr val="accent1"/>
+          </a:lnRef>
+          <a:fillRef idx="0">
+            <a:schemeClr val="accent1"/>
+          </a:fillRef>
+          <a:effectRef idx="0">
+            <a:schemeClr val="accent1"/>
+          </a:effectRef>
+          <a:fontRef idx="minor">
+            <a:schemeClr val="tx1"/>
+          </a:fontRef>
+        </p:style>
+      </p:cxnSp>
+      <p:cxnSp>
+        <p:nvCxnSpPr>
+          <p:cNvPr id="35" name="직선 연결선 34"/>
+          <p:cNvCxnSpPr/>
+          <p:nvPr/>
+        </p:nvCxnSpPr>
+        <p:spPr>
+          <a:xfrm flipV="1">
+            <a:off x="4493701" y="3962772"/>
+            <a:ext cx="0" cy="1214865"/>
+          </a:xfrm>
+          <a:prstGeom prst="line">
+            <a:avLst/>
+          </a:prstGeom>
+          <a:ln>
+            <a:solidFill>
+              <a:schemeClr val="tx1"/>
+            </a:solidFill>
+            <a:prstDash val="dash"/>
+          </a:ln>
+        </p:spPr>
+        <p:style>
+          <a:lnRef idx="1">
+            <a:schemeClr val="accent1"/>
+          </a:lnRef>
+          <a:fillRef idx="0">
+            <a:schemeClr val="accent1"/>
+          </a:fillRef>
+          <a:effectRef idx="0">
+            <a:schemeClr val="accent1"/>
+          </a:effectRef>
+          <a:fontRef idx="minor">
+            <a:schemeClr val="tx1"/>
+          </a:fontRef>
+        </p:style>
+      </p:cxnSp>
+      <p:cxnSp>
+        <p:nvCxnSpPr>
+          <p:cNvPr id="27" name="직선 화살표 연결선 26"/>
+          <p:cNvCxnSpPr/>
+          <p:nvPr/>
+        </p:nvCxnSpPr>
+        <p:spPr>
+          <a:xfrm flipH="1" flipV="1">
+            <a:off x="4476933" y="3925357"/>
+            <a:ext cx="570405" cy="1252280"/>
+          </a:xfrm>
+          <a:prstGeom prst="straightConnector1">
+            <a:avLst/>
+          </a:prstGeom>
+          <a:ln w="19050">
+            <a:solidFill>
+              <a:srgbClr val="FF0000"/>
+            </a:solidFill>
+            <a:headEnd type="oval"/>
+            <a:tailEnd type="arrow"/>
+          </a:ln>
+        </p:spPr>
+        <p:style>
+          <a:lnRef idx="1">
+            <a:schemeClr val="accent1"/>
+          </a:lnRef>
+          <a:fillRef idx="0">
+            <a:schemeClr val="accent1"/>
+          </a:fillRef>
+          <a:effectRef idx="0">
+            <a:schemeClr val="accent1"/>
+          </a:effectRef>
+          <a:fontRef idx="minor">
+            <a:schemeClr val="tx1"/>
+          </a:fontRef>
+        </p:style>
+      </p:cxnSp>
+      <mc:AlternateContent xmlns:mc="http://schemas.openxmlformats.org/markup-compatibility/2006" xmlns:a14="http://schemas.microsoft.com/office/drawing/2010/main">
+        <mc:Choice Requires="a14">
+          <p:sp>
+            <p:nvSpPr>
+              <p:cNvPr id="36" name="직사각형 35"/>
+              <p:cNvSpPr/>
+              <p:nvPr/>
+            </p:nvSpPr>
+            <p:spPr>
+              <a:xfrm>
+                <a:off x="4469444" y="5170681"/>
+                <a:ext cx="597087" cy="442942"/>
+              </a:xfrm>
+              <a:prstGeom prst="rect">
+                <a:avLst/>
+              </a:prstGeom>
+            </p:spPr>
+            <p:txBody>
+              <a:bodyPr wrap="none">
+                <a:spAutoFit/>
+              </a:bodyPr>
+              <a:lstStyle/>
+              <a:p>
+                <a:pPr/>
+                <a14:m>
+                  <m:oMathPara xmlns:m="http://schemas.openxmlformats.org/officeDocument/2006/math">
+                    <m:oMathParaPr>
+                      <m:jc m:val="centerGroup"/>
+                    </m:oMathParaPr>
+                    <m:oMath xmlns:m="http://schemas.openxmlformats.org/officeDocument/2006/math">
+                      <m:f>
+                        <m:fPr>
+                          <m:ctrlPr>
+                            <a:rPr lang="en-US" altLang="ko-KR" sz="1200" b="0" i="1" dirty="0" smtClean="0">
+                              <a:latin typeface="Cambria Math" panose="02040503050406030204" pitchFamily="18" charset="0"/>
+                            </a:rPr>
+                          </m:ctrlPr>
+                        </m:fPr>
+                        <m:num>
+                          <m:r>
+                            <a:rPr lang="en-US" altLang="ko-KR" sz="1200" b="0" i="1" dirty="0" smtClean="0">
+                              <a:latin typeface="Cambria Math"/>
+                            </a:rPr>
+                            <m:t>𝑑𝑥</m:t>
+                          </m:r>
+                        </m:num>
+                        <m:den>
+                          <m:r>
+                            <a:rPr lang="en-US" altLang="ko-KR" sz="1200" b="0" i="1" dirty="0" smtClean="0">
+                              <a:latin typeface="Cambria Math"/>
+                            </a:rPr>
+                            <m:t>𝑑𝑡</m:t>
+                          </m:r>
+                        </m:den>
+                      </m:f>
+                      <m:r>
+                        <m:rPr>
+                          <m:sty m:val="p"/>
+                        </m:rPr>
+                        <a:rPr lang="en-US" altLang="ko-KR" sz="1200" b="0" i="0" dirty="0" smtClean="0">
+                          <a:latin typeface="Cambria Math"/>
+                        </a:rPr>
+                        <m:t>Δ</m:t>
+                      </m:r>
+                      <m:r>
+                        <a:rPr lang="en-US" altLang="ko-KR" sz="1200" b="0" i="1" dirty="0" smtClean="0">
+                          <a:latin typeface="Cambria Math"/>
+                        </a:rPr>
+                        <m:t>𝑡</m:t>
+                      </m:r>
+                    </m:oMath>
+                  </m:oMathPara>
+                </a14:m>
+                <a:endParaRPr lang="ko-KR" altLang="en-US" sz="1200" dirty="0"/>
+              </a:p>
+            </p:txBody>
+          </p:sp>
+        </mc:Choice>
+        <mc:Fallback xmlns="">
+          <p:sp>
+            <p:nvSpPr>
+              <p:cNvPr id="36" name="직사각형 35"/>
+              <p:cNvSpPr>
+                <a:spLocks noRot="1" noChangeAspect="1" noMove="1" noResize="1" noEditPoints="1" noAdjustHandles="1" noChangeArrowheads="1" noChangeShapeType="1" noTextEdit="1"/>
+              </p:cNvSpPr>
+              <p:nvPr/>
+            </p:nvSpPr>
+            <p:spPr>
+              <a:xfrm>
+                <a:off x="4469444" y="5170681"/>
+                <a:ext cx="597087" cy="442942"/>
+              </a:xfrm>
+              <a:prstGeom prst="rect">
+                <a:avLst/>
+              </a:prstGeom>
+              <a:blipFill rotWithShape="1">
+                <a:blip r:embed="rId8"/>
+                <a:stretch>
+                  <a:fillRect b="-1370"/>
+                </a:stretch>
+              </a:blipFill>
+            </p:spPr>
+            <p:txBody>
+              <a:bodyPr/>
+              <a:lstStyle/>
+              <a:p>
+                <a:r>
+                  <a:rPr lang="ko-KR" altLang="en-US">
+                    <a:noFill/>
+                  </a:rPr>
+                  <a:t> </a:t>
+                </a:r>
+              </a:p>
+            </p:txBody>
+          </p:sp>
+        </mc:Fallback>
+      </mc:AlternateContent>
+      <mc:AlternateContent xmlns:mc="http://schemas.openxmlformats.org/markup-compatibility/2006" xmlns:a14="http://schemas.microsoft.com/office/drawing/2010/main">
+        <mc:Choice Requires="a14">
+          <p:sp>
+            <p:nvSpPr>
+              <p:cNvPr id="37" name="직사각형 36"/>
+              <p:cNvSpPr/>
+              <p:nvPr/>
+            </p:nvSpPr>
+            <p:spPr>
+              <a:xfrm>
+                <a:off x="3979196" y="4348733"/>
+                <a:ext cx="597087" cy="442942"/>
+              </a:xfrm>
+              <a:prstGeom prst="rect">
+                <a:avLst/>
+              </a:prstGeom>
+            </p:spPr>
+            <p:txBody>
+              <a:bodyPr wrap="none">
+                <a:spAutoFit/>
+              </a:bodyPr>
+              <a:lstStyle/>
+              <a:p>
+                <a:pPr/>
+                <a14:m>
+                  <m:oMathPara xmlns:m="http://schemas.openxmlformats.org/officeDocument/2006/math">
+                    <m:oMathParaPr>
+                      <m:jc m:val="centerGroup"/>
+                    </m:oMathParaPr>
+                    <m:oMath xmlns:m="http://schemas.openxmlformats.org/officeDocument/2006/math">
+                      <m:f>
+                        <m:fPr>
+                          <m:ctrlPr>
+                            <a:rPr lang="en-US" altLang="ko-KR" sz="1200" b="0" i="1" dirty="0" smtClean="0">
+                              <a:latin typeface="Cambria Math" panose="02040503050406030204" pitchFamily="18" charset="0"/>
+                            </a:rPr>
+                          </m:ctrlPr>
+                        </m:fPr>
+                        <m:num>
+                          <m:r>
+                            <a:rPr lang="en-US" altLang="ko-KR" sz="1200" b="0" i="1" dirty="0" smtClean="0">
+                              <a:latin typeface="Cambria Math"/>
+                            </a:rPr>
+                            <m:t>𝑑𝑦</m:t>
+                          </m:r>
+                        </m:num>
+                        <m:den>
+                          <m:r>
+                            <a:rPr lang="en-US" altLang="ko-KR" sz="1200" b="0" i="1" dirty="0" smtClean="0">
+                              <a:latin typeface="Cambria Math"/>
+                            </a:rPr>
+                            <m:t>𝑑𝑡</m:t>
+                          </m:r>
+                        </m:den>
+                      </m:f>
+                      <m:r>
+                        <m:rPr>
+                          <m:sty m:val="p"/>
+                        </m:rPr>
+                        <a:rPr lang="en-US" altLang="ko-KR" sz="1200" b="0" i="0" dirty="0" smtClean="0">
+                          <a:latin typeface="Cambria Math"/>
+                        </a:rPr>
+                        <m:t>Δ</m:t>
+                      </m:r>
+                      <m:r>
+                        <a:rPr lang="en-US" altLang="ko-KR" sz="1200" b="0" i="1" dirty="0" smtClean="0">
+                          <a:latin typeface="Cambria Math"/>
+                        </a:rPr>
+                        <m:t>𝑡</m:t>
+                      </m:r>
+                    </m:oMath>
+                  </m:oMathPara>
+                </a14:m>
+                <a:endParaRPr lang="ko-KR" altLang="en-US" sz="1200" dirty="0"/>
+              </a:p>
+            </p:txBody>
+          </p:sp>
+        </mc:Choice>
+        <mc:Fallback xmlns="">
+          <p:sp>
+            <p:nvSpPr>
+              <p:cNvPr id="37" name="직사각형 36"/>
+              <p:cNvSpPr>
+                <a:spLocks noRot="1" noChangeAspect="1" noMove="1" noResize="1" noEditPoints="1" noAdjustHandles="1" noChangeArrowheads="1" noChangeShapeType="1" noTextEdit="1"/>
+              </p:cNvSpPr>
+              <p:nvPr/>
+            </p:nvSpPr>
+            <p:spPr>
+              <a:xfrm>
+                <a:off x="3979196" y="4348733"/>
+                <a:ext cx="597087" cy="442942"/>
+              </a:xfrm>
+              <a:prstGeom prst="rect">
+                <a:avLst/>
+              </a:prstGeom>
+              <a:blipFill rotWithShape="1">
+                <a:blip r:embed="rId9"/>
+                <a:stretch>
+                  <a:fillRect b="-1370"/>
+                </a:stretch>
+              </a:blipFill>
+            </p:spPr>
+            <p:txBody>
+              <a:bodyPr/>
+              <a:lstStyle/>
+              <a:p>
+                <a:r>
+                  <a:rPr lang="ko-KR" altLang="en-US">
+                    <a:noFill/>
+                  </a:rPr>
+                  <a:t> </a:t>
+                </a:r>
+              </a:p>
+            </p:txBody>
+          </p:sp>
+        </mc:Fallback>
+      </mc:AlternateContent>
+      <p:cxnSp>
+        <p:nvCxnSpPr>
+          <p:cNvPr id="39" name="직선 연결선 38"/>
+          <p:cNvCxnSpPr>
+            <a:stCxn id="23" idx="3"/>
+            <a:endCxn id="26" idx="2"/>
+          </p:cNvCxnSpPr>
+          <p:nvPr/>
+        </p:nvCxnSpPr>
+        <p:spPr>
+          <a:xfrm>
+            <a:off x="3123019" y="3472031"/>
+            <a:ext cx="697541" cy="1093418"/>
+          </a:xfrm>
+          <a:prstGeom prst="line">
+            <a:avLst/>
+          </a:prstGeom>
+          <a:ln w="28575">
+            <a:prstDash val="sysDot"/>
+          </a:ln>
+        </p:spPr>
+        <p:style>
+          <a:lnRef idx="1">
+            <a:schemeClr val="accent1"/>
+          </a:lnRef>
+          <a:fillRef idx="0">
+            <a:schemeClr val="accent1"/>
+          </a:fillRef>
+          <a:effectRef idx="0">
+            <a:schemeClr val="accent1"/>
+          </a:effectRef>
+          <a:fontRef idx="minor">
+            <a:schemeClr val="tx1"/>
+          </a:fontRef>
+        </p:style>
+      </p:cxnSp>
+      <p:cxnSp>
+        <p:nvCxnSpPr>
+          <p:cNvPr id="41" name="직선 연결선 40"/>
+          <p:cNvCxnSpPr>
+            <a:stCxn id="23" idx="7"/>
+            <a:endCxn id="26" idx="0"/>
+          </p:cNvCxnSpPr>
+          <p:nvPr/>
+        </p:nvCxnSpPr>
+        <p:spPr>
+          <a:xfrm>
+            <a:off x="3581275" y="3013775"/>
+            <a:ext cx="1479101" cy="311858"/>
+          </a:xfrm>
+          <a:prstGeom prst="line">
+            <a:avLst/>
+          </a:prstGeom>
+          <a:ln w="28575">
+            <a:prstDash val="sysDot"/>
+          </a:ln>
+        </p:spPr>
+        <p:style>
+          <a:lnRef idx="1">
+            <a:schemeClr val="accent1"/>
+          </a:lnRef>
+          <a:fillRef idx="0">
+            <a:schemeClr val="accent1"/>
+          </a:fillRef>
+          <a:effectRef idx="0">
+            <a:schemeClr val="accent1"/>
+          </a:effectRef>
+          <a:fontRef idx="minor">
+            <a:schemeClr val="tx1"/>
+          </a:fontRef>
+        </p:style>
+      </p:cxnSp>
+      <mc:AlternateContent xmlns:mc="http://schemas.openxmlformats.org/markup-compatibility/2006" xmlns:a14="http://schemas.microsoft.com/office/drawing/2010/main">
+        <mc:Choice Requires="a14">
+          <p:sp>
+            <p:nvSpPr>
+              <p:cNvPr id="42" name="직사각형 41"/>
+              <p:cNvSpPr/>
+              <p:nvPr/>
+            </p:nvSpPr>
+            <p:spPr>
+              <a:xfrm>
+                <a:off x="3226825" y="2458400"/>
+                <a:ext cx="394660" cy="369332"/>
+              </a:xfrm>
+              <a:prstGeom prst="rect">
+                <a:avLst/>
+              </a:prstGeom>
+            </p:spPr>
+            <p:txBody>
+              <a:bodyPr wrap="none">
+                <a:spAutoFit/>
+              </a:bodyPr>
+              <a:lstStyle/>
+              <a:p>
+                <a:pPr/>
+                <a14:m>
+                  <m:oMathPara xmlns:m="http://schemas.openxmlformats.org/officeDocument/2006/math">
+                    <m:oMathParaPr>
+                      <m:jc m:val="centerGroup"/>
+                    </m:oMathParaPr>
+                    <m:oMath xmlns:m="http://schemas.openxmlformats.org/officeDocument/2006/math">
+                      <m:r>
+                        <a:rPr lang="en-US" altLang="ko-KR" i="1">
+                          <a:latin typeface="Cambria Math"/>
+                        </a:rPr>
+                        <m:t>2</m:t>
+                      </m:r>
+                    </m:oMath>
+                  </m:oMathPara>
+                </a14:m>
+                <a:endParaRPr lang="ko-KR" altLang="en-US" dirty="0"/>
+              </a:p>
+            </p:txBody>
+          </p:sp>
+        </mc:Choice>
+        <mc:Fallback xmlns="">
+          <p:sp>
+            <p:nvSpPr>
+              <p:cNvPr id="42" name="직사각형 41"/>
+              <p:cNvSpPr>
+                <a:spLocks noRot="1" noChangeAspect="1" noMove="1" noResize="1" noEditPoints="1" noAdjustHandles="1" noChangeArrowheads="1" noChangeShapeType="1" noTextEdit="1"/>
+              </p:cNvSpPr>
+              <p:nvPr/>
+            </p:nvSpPr>
+            <p:spPr>
+              <a:xfrm>
+                <a:off x="3226825" y="2458400"/>
+                <a:ext cx="394660" cy="369332"/>
+              </a:xfrm>
+              <a:prstGeom prst="rect">
+                <a:avLst/>
+              </a:prstGeom>
+              <a:blipFill rotWithShape="1">
+                <a:blip r:embed="rId10"/>
+                <a:stretch>
+                  <a:fillRect/>
+                </a:stretch>
+              </a:blipFill>
+            </p:spPr>
+            <p:txBody>
+              <a:bodyPr/>
+              <a:lstStyle/>
+              <a:p>
+                <a:r>
+                  <a:rPr lang="ko-KR" altLang="en-US">
+                    <a:noFill/>
+                  </a:rPr>
+                  <a:t> </a:t>
+                </a:r>
+              </a:p>
+            </p:txBody>
+          </p:sp>
+        </mc:Fallback>
+      </mc:AlternateContent>
+      <mc:AlternateContent xmlns:mc="http://schemas.openxmlformats.org/markup-compatibility/2006" xmlns:a14="http://schemas.microsoft.com/office/drawing/2010/main">
+        <mc:Choice Requires="a14">
+          <p:sp>
+            <p:nvSpPr>
+              <p:cNvPr id="43" name="직사각형 42"/>
+              <p:cNvSpPr/>
+              <p:nvPr/>
+            </p:nvSpPr>
+            <p:spPr>
+              <a:xfrm>
+                <a:off x="2578753" y="2458400"/>
+                <a:ext cx="394660" cy="369332"/>
+              </a:xfrm>
+              <a:prstGeom prst="rect">
+                <a:avLst/>
+              </a:prstGeom>
+            </p:spPr>
+            <p:txBody>
+              <a:bodyPr wrap="none">
+                <a:spAutoFit/>
+              </a:bodyPr>
+              <a:lstStyle/>
+              <a:p>
+                <a:pPr/>
+                <a14:m>
+                  <m:oMathPara xmlns:m="http://schemas.openxmlformats.org/officeDocument/2006/math">
+                    <m:oMathParaPr>
+                      <m:jc m:val="centerGroup"/>
+                    </m:oMathParaPr>
+                    <m:oMath xmlns:m="http://schemas.openxmlformats.org/officeDocument/2006/math">
+                      <m:r>
+                        <a:rPr lang="en-US" altLang="ko-KR" b="0" i="1" smtClean="0">
+                          <a:latin typeface="Cambria Math"/>
+                        </a:rPr>
+                        <m:t>1</m:t>
+                      </m:r>
+                    </m:oMath>
+                  </m:oMathPara>
+                </a14:m>
+                <a:endParaRPr lang="ko-KR" altLang="en-US" dirty="0"/>
+              </a:p>
+            </p:txBody>
+          </p:sp>
+        </mc:Choice>
+        <mc:Fallback xmlns="">
+          <p:sp>
+            <p:nvSpPr>
+              <p:cNvPr id="43" name="직사각형 42"/>
+              <p:cNvSpPr>
+                <a:spLocks noRot="1" noChangeAspect="1" noMove="1" noResize="1" noEditPoints="1" noAdjustHandles="1" noChangeArrowheads="1" noChangeShapeType="1" noTextEdit="1"/>
+              </p:cNvSpPr>
+              <p:nvPr/>
+            </p:nvSpPr>
+            <p:spPr>
+              <a:xfrm>
+                <a:off x="2578753" y="2458400"/>
+                <a:ext cx="394660" cy="369332"/>
+              </a:xfrm>
+              <a:prstGeom prst="rect">
+                <a:avLst/>
+              </a:prstGeom>
+              <a:blipFill rotWithShape="1">
+                <a:blip r:embed="rId11"/>
+                <a:stretch>
+                  <a:fillRect/>
+                </a:stretch>
+              </a:blipFill>
+            </p:spPr>
+            <p:txBody>
+              <a:bodyPr/>
+              <a:lstStyle/>
+              <a:p>
+                <a:r>
+                  <a:rPr lang="ko-KR" altLang="en-US">
+                    <a:noFill/>
+                  </a:rPr>
+                  <a:t> </a:t>
+                </a:r>
+              </a:p>
+            </p:txBody>
+          </p:sp>
+        </mc:Fallback>
+      </mc:AlternateContent>
+      <mc:AlternateContent xmlns:mc="http://schemas.openxmlformats.org/markup-compatibility/2006" xmlns:a14="http://schemas.microsoft.com/office/drawing/2010/main">
+        <mc:Choice Requires="a14">
+          <p:sp>
+            <p:nvSpPr>
+              <p:cNvPr id="44" name="직사각형 43"/>
+              <p:cNvSpPr/>
+              <p:nvPr/>
+            </p:nvSpPr>
+            <p:spPr>
+              <a:xfrm>
+                <a:off x="1547664" y="3140967"/>
+                <a:ext cx="567784" cy="369332"/>
+              </a:xfrm>
+              <a:prstGeom prst="rect">
+                <a:avLst/>
+              </a:prstGeom>
+            </p:spPr>
+            <p:txBody>
+              <a:bodyPr wrap="none">
+                <a:spAutoFit/>
+              </a:bodyPr>
+              <a:lstStyle/>
+              <a:p>
+                <a:pPr/>
+                <a14:m>
+                  <m:oMathPara xmlns:m="http://schemas.openxmlformats.org/officeDocument/2006/math">
+                    <m:oMathParaPr>
+                      <m:jc m:val="centerGroup"/>
+                    </m:oMathParaPr>
+                    <m:oMath xmlns:m="http://schemas.openxmlformats.org/officeDocument/2006/math">
+                      <m:r>
+                        <a:rPr lang="en-US" altLang="ko-KR" b="0" i="1" smtClean="0">
+                          <a:latin typeface="Cambria Math"/>
+                        </a:rPr>
+                        <m:t>−1</m:t>
+                      </m:r>
+                    </m:oMath>
+                  </m:oMathPara>
+                </a14:m>
+                <a:endParaRPr lang="ko-KR" altLang="en-US" dirty="0"/>
+              </a:p>
+            </p:txBody>
+          </p:sp>
+        </mc:Choice>
+        <mc:Fallback xmlns="">
+          <p:sp>
+            <p:nvSpPr>
+              <p:cNvPr id="44" name="직사각형 43"/>
+              <p:cNvSpPr>
+                <a:spLocks noRot="1" noChangeAspect="1" noMove="1" noResize="1" noEditPoints="1" noAdjustHandles="1" noChangeArrowheads="1" noChangeShapeType="1" noTextEdit="1"/>
+              </p:cNvSpPr>
+              <p:nvPr/>
+            </p:nvSpPr>
+            <p:spPr>
+              <a:xfrm>
+                <a:off x="1547664" y="3140967"/>
+                <a:ext cx="567784" cy="369332"/>
+              </a:xfrm>
+              <a:prstGeom prst="rect">
+                <a:avLst/>
+              </a:prstGeom>
+              <a:blipFill rotWithShape="1">
+                <a:blip r:embed="rId12"/>
+                <a:stretch>
+                  <a:fillRect/>
+                </a:stretch>
+              </a:blipFill>
+            </p:spPr>
+            <p:txBody>
+              <a:bodyPr/>
+              <a:lstStyle/>
+              <a:p>
+                <a:r>
+                  <a:rPr lang="ko-KR" altLang="en-US">
+                    <a:noFill/>
+                  </a:rPr>
+                  <a:t> </a:t>
+                </a:r>
+              </a:p>
+            </p:txBody>
+          </p:sp>
+        </mc:Fallback>
+      </mc:AlternateContent>
+      <mc:AlternateContent xmlns:mc="http://schemas.openxmlformats.org/markup-compatibility/2006" xmlns:a14="http://schemas.microsoft.com/office/drawing/2010/main">
+        <mc:Choice Requires="a14">
+          <p:sp>
+            <p:nvSpPr>
+              <p:cNvPr id="45" name="직사각형 44"/>
+              <p:cNvSpPr/>
+              <p:nvPr/>
+            </p:nvSpPr>
+            <p:spPr>
+              <a:xfrm>
+                <a:off x="1801077" y="2458400"/>
+                <a:ext cx="394659" cy="369332"/>
+              </a:xfrm>
+              <a:prstGeom prst="rect">
+                <a:avLst/>
+              </a:prstGeom>
+            </p:spPr>
+            <p:txBody>
+              <a:bodyPr wrap="none">
+                <a:spAutoFit/>
+              </a:bodyPr>
+              <a:lstStyle/>
+              <a:p>
+                <a:pPr/>
+                <a14:m>
+                  <m:oMathPara xmlns:m="http://schemas.openxmlformats.org/officeDocument/2006/math">
+                    <m:oMathParaPr>
+                      <m:jc m:val="centerGroup"/>
+                    </m:oMathParaPr>
+                    <m:oMath xmlns:m="http://schemas.openxmlformats.org/officeDocument/2006/math">
+                      <m:r>
+                        <a:rPr lang="en-US" altLang="ko-KR" b="0" i="1" smtClean="0">
+                          <a:latin typeface="Cambria Math"/>
+                        </a:rPr>
+                        <m:t>0</m:t>
+                      </m:r>
+                    </m:oMath>
+                  </m:oMathPara>
+                </a14:m>
+                <a:endParaRPr lang="ko-KR" altLang="en-US" dirty="0"/>
+              </a:p>
+            </p:txBody>
+          </p:sp>
+        </mc:Choice>
+        <mc:Fallback xmlns="">
+          <p:sp>
+            <p:nvSpPr>
+              <p:cNvPr id="45" name="직사각형 44"/>
+              <p:cNvSpPr>
+                <a:spLocks noRot="1" noChangeAspect="1" noMove="1" noResize="1" noEditPoints="1" noAdjustHandles="1" noChangeArrowheads="1" noChangeShapeType="1" noTextEdit="1"/>
+              </p:cNvSpPr>
+              <p:nvPr/>
+            </p:nvSpPr>
+            <p:spPr>
+              <a:xfrm>
+                <a:off x="1801077" y="2458400"/>
+                <a:ext cx="394659" cy="369332"/>
+              </a:xfrm>
+              <a:prstGeom prst="rect">
+                <a:avLst/>
+              </a:prstGeom>
+              <a:blipFill rotWithShape="1">
+                <a:blip r:embed="rId13"/>
+                <a:stretch>
+                  <a:fillRect/>
+                </a:stretch>
+              </a:blipFill>
+            </p:spPr>
+            <p:txBody>
+              <a:bodyPr/>
+              <a:lstStyle/>
+              <a:p>
+                <a:r>
+                  <a:rPr lang="ko-KR" altLang="en-US">
+                    <a:noFill/>
+                  </a:rPr>
+                  <a:t> </a:t>
+                </a:r>
+              </a:p>
+            </p:txBody>
+          </p:sp>
+        </mc:Fallback>
+      </mc:AlternateContent>
+    </p:spTree>
+    <p:extLst>
+      <p:ext uri="{BB962C8B-B14F-4D97-AF65-F5344CB8AC3E}">
+        <p14:creationId xmlns:p14="http://schemas.microsoft.com/office/powerpoint/2010/main" val="3258088917"/>
+      </p:ext>
+    </p:extLst>
+  </p:cSld>
+  <p:clrMapOvr>
+    <a:masterClrMapping/>
+  </p:clrMapOvr>
+</p:sld>
+</file>
+
+<file path=ppt/slides/slide5.xml><?xml version="1.0" encoding="utf-8"?>
+<p:sld xmlns:a="http://schemas.openxmlformats.org/drawingml/2006/main" xmlns:r="http://schemas.openxmlformats.org/officeDocument/2006/relationships" xmlns:p="http://schemas.openxmlformats.org/presentationml/2006/main">
+  <p:cSld>
+    <p:spTree>
+      <p:nvGrpSpPr>
+        <p:cNvPr id="1" name=""/>
+        <p:cNvGrpSpPr/>
+        <p:nvPr/>
+      </p:nvGrpSpPr>
+      <p:grpSpPr>
+        <a:xfrm>
+          <a:off x="0" y="0"/>
+          <a:ext cx="0" cy="0"/>
+          <a:chOff x="0" y="0"/>
+          <a:chExt cx="0" cy="0"/>
+        </a:xfrm>
+      </p:grpSpPr>
       <p:pic>
         <p:nvPicPr>
           <p:cNvPr id="3074" name="Picture 2"/>
@@ -7045,7 +10687,7 @@
 </p:sld>
 </file>
 
-<file path=ppt/slides/slide5.xml><?xml version="1.0" encoding="utf-8"?>
+<file path=ppt/slides/slide6.xml><?xml version="1.0" encoding="utf-8"?>
 <p:sld xmlns:a="http://schemas.openxmlformats.org/drawingml/2006/main" xmlns:r="http://schemas.openxmlformats.org/officeDocument/2006/relationships" xmlns:p="http://schemas.openxmlformats.org/presentationml/2006/main">
   <p:cSld>
     <p:spTree>
@@ -7139,7 +10781,7 @@
 </p:sld>
 </file>
 
-<file path=ppt/slides/slide6.xml><?xml version="1.0" encoding="utf-8"?>
+<file path=ppt/slides/slide7.xml><?xml version="1.0" encoding="utf-8"?>
 <p:sld xmlns:a="http://schemas.openxmlformats.org/drawingml/2006/main" xmlns:r="http://schemas.openxmlformats.org/officeDocument/2006/relationships" xmlns:p="http://schemas.openxmlformats.org/presentationml/2006/main">
   <p:cSld>
     <p:spTree>
@@ -7364,7 +11006,7 @@
                           <m:endChr m:val="]"/>
                           <m:ctrlPr>
                             <a:rPr lang="en-US" altLang="ko-KR" sz="2800" i="1" smtClean="0">
-                              <a:latin typeface="Cambria Math"/>
+                              <a:latin typeface="Cambria Math" panose="02040503050406030204" pitchFamily="18" charset="0"/>
                             </a:rPr>
                           </m:ctrlPr>
                         </m:dPr>
@@ -7381,7 +11023,7 @@
                               </m:mcs>
                               <m:ctrlPr>
                                 <a:rPr lang="en-US" altLang="ko-KR" sz="2800" i="1" smtClean="0">
-                                  <a:latin typeface="Cambria Math"/>
+                                  <a:latin typeface="Cambria Math" panose="02040503050406030204" pitchFamily="18" charset="0"/>
                                 </a:rPr>
                               </m:ctrlPr>
                             </m:mPr>
@@ -7430,7 +11072,7 @@
                     </m:oMath>
                   </m:oMathPara>
                 </a14:m>
-                <a:endParaRPr lang="en-US" altLang="ko-KR" dirty="0" smtClean="0"/>
+                <a:endParaRPr lang="en-US" altLang="ko-KR" dirty="0"/>
               </a:p>
               <a:p>
                 <a:pPr algn="ctr"/>
@@ -7438,29 +11080,25 @@
               </a:p>
               <a:p>
                 <a:pPr algn="ctr"/>
-                <a:endParaRPr lang="en-US" altLang="ko-KR" dirty="0" smtClean="0"/>
+                <a:endParaRPr lang="en-US" altLang="ko-KR" dirty="0"/>
               </a:p>
               <a:p>
                 <a:pPr algn="ctr"/>
-                <a:endParaRPr lang="en-US" altLang="ko-KR" dirty="0" smtClean="0"/>
+                <a:endParaRPr lang="en-US" altLang="ko-KR" dirty="0"/>
               </a:p>
               <a:p>
                 <a:pPr algn="ctr"/>
                 <a:r>
-                  <a:rPr lang="ko-KR" altLang="en-US" dirty="0" smtClean="0"/>
+                  <a:rPr lang="ko-KR" altLang="en-US" dirty="0"/>
                   <a:t>행렬을 통한</a:t>
                 </a:r>
-                <a:endParaRPr lang="en-US" altLang="ko-KR" dirty="0" smtClean="0"/>
+                <a:endParaRPr lang="en-US" altLang="ko-KR" dirty="0"/>
               </a:p>
               <a:p>
                 <a:pPr algn="ctr"/>
                 <a:r>
-                  <a:rPr lang="ko-KR" altLang="en-US" dirty="0" smtClean="0"/>
-                  <a:t>선형변</a:t>
-                </a:r>
-                <a:r>
                   <a:rPr lang="ko-KR" altLang="en-US" dirty="0"/>
-                  <a:t>환</a:t>
+                  <a:t>선형변환</a:t>
                 </a:r>
               </a:p>
             </p:txBody>
@@ -7518,7 +11156,389 @@
 </p:sld>
 </file>
 
-<file path=ppt/slides/slide7.xml><?xml version="1.0" encoding="utf-8"?>
+<file path=ppt/slides/slide8.xml><?xml version="1.0" encoding="utf-8"?>
+<p:sld xmlns:a="http://schemas.openxmlformats.org/drawingml/2006/main" xmlns:r="http://schemas.openxmlformats.org/officeDocument/2006/relationships" xmlns:p="http://schemas.openxmlformats.org/presentationml/2006/main">
+  <p:cSld>
+    <p:spTree>
+      <p:nvGrpSpPr>
+        <p:cNvPr id="1" name=""/>
+        <p:cNvGrpSpPr/>
+        <p:nvPr/>
+      </p:nvGrpSpPr>
+      <p:grpSpPr>
+        <a:xfrm>
+          <a:off x="0" y="0"/>
+          <a:ext cx="0" cy="0"/>
+          <a:chOff x="0" y="0"/>
+          <a:chExt cx="0" cy="0"/>
+        </a:xfrm>
+      </p:grpSpPr>
+      <p:pic>
+        <p:nvPicPr>
+          <p:cNvPr id="4" name="Picture 2"/>
+          <p:cNvPicPr>
+            <a:picLocks noChangeAspect="1" noChangeArrowheads="1"/>
+          </p:cNvPicPr>
+          <p:nvPr/>
+        </p:nvPicPr>
+        <p:blipFill>
+          <a:blip r:embed="rId2">
+            <a:extLst>
+              <a:ext uri="{28A0092B-C50C-407E-A947-70E740481C1C}">
+                <a14:useLocalDpi xmlns:a14="http://schemas.microsoft.com/office/drawing/2010/main" val="0"/>
+              </a:ext>
+            </a:extLst>
+          </a:blip>
+          <a:srcRect/>
+          <a:stretch>
+            <a:fillRect/>
+          </a:stretch>
+        </p:blipFill>
+        <p:spPr bwMode="auto">
+          <a:xfrm>
+            <a:off x="4644008" y="1643525"/>
+            <a:ext cx="4764113" cy="3570952"/>
+          </a:xfrm>
+          <a:prstGeom prst="rect">
+            <a:avLst/>
+          </a:prstGeom>
+          <a:noFill/>
+          <a:ln>
+            <a:noFill/>
+          </a:ln>
+          <a:effectLst/>
+          <a:extLst>
+            <a:ext uri="{909E8E84-426E-40DD-AFC4-6F175D3DCCD1}">
+              <a14:hiddenFill xmlns:a14="http://schemas.microsoft.com/office/drawing/2010/main">
+                <a:solidFill>
+                  <a:schemeClr val="accent1"/>
+                </a:solidFill>
+              </a14:hiddenFill>
+            </a:ext>
+            <a:ext uri="{91240B29-F687-4F45-9708-019B960494DF}">
+              <a14:hiddenLine xmlns:a14="http://schemas.microsoft.com/office/drawing/2010/main" w="9525">
+                <a:solidFill>
+                  <a:schemeClr val="tx1"/>
+                </a:solidFill>
+                <a:miter lim="800000"/>
+                <a:headEnd/>
+                <a:tailEnd/>
+              </a14:hiddenLine>
+            </a:ext>
+            <a:ext uri="{AF507438-7753-43E0-B8FC-AC1667EBCBE1}">
+              <a14:hiddenEffects xmlns:a14="http://schemas.microsoft.com/office/drawing/2010/main">
+                <a:effectLst>
+                  <a:outerShdw dist="35921" dir="2700000" algn="ctr" rotWithShape="0">
+                    <a:schemeClr val="bg2"/>
+                  </a:outerShdw>
+                </a:effectLst>
+              </a14:hiddenEffects>
+            </a:ext>
+          </a:extLst>
+        </p:spPr>
+      </p:pic>
+      <p:pic>
+        <p:nvPicPr>
+          <p:cNvPr id="5" name="Picture 2"/>
+          <p:cNvPicPr>
+            <a:picLocks noChangeAspect="1" noChangeArrowheads="1"/>
+          </p:cNvPicPr>
+          <p:nvPr/>
+        </p:nvPicPr>
+        <p:blipFill>
+          <a:blip r:embed="rId3">
+            <a:extLst>
+              <a:ext uri="{28A0092B-C50C-407E-A947-70E740481C1C}">
+                <a14:useLocalDpi xmlns:a14="http://schemas.microsoft.com/office/drawing/2010/main" val="0"/>
+              </a:ext>
+            </a:extLst>
+          </a:blip>
+          <a:srcRect/>
+          <a:stretch>
+            <a:fillRect/>
+          </a:stretch>
+        </p:blipFill>
+        <p:spPr bwMode="auto">
+          <a:xfrm>
+            <a:off x="-324544" y="1643525"/>
+            <a:ext cx="4764113" cy="3570952"/>
+          </a:xfrm>
+          <a:prstGeom prst="rect">
+            <a:avLst/>
+          </a:prstGeom>
+          <a:noFill/>
+          <a:ln>
+            <a:noFill/>
+          </a:ln>
+          <a:effectLst/>
+          <a:extLst>
+            <a:ext uri="{909E8E84-426E-40DD-AFC4-6F175D3DCCD1}">
+              <a14:hiddenFill xmlns:a14="http://schemas.microsoft.com/office/drawing/2010/main">
+                <a:solidFill>
+                  <a:schemeClr val="accent1"/>
+                </a:solidFill>
+              </a14:hiddenFill>
+            </a:ext>
+            <a:ext uri="{91240B29-F687-4F45-9708-019B960494DF}">
+              <a14:hiddenLine xmlns:a14="http://schemas.microsoft.com/office/drawing/2010/main" w="9525">
+                <a:solidFill>
+                  <a:schemeClr val="tx1"/>
+                </a:solidFill>
+                <a:miter lim="800000"/>
+                <a:headEnd/>
+                <a:tailEnd/>
+              </a14:hiddenLine>
+            </a:ext>
+            <a:ext uri="{AF507438-7753-43E0-B8FC-AC1667EBCBE1}">
+              <a14:hiddenEffects xmlns:a14="http://schemas.microsoft.com/office/drawing/2010/main">
+                <a:effectLst>
+                  <a:outerShdw dist="35921" dir="2700000" algn="ctr" rotWithShape="0">
+                    <a:schemeClr val="bg2"/>
+                  </a:outerShdw>
+                </a:effectLst>
+              </a14:hiddenEffects>
+            </a:ext>
+          </a:extLst>
+        </p:spPr>
+      </p:pic>
+      <p:sp>
+        <p:nvSpPr>
+          <p:cNvPr id="7" name="오른쪽 화살표 6"/>
+          <p:cNvSpPr/>
+          <p:nvPr/>
+        </p:nvSpPr>
+        <p:spPr>
+          <a:xfrm>
+            <a:off x="4082796" y="3186684"/>
+            <a:ext cx="978408" cy="484632"/>
+          </a:xfrm>
+          <a:prstGeom prst="rightArrow">
+            <a:avLst/>
+          </a:prstGeom>
+          <a:solidFill>
+            <a:schemeClr val="accent6"/>
+          </a:solidFill>
+        </p:spPr>
+        <p:style>
+          <a:lnRef idx="2">
+            <a:schemeClr val="accent1">
+              <a:shade val="50000"/>
+            </a:schemeClr>
+          </a:lnRef>
+          <a:fillRef idx="1">
+            <a:schemeClr val="accent1"/>
+          </a:fillRef>
+          <a:effectRef idx="0">
+            <a:schemeClr val="accent1"/>
+          </a:effectRef>
+          <a:fontRef idx="minor">
+            <a:schemeClr val="lt1"/>
+          </a:fontRef>
+        </p:style>
+        <p:txBody>
+          <a:bodyPr rtlCol="0" anchor="ctr"/>
+          <a:lstStyle/>
+          <a:p>
+            <a:pPr algn="ctr"/>
+            <a:endParaRPr lang="ko-KR" altLang="en-US"/>
+          </a:p>
+        </p:txBody>
+      </p:sp>
+      <mc:AlternateContent xmlns:mc="http://schemas.openxmlformats.org/markup-compatibility/2006">
+        <mc:Choice xmlns:a14="http://schemas.microsoft.com/office/drawing/2010/main" Requires="a14">
+          <p:sp>
+            <p:nvSpPr>
+              <p:cNvPr id="8" name="TextBox 7"/>
+              <p:cNvSpPr txBox="1"/>
+              <p:nvPr/>
+            </p:nvSpPr>
+            <p:spPr>
+              <a:xfrm>
+                <a:off x="3700666" y="2276872"/>
+                <a:ext cx="1723100" cy="2472793"/>
+              </a:xfrm>
+              <a:prstGeom prst="rect">
+                <a:avLst/>
+              </a:prstGeom>
+              <a:noFill/>
+            </p:spPr>
+            <p:txBody>
+              <a:bodyPr wrap="none" rtlCol="0">
+                <a:spAutoFit/>
+              </a:bodyPr>
+              <a:lstStyle/>
+              <a:p>
+                <a:pPr algn="ctr"/>
+                <a14:m>
+                  <m:oMathPara xmlns:m="http://schemas.openxmlformats.org/officeDocument/2006/math">
+                    <m:oMathParaPr>
+                      <m:jc m:val="centerGroup"/>
+                    </m:oMathParaPr>
+                    <m:oMath xmlns:m="http://schemas.openxmlformats.org/officeDocument/2006/math">
+                      <m:d>
+                        <m:dPr>
+                          <m:begChr m:val="["/>
+                          <m:endChr m:val="]"/>
+                          <m:ctrlPr>
+                            <a:rPr lang="en-US" altLang="ko-KR" sz="2800" i="1" smtClean="0">
+                              <a:latin typeface="Cambria Math" panose="02040503050406030204" pitchFamily="18" charset="0"/>
+                            </a:rPr>
+                          </m:ctrlPr>
+                        </m:dPr>
+                        <m:e>
+                          <m:m>
+                            <m:mPr>
+                              <m:mcs>
+                                <m:mc>
+                                  <m:mcPr>
+                                    <m:count m:val="2"/>
+                                    <m:mcJc m:val="center"/>
+                                  </m:mcPr>
+                                </m:mc>
+                              </m:mcs>
+                              <m:ctrlPr>
+                                <a:rPr lang="en-US" altLang="ko-KR" sz="2800" i="1" smtClean="0">
+                                  <a:latin typeface="Cambria Math" panose="02040503050406030204" pitchFamily="18" charset="0"/>
+                                </a:rPr>
+                              </m:ctrlPr>
+                            </m:mPr>
+                            <m:mr>
+                              <m:e>
+                                <m:r>
+                                  <m:rPr>
+                                    <m:brk m:alnAt="7"/>
+                                  </m:rPr>
+                                  <a:rPr lang="en-US" altLang="ko-KR" sz="2800" b="0" i="1" smtClean="0">
+                                    <a:latin typeface="Cambria Math"/>
+                                  </a:rPr>
+                                  <m:t>0</m:t>
+                                </m:r>
+                              </m:e>
+                              <m:e>
+                                <m:r>
+                                  <a:rPr lang="en-US" altLang="ko-KR" sz="2800" b="0" i="1" smtClean="0">
+                                    <a:latin typeface="Cambria Math"/>
+                                  </a:rPr>
+                                  <m:t>1</m:t>
+                                </m:r>
+                              </m:e>
+                            </m:mr>
+                            <m:mr>
+                              <m:e>
+                                <m:r>
+                                  <a:rPr lang="en-US" altLang="ko-KR" sz="2800" b="0" i="1" smtClean="0">
+                                    <a:latin typeface="Cambria Math"/>
+                                  </a:rPr>
+                                  <m:t>1</m:t>
+                                </m:r>
+                              </m:e>
+                              <m:e>
+                                <m:r>
+                                  <a:rPr lang="en-US" altLang="ko-KR" sz="2800" b="0" i="1" smtClean="0">
+                                    <a:latin typeface="Cambria Math"/>
+                                  </a:rPr>
+                                  <m:t>0</m:t>
+                                </m:r>
+                              </m:e>
+                            </m:mr>
+                          </m:m>
+                        </m:e>
+                      </m:d>
+                    </m:oMath>
+                  </m:oMathPara>
+                </a14:m>
+                <a:endParaRPr lang="en-US" altLang="ko-KR" dirty="0"/>
+              </a:p>
+              <a:p>
+                <a:pPr algn="ctr"/>
+                <a:endParaRPr lang="en-US" altLang="ko-KR" dirty="0"/>
+              </a:p>
+              <a:p>
+                <a:pPr algn="ctr"/>
+                <a:endParaRPr lang="en-US" altLang="ko-KR" dirty="0"/>
+              </a:p>
+              <a:p>
+                <a:pPr algn="ctr"/>
+                <a:endParaRPr lang="en-US" altLang="ko-KR" dirty="0"/>
+              </a:p>
+              <a:p>
+                <a:pPr algn="ctr"/>
+                <a:r>
+                  <a:rPr lang="en-US" altLang="ko-KR" dirty="0"/>
+                  <a:t>linear</a:t>
+                </a:r>
+              </a:p>
+              <a:p>
+                <a:pPr algn="ctr"/>
+                <a:r>
+                  <a:rPr lang="en-US" altLang="ko-KR" dirty="0"/>
+                  <a:t>transformation</a:t>
+                </a:r>
+              </a:p>
+              <a:p>
+                <a:pPr algn="ctr"/>
+                <a:r>
+                  <a:rPr lang="en-US" altLang="ko-KR" dirty="0"/>
+                  <a:t>via matrix</a:t>
+                </a:r>
+                <a:endParaRPr lang="ko-KR" altLang="en-US" dirty="0"/>
+              </a:p>
+            </p:txBody>
+          </p:sp>
+        </mc:Choice>
+        <mc:Fallback>
+          <p:sp>
+            <p:nvSpPr>
+              <p:cNvPr id="8" name="TextBox 7"/>
+              <p:cNvSpPr txBox="1">
+                <a:spLocks noRot="1" noChangeAspect="1" noMove="1" noResize="1" noEditPoints="1" noAdjustHandles="1" noChangeArrowheads="1" noChangeShapeType="1" noTextEdit="1"/>
+              </p:cNvSpPr>
+              <p:nvPr/>
+            </p:nvSpPr>
+            <p:spPr>
+              <a:xfrm>
+                <a:off x="3700666" y="2276872"/>
+                <a:ext cx="1723100" cy="2472793"/>
+              </a:xfrm>
+              <a:prstGeom prst="rect">
+                <a:avLst/>
+              </a:prstGeom>
+              <a:blipFill>
+                <a:blip r:embed="rId4"/>
+                <a:stretch>
+                  <a:fillRect l="-2827" r="-2827" b="-3210"/>
+                </a:stretch>
+              </a:blipFill>
+            </p:spPr>
+            <p:txBody>
+              <a:bodyPr/>
+              <a:lstStyle/>
+              <a:p>
+                <a:r>
+                  <a:rPr lang="en-US">
+                    <a:noFill/>
+                  </a:rPr>
+                  <a:t> </a:t>
+                </a:r>
+              </a:p>
+            </p:txBody>
+          </p:sp>
+        </mc:Fallback>
+      </mc:AlternateContent>
+    </p:spTree>
+    <p:extLst>
+      <p:ext uri="{BB962C8B-B14F-4D97-AF65-F5344CB8AC3E}">
+        <p14:creationId xmlns:p14="http://schemas.microsoft.com/office/powerpoint/2010/main" val="2111117965"/>
+      </p:ext>
+    </p:extLst>
+  </p:cSld>
+  <p:clrMapOvr>
+    <a:masterClrMapping/>
+  </p:clrMapOvr>
+</p:sld>
+</file>
+
+<file path=ppt/slides/slide9.xml><?xml version="1.0" encoding="utf-8"?>
 <p:sld xmlns:a="http://schemas.openxmlformats.org/drawingml/2006/main" xmlns:r="http://schemas.openxmlformats.org/officeDocument/2006/relationships" xmlns:p="http://schemas.openxmlformats.org/presentationml/2006/main">
   <p:cSld>
     <p:spTree>
@@ -7603,194 +11623,6 @@
     <p:extLst>
       <p:ext uri="{BB962C8B-B14F-4D97-AF65-F5344CB8AC3E}">
         <p14:creationId xmlns:p14="http://schemas.microsoft.com/office/powerpoint/2010/main" val="3930267673"/>
-      </p:ext>
-    </p:extLst>
-  </p:cSld>
-  <p:clrMapOvr>
-    <a:masterClrMapping/>
-  </p:clrMapOvr>
-</p:sld>
-</file>
-
-<file path=ppt/slides/slide8.xml><?xml version="1.0" encoding="utf-8"?>
-<p:sld xmlns:a="http://schemas.openxmlformats.org/drawingml/2006/main" xmlns:r="http://schemas.openxmlformats.org/officeDocument/2006/relationships" xmlns:p="http://schemas.openxmlformats.org/presentationml/2006/main">
-  <p:cSld>
-    <p:spTree>
-      <p:nvGrpSpPr>
-        <p:cNvPr id="1" name=""/>
-        <p:cNvGrpSpPr/>
-        <p:nvPr/>
-      </p:nvGrpSpPr>
-      <p:grpSpPr>
-        <a:xfrm>
-          <a:off x="0" y="0"/>
-          <a:ext cx="0" cy="0"/>
-          <a:chOff x="0" y="0"/>
-          <a:chExt cx="0" cy="0"/>
-        </a:xfrm>
-      </p:grpSpPr>
-      <p:pic>
-        <p:nvPicPr>
-          <p:cNvPr id="4100" name="Picture 4"/>
-          <p:cNvPicPr>
-            <a:picLocks noChangeAspect="1" noChangeArrowheads="1"/>
-          </p:cNvPicPr>
-          <p:nvPr/>
-        </p:nvPicPr>
-        <p:blipFill>
-          <a:blip r:embed="rId2">
-            <a:extLst>
-              <a:ext uri="{28A0092B-C50C-407E-A947-70E740481C1C}">
-                <a14:useLocalDpi xmlns:a14="http://schemas.microsoft.com/office/drawing/2010/main" val="0"/>
-              </a:ext>
-            </a:extLst>
-          </a:blip>
-          <a:srcRect/>
-          <a:stretch>
-            <a:fillRect/>
-          </a:stretch>
-        </p:blipFill>
-        <p:spPr bwMode="auto">
-          <a:xfrm>
-            <a:off x="-1092400" y="1433513"/>
-            <a:ext cx="10848976" cy="3990975"/>
-          </a:xfrm>
-          <a:prstGeom prst="rect">
-            <a:avLst/>
-          </a:prstGeom>
-          <a:noFill/>
-          <a:ln>
-            <a:noFill/>
-          </a:ln>
-          <a:effectLst/>
-          <a:extLst>
-            <a:ext uri="{909E8E84-426E-40DD-AFC4-6F175D3DCCD1}">
-              <a14:hiddenFill xmlns:a14="http://schemas.microsoft.com/office/drawing/2010/main">
-                <a:solidFill>
-                  <a:schemeClr val="accent1"/>
-                </a:solidFill>
-              </a14:hiddenFill>
-            </a:ext>
-            <a:ext uri="{91240B29-F687-4F45-9708-019B960494DF}">
-              <a14:hiddenLine xmlns:a14="http://schemas.microsoft.com/office/drawing/2010/main" w="9525">
-                <a:solidFill>
-                  <a:schemeClr val="tx1"/>
-                </a:solidFill>
-                <a:miter lim="800000"/>
-                <a:headEnd/>
-                <a:tailEnd/>
-              </a14:hiddenLine>
-            </a:ext>
-            <a:ext uri="{AF507438-7753-43E0-B8FC-AC1667EBCBE1}">
-              <a14:hiddenEffects xmlns:a14="http://schemas.microsoft.com/office/drawing/2010/main">
-                <a:effectLst>
-                  <a:outerShdw dist="35921" dir="2700000" algn="ctr" rotWithShape="0">
-                    <a:schemeClr val="bg2"/>
-                  </a:outerShdw>
-                </a:effectLst>
-              </a14:hiddenEffects>
-            </a:ext>
-          </a:extLst>
-        </p:spPr>
-      </p:pic>
-    </p:spTree>
-    <p:extLst>
-      <p:ext uri="{BB962C8B-B14F-4D97-AF65-F5344CB8AC3E}">
-        <p14:creationId xmlns:p14="http://schemas.microsoft.com/office/powerpoint/2010/main" val="104548719"/>
-      </p:ext>
-    </p:extLst>
-  </p:cSld>
-  <p:clrMapOvr>
-    <a:masterClrMapping/>
-  </p:clrMapOvr>
-</p:sld>
-</file>
-
-<file path=ppt/slides/slide9.xml><?xml version="1.0" encoding="utf-8"?>
-<p:sld xmlns:a="http://schemas.openxmlformats.org/drawingml/2006/main" xmlns:r="http://schemas.openxmlformats.org/officeDocument/2006/relationships" xmlns:p="http://schemas.openxmlformats.org/presentationml/2006/main">
-  <p:cSld>
-    <p:spTree>
-      <p:nvGrpSpPr>
-        <p:cNvPr id="1" name=""/>
-        <p:cNvGrpSpPr/>
-        <p:nvPr/>
-      </p:nvGrpSpPr>
-      <p:grpSpPr>
-        <a:xfrm>
-          <a:off x="0" y="0"/>
-          <a:ext cx="0" cy="0"/>
-          <a:chOff x="0" y="0"/>
-          <a:chExt cx="0" cy="0"/>
-        </a:xfrm>
-      </p:grpSpPr>
-      <p:pic>
-        <p:nvPicPr>
-          <p:cNvPr id="5122" name="Picture 2"/>
-          <p:cNvPicPr>
-            <a:picLocks noChangeAspect="1" noChangeArrowheads="1"/>
-          </p:cNvPicPr>
-          <p:nvPr/>
-        </p:nvPicPr>
-        <p:blipFill>
-          <a:blip r:embed="rId2">
-            <a:extLst>
-              <a:ext uri="{28A0092B-C50C-407E-A947-70E740481C1C}">
-                <a14:useLocalDpi xmlns:a14="http://schemas.microsoft.com/office/drawing/2010/main" val="0"/>
-              </a:ext>
-            </a:extLst>
-          </a:blip>
-          <a:srcRect/>
-          <a:stretch>
-            <a:fillRect/>
-          </a:stretch>
-        </p:blipFill>
-        <p:spPr bwMode="auto">
-          <a:xfrm>
-            <a:off x="-1116632" y="1433513"/>
-            <a:ext cx="10848976" cy="3990975"/>
-          </a:xfrm>
-          <a:prstGeom prst="rect">
-            <a:avLst/>
-          </a:prstGeom>
-          <a:noFill/>
-          <a:ln>
-            <a:noFill/>
-          </a:ln>
-          <a:effectLst/>
-          <a:extLst>
-            <a:ext uri="{909E8E84-426E-40DD-AFC4-6F175D3DCCD1}">
-              <a14:hiddenFill xmlns:a14="http://schemas.microsoft.com/office/drawing/2010/main">
-                <a:solidFill>
-                  <a:schemeClr val="accent1"/>
-                </a:solidFill>
-              </a14:hiddenFill>
-            </a:ext>
-            <a:ext uri="{91240B29-F687-4F45-9708-019B960494DF}">
-              <a14:hiddenLine xmlns:a14="http://schemas.microsoft.com/office/drawing/2010/main" w="9525">
-                <a:solidFill>
-                  <a:schemeClr val="tx1"/>
-                </a:solidFill>
-                <a:miter lim="800000"/>
-                <a:headEnd/>
-                <a:tailEnd/>
-              </a14:hiddenLine>
-            </a:ext>
-            <a:ext uri="{AF507438-7753-43E0-B8FC-AC1667EBCBE1}">
-              <a14:hiddenEffects xmlns:a14="http://schemas.microsoft.com/office/drawing/2010/main">
-                <a:effectLst>
-                  <a:outerShdw dist="35921" dir="2700000" algn="ctr" rotWithShape="0">
-                    <a:schemeClr val="bg2"/>
-                  </a:outerShdw>
-                </a:effectLst>
-              </a14:hiddenEffects>
-            </a:ext>
-          </a:extLst>
-        </p:spPr>
-      </p:pic>
-    </p:spTree>
-    <p:extLst>
-      <p:ext uri="{BB962C8B-B14F-4D97-AF65-F5344CB8AC3E}">
-        <p14:creationId xmlns:p14="http://schemas.microsoft.com/office/powerpoint/2010/main" val="243338322"/>
       </p:ext>
     </p:extLst>
   </p:cSld>
